--- a/_book/plot/unnamed-chunk-71-1.pptx
+++ b/_book/plot/unnamed-chunk-71-1.pptx
@@ -3151,20 +3151,208 @@
         </p:sp>
         <p:sp>
           <p:nvSpPr>
-            <p:cNvPr id="4" name="rc4"/>
+            <p:cNvPr id="4" name="pg4"/>
             <p:cNvSpPr/>
             <p:nvPr/>
           </p:nvSpPr>
           <p:spPr>
             <a:xfrm>
-              <a:off x="1691481" y="1521028"/>
-              <a:ext cx="7315199" cy="4520793"/>
+              <a:off x="4294735" y="1973107"/>
+              <a:ext cx="205366" cy="1808317"/>
             </a:xfrm>
-            <a:prstGeom prst="rect">
+            <a:custGeom>
               <a:avLst/>
-            </a:prstGeom>
+              <a:pathLst>
+                <a:path w="205366" h="1808317">
+                  <a:moveTo>
+                    <a:pt x="0" y="1808317"/>
+                  </a:moveTo>
+                  <a:lnTo>
+                    <a:pt x="7081" y="1746365"/>
+                  </a:lnTo>
+                  <a:lnTo>
+                    <a:pt x="14163" y="1684412"/>
+                  </a:lnTo>
+                  <a:lnTo>
+                    <a:pt x="21244" y="1622460"/>
+                  </a:lnTo>
+                  <a:lnTo>
+                    <a:pt x="28326" y="1560508"/>
+                  </a:lnTo>
+                  <a:lnTo>
+                    <a:pt x="35407" y="1498555"/>
+                  </a:lnTo>
+                  <a:lnTo>
+                    <a:pt x="42489" y="1436603"/>
+                  </a:lnTo>
+                  <a:lnTo>
+                    <a:pt x="49571" y="1374650"/>
+                  </a:lnTo>
+                  <a:lnTo>
+                    <a:pt x="56652" y="1312698"/>
+                  </a:lnTo>
+                  <a:lnTo>
+                    <a:pt x="63734" y="1250746"/>
+                  </a:lnTo>
+                  <a:lnTo>
+                    <a:pt x="70815" y="1188793"/>
+                  </a:lnTo>
+                  <a:lnTo>
+                    <a:pt x="77897" y="1126841"/>
+                  </a:lnTo>
+                  <a:lnTo>
+                    <a:pt x="84979" y="1064889"/>
+                  </a:lnTo>
+                  <a:lnTo>
+                    <a:pt x="92060" y="1002936"/>
+                  </a:lnTo>
+                  <a:lnTo>
+                    <a:pt x="99142" y="940984"/>
+                  </a:lnTo>
+                  <a:lnTo>
+                    <a:pt x="106223" y="879032"/>
+                  </a:lnTo>
+                  <a:lnTo>
+                    <a:pt x="113305" y="817079"/>
+                  </a:lnTo>
+                  <a:lnTo>
+                    <a:pt x="120387" y="755127"/>
+                  </a:lnTo>
+                  <a:lnTo>
+                    <a:pt x="127468" y="693175"/>
+                  </a:lnTo>
+                  <a:lnTo>
+                    <a:pt x="134550" y="631222"/>
+                  </a:lnTo>
+                  <a:lnTo>
+                    <a:pt x="141631" y="569270"/>
+                  </a:lnTo>
+                  <a:lnTo>
+                    <a:pt x="148713" y="507318"/>
+                  </a:lnTo>
+                  <a:lnTo>
+                    <a:pt x="155794" y="445365"/>
+                  </a:lnTo>
+                  <a:lnTo>
+                    <a:pt x="162876" y="383413"/>
+                  </a:lnTo>
+                  <a:lnTo>
+                    <a:pt x="169958" y="321461"/>
+                  </a:lnTo>
+                  <a:lnTo>
+                    <a:pt x="177039" y="259508"/>
+                  </a:lnTo>
+                  <a:lnTo>
+                    <a:pt x="184121" y="197556"/>
+                  </a:lnTo>
+                  <a:lnTo>
+                    <a:pt x="191202" y="135604"/>
+                  </a:lnTo>
+                  <a:lnTo>
+                    <a:pt x="198284" y="73651"/>
+                  </a:lnTo>
+                  <a:lnTo>
+                    <a:pt x="205366" y="11699"/>
+                  </a:lnTo>
+                  <a:lnTo>
+                    <a:pt x="137075" y="5202"/>
+                  </a:lnTo>
+                  <a:lnTo>
+                    <a:pt x="68586" y="1301"/>
+                  </a:lnTo>
+                  <a:lnTo>
+                    <a:pt x="0" y="0"/>
+                  </a:lnTo>
+                  <a:lnTo>
+                    <a:pt x="0" y="62355"/>
+                  </a:lnTo>
+                  <a:lnTo>
+                    <a:pt x="0" y="124711"/>
+                  </a:lnTo>
+                  <a:lnTo>
+                    <a:pt x="0" y="187067"/>
+                  </a:lnTo>
+                  <a:lnTo>
+                    <a:pt x="0" y="249423"/>
+                  </a:lnTo>
+                  <a:lnTo>
+                    <a:pt x="0" y="311778"/>
+                  </a:lnTo>
+                  <a:lnTo>
+                    <a:pt x="0" y="374134"/>
+                  </a:lnTo>
+                  <a:lnTo>
+                    <a:pt x="0" y="436490"/>
+                  </a:lnTo>
+                  <a:lnTo>
+                    <a:pt x="0" y="498846"/>
+                  </a:lnTo>
+                  <a:lnTo>
+                    <a:pt x="0" y="561201"/>
+                  </a:lnTo>
+                  <a:lnTo>
+                    <a:pt x="0" y="623557"/>
+                  </a:lnTo>
+                  <a:lnTo>
+                    <a:pt x="0" y="685913"/>
+                  </a:lnTo>
+                  <a:lnTo>
+                    <a:pt x="0" y="748269"/>
+                  </a:lnTo>
+                  <a:lnTo>
+                    <a:pt x="0" y="810625"/>
+                  </a:lnTo>
+                  <a:lnTo>
+                    <a:pt x="0" y="872980"/>
+                  </a:lnTo>
+                  <a:lnTo>
+                    <a:pt x="0" y="935336"/>
+                  </a:lnTo>
+                  <a:lnTo>
+                    <a:pt x="0" y="997692"/>
+                  </a:lnTo>
+                  <a:lnTo>
+                    <a:pt x="0" y="1060048"/>
+                  </a:lnTo>
+                  <a:lnTo>
+                    <a:pt x="0" y="1122403"/>
+                  </a:lnTo>
+                  <a:lnTo>
+                    <a:pt x="0" y="1184759"/>
+                  </a:lnTo>
+                  <a:lnTo>
+                    <a:pt x="0" y="1247115"/>
+                  </a:lnTo>
+                  <a:lnTo>
+                    <a:pt x="0" y="1309471"/>
+                  </a:lnTo>
+                  <a:lnTo>
+                    <a:pt x="0" y="1371827"/>
+                  </a:lnTo>
+                  <a:lnTo>
+                    <a:pt x="0" y="1434182"/>
+                  </a:lnTo>
+                  <a:lnTo>
+                    <a:pt x="0" y="1496538"/>
+                  </a:lnTo>
+                  <a:lnTo>
+                    <a:pt x="0" y="1558894"/>
+                  </a:lnTo>
+                  <a:lnTo>
+                    <a:pt x="0" y="1621250"/>
+                  </a:lnTo>
+                  <a:lnTo>
+                    <a:pt x="0" y="1683605"/>
+                  </a:lnTo>
+                  <a:lnTo>
+                    <a:pt x="0" y="1745961"/>
+                  </a:lnTo>
+                  <a:close/>
+                </a:path>
+              </a:pathLst>
+            </a:custGeom>
             <a:solidFill>
-              <a:srgbClr val="FFFFFF">
+              <a:srgbClr val="619CFF">
                 <a:alpha val="100000"/>
               </a:srgbClr>
             </a:solidFill>
@@ -3186,60 +3374,421 @@
         </p:sp>
         <p:sp>
           <p:nvSpPr>
-            <p:cNvPr id="5" name="rc5"/>
+            <p:cNvPr id="5" name="pg5"/>
             <p:cNvSpPr/>
             <p:nvPr/>
           </p:nvSpPr>
           <p:spPr>
             <a:xfrm>
-              <a:off x="2023549" y="1590617"/>
-              <a:ext cx="6913543" cy="4048310"/>
-            </a:xfrm>
-            <a:prstGeom prst="rect">
-              <a:avLst/>
-            </a:prstGeom>
-            <a:solidFill>
-              <a:srgbClr val="FFFFFF">
-                <a:alpha val="100000"/>
-              </a:srgbClr>
-            </a:solidFill>
-          </p:spPr>
-          <p:txBody>
-            <a:bodyPr/>
-            <a:lstStyle/>
-            <a:p/>
-          </p:txBody>
-        </p:sp>
-        <p:sp>
-          <p:nvSpPr>
-            <p:cNvPr id="6" name="pl6"/>
-            <p:cNvSpPr/>
-            <p:nvPr/>
-          </p:nvSpPr>
-          <p:spPr>
-            <a:xfrm>
-              <a:off x="3144989" y="1590617"/>
-              <a:ext cx="0" cy="4048310"/>
+              <a:off x="4294735" y="1984806"/>
+              <a:ext cx="1808192" cy="3320525"/>
             </a:xfrm>
             <a:custGeom>
               <a:avLst/>
               <a:pathLst>
-                <a:path w="0" h="4048310">
+                <a:path w="1808192" h="3320525">
                   <a:moveTo>
-                    <a:pt x="0" y="4048310"/>
+                    <a:pt x="0" y="1796618"/>
                   </a:moveTo>
                   <a:lnTo>
-                    <a:pt x="0" y="0"/>
-                  </a:lnTo>
-                  <a:lnTo>
-                    <a:pt x="0" y="0"/>
-                  </a:lnTo>
+                    <a:pt x="33569" y="1849166"/>
+                  </a:lnTo>
+                  <a:lnTo>
+                    <a:pt x="67138" y="1901715"/>
+                  </a:lnTo>
+                  <a:lnTo>
+                    <a:pt x="100707" y="1954263"/>
+                  </a:lnTo>
+                  <a:lnTo>
+                    <a:pt x="134277" y="2006812"/>
+                  </a:lnTo>
+                  <a:lnTo>
+                    <a:pt x="167846" y="2059360"/>
+                  </a:lnTo>
+                  <a:lnTo>
+                    <a:pt x="201415" y="2111909"/>
+                  </a:lnTo>
+                  <a:lnTo>
+                    <a:pt x="234984" y="2164457"/>
+                  </a:lnTo>
+                  <a:lnTo>
+                    <a:pt x="268554" y="2217006"/>
+                  </a:lnTo>
+                  <a:lnTo>
+                    <a:pt x="302123" y="2269554"/>
+                  </a:lnTo>
+                  <a:lnTo>
+                    <a:pt x="335692" y="2322103"/>
+                  </a:lnTo>
+                  <a:lnTo>
+                    <a:pt x="369261" y="2374651"/>
+                  </a:lnTo>
+                  <a:lnTo>
+                    <a:pt x="402831" y="2427200"/>
+                  </a:lnTo>
+                  <a:lnTo>
+                    <a:pt x="436400" y="2479748"/>
+                  </a:lnTo>
+                  <a:lnTo>
+                    <a:pt x="469969" y="2532297"/>
+                  </a:lnTo>
+                  <a:lnTo>
+                    <a:pt x="503539" y="2584845"/>
+                  </a:lnTo>
+                  <a:lnTo>
+                    <a:pt x="537108" y="2637394"/>
+                  </a:lnTo>
+                  <a:lnTo>
+                    <a:pt x="570677" y="2689942"/>
+                  </a:lnTo>
+                  <a:lnTo>
+                    <a:pt x="604246" y="2742491"/>
+                  </a:lnTo>
+                  <a:lnTo>
+                    <a:pt x="637816" y="2795039"/>
+                  </a:lnTo>
+                  <a:lnTo>
+                    <a:pt x="671385" y="2847588"/>
+                  </a:lnTo>
+                  <a:lnTo>
+                    <a:pt x="704954" y="2900137"/>
+                  </a:lnTo>
+                  <a:lnTo>
+                    <a:pt x="738523" y="2952685"/>
+                  </a:lnTo>
+                  <a:lnTo>
+                    <a:pt x="772093" y="3005234"/>
+                  </a:lnTo>
+                  <a:lnTo>
+                    <a:pt x="805662" y="3057782"/>
+                  </a:lnTo>
+                  <a:lnTo>
+                    <a:pt x="839231" y="3110331"/>
+                  </a:lnTo>
+                  <a:lnTo>
+                    <a:pt x="872801" y="3162879"/>
+                  </a:lnTo>
+                  <a:lnTo>
+                    <a:pt x="906370" y="3215428"/>
+                  </a:lnTo>
+                  <a:lnTo>
+                    <a:pt x="939939" y="3267976"/>
+                  </a:lnTo>
+                  <a:lnTo>
+                    <a:pt x="973508" y="3320525"/>
+                  </a:lnTo>
+                  <a:lnTo>
+                    <a:pt x="1024982" y="3286390"/>
+                  </a:lnTo>
+                  <a:lnTo>
+                    <a:pt x="1075261" y="3250518"/>
+                  </a:lnTo>
+                  <a:lnTo>
+                    <a:pt x="1124285" y="3212949"/>
+                  </a:lnTo>
+                  <a:lnTo>
+                    <a:pt x="1171997" y="3173728"/>
+                  </a:lnTo>
+                  <a:lnTo>
+                    <a:pt x="1218342" y="3132901"/>
+                  </a:lnTo>
+                  <a:lnTo>
+                    <a:pt x="1263266" y="3090515"/>
+                  </a:lnTo>
+                  <a:lnTo>
+                    <a:pt x="1306716" y="3046619"/>
+                  </a:lnTo>
+                  <a:lnTo>
+                    <a:pt x="1348642" y="3001265"/>
+                  </a:lnTo>
+                  <a:lnTo>
+                    <a:pt x="1388994" y="2954506"/>
+                  </a:lnTo>
+                  <a:lnTo>
+                    <a:pt x="1427726" y="2906396"/>
+                  </a:lnTo>
+                  <a:lnTo>
+                    <a:pt x="1464793" y="2856991"/>
+                  </a:lnTo>
+                  <a:lnTo>
+                    <a:pt x="1500151" y="2806350"/>
+                  </a:lnTo>
+                  <a:lnTo>
+                    <a:pt x="1533758" y="2754530"/>
+                  </a:lnTo>
+                  <a:lnTo>
+                    <a:pt x="1565577" y="2701593"/>
+                  </a:lnTo>
+                  <a:lnTo>
+                    <a:pt x="1595569" y="2647600"/>
+                  </a:lnTo>
+                  <a:lnTo>
+                    <a:pt x="1623699" y="2592615"/>
+                  </a:lnTo>
+                  <a:lnTo>
+                    <a:pt x="1649936" y="2536700"/>
+                  </a:lnTo>
+                  <a:lnTo>
+                    <a:pt x="1674247" y="2479923"/>
+                  </a:lnTo>
+                  <a:lnTo>
+                    <a:pt x="1696606" y="2422348"/>
+                  </a:lnTo>
+                  <a:lnTo>
+                    <a:pt x="1716985" y="2364044"/>
+                  </a:lnTo>
+                  <a:lnTo>
+                    <a:pt x="1735361" y="2305077"/>
+                  </a:lnTo>
+                  <a:lnTo>
+                    <a:pt x="1751713" y="2245517"/>
+                  </a:lnTo>
+                  <a:lnTo>
+                    <a:pt x="1766022" y="2185434"/>
+                  </a:lnTo>
+                  <a:lnTo>
+                    <a:pt x="1778270" y="2124897"/>
+                  </a:lnTo>
+                  <a:lnTo>
+                    <a:pt x="1788443" y="2063977"/>
+                  </a:lnTo>
+                  <a:lnTo>
+                    <a:pt x="1796530" y="2002745"/>
+                  </a:lnTo>
+                  <a:lnTo>
+                    <a:pt x="1802522" y="1941273"/>
+                  </a:lnTo>
+                  <a:lnTo>
+                    <a:pt x="1806410" y="1879632"/>
+                  </a:lnTo>
+                  <a:lnTo>
+                    <a:pt x="1808192" y="1817894"/>
+                  </a:lnTo>
+                  <a:lnTo>
+                    <a:pt x="1807864" y="1756131"/>
+                  </a:lnTo>
+                  <a:lnTo>
+                    <a:pt x="1805427" y="1694415"/>
+                  </a:lnTo>
+                  <a:lnTo>
+                    <a:pt x="1800883" y="1632819"/>
+                  </a:lnTo>
+                  <a:lnTo>
+                    <a:pt x="1794239" y="1571414"/>
+                  </a:lnTo>
+                  <a:lnTo>
+                    <a:pt x="1785502" y="1510271"/>
+                  </a:lnTo>
+                  <a:lnTo>
+                    <a:pt x="1774681" y="1449463"/>
+                  </a:lnTo>
+                  <a:lnTo>
+                    <a:pt x="1761791" y="1389059"/>
+                  </a:lnTo>
+                  <a:lnTo>
+                    <a:pt x="1746845" y="1329131"/>
+                  </a:lnTo>
+                  <a:lnTo>
+                    <a:pt x="1729861" y="1269749"/>
+                  </a:lnTo>
+                  <a:lnTo>
+                    <a:pt x="1710859" y="1210981"/>
+                  </a:lnTo>
+                  <a:lnTo>
+                    <a:pt x="1689862" y="1152896"/>
+                  </a:lnTo>
+                  <a:lnTo>
+                    <a:pt x="1666893" y="1095562"/>
+                  </a:lnTo>
+                  <a:lnTo>
+                    <a:pt x="1641979" y="1039046"/>
+                  </a:lnTo>
+                  <a:lnTo>
+                    <a:pt x="1615150" y="983414"/>
+                  </a:lnTo>
+                  <a:lnTo>
+                    <a:pt x="1586437" y="928730"/>
+                  </a:lnTo>
+                  <a:lnTo>
+                    <a:pt x="1555873" y="875059"/>
+                  </a:lnTo>
+                  <a:lnTo>
+                    <a:pt x="1523494" y="822463"/>
+                  </a:lnTo>
+                  <a:lnTo>
+                    <a:pt x="1489338" y="771004"/>
+                  </a:lnTo>
+                  <a:lnTo>
+                    <a:pt x="1453444" y="720740"/>
+                  </a:lnTo>
+                  <a:lnTo>
+                    <a:pt x="1415854" y="671732"/>
+                  </a:lnTo>
+                  <a:lnTo>
+                    <a:pt x="1376613" y="624037"/>
+                  </a:lnTo>
+                  <a:lnTo>
+                    <a:pt x="1335766" y="577709"/>
+                  </a:lnTo>
+                  <a:lnTo>
+                    <a:pt x="1293361" y="532803"/>
+                  </a:lnTo>
+                  <a:lnTo>
+                    <a:pt x="1249447" y="489371"/>
+                  </a:lnTo>
+                  <a:lnTo>
+                    <a:pt x="1204075" y="447465"/>
+                  </a:lnTo>
+                  <a:lnTo>
+                    <a:pt x="1157299" y="407132"/>
+                  </a:lnTo>
+                  <a:lnTo>
+                    <a:pt x="1109173" y="368421"/>
+                  </a:lnTo>
+                  <a:lnTo>
+                    <a:pt x="1059752" y="331375"/>
+                  </a:lnTo>
+                  <a:lnTo>
+                    <a:pt x="1009096" y="296039"/>
+                  </a:lnTo>
+                  <a:lnTo>
+                    <a:pt x="957262" y="262453"/>
+                  </a:lnTo>
+                  <a:lnTo>
+                    <a:pt x="904311" y="230657"/>
+                  </a:lnTo>
+                  <a:lnTo>
+                    <a:pt x="850306" y="200688"/>
+                  </a:lnTo>
+                  <a:lnTo>
+                    <a:pt x="795308" y="172581"/>
+                  </a:lnTo>
+                  <a:lnTo>
+                    <a:pt x="739383" y="146368"/>
+                  </a:lnTo>
+                  <a:lnTo>
+                    <a:pt x="682595" y="122080"/>
+                  </a:lnTo>
+                  <a:lnTo>
+                    <a:pt x="625011" y="99746"/>
+                  </a:lnTo>
+                  <a:lnTo>
+                    <a:pt x="566698" y="79392"/>
+                  </a:lnTo>
+                  <a:lnTo>
+                    <a:pt x="507724" y="61040"/>
+                  </a:lnTo>
+                  <a:lnTo>
+                    <a:pt x="448157" y="44714"/>
+                  </a:lnTo>
+                  <a:lnTo>
+                    <a:pt x="388067" y="30431"/>
+                  </a:lnTo>
+                  <a:lnTo>
+                    <a:pt x="327525" y="18209"/>
+                  </a:lnTo>
+                  <a:lnTo>
+                    <a:pt x="266601" y="8061"/>
+                  </a:lnTo>
+                  <a:lnTo>
+                    <a:pt x="205366" y="0"/>
+                  </a:lnTo>
+                  <a:lnTo>
+                    <a:pt x="198284" y="61952"/>
+                  </a:lnTo>
+                  <a:lnTo>
+                    <a:pt x="191202" y="123904"/>
+                  </a:lnTo>
+                  <a:lnTo>
+                    <a:pt x="184121" y="185857"/>
+                  </a:lnTo>
+                  <a:lnTo>
+                    <a:pt x="177039" y="247809"/>
+                  </a:lnTo>
+                  <a:lnTo>
+                    <a:pt x="169958" y="309761"/>
+                  </a:lnTo>
+                  <a:lnTo>
+                    <a:pt x="162876" y="371714"/>
+                  </a:lnTo>
+                  <a:lnTo>
+                    <a:pt x="155794" y="433666"/>
+                  </a:lnTo>
+                  <a:lnTo>
+                    <a:pt x="148713" y="495618"/>
+                  </a:lnTo>
+                  <a:lnTo>
+                    <a:pt x="141631" y="557571"/>
+                  </a:lnTo>
+                  <a:lnTo>
+                    <a:pt x="134550" y="619523"/>
+                  </a:lnTo>
+                  <a:lnTo>
+                    <a:pt x="127468" y="681475"/>
+                  </a:lnTo>
+                  <a:lnTo>
+                    <a:pt x="120387" y="743428"/>
+                  </a:lnTo>
+                  <a:lnTo>
+                    <a:pt x="113305" y="805380"/>
+                  </a:lnTo>
+                  <a:lnTo>
+                    <a:pt x="106223" y="867332"/>
+                  </a:lnTo>
+                  <a:lnTo>
+                    <a:pt x="99142" y="929285"/>
+                  </a:lnTo>
+                  <a:lnTo>
+                    <a:pt x="92060" y="991237"/>
+                  </a:lnTo>
+                  <a:lnTo>
+                    <a:pt x="84979" y="1053189"/>
+                  </a:lnTo>
+                  <a:lnTo>
+                    <a:pt x="77897" y="1115142"/>
+                  </a:lnTo>
+                  <a:lnTo>
+                    <a:pt x="70815" y="1177094"/>
+                  </a:lnTo>
+                  <a:lnTo>
+                    <a:pt x="63734" y="1239046"/>
+                  </a:lnTo>
+                  <a:lnTo>
+                    <a:pt x="56652" y="1300999"/>
+                  </a:lnTo>
+                  <a:lnTo>
+                    <a:pt x="49571" y="1362951"/>
+                  </a:lnTo>
+                  <a:lnTo>
+                    <a:pt x="42489" y="1424904"/>
+                  </a:lnTo>
+                  <a:lnTo>
+                    <a:pt x="35407" y="1486856"/>
+                  </a:lnTo>
+                  <a:lnTo>
+                    <a:pt x="28326" y="1548808"/>
+                  </a:lnTo>
+                  <a:lnTo>
+                    <a:pt x="21244" y="1610761"/>
+                  </a:lnTo>
+                  <a:lnTo>
+                    <a:pt x="14163" y="1672713"/>
+                  </a:lnTo>
+                  <a:lnTo>
+                    <a:pt x="7081" y="1734665"/>
+                  </a:lnTo>
+                  <a:close/>
                 </a:path>
               </a:pathLst>
             </a:custGeom>
-            <a:ln w="3387" cap="flat">
+            <a:solidFill>
+              <a:srgbClr val="00BA38">
+                <a:alpha val="100000"/>
+              </a:srgbClr>
+            </a:solidFill>
+            <a:ln w="13550" cap="rnd">
               <a:solidFill>
-                <a:srgbClr val="DEDEDE">
+                <a:srgbClr val="FFFFFF">
                   <a:alpha val="100000"/>
                 </a:srgbClr>
               </a:solidFill>
@@ -3255,34 +3804,532 @@
         </p:sp>
         <p:sp>
           <p:nvSpPr>
-            <p:cNvPr id="7" name="pl7"/>
+            <p:cNvPr id="6" name="pg6"/>
             <p:cNvSpPr/>
             <p:nvPr/>
           </p:nvSpPr>
           <p:spPr>
             <a:xfrm>
-              <a:off x="5387869" y="1590617"/>
-              <a:ext cx="0" cy="4048310"/>
+              <a:off x="2486441" y="1973107"/>
+              <a:ext cx="2781802" cy="3616541"/>
             </a:xfrm>
             <a:custGeom>
               <a:avLst/>
               <a:pathLst>
-                <a:path w="0" h="4048310">
+                <a:path w="2781802" h="3616541">
                   <a:moveTo>
-                    <a:pt x="0" y="4048310"/>
+                    <a:pt x="1808294" y="1808317"/>
                   </a:moveTo>
                   <a:lnTo>
-                    <a:pt x="0" y="0"/>
-                  </a:lnTo>
-                  <a:lnTo>
-                    <a:pt x="0" y="0"/>
-                  </a:lnTo>
+                    <a:pt x="1808294" y="1745961"/>
+                  </a:lnTo>
+                  <a:lnTo>
+                    <a:pt x="1808294" y="1683605"/>
+                  </a:lnTo>
+                  <a:lnTo>
+                    <a:pt x="1808294" y="1621250"/>
+                  </a:lnTo>
+                  <a:lnTo>
+                    <a:pt x="1808294" y="1558894"/>
+                  </a:lnTo>
+                  <a:lnTo>
+                    <a:pt x="1808294" y="1496538"/>
+                  </a:lnTo>
+                  <a:lnTo>
+                    <a:pt x="1808294" y="1434182"/>
+                  </a:lnTo>
+                  <a:lnTo>
+                    <a:pt x="1808294" y="1371827"/>
+                  </a:lnTo>
+                  <a:lnTo>
+                    <a:pt x="1808294" y="1309471"/>
+                  </a:lnTo>
+                  <a:lnTo>
+                    <a:pt x="1808294" y="1247115"/>
+                  </a:lnTo>
+                  <a:lnTo>
+                    <a:pt x="1808294" y="1184759"/>
+                  </a:lnTo>
+                  <a:lnTo>
+                    <a:pt x="1808294" y="1122403"/>
+                  </a:lnTo>
+                  <a:lnTo>
+                    <a:pt x="1808294" y="1060048"/>
+                  </a:lnTo>
+                  <a:lnTo>
+                    <a:pt x="1808294" y="997692"/>
+                  </a:lnTo>
+                  <a:lnTo>
+                    <a:pt x="1808294" y="935336"/>
+                  </a:lnTo>
+                  <a:lnTo>
+                    <a:pt x="1808294" y="872980"/>
+                  </a:lnTo>
+                  <a:lnTo>
+                    <a:pt x="1808294" y="810625"/>
+                  </a:lnTo>
+                  <a:lnTo>
+                    <a:pt x="1808294" y="748269"/>
+                  </a:lnTo>
+                  <a:lnTo>
+                    <a:pt x="1808294" y="685913"/>
+                  </a:lnTo>
+                  <a:lnTo>
+                    <a:pt x="1808294" y="623557"/>
+                  </a:lnTo>
+                  <a:lnTo>
+                    <a:pt x="1808294" y="561201"/>
+                  </a:lnTo>
+                  <a:lnTo>
+                    <a:pt x="1808294" y="498846"/>
+                  </a:lnTo>
+                  <a:lnTo>
+                    <a:pt x="1808294" y="436490"/>
+                  </a:lnTo>
+                  <a:lnTo>
+                    <a:pt x="1808294" y="374134"/>
+                  </a:lnTo>
+                  <a:lnTo>
+                    <a:pt x="1808294" y="311778"/>
+                  </a:lnTo>
+                  <a:lnTo>
+                    <a:pt x="1808294" y="249423"/>
+                  </a:lnTo>
+                  <a:lnTo>
+                    <a:pt x="1808294" y="187067"/>
+                  </a:lnTo>
+                  <a:lnTo>
+                    <a:pt x="1808294" y="124711"/>
+                  </a:lnTo>
+                  <a:lnTo>
+                    <a:pt x="1808294" y="62355"/>
+                  </a:lnTo>
+                  <a:lnTo>
+                    <a:pt x="1808294" y="0"/>
+                  </a:lnTo>
+                  <a:lnTo>
+                    <a:pt x="1746755" y="1047"/>
+                  </a:lnTo>
+                  <a:lnTo>
+                    <a:pt x="1685288" y="4188"/>
+                  </a:lnTo>
+                  <a:lnTo>
+                    <a:pt x="1623963" y="9419"/>
+                  </a:lnTo>
+                  <a:lnTo>
+                    <a:pt x="1562852" y="16734"/>
+                  </a:lnTo>
+                  <a:lnTo>
+                    <a:pt x="1502025" y="26124"/>
+                  </a:lnTo>
+                  <a:lnTo>
+                    <a:pt x="1441553" y="37579"/>
+                  </a:lnTo>
+                  <a:lnTo>
+                    <a:pt x="1381506" y="51085"/>
+                  </a:lnTo>
+                  <a:lnTo>
+                    <a:pt x="1321953" y="66627"/>
+                  </a:lnTo>
+                  <a:lnTo>
+                    <a:pt x="1262964" y="84186"/>
+                  </a:lnTo>
+                  <a:lnTo>
+                    <a:pt x="1204606" y="103743"/>
+                  </a:lnTo>
+                  <a:lnTo>
+                    <a:pt x="1146948" y="125274"/>
+                  </a:lnTo>
+                  <a:lnTo>
+                    <a:pt x="1090056" y="148755"/>
+                  </a:lnTo>
+                  <a:lnTo>
+                    <a:pt x="1033996" y="174158"/>
+                  </a:lnTo>
+                  <a:lnTo>
+                    <a:pt x="978832" y="201455"/>
+                  </a:lnTo>
+                  <a:lnTo>
+                    <a:pt x="924630" y="230613"/>
+                  </a:lnTo>
+                  <a:lnTo>
+                    <a:pt x="871451" y="261598"/>
+                  </a:lnTo>
+                  <a:lnTo>
+                    <a:pt x="819358" y="294376"/>
+                  </a:lnTo>
+                  <a:lnTo>
+                    <a:pt x="768410" y="328907"/>
+                  </a:lnTo>
+                  <a:lnTo>
+                    <a:pt x="718667" y="365152"/>
+                  </a:lnTo>
+                  <a:lnTo>
+                    <a:pt x="670186" y="403068"/>
+                  </a:lnTo>
+                  <a:lnTo>
+                    <a:pt x="623024" y="442613"/>
+                  </a:lnTo>
+                  <a:lnTo>
+                    <a:pt x="577234" y="483740"/>
+                  </a:lnTo>
+                  <a:lnTo>
+                    <a:pt x="532871" y="526401"/>
+                  </a:lnTo>
+                  <a:lnTo>
+                    <a:pt x="489985" y="570547"/>
+                  </a:lnTo>
+                  <a:lnTo>
+                    <a:pt x="448626" y="616127"/>
+                  </a:lnTo>
+                  <a:lnTo>
+                    <a:pt x="408843" y="663088"/>
+                  </a:lnTo>
+                  <a:lnTo>
+                    <a:pt x="370680" y="711376"/>
+                  </a:lnTo>
+                  <a:lnTo>
+                    <a:pt x="334183" y="760934"/>
+                  </a:lnTo>
+                  <a:lnTo>
+                    <a:pt x="299394" y="811706"/>
+                  </a:lnTo>
+                  <a:lnTo>
+                    <a:pt x="266352" y="863632"/>
+                  </a:lnTo>
+                  <a:lnTo>
+                    <a:pt x="235097" y="916653"/>
+                  </a:lnTo>
+                  <a:lnTo>
+                    <a:pt x="205664" y="970707"/>
+                  </a:lnTo>
+                  <a:lnTo>
+                    <a:pt x="178088" y="1025730"/>
+                  </a:lnTo>
+                  <a:lnTo>
+                    <a:pt x="152400" y="1081661"/>
+                  </a:lnTo>
+                  <a:lnTo>
+                    <a:pt x="128631" y="1138433"/>
+                  </a:lnTo>
+                  <a:lnTo>
+                    <a:pt x="106807" y="1195981"/>
+                  </a:lnTo>
+                  <a:lnTo>
+                    <a:pt x="86954" y="1254239"/>
+                  </a:lnTo>
+                  <a:lnTo>
+                    <a:pt x="69095" y="1313138"/>
+                  </a:lnTo>
+                  <a:lnTo>
+                    <a:pt x="53252" y="1372612"/>
+                  </a:lnTo>
+                  <a:lnTo>
+                    <a:pt x="39441" y="1432589"/>
+                  </a:lnTo>
+                  <a:lnTo>
+                    <a:pt x="27679" y="1493002"/>
+                  </a:lnTo>
+                  <a:lnTo>
+                    <a:pt x="17980" y="1553781"/>
+                  </a:lnTo>
+                  <a:lnTo>
+                    <a:pt x="10355" y="1614854"/>
+                  </a:lnTo>
+                  <a:lnTo>
+                    <a:pt x="4812" y="1676151"/>
+                  </a:lnTo>
+                  <a:lnTo>
+                    <a:pt x="1359" y="1737602"/>
+                  </a:lnTo>
+                  <a:lnTo>
+                    <a:pt x="0" y="1799134"/>
+                  </a:lnTo>
+                  <a:lnTo>
+                    <a:pt x="734" y="1860677"/>
+                  </a:lnTo>
+                  <a:lnTo>
+                    <a:pt x="3563" y="1922159"/>
+                  </a:lnTo>
+                  <a:lnTo>
+                    <a:pt x="8483" y="1983510"/>
+                  </a:lnTo>
+                  <a:lnTo>
+                    <a:pt x="15487" y="2044657"/>
+                  </a:lnTo>
+                  <a:lnTo>
+                    <a:pt x="24568" y="2105531"/>
+                  </a:lnTo>
+                  <a:lnTo>
+                    <a:pt x="35716" y="2166060"/>
+                  </a:lnTo>
+                  <a:lnTo>
+                    <a:pt x="48917" y="2226175"/>
+                  </a:lnTo>
+                  <a:lnTo>
+                    <a:pt x="64156" y="2285806"/>
+                  </a:lnTo>
+                  <a:lnTo>
+                    <a:pt x="81416" y="2344884"/>
+                  </a:lnTo>
+                  <a:lnTo>
+                    <a:pt x="100676" y="2403340"/>
+                  </a:lnTo>
+                  <a:lnTo>
+                    <a:pt x="121914" y="2461107"/>
+                  </a:lnTo>
+                  <a:lnTo>
+                    <a:pt x="145106" y="2518118"/>
+                  </a:lnTo>
+                  <a:lnTo>
+                    <a:pt x="170224" y="2574306"/>
+                  </a:lnTo>
+                  <a:lnTo>
+                    <a:pt x="197240" y="2629608"/>
+                  </a:lnTo>
+                  <a:lnTo>
+                    <a:pt x="226122" y="2683957"/>
+                  </a:lnTo>
+                  <a:lnTo>
+                    <a:pt x="256837" y="2737293"/>
+                  </a:lnTo>
+                  <a:lnTo>
+                    <a:pt x="289350" y="2789552"/>
+                  </a:lnTo>
+                  <a:lnTo>
+                    <a:pt x="323622" y="2840674"/>
+                  </a:lnTo>
+                  <a:lnTo>
+                    <a:pt x="359614" y="2890601"/>
+                  </a:lnTo>
+                  <a:lnTo>
+                    <a:pt x="397284" y="2939274"/>
+                  </a:lnTo>
+                  <a:lnTo>
+                    <a:pt x="436588" y="2986636"/>
+                  </a:lnTo>
+                  <a:lnTo>
+                    <a:pt x="477482" y="3032634"/>
+                  </a:lnTo>
+                  <a:lnTo>
+                    <a:pt x="519917" y="3077214"/>
+                  </a:lnTo>
+                  <a:lnTo>
+                    <a:pt x="563845" y="3120323"/>
+                  </a:lnTo>
+                  <a:lnTo>
+                    <a:pt x="609215" y="3161913"/>
+                  </a:lnTo>
+                  <a:lnTo>
+                    <a:pt x="655973" y="3201934"/>
+                  </a:lnTo>
+                  <a:lnTo>
+                    <a:pt x="704066" y="3240341"/>
+                  </a:lnTo>
+                  <a:lnTo>
+                    <a:pt x="753439" y="3277090"/>
+                  </a:lnTo>
+                  <a:lnTo>
+                    <a:pt x="804033" y="3312136"/>
+                  </a:lnTo>
+                  <a:lnTo>
+                    <a:pt x="855791" y="3345441"/>
+                  </a:lnTo>
+                  <a:lnTo>
+                    <a:pt x="908652" y="3376965"/>
+                  </a:lnTo>
+                  <a:lnTo>
+                    <a:pt x="962556" y="3406672"/>
+                  </a:lnTo>
+                  <a:lnTo>
+                    <a:pt x="1017439" y="3434527"/>
+                  </a:lnTo>
+                  <a:lnTo>
+                    <a:pt x="1073238" y="3460499"/>
+                  </a:lnTo>
+                  <a:lnTo>
+                    <a:pt x="1129889" y="3484556"/>
+                  </a:lnTo>
+                  <a:lnTo>
+                    <a:pt x="1187326" y="3506672"/>
+                  </a:lnTo>
+                  <a:lnTo>
+                    <a:pt x="1245482" y="3526821"/>
+                  </a:lnTo>
+                  <a:lnTo>
+                    <a:pt x="1304290" y="3544978"/>
+                  </a:lnTo>
+                  <a:lnTo>
+                    <a:pt x="1363682" y="3561124"/>
+                  </a:lnTo>
+                  <a:lnTo>
+                    <a:pt x="1423588" y="3575239"/>
+                  </a:lnTo>
+                  <a:lnTo>
+                    <a:pt x="1483941" y="3587307"/>
+                  </a:lnTo>
+                  <a:lnTo>
+                    <a:pt x="1544669" y="3597315"/>
+                  </a:lnTo>
+                  <a:lnTo>
+                    <a:pt x="1605703" y="3605250"/>
+                  </a:lnTo>
+                  <a:lnTo>
+                    <a:pt x="1666971" y="3611104"/>
+                  </a:lnTo>
+                  <a:lnTo>
+                    <a:pt x="1728403" y="3614869"/>
+                  </a:lnTo>
+                  <a:lnTo>
+                    <a:pt x="1789928" y="3616541"/>
+                  </a:lnTo>
+                  <a:lnTo>
+                    <a:pt x="1851474" y="3616119"/>
+                  </a:lnTo>
+                  <a:lnTo>
+                    <a:pt x="1912970" y="3613602"/>
+                  </a:lnTo>
+                  <a:lnTo>
+                    <a:pt x="1974345" y="3608994"/>
+                  </a:lnTo>
+                  <a:lnTo>
+                    <a:pt x="2035527" y="3602301"/>
+                  </a:lnTo>
+                  <a:lnTo>
+                    <a:pt x="2096446" y="3593528"/>
+                  </a:lnTo>
+                  <a:lnTo>
+                    <a:pt x="2157031" y="3582688"/>
+                  </a:lnTo>
+                  <a:lnTo>
+                    <a:pt x="2217212" y="3569793"/>
+                  </a:lnTo>
+                  <a:lnTo>
+                    <a:pt x="2276920" y="3554857"/>
+                  </a:lnTo>
+                  <a:lnTo>
+                    <a:pt x="2336085" y="3537897"/>
+                  </a:lnTo>
+                  <a:lnTo>
+                    <a:pt x="2394638" y="3518934"/>
+                  </a:lnTo>
+                  <a:lnTo>
+                    <a:pt x="2452512" y="3497990"/>
+                  </a:lnTo>
+                  <a:lnTo>
+                    <a:pt x="2509640" y="3475088"/>
+                  </a:lnTo>
+                  <a:lnTo>
+                    <a:pt x="2565955" y="3450255"/>
+                  </a:lnTo>
+                  <a:lnTo>
+                    <a:pt x="2621393" y="3423520"/>
+                  </a:lnTo>
+                  <a:lnTo>
+                    <a:pt x="2675888" y="3394914"/>
+                  </a:lnTo>
+                  <a:lnTo>
+                    <a:pt x="2729379" y="3364471"/>
+                  </a:lnTo>
+                  <a:lnTo>
+                    <a:pt x="2781802" y="3332224"/>
+                  </a:lnTo>
+                  <a:lnTo>
+                    <a:pt x="2748233" y="3279675"/>
+                  </a:lnTo>
+                  <a:lnTo>
+                    <a:pt x="2714664" y="3227127"/>
+                  </a:lnTo>
+                  <a:lnTo>
+                    <a:pt x="2681095" y="3174578"/>
+                  </a:lnTo>
+                  <a:lnTo>
+                    <a:pt x="2647525" y="3122030"/>
+                  </a:lnTo>
+                  <a:lnTo>
+                    <a:pt x="2613956" y="3069481"/>
+                  </a:lnTo>
+                  <a:lnTo>
+                    <a:pt x="2580387" y="3016933"/>
+                  </a:lnTo>
+                  <a:lnTo>
+                    <a:pt x="2546818" y="2964384"/>
+                  </a:lnTo>
+                  <a:lnTo>
+                    <a:pt x="2513248" y="2911836"/>
+                  </a:lnTo>
+                  <a:lnTo>
+                    <a:pt x="2479679" y="2859287"/>
+                  </a:lnTo>
+                  <a:lnTo>
+                    <a:pt x="2446110" y="2806739"/>
+                  </a:lnTo>
+                  <a:lnTo>
+                    <a:pt x="2412540" y="2754190"/>
+                  </a:lnTo>
+                  <a:lnTo>
+                    <a:pt x="2378971" y="2701642"/>
+                  </a:lnTo>
+                  <a:lnTo>
+                    <a:pt x="2345402" y="2649093"/>
+                  </a:lnTo>
+                  <a:lnTo>
+                    <a:pt x="2311833" y="2596545"/>
+                  </a:lnTo>
+                  <a:lnTo>
+                    <a:pt x="2278263" y="2543996"/>
+                  </a:lnTo>
+                  <a:lnTo>
+                    <a:pt x="2244694" y="2491448"/>
+                  </a:lnTo>
+                  <a:lnTo>
+                    <a:pt x="2211125" y="2438899"/>
+                  </a:lnTo>
+                  <a:lnTo>
+                    <a:pt x="2177556" y="2386351"/>
+                  </a:lnTo>
+                  <a:lnTo>
+                    <a:pt x="2143986" y="2333802"/>
+                  </a:lnTo>
+                  <a:lnTo>
+                    <a:pt x="2110417" y="2281254"/>
+                  </a:lnTo>
+                  <a:lnTo>
+                    <a:pt x="2076848" y="2228705"/>
+                  </a:lnTo>
+                  <a:lnTo>
+                    <a:pt x="2043279" y="2176157"/>
+                  </a:lnTo>
+                  <a:lnTo>
+                    <a:pt x="2009709" y="2123608"/>
+                  </a:lnTo>
+                  <a:lnTo>
+                    <a:pt x="1976140" y="2071060"/>
+                  </a:lnTo>
+                  <a:lnTo>
+                    <a:pt x="1942571" y="2018511"/>
+                  </a:lnTo>
+                  <a:lnTo>
+                    <a:pt x="1909001" y="1965962"/>
+                  </a:lnTo>
+                  <a:lnTo>
+                    <a:pt x="1875432" y="1913414"/>
+                  </a:lnTo>
+                  <a:lnTo>
+                    <a:pt x="1841863" y="1860865"/>
+                  </a:lnTo>
+                  <a:close/>
                 </a:path>
               </a:pathLst>
             </a:custGeom>
-            <a:ln w="3387" cap="flat">
+            <a:solidFill>
+              <a:srgbClr val="F8766D">
+                <a:alpha val="100000"/>
+              </a:srgbClr>
+            </a:solidFill>
+            <a:ln w="13550" cap="rnd">
               <a:solidFill>
-                <a:srgbClr val="DEDEDE">
+                <a:srgbClr val="FFFFFF">
                   <a:alpha val="100000"/>
                 </a:srgbClr>
               </a:solidFill>
@@ -3298,850 +4345,14 @@
         </p:sp>
         <p:sp>
           <p:nvSpPr>
-            <p:cNvPr id="8" name="pl8"/>
+            <p:cNvPr id="7" name="tx7"/>
             <p:cNvSpPr/>
             <p:nvPr/>
           </p:nvSpPr>
           <p:spPr>
             <a:xfrm>
-              <a:off x="7630749" y="1590617"/>
-              <a:ext cx="0" cy="4048310"/>
-            </a:xfrm>
-            <a:custGeom>
-              <a:avLst/>
-              <a:pathLst>
-                <a:path w="0" h="4048310">
-                  <a:moveTo>
-                    <a:pt x="0" y="4048310"/>
-                  </a:moveTo>
-                  <a:lnTo>
-                    <a:pt x="0" y="0"/>
-                  </a:lnTo>
-                  <a:lnTo>
-                    <a:pt x="0" y="0"/>
-                  </a:lnTo>
-                </a:path>
-              </a:pathLst>
-            </a:custGeom>
-            <a:ln w="3387" cap="flat">
-              <a:solidFill>
-                <a:srgbClr val="DEDEDE">
-                  <a:alpha val="100000"/>
-                </a:srgbClr>
-              </a:solidFill>
-              <a:prstDash val="solid"/>
-              <a:round/>
-            </a:ln>
-          </p:spPr>
-          <p:txBody>
-            <a:bodyPr/>
-            <a:lstStyle/>
-            <a:p/>
-          </p:txBody>
-        </p:sp>
-        <p:sp>
-          <p:nvSpPr>
-            <p:cNvPr id="9" name="pl9"/>
-            <p:cNvSpPr/>
-            <p:nvPr/>
-          </p:nvSpPr>
-          <p:spPr>
-            <a:xfrm>
-              <a:off x="2023549" y="5374907"/>
-              <a:ext cx="6913543" cy="0"/>
-            </a:xfrm>
-            <a:custGeom>
-              <a:avLst/>
-              <a:pathLst>
-                <a:path w="6913543" h="0">
-                  <a:moveTo>
-                    <a:pt x="0" y="0"/>
-                  </a:moveTo>
-                  <a:lnTo>
-                    <a:pt x="6913543" y="0"/>
-                  </a:lnTo>
-                  <a:lnTo>
-                    <a:pt x="6913543" y="0"/>
-                  </a:lnTo>
-                </a:path>
-              </a:pathLst>
-            </a:custGeom>
-            <a:ln w="6775" cap="flat">
-              <a:solidFill>
-                <a:srgbClr val="DEDEDE">
-                  <a:alpha val="100000"/>
-                </a:srgbClr>
-              </a:solidFill>
-              <a:prstDash val="solid"/>
-              <a:round/>
-            </a:ln>
-          </p:spPr>
-          <p:txBody>
-            <a:bodyPr/>
-            <a:lstStyle/>
-            <a:p/>
-          </p:txBody>
-        </p:sp>
-        <p:sp>
-          <p:nvSpPr>
-            <p:cNvPr id="10" name="pl10"/>
-            <p:cNvSpPr/>
-            <p:nvPr/>
-          </p:nvSpPr>
-          <p:spPr>
-            <a:xfrm>
-              <a:off x="2023549" y="4934873"/>
-              <a:ext cx="6913543" cy="0"/>
-            </a:xfrm>
-            <a:custGeom>
-              <a:avLst/>
-              <a:pathLst>
-                <a:path w="6913543" h="0">
-                  <a:moveTo>
-                    <a:pt x="0" y="0"/>
-                  </a:moveTo>
-                  <a:lnTo>
-                    <a:pt x="6913543" y="0"/>
-                  </a:lnTo>
-                  <a:lnTo>
-                    <a:pt x="6913543" y="0"/>
-                  </a:lnTo>
-                </a:path>
-              </a:pathLst>
-            </a:custGeom>
-            <a:ln w="6775" cap="flat">
-              <a:solidFill>
-                <a:srgbClr val="DEDEDE">
-                  <a:alpha val="100000"/>
-                </a:srgbClr>
-              </a:solidFill>
-              <a:prstDash val="solid"/>
-              <a:round/>
-            </a:ln>
-          </p:spPr>
-          <p:txBody>
-            <a:bodyPr/>
-            <a:lstStyle/>
-            <a:p/>
-          </p:txBody>
-        </p:sp>
-        <p:sp>
-          <p:nvSpPr>
-            <p:cNvPr id="11" name="pl11"/>
-            <p:cNvSpPr/>
-            <p:nvPr/>
-          </p:nvSpPr>
-          <p:spPr>
-            <a:xfrm>
-              <a:off x="2023549" y="4494840"/>
-              <a:ext cx="6913543" cy="0"/>
-            </a:xfrm>
-            <a:custGeom>
-              <a:avLst/>
-              <a:pathLst>
-                <a:path w="6913543" h="0">
-                  <a:moveTo>
-                    <a:pt x="0" y="0"/>
-                  </a:moveTo>
-                  <a:lnTo>
-                    <a:pt x="6913543" y="0"/>
-                  </a:lnTo>
-                  <a:lnTo>
-                    <a:pt x="6913543" y="0"/>
-                  </a:lnTo>
-                </a:path>
-              </a:pathLst>
-            </a:custGeom>
-            <a:ln w="6775" cap="flat">
-              <a:solidFill>
-                <a:srgbClr val="DEDEDE">
-                  <a:alpha val="100000"/>
-                </a:srgbClr>
-              </a:solidFill>
-              <a:prstDash val="solid"/>
-              <a:round/>
-            </a:ln>
-          </p:spPr>
-          <p:txBody>
-            <a:bodyPr/>
-            <a:lstStyle/>
-            <a:p/>
-          </p:txBody>
-        </p:sp>
-        <p:sp>
-          <p:nvSpPr>
-            <p:cNvPr id="12" name="pl12"/>
-            <p:cNvSpPr/>
-            <p:nvPr/>
-          </p:nvSpPr>
-          <p:spPr>
-            <a:xfrm>
-              <a:off x="2023549" y="4054806"/>
-              <a:ext cx="6913543" cy="0"/>
-            </a:xfrm>
-            <a:custGeom>
-              <a:avLst/>
-              <a:pathLst>
-                <a:path w="6913543" h="0">
-                  <a:moveTo>
-                    <a:pt x="0" y="0"/>
-                  </a:moveTo>
-                  <a:lnTo>
-                    <a:pt x="6913543" y="0"/>
-                  </a:lnTo>
-                  <a:lnTo>
-                    <a:pt x="6913543" y="0"/>
-                  </a:lnTo>
-                </a:path>
-              </a:pathLst>
-            </a:custGeom>
-            <a:ln w="6775" cap="flat">
-              <a:solidFill>
-                <a:srgbClr val="DEDEDE">
-                  <a:alpha val="100000"/>
-                </a:srgbClr>
-              </a:solidFill>
-              <a:prstDash val="solid"/>
-              <a:round/>
-            </a:ln>
-          </p:spPr>
-          <p:txBody>
-            <a:bodyPr/>
-            <a:lstStyle/>
-            <a:p/>
-          </p:txBody>
-        </p:sp>
-        <p:sp>
-          <p:nvSpPr>
-            <p:cNvPr id="13" name="pl13"/>
-            <p:cNvSpPr/>
-            <p:nvPr/>
-          </p:nvSpPr>
-          <p:spPr>
-            <a:xfrm>
-              <a:off x="2023549" y="3614772"/>
-              <a:ext cx="6913543" cy="0"/>
-            </a:xfrm>
-            <a:custGeom>
-              <a:avLst/>
-              <a:pathLst>
-                <a:path w="6913543" h="0">
-                  <a:moveTo>
-                    <a:pt x="0" y="0"/>
-                  </a:moveTo>
-                  <a:lnTo>
-                    <a:pt x="6913543" y="0"/>
-                  </a:lnTo>
-                  <a:lnTo>
-                    <a:pt x="6913543" y="0"/>
-                  </a:lnTo>
-                </a:path>
-              </a:pathLst>
-            </a:custGeom>
-            <a:ln w="6775" cap="flat">
-              <a:solidFill>
-                <a:srgbClr val="DEDEDE">
-                  <a:alpha val="100000"/>
-                </a:srgbClr>
-              </a:solidFill>
-              <a:prstDash val="solid"/>
-              <a:round/>
-            </a:ln>
-          </p:spPr>
-          <p:txBody>
-            <a:bodyPr/>
-            <a:lstStyle/>
-            <a:p/>
-          </p:txBody>
-        </p:sp>
-        <p:sp>
-          <p:nvSpPr>
-            <p:cNvPr id="14" name="pl14"/>
-            <p:cNvSpPr/>
-            <p:nvPr/>
-          </p:nvSpPr>
-          <p:spPr>
-            <a:xfrm>
-              <a:off x="2023549" y="3174738"/>
-              <a:ext cx="6913543" cy="0"/>
-            </a:xfrm>
-            <a:custGeom>
-              <a:avLst/>
-              <a:pathLst>
-                <a:path w="6913543" h="0">
-                  <a:moveTo>
-                    <a:pt x="0" y="0"/>
-                  </a:moveTo>
-                  <a:lnTo>
-                    <a:pt x="6913543" y="0"/>
-                  </a:lnTo>
-                  <a:lnTo>
-                    <a:pt x="6913543" y="0"/>
-                  </a:lnTo>
-                </a:path>
-              </a:pathLst>
-            </a:custGeom>
-            <a:ln w="6775" cap="flat">
-              <a:solidFill>
-                <a:srgbClr val="DEDEDE">
-                  <a:alpha val="100000"/>
-                </a:srgbClr>
-              </a:solidFill>
-              <a:prstDash val="solid"/>
-              <a:round/>
-            </a:ln>
-          </p:spPr>
-          <p:txBody>
-            <a:bodyPr/>
-            <a:lstStyle/>
-            <a:p/>
-          </p:txBody>
-        </p:sp>
-        <p:sp>
-          <p:nvSpPr>
-            <p:cNvPr id="15" name="pl15"/>
-            <p:cNvSpPr/>
-            <p:nvPr/>
-          </p:nvSpPr>
-          <p:spPr>
-            <a:xfrm>
-              <a:off x="2023549" y="2734705"/>
-              <a:ext cx="6913543" cy="0"/>
-            </a:xfrm>
-            <a:custGeom>
-              <a:avLst/>
-              <a:pathLst>
-                <a:path w="6913543" h="0">
-                  <a:moveTo>
-                    <a:pt x="0" y="0"/>
-                  </a:moveTo>
-                  <a:lnTo>
-                    <a:pt x="6913543" y="0"/>
-                  </a:lnTo>
-                  <a:lnTo>
-                    <a:pt x="6913543" y="0"/>
-                  </a:lnTo>
-                </a:path>
-              </a:pathLst>
-            </a:custGeom>
-            <a:ln w="6775" cap="flat">
-              <a:solidFill>
-                <a:srgbClr val="DEDEDE">
-                  <a:alpha val="100000"/>
-                </a:srgbClr>
-              </a:solidFill>
-              <a:prstDash val="solid"/>
-              <a:round/>
-            </a:ln>
-          </p:spPr>
-          <p:txBody>
-            <a:bodyPr/>
-            <a:lstStyle/>
-            <a:p/>
-          </p:txBody>
-        </p:sp>
-        <p:sp>
-          <p:nvSpPr>
-            <p:cNvPr id="16" name="pl16"/>
-            <p:cNvSpPr/>
-            <p:nvPr/>
-          </p:nvSpPr>
-          <p:spPr>
-            <a:xfrm>
-              <a:off x="2023549" y="2294671"/>
-              <a:ext cx="6913543" cy="0"/>
-            </a:xfrm>
-            <a:custGeom>
-              <a:avLst/>
-              <a:pathLst>
-                <a:path w="6913543" h="0">
-                  <a:moveTo>
-                    <a:pt x="0" y="0"/>
-                  </a:moveTo>
-                  <a:lnTo>
-                    <a:pt x="6913543" y="0"/>
-                  </a:lnTo>
-                  <a:lnTo>
-                    <a:pt x="6913543" y="0"/>
-                  </a:lnTo>
-                </a:path>
-              </a:pathLst>
-            </a:custGeom>
-            <a:ln w="6775" cap="flat">
-              <a:solidFill>
-                <a:srgbClr val="DEDEDE">
-                  <a:alpha val="100000"/>
-                </a:srgbClr>
-              </a:solidFill>
-              <a:prstDash val="solid"/>
-              <a:round/>
-            </a:ln>
-          </p:spPr>
-          <p:txBody>
-            <a:bodyPr/>
-            <a:lstStyle/>
-            <a:p/>
-          </p:txBody>
-        </p:sp>
-        <p:sp>
-          <p:nvSpPr>
-            <p:cNvPr id="17" name="pl17"/>
-            <p:cNvSpPr/>
-            <p:nvPr/>
-          </p:nvSpPr>
-          <p:spPr>
-            <a:xfrm>
-              <a:off x="2023549" y="1854637"/>
-              <a:ext cx="6913543" cy="0"/>
-            </a:xfrm>
-            <a:custGeom>
-              <a:avLst/>
-              <a:pathLst>
-                <a:path w="6913543" h="0">
-                  <a:moveTo>
-                    <a:pt x="0" y="0"/>
-                  </a:moveTo>
-                  <a:lnTo>
-                    <a:pt x="6913543" y="0"/>
-                  </a:lnTo>
-                  <a:lnTo>
-                    <a:pt x="6913543" y="0"/>
-                  </a:lnTo>
-                </a:path>
-              </a:pathLst>
-            </a:custGeom>
-            <a:ln w="6775" cap="flat">
-              <a:solidFill>
-                <a:srgbClr val="DEDEDE">
-                  <a:alpha val="100000"/>
-                </a:srgbClr>
-              </a:solidFill>
-              <a:prstDash val="solid"/>
-              <a:round/>
-            </a:ln>
-          </p:spPr>
-          <p:txBody>
-            <a:bodyPr/>
-            <a:lstStyle/>
-            <a:p/>
-          </p:txBody>
-        </p:sp>
-        <p:sp>
-          <p:nvSpPr>
-            <p:cNvPr id="18" name="pl18"/>
-            <p:cNvSpPr/>
-            <p:nvPr/>
-          </p:nvSpPr>
-          <p:spPr>
-            <a:xfrm>
-              <a:off x="2023549" y="1590617"/>
-              <a:ext cx="0" cy="4048310"/>
-            </a:xfrm>
-            <a:custGeom>
-              <a:avLst/>
-              <a:pathLst>
-                <a:path w="0" h="4048310">
-                  <a:moveTo>
-                    <a:pt x="0" y="4048310"/>
-                  </a:moveTo>
-                  <a:lnTo>
-                    <a:pt x="0" y="0"/>
-                  </a:lnTo>
-                  <a:lnTo>
-                    <a:pt x="0" y="0"/>
-                  </a:lnTo>
-                </a:path>
-              </a:pathLst>
-            </a:custGeom>
-            <a:ln w="6775" cap="flat">
-              <a:solidFill>
-                <a:srgbClr val="DEDEDE">
-                  <a:alpha val="100000"/>
-                </a:srgbClr>
-              </a:solidFill>
-              <a:prstDash val="solid"/>
-              <a:round/>
-            </a:ln>
-          </p:spPr>
-          <p:txBody>
-            <a:bodyPr/>
-            <a:lstStyle/>
-            <a:p/>
-          </p:txBody>
-        </p:sp>
-        <p:sp>
-          <p:nvSpPr>
-            <p:cNvPr id="19" name="pl19"/>
-            <p:cNvSpPr/>
-            <p:nvPr/>
-          </p:nvSpPr>
-          <p:spPr>
-            <a:xfrm>
-              <a:off x="4266429" y="1590617"/>
-              <a:ext cx="0" cy="4048310"/>
-            </a:xfrm>
-            <a:custGeom>
-              <a:avLst/>
-              <a:pathLst>
-                <a:path w="0" h="4048310">
-                  <a:moveTo>
-                    <a:pt x="0" y="4048310"/>
-                  </a:moveTo>
-                  <a:lnTo>
-                    <a:pt x="0" y="0"/>
-                  </a:lnTo>
-                  <a:lnTo>
-                    <a:pt x="0" y="0"/>
-                  </a:lnTo>
-                </a:path>
-              </a:pathLst>
-            </a:custGeom>
-            <a:ln w="6775" cap="flat">
-              <a:solidFill>
-                <a:srgbClr val="DEDEDE">
-                  <a:alpha val="100000"/>
-                </a:srgbClr>
-              </a:solidFill>
-              <a:prstDash val="solid"/>
-              <a:round/>
-            </a:ln>
-          </p:spPr>
-          <p:txBody>
-            <a:bodyPr/>
-            <a:lstStyle/>
-            <a:p/>
-          </p:txBody>
-        </p:sp>
-        <p:sp>
-          <p:nvSpPr>
-            <p:cNvPr id="20" name="pl20"/>
-            <p:cNvSpPr/>
-            <p:nvPr/>
-          </p:nvSpPr>
-          <p:spPr>
-            <a:xfrm>
-              <a:off x="6509309" y="1590617"/>
-              <a:ext cx="0" cy="4048310"/>
-            </a:xfrm>
-            <a:custGeom>
-              <a:avLst/>
-              <a:pathLst>
-                <a:path w="0" h="4048310">
-                  <a:moveTo>
-                    <a:pt x="0" y="4048310"/>
-                  </a:moveTo>
-                  <a:lnTo>
-                    <a:pt x="0" y="0"/>
-                  </a:lnTo>
-                  <a:lnTo>
-                    <a:pt x="0" y="0"/>
-                  </a:lnTo>
-                </a:path>
-              </a:pathLst>
-            </a:custGeom>
-            <a:ln w="6775" cap="flat">
-              <a:solidFill>
-                <a:srgbClr val="DEDEDE">
-                  <a:alpha val="100000"/>
-                </a:srgbClr>
-              </a:solidFill>
-              <a:prstDash val="solid"/>
-              <a:round/>
-            </a:ln>
-          </p:spPr>
-          <p:txBody>
-            <a:bodyPr/>
-            <a:lstStyle/>
-            <a:p/>
-          </p:txBody>
-        </p:sp>
-        <p:sp>
-          <p:nvSpPr>
-            <p:cNvPr id="21" name="pl21"/>
-            <p:cNvSpPr/>
-            <p:nvPr/>
-          </p:nvSpPr>
-          <p:spPr>
-            <a:xfrm>
-              <a:off x="8752189" y="1590617"/>
-              <a:ext cx="0" cy="4048310"/>
-            </a:xfrm>
-            <a:custGeom>
-              <a:avLst/>
-              <a:pathLst>
-                <a:path w="0" h="4048310">
-                  <a:moveTo>
-                    <a:pt x="0" y="4048310"/>
-                  </a:moveTo>
-                  <a:lnTo>
-                    <a:pt x="0" y="0"/>
-                  </a:lnTo>
-                  <a:lnTo>
-                    <a:pt x="0" y="0"/>
-                  </a:lnTo>
-                </a:path>
-              </a:pathLst>
-            </a:custGeom>
-            <a:ln w="6775" cap="flat">
-              <a:solidFill>
-                <a:srgbClr val="DEDEDE">
-                  <a:alpha val="100000"/>
-                </a:srgbClr>
-              </a:solidFill>
-              <a:prstDash val="solid"/>
-              <a:round/>
-            </a:ln>
-          </p:spPr>
-          <p:txBody>
-            <a:bodyPr/>
-            <a:lstStyle/>
-            <a:p/>
-          </p:txBody>
-        </p:sp>
-        <p:sp>
-          <p:nvSpPr>
-            <p:cNvPr id="22" name="rc22"/>
-            <p:cNvSpPr/>
-            <p:nvPr/>
-          </p:nvSpPr>
-          <p:spPr>
-            <a:xfrm>
-              <a:off x="2023549" y="1656622"/>
-              <a:ext cx="6777983" cy="396030"/>
-            </a:xfrm>
-            <a:prstGeom prst="rect">
-              <a:avLst/>
-            </a:prstGeom>
-            <a:solidFill>
-              <a:srgbClr val="595959">
-                <a:alpha val="100000"/>
-              </a:srgbClr>
-            </a:solidFill>
-          </p:spPr>
-          <p:txBody>
-            <a:bodyPr/>
-            <a:lstStyle/>
-            <a:p/>
-          </p:txBody>
-        </p:sp>
-        <p:sp>
-          <p:nvSpPr>
-            <p:cNvPr id="23" name="rc23"/>
-            <p:cNvSpPr/>
-            <p:nvPr/>
-          </p:nvSpPr>
-          <p:spPr>
-            <a:xfrm>
-              <a:off x="2023549" y="2096656"/>
-              <a:ext cx="4687619" cy="396030"/>
-            </a:xfrm>
-            <a:prstGeom prst="rect">
-              <a:avLst/>
-            </a:prstGeom>
-            <a:solidFill>
-              <a:srgbClr val="595959">
-                <a:alpha val="100000"/>
-              </a:srgbClr>
-            </a:solidFill>
-          </p:spPr>
-          <p:txBody>
-            <a:bodyPr/>
-            <a:lstStyle/>
-            <a:p/>
-          </p:txBody>
-        </p:sp>
-        <p:sp>
-          <p:nvSpPr>
-            <p:cNvPr id="24" name="rc24"/>
-            <p:cNvSpPr/>
-            <p:nvPr/>
-          </p:nvSpPr>
-          <p:spPr>
-            <a:xfrm>
-              <a:off x="2023549" y="2536689"/>
-              <a:ext cx="4615847" cy="396030"/>
-            </a:xfrm>
-            <a:prstGeom prst="rect">
-              <a:avLst/>
-            </a:prstGeom>
-            <a:solidFill>
-              <a:srgbClr val="595959">
-                <a:alpha val="100000"/>
-              </a:srgbClr>
-            </a:solidFill>
-          </p:spPr>
-          <p:txBody>
-            <a:bodyPr/>
-            <a:lstStyle/>
-            <a:p/>
-          </p:txBody>
-        </p:sp>
-        <p:sp>
-          <p:nvSpPr>
-            <p:cNvPr id="25" name="rc25"/>
-            <p:cNvSpPr/>
-            <p:nvPr/>
-          </p:nvSpPr>
-          <p:spPr>
-            <a:xfrm>
-              <a:off x="2023549" y="2976723"/>
-              <a:ext cx="4297358" cy="396030"/>
-            </a:xfrm>
-            <a:prstGeom prst="rect">
-              <a:avLst/>
-            </a:prstGeom>
-            <a:solidFill>
-              <a:srgbClr val="595959">
-                <a:alpha val="100000"/>
-              </a:srgbClr>
-            </a:solidFill>
-          </p:spPr>
-          <p:txBody>
-            <a:bodyPr/>
-            <a:lstStyle/>
-            <a:p/>
-          </p:txBody>
-        </p:sp>
-        <p:sp>
-          <p:nvSpPr>
-            <p:cNvPr id="26" name="rc26"/>
-            <p:cNvSpPr/>
-            <p:nvPr/>
-          </p:nvSpPr>
-          <p:spPr>
-            <a:xfrm>
-              <a:off x="2023549" y="3416757"/>
-              <a:ext cx="3357591" cy="396030"/>
-            </a:xfrm>
-            <a:prstGeom prst="rect">
-              <a:avLst/>
-            </a:prstGeom>
-            <a:solidFill>
-              <a:srgbClr val="595959">
-                <a:alpha val="100000"/>
-              </a:srgbClr>
-            </a:solidFill>
-          </p:spPr>
-          <p:txBody>
-            <a:bodyPr/>
-            <a:lstStyle/>
-            <a:p/>
-          </p:txBody>
-        </p:sp>
-        <p:sp>
-          <p:nvSpPr>
-            <p:cNvPr id="27" name="rc27"/>
-            <p:cNvSpPr/>
-            <p:nvPr/>
-          </p:nvSpPr>
-          <p:spPr>
-            <a:xfrm>
-              <a:off x="2023549" y="3856791"/>
-              <a:ext cx="2713884" cy="396030"/>
-            </a:xfrm>
-            <a:prstGeom prst="rect">
-              <a:avLst/>
-            </a:prstGeom>
-            <a:solidFill>
-              <a:srgbClr val="595959">
-                <a:alpha val="100000"/>
-              </a:srgbClr>
-            </a:solidFill>
-          </p:spPr>
-          <p:txBody>
-            <a:bodyPr/>
-            <a:lstStyle/>
-            <a:p/>
-          </p:txBody>
-        </p:sp>
-        <p:sp>
-          <p:nvSpPr>
-            <p:cNvPr id="28" name="rc28"/>
-            <p:cNvSpPr/>
-            <p:nvPr/>
-          </p:nvSpPr>
-          <p:spPr>
-            <a:xfrm>
-              <a:off x="2023549" y="4296824"/>
-              <a:ext cx="2689213" cy="396030"/>
-            </a:xfrm>
-            <a:prstGeom prst="rect">
-              <a:avLst/>
-            </a:prstGeom>
-            <a:solidFill>
-              <a:srgbClr val="595959">
-                <a:alpha val="100000"/>
-              </a:srgbClr>
-            </a:solidFill>
-          </p:spPr>
-          <p:txBody>
-            <a:bodyPr/>
-            <a:lstStyle/>
-            <a:p/>
-          </p:txBody>
-        </p:sp>
-        <p:sp>
-          <p:nvSpPr>
-            <p:cNvPr id="29" name="rc29"/>
-            <p:cNvSpPr/>
-            <p:nvPr/>
-          </p:nvSpPr>
-          <p:spPr>
-            <a:xfrm>
-              <a:off x="2023549" y="4736858"/>
-              <a:ext cx="2390910" cy="396030"/>
-            </a:xfrm>
-            <a:prstGeom prst="rect">
-              <a:avLst/>
-            </a:prstGeom>
-            <a:solidFill>
-              <a:srgbClr val="595959">
-                <a:alpha val="100000"/>
-              </a:srgbClr>
-            </a:solidFill>
-          </p:spPr>
-          <p:txBody>
-            <a:bodyPr/>
-            <a:lstStyle/>
-            <a:p/>
-          </p:txBody>
-        </p:sp>
-        <p:sp>
-          <p:nvSpPr>
-            <p:cNvPr id="30" name="rc30"/>
-            <p:cNvSpPr/>
-            <p:nvPr/>
-          </p:nvSpPr>
-          <p:spPr>
-            <a:xfrm>
-              <a:off x="2023549" y="5176892"/>
-              <a:ext cx="266902" cy="396030"/>
-            </a:xfrm>
-            <a:prstGeom prst="rect">
-              <a:avLst/>
-            </a:prstGeom>
-            <a:solidFill>
-              <a:srgbClr val="595959">
-                <a:alpha val="100000"/>
-              </a:srgbClr>
-            </a:solidFill>
-          </p:spPr>
-          <p:txBody>
-            <a:bodyPr/>
-            <a:lstStyle/>
-            <a:p/>
-          </p:txBody>
-        </p:sp>
-        <p:sp>
-          <p:nvSpPr>
-            <p:cNvPr id="31" name="tx31"/>
-            <p:cNvSpPr/>
-            <p:nvPr/>
-          </p:nvSpPr>
-          <p:spPr>
-            <a:xfrm>
-              <a:off x="8232237" y="1810163"/>
-              <a:ext cx="406518" cy="67753"/>
+              <a:off x="4190994" y="2817462"/>
+              <a:ext cx="329449" cy="109040"/>
             </a:xfrm>
             <a:prstGeom prst="rect">
               <a:avLst/>
@@ -4154,7 +4365,7 @@
             <a:p>
               <a:pPr algn="l" marL="0" marR="0" indent="0">
                 <a:lnSpc>
-                  <a:spcPts val="853"/>
+                  <a:spcPts val="1138"/>
                 </a:lnSpc>
                 <a:spcBef>
                   <a:spcPts val="0"/>
@@ -4164,7 +4375,7 @@
                 </a:spcAft>
               </a:pPr>
               <a:r>
-                <a:rPr sz="853" b="1">
+                <a:rPr sz="1138">
                   <a:solidFill>
                     <a:srgbClr val="FFFFFF">
                       <a:alpha val="100000"/>
@@ -4173,7 +4384,1111 @@
                   <a:latin typeface="Arial"/>
                   <a:cs typeface="Arial"/>
                 </a:rPr>
-                <a:t>营养成分表</a:t>
+                <a:t>1.8%</a:t>
+              </a:r>
+            </a:p>
+          </p:txBody>
+        </p:sp>
+        <p:sp>
+          <p:nvSpPr>
+            <p:cNvPr id="8" name="tx8"/>
+            <p:cNvSpPr/>
+            <p:nvPr/>
+          </p:nvSpPr>
+          <p:spPr>
+            <a:xfrm>
+              <a:off x="4980272" y="3516378"/>
+              <a:ext cx="409835" cy="109040"/>
+            </a:xfrm>
+            <a:prstGeom prst="rect">
+              <a:avLst/>
+            </a:prstGeom>
+            <a:noFill/>
+          </p:spPr>
+          <p:txBody>
+            <a:bodyPr lIns="0" rIns="0" tIns="0" bIns="0" anchorCtr="1" anchor="ctr" wrap="none"/>
+            <a:lstStyle/>
+            <a:p>
+              <a:pPr algn="l" marL="0" marR="0" indent="0">
+                <a:lnSpc>
+                  <a:spcPts val="1138"/>
+                </a:lnSpc>
+                <a:spcBef>
+                  <a:spcPts val="0"/>
+                </a:spcBef>
+                <a:spcAft>
+                  <a:spcPts val="0"/>
+                </a:spcAft>
+              </a:pPr>
+              <a:r>
+                <a:rPr sz="1138">
+                  <a:solidFill>
+                    <a:srgbClr val="FFFFFF">
+                      <a:alpha val="100000"/>
+                    </a:srgbClr>
+                  </a:solidFill>
+                  <a:latin typeface="Arial"/>
+                  <a:cs typeface="Arial"/>
+                </a:rPr>
+                <a:t>39.1%</a:t>
+              </a:r>
+            </a:p>
+          </p:txBody>
+        </p:sp>
+        <p:sp>
+          <p:nvSpPr>
+            <p:cNvPr id="9" name="tx9"/>
+            <p:cNvSpPr/>
+            <p:nvPr/>
+          </p:nvSpPr>
+          <p:spPr>
+            <a:xfrm>
+              <a:off x="3291768" y="3973708"/>
+              <a:ext cx="289291" cy="109040"/>
+            </a:xfrm>
+            <a:prstGeom prst="rect">
+              <a:avLst/>
+            </a:prstGeom>
+            <a:noFill/>
+          </p:spPr>
+          <p:txBody>
+            <a:bodyPr lIns="0" rIns="0" tIns="0" bIns="0" anchorCtr="1" anchor="ctr" wrap="none"/>
+            <a:lstStyle/>
+            <a:p>
+              <a:pPr algn="l" marL="0" marR="0" indent="0">
+                <a:lnSpc>
+                  <a:spcPts val="1138"/>
+                </a:lnSpc>
+                <a:spcBef>
+                  <a:spcPts val="0"/>
+                </a:spcBef>
+                <a:spcAft>
+                  <a:spcPts val="0"/>
+                </a:spcAft>
+              </a:pPr>
+              <a:r>
+                <a:rPr sz="1138">
+                  <a:solidFill>
+                    <a:srgbClr val="FFFFFF">
+                      <a:alpha val="100000"/>
+                    </a:srgbClr>
+                  </a:solidFill>
+                  <a:latin typeface="Arial"/>
+                  <a:cs typeface="Arial"/>
+                </a:rPr>
+                <a:t>59%</a:t>
+              </a:r>
+            </a:p>
+          </p:txBody>
+        </p:sp>
+        <p:sp>
+          <p:nvSpPr>
+            <p:cNvPr id="10" name="tx10"/>
+            <p:cNvSpPr/>
+            <p:nvPr/>
+          </p:nvSpPr>
+          <p:spPr>
+            <a:xfrm>
+              <a:off x="4188751" y="2814105"/>
+              <a:ext cx="329449" cy="109040"/>
+            </a:xfrm>
+            <a:prstGeom prst="rect">
+              <a:avLst/>
+            </a:prstGeom>
+            <a:noFill/>
+          </p:spPr>
+          <p:txBody>
+            <a:bodyPr lIns="0" rIns="0" tIns="0" bIns="0" anchorCtr="1" anchor="ctr" wrap="none"/>
+            <a:lstStyle/>
+            <a:p>
+              <a:pPr algn="l" marL="0" marR="0" indent="0">
+                <a:lnSpc>
+                  <a:spcPts val="1138"/>
+                </a:lnSpc>
+                <a:spcBef>
+                  <a:spcPts val="0"/>
+                </a:spcBef>
+                <a:spcAft>
+                  <a:spcPts val="0"/>
+                </a:spcAft>
+              </a:pPr>
+              <a:r>
+                <a:rPr sz="1138">
+                  <a:solidFill>
+                    <a:srgbClr val="FFFFFF">
+                      <a:alpha val="100000"/>
+                    </a:srgbClr>
+                  </a:solidFill>
+                  <a:latin typeface="Arial"/>
+                  <a:cs typeface="Arial"/>
+                </a:rPr>
+                <a:t>1.8%</a:t>
+              </a:r>
+            </a:p>
+          </p:txBody>
+        </p:sp>
+        <p:sp>
+          <p:nvSpPr>
+            <p:cNvPr id="11" name="tx11"/>
+            <p:cNvSpPr/>
+            <p:nvPr/>
+          </p:nvSpPr>
+          <p:spPr>
+            <a:xfrm>
+              <a:off x="4978029" y="3513022"/>
+              <a:ext cx="409835" cy="109040"/>
+            </a:xfrm>
+            <a:prstGeom prst="rect">
+              <a:avLst/>
+            </a:prstGeom>
+            <a:noFill/>
+          </p:spPr>
+          <p:txBody>
+            <a:bodyPr lIns="0" rIns="0" tIns="0" bIns="0" anchorCtr="1" anchor="ctr" wrap="none"/>
+            <a:lstStyle/>
+            <a:p>
+              <a:pPr algn="l" marL="0" marR="0" indent="0">
+                <a:lnSpc>
+                  <a:spcPts val="1138"/>
+                </a:lnSpc>
+                <a:spcBef>
+                  <a:spcPts val="0"/>
+                </a:spcBef>
+                <a:spcAft>
+                  <a:spcPts val="0"/>
+                </a:spcAft>
+              </a:pPr>
+              <a:r>
+                <a:rPr sz="1138">
+                  <a:solidFill>
+                    <a:srgbClr val="FFFFFF">
+                      <a:alpha val="100000"/>
+                    </a:srgbClr>
+                  </a:solidFill>
+                  <a:latin typeface="Arial"/>
+                  <a:cs typeface="Arial"/>
+                </a:rPr>
+                <a:t>39.1%</a:t>
+              </a:r>
+            </a:p>
+          </p:txBody>
+        </p:sp>
+        <p:sp>
+          <p:nvSpPr>
+            <p:cNvPr id="12" name="tx12"/>
+            <p:cNvSpPr/>
+            <p:nvPr/>
+          </p:nvSpPr>
+          <p:spPr>
+            <a:xfrm>
+              <a:off x="3289526" y="3970351"/>
+              <a:ext cx="289291" cy="109040"/>
+            </a:xfrm>
+            <a:prstGeom prst="rect">
+              <a:avLst/>
+            </a:prstGeom>
+            <a:noFill/>
+          </p:spPr>
+          <p:txBody>
+            <a:bodyPr lIns="0" rIns="0" tIns="0" bIns="0" anchorCtr="1" anchor="ctr" wrap="none"/>
+            <a:lstStyle/>
+            <a:p>
+              <a:pPr algn="l" marL="0" marR="0" indent="0">
+                <a:lnSpc>
+                  <a:spcPts val="1138"/>
+                </a:lnSpc>
+                <a:spcBef>
+                  <a:spcPts val="0"/>
+                </a:spcBef>
+                <a:spcAft>
+                  <a:spcPts val="0"/>
+                </a:spcAft>
+              </a:pPr>
+              <a:r>
+                <a:rPr sz="1138">
+                  <a:solidFill>
+                    <a:srgbClr val="FFFFFF">
+                      <a:alpha val="100000"/>
+                    </a:srgbClr>
+                  </a:solidFill>
+                  <a:latin typeface="Arial"/>
+                  <a:cs typeface="Arial"/>
+                </a:rPr>
+                <a:t>59%</a:t>
+              </a:r>
+            </a:p>
+          </p:txBody>
+        </p:sp>
+        <p:sp>
+          <p:nvSpPr>
+            <p:cNvPr id="13" name="tx13"/>
+            <p:cNvSpPr/>
+            <p:nvPr/>
+          </p:nvSpPr>
+          <p:spPr>
+            <a:xfrm>
+              <a:off x="4185394" y="2811863"/>
+              <a:ext cx="329449" cy="109040"/>
+            </a:xfrm>
+            <a:prstGeom prst="rect">
+              <a:avLst/>
+            </a:prstGeom>
+            <a:noFill/>
+          </p:spPr>
+          <p:txBody>
+            <a:bodyPr lIns="0" rIns="0" tIns="0" bIns="0" anchorCtr="1" anchor="ctr" wrap="none"/>
+            <a:lstStyle/>
+            <a:p>
+              <a:pPr algn="l" marL="0" marR="0" indent="0">
+                <a:lnSpc>
+                  <a:spcPts val="1138"/>
+                </a:lnSpc>
+                <a:spcBef>
+                  <a:spcPts val="0"/>
+                </a:spcBef>
+                <a:spcAft>
+                  <a:spcPts val="0"/>
+                </a:spcAft>
+              </a:pPr>
+              <a:r>
+                <a:rPr sz="1138">
+                  <a:solidFill>
+                    <a:srgbClr val="FFFFFF">
+                      <a:alpha val="100000"/>
+                    </a:srgbClr>
+                  </a:solidFill>
+                  <a:latin typeface="Arial"/>
+                  <a:cs typeface="Arial"/>
+                </a:rPr>
+                <a:t>1.8%</a:t>
+              </a:r>
+            </a:p>
+          </p:txBody>
+        </p:sp>
+        <p:sp>
+          <p:nvSpPr>
+            <p:cNvPr id="14" name="tx14"/>
+            <p:cNvSpPr/>
+            <p:nvPr/>
+          </p:nvSpPr>
+          <p:spPr>
+            <a:xfrm>
+              <a:off x="4974672" y="3510779"/>
+              <a:ext cx="409835" cy="109040"/>
+            </a:xfrm>
+            <a:prstGeom prst="rect">
+              <a:avLst/>
+            </a:prstGeom>
+            <a:noFill/>
+          </p:spPr>
+          <p:txBody>
+            <a:bodyPr lIns="0" rIns="0" tIns="0" bIns="0" anchorCtr="1" anchor="ctr" wrap="none"/>
+            <a:lstStyle/>
+            <a:p>
+              <a:pPr algn="l" marL="0" marR="0" indent="0">
+                <a:lnSpc>
+                  <a:spcPts val="1138"/>
+                </a:lnSpc>
+                <a:spcBef>
+                  <a:spcPts val="0"/>
+                </a:spcBef>
+                <a:spcAft>
+                  <a:spcPts val="0"/>
+                </a:spcAft>
+              </a:pPr>
+              <a:r>
+                <a:rPr sz="1138">
+                  <a:solidFill>
+                    <a:srgbClr val="FFFFFF">
+                      <a:alpha val="100000"/>
+                    </a:srgbClr>
+                  </a:solidFill>
+                  <a:latin typeface="Arial"/>
+                  <a:cs typeface="Arial"/>
+                </a:rPr>
+                <a:t>39.1%</a:t>
+              </a:r>
+            </a:p>
+          </p:txBody>
+        </p:sp>
+        <p:sp>
+          <p:nvSpPr>
+            <p:cNvPr id="15" name="tx15"/>
+            <p:cNvSpPr/>
+            <p:nvPr/>
+          </p:nvSpPr>
+          <p:spPr>
+            <a:xfrm>
+              <a:off x="3286169" y="3968109"/>
+              <a:ext cx="289291" cy="109040"/>
+            </a:xfrm>
+            <a:prstGeom prst="rect">
+              <a:avLst/>
+            </a:prstGeom>
+            <a:noFill/>
+          </p:spPr>
+          <p:txBody>
+            <a:bodyPr lIns="0" rIns="0" tIns="0" bIns="0" anchorCtr="1" anchor="ctr" wrap="none"/>
+            <a:lstStyle/>
+            <a:p>
+              <a:pPr algn="l" marL="0" marR="0" indent="0">
+                <a:lnSpc>
+                  <a:spcPts val="1138"/>
+                </a:lnSpc>
+                <a:spcBef>
+                  <a:spcPts val="0"/>
+                </a:spcBef>
+                <a:spcAft>
+                  <a:spcPts val="0"/>
+                </a:spcAft>
+              </a:pPr>
+              <a:r>
+                <a:rPr sz="1138">
+                  <a:solidFill>
+                    <a:srgbClr val="FFFFFF">
+                      <a:alpha val="100000"/>
+                    </a:srgbClr>
+                  </a:solidFill>
+                  <a:latin typeface="Arial"/>
+                  <a:cs typeface="Arial"/>
+                </a:rPr>
+                <a:t>59%</a:t>
+              </a:r>
+            </a:p>
+          </p:txBody>
+        </p:sp>
+        <p:sp>
+          <p:nvSpPr>
+            <p:cNvPr id="16" name="tx16"/>
+            <p:cNvSpPr/>
+            <p:nvPr/>
+          </p:nvSpPr>
+          <p:spPr>
+            <a:xfrm>
+              <a:off x="4181435" y="2811075"/>
+              <a:ext cx="329449" cy="109040"/>
+            </a:xfrm>
+            <a:prstGeom prst="rect">
+              <a:avLst/>
+            </a:prstGeom>
+            <a:noFill/>
+          </p:spPr>
+          <p:txBody>
+            <a:bodyPr lIns="0" rIns="0" tIns="0" bIns="0" anchorCtr="1" anchor="ctr" wrap="none"/>
+            <a:lstStyle/>
+            <a:p>
+              <a:pPr algn="l" marL="0" marR="0" indent="0">
+                <a:lnSpc>
+                  <a:spcPts val="1138"/>
+                </a:lnSpc>
+                <a:spcBef>
+                  <a:spcPts val="0"/>
+                </a:spcBef>
+                <a:spcAft>
+                  <a:spcPts val="0"/>
+                </a:spcAft>
+              </a:pPr>
+              <a:r>
+                <a:rPr sz="1138">
+                  <a:solidFill>
+                    <a:srgbClr val="FFFFFF">
+                      <a:alpha val="100000"/>
+                    </a:srgbClr>
+                  </a:solidFill>
+                  <a:latin typeface="Arial"/>
+                  <a:cs typeface="Arial"/>
+                </a:rPr>
+                <a:t>1.8%</a:t>
+              </a:r>
+            </a:p>
+          </p:txBody>
+        </p:sp>
+        <p:sp>
+          <p:nvSpPr>
+            <p:cNvPr id="17" name="tx17"/>
+            <p:cNvSpPr/>
+            <p:nvPr/>
+          </p:nvSpPr>
+          <p:spPr>
+            <a:xfrm>
+              <a:off x="4970713" y="3509991"/>
+              <a:ext cx="409835" cy="109040"/>
+            </a:xfrm>
+            <a:prstGeom prst="rect">
+              <a:avLst/>
+            </a:prstGeom>
+            <a:noFill/>
+          </p:spPr>
+          <p:txBody>
+            <a:bodyPr lIns="0" rIns="0" tIns="0" bIns="0" anchorCtr="1" anchor="ctr" wrap="none"/>
+            <a:lstStyle/>
+            <a:p>
+              <a:pPr algn="l" marL="0" marR="0" indent="0">
+                <a:lnSpc>
+                  <a:spcPts val="1138"/>
+                </a:lnSpc>
+                <a:spcBef>
+                  <a:spcPts val="0"/>
+                </a:spcBef>
+                <a:spcAft>
+                  <a:spcPts val="0"/>
+                </a:spcAft>
+              </a:pPr>
+              <a:r>
+                <a:rPr sz="1138">
+                  <a:solidFill>
+                    <a:srgbClr val="FFFFFF">
+                      <a:alpha val="100000"/>
+                    </a:srgbClr>
+                  </a:solidFill>
+                  <a:latin typeface="Arial"/>
+                  <a:cs typeface="Arial"/>
+                </a:rPr>
+                <a:t>39.1%</a:t>
+              </a:r>
+            </a:p>
+          </p:txBody>
+        </p:sp>
+        <p:sp>
+          <p:nvSpPr>
+            <p:cNvPr id="18" name="tx18"/>
+            <p:cNvSpPr/>
+            <p:nvPr/>
+          </p:nvSpPr>
+          <p:spPr>
+            <a:xfrm>
+              <a:off x="3282210" y="3967321"/>
+              <a:ext cx="289291" cy="109040"/>
+            </a:xfrm>
+            <a:prstGeom prst="rect">
+              <a:avLst/>
+            </a:prstGeom>
+            <a:noFill/>
+          </p:spPr>
+          <p:txBody>
+            <a:bodyPr lIns="0" rIns="0" tIns="0" bIns="0" anchorCtr="1" anchor="ctr" wrap="none"/>
+            <a:lstStyle/>
+            <a:p>
+              <a:pPr algn="l" marL="0" marR="0" indent="0">
+                <a:lnSpc>
+                  <a:spcPts val="1138"/>
+                </a:lnSpc>
+                <a:spcBef>
+                  <a:spcPts val="0"/>
+                </a:spcBef>
+                <a:spcAft>
+                  <a:spcPts val="0"/>
+                </a:spcAft>
+              </a:pPr>
+              <a:r>
+                <a:rPr sz="1138">
+                  <a:solidFill>
+                    <a:srgbClr val="FFFFFF">
+                      <a:alpha val="100000"/>
+                    </a:srgbClr>
+                  </a:solidFill>
+                  <a:latin typeface="Arial"/>
+                  <a:cs typeface="Arial"/>
+                </a:rPr>
+                <a:t>59%</a:t>
+              </a:r>
+            </a:p>
+          </p:txBody>
+        </p:sp>
+        <p:sp>
+          <p:nvSpPr>
+            <p:cNvPr id="19" name="tx19"/>
+            <p:cNvSpPr/>
+            <p:nvPr/>
+          </p:nvSpPr>
+          <p:spPr>
+            <a:xfrm>
+              <a:off x="4177476" y="2811863"/>
+              <a:ext cx="329449" cy="109040"/>
+            </a:xfrm>
+            <a:prstGeom prst="rect">
+              <a:avLst/>
+            </a:prstGeom>
+            <a:noFill/>
+          </p:spPr>
+          <p:txBody>
+            <a:bodyPr lIns="0" rIns="0" tIns="0" bIns="0" anchorCtr="1" anchor="ctr" wrap="none"/>
+            <a:lstStyle/>
+            <a:p>
+              <a:pPr algn="l" marL="0" marR="0" indent="0">
+                <a:lnSpc>
+                  <a:spcPts val="1138"/>
+                </a:lnSpc>
+                <a:spcBef>
+                  <a:spcPts val="0"/>
+                </a:spcBef>
+                <a:spcAft>
+                  <a:spcPts val="0"/>
+                </a:spcAft>
+              </a:pPr>
+              <a:r>
+                <a:rPr sz="1138">
+                  <a:solidFill>
+                    <a:srgbClr val="FFFFFF">
+                      <a:alpha val="100000"/>
+                    </a:srgbClr>
+                  </a:solidFill>
+                  <a:latin typeface="Arial"/>
+                  <a:cs typeface="Arial"/>
+                </a:rPr>
+                <a:t>1.8%</a:t>
+              </a:r>
+            </a:p>
+          </p:txBody>
+        </p:sp>
+        <p:sp>
+          <p:nvSpPr>
+            <p:cNvPr id="20" name="tx20"/>
+            <p:cNvSpPr/>
+            <p:nvPr/>
+          </p:nvSpPr>
+          <p:spPr>
+            <a:xfrm>
+              <a:off x="4966753" y="3510779"/>
+              <a:ext cx="409835" cy="109040"/>
+            </a:xfrm>
+            <a:prstGeom prst="rect">
+              <a:avLst/>
+            </a:prstGeom>
+            <a:noFill/>
+          </p:spPr>
+          <p:txBody>
+            <a:bodyPr lIns="0" rIns="0" tIns="0" bIns="0" anchorCtr="1" anchor="ctr" wrap="none"/>
+            <a:lstStyle/>
+            <a:p>
+              <a:pPr algn="l" marL="0" marR="0" indent="0">
+                <a:lnSpc>
+                  <a:spcPts val="1138"/>
+                </a:lnSpc>
+                <a:spcBef>
+                  <a:spcPts val="0"/>
+                </a:spcBef>
+                <a:spcAft>
+                  <a:spcPts val="0"/>
+                </a:spcAft>
+              </a:pPr>
+              <a:r>
+                <a:rPr sz="1138">
+                  <a:solidFill>
+                    <a:srgbClr val="FFFFFF">
+                      <a:alpha val="100000"/>
+                    </a:srgbClr>
+                  </a:solidFill>
+                  <a:latin typeface="Arial"/>
+                  <a:cs typeface="Arial"/>
+                </a:rPr>
+                <a:t>39.1%</a:t>
+              </a:r>
+            </a:p>
+          </p:txBody>
+        </p:sp>
+        <p:sp>
+          <p:nvSpPr>
+            <p:cNvPr id="21" name="tx21"/>
+            <p:cNvSpPr/>
+            <p:nvPr/>
+          </p:nvSpPr>
+          <p:spPr>
+            <a:xfrm>
+              <a:off x="3278250" y="3968109"/>
+              <a:ext cx="289291" cy="109040"/>
+            </a:xfrm>
+            <a:prstGeom prst="rect">
+              <a:avLst/>
+            </a:prstGeom>
+            <a:noFill/>
+          </p:spPr>
+          <p:txBody>
+            <a:bodyPr lIns="0" rIns="0" tIns="0" bIns="0" anchorCtr="1" anchor="ctr" wrap="none"/>
+            <a:lstStyle/>
+            <a:p>
+              <a:pPr algn="l" marL="0" marR="0" indent="0">
+                <a:lnSpc>
+                  <a:spcPts val="1138"/>
+                </a:lnSpc>
+                <a:spcBef>
+                  <a:spcPts val="0"/>
+                </a:spcBef>
+                <a:spcAft>
+                  <a:spcPts val="0"/>
+                </a:spcAft>
+              </a:pPr>
+              <a:r>
+                <a:rPr sz="1138">
+                  <a:solidFill>
+                    <a:srgbClr val="FFFFFF">
+                      <a:alpha val="100000"/>
+                    </a:srgbClr>
+                  </a:solidFill>
+                  <a:latin typeface="Arial"/>
+                  <a:cs typeface="Arial"/>
+                </a:rPr>
+                <a:t>59%</a:t>
+              </a:r>
+            </a:p>
+          </p:txBody>
+        </p:sp>
+        <p:sp>
+          <p:nvSpPr>
+            <p:cNvPr id="22" name="tx22"/>
+            <p:cNvSpPr/>
+            <p:nvPr/>
+          </p:nvSpPr>
+          <p:spPr>
+            <a:xfrm>
+              <a:off x="4174119" y="2814105"/>
+              <a:ext cx="329449" cy="109040"/>
+            </a:xfrm>
+            <a:prstGeom prst="rect">
+              <a:avLst/>
+            </a:prstGeom>
+            <a:noFill/>
+          </p:spPr>
+          <p:txBody>
+            <a:bodyPr lIns="0" rIns="0" tIns="0" bIns="0" anchorCtr="1" anchor="ctr" wrap="none"/>
+            <a:lstStyle/>
+            <a:p>
+              <a:pPr algn="l" marL="0" marR="0" indent="0">
+                <a:lnSpc>
+                  <a:spcPts val="1138"/>
+                </a:lnSpc>
+                <a:spcBef>
+                  <a:spcPts val="0"/>
+                </a:spcBef>
+                <a:spcAft>
+                  <a:spcPts val="0"/>
+                </a:spcAft>
+              </a:pPr>
+              <a:r>
+                <a:rPr sz="1138">
+                  <a:solidFill>
+                    <a:srgbClr val="FFFFFF">
+                      <a:alpha val="100000"/>
+                    </a:srgbClr>
+                  </a:solidFill>
+                  <a:latin typeface="Arial"/>
+                  <a:cs typeface="Arial"/>
+                </a:rPr>
+                <a:t>1.8%</a:t>
+              </a:r>
+            </a:p>
+          </p:txBody>
+        </p:sp>
+        <p:sp>
+          <p:nvSpPr>
+            <p:cNvPr id="23" name="tx23"/>
+            <p:cNvSpPr/>
+            <p:nvPr/>
+          </p:nvSpPr>
+          <p:spPr>
+            <a:xfrm>
+              <a:off x="4963397" y="3513022"/>
+              <a:ext cx="409835" cy="109040"/>
+            </a:xfrm>
+            <a:prstGeom prst="rect">
+              <a:avLst/>
+            </a:prstGeom>
+            <a:noFill/>
+          </p:spPr>
+          <p:txBody>
+            <a:bodyPr lIns="0" rIns="0" tIns="0" bIns="0" anchorCtr="1" anchor="ctr" wrap="none"/>
+            <a:lstStyle/>
+            <a:p>
+              <a:pPr algn="l" marL="0" marR="0" indent="0">
+                <a:lnSpc>
+                  <a:spcPts val="1138"/>
+                </a:lnSpc>
+                <a:spcBef>
+                  <a:spcPts val="0"/>
+                </a:spcBef>
+                <a:spcAft>
+                  <a:spcPts val="0"/>
+                </a:spcAft>
+              </a:pPr>
+              <a:r>
+                <a:rPr sz="1138">
+                  <a:solidFill>
+                    <a:srgbClr val="FFFFFF">
+                      <a:alpha val="100000"/>
+                    </a:srgbClr>
+                  </a:solidFill>
+                  <a:latin typeface="Arial"/>
+                  <a:cs typeface="Arial"/>
+                </a:rPr>
+                <a:t>39.1%</a:t>
+              </a:r>
+            </a:p>
+          </p:txBody>
+        </p:sp>
+        <p:sp>
+          <p:nvSpPr>
+            <p:cNvPr id="24" name="tx24"/>
+            <p:cNvSpPr/>
+            <p:nvPr/>
+          </p:nvSpPr>
+          <p:spPr>
+            <a:xfrm>
+              <a:off x="3274893" y="3970351"/>
+              <a:ext cx="289291" cy="109040"/>
+            </a:xfrm>
+            <a:prstGeom prst="rect">
+              <a:avLst/>
+            </a:prstGeom>
+            <a:noFill/>
+          </p:spPr>
+          <p:txBody>
+            <a:bodyPr lIns="0" rIns="0" tIns="0" bIns="0" anchorCtr="1" anchor="ctr" wrap="none"/>
+            <a:lstStyle/>
+            <a:p>
+              <a:pPr algn="l" marL="0" marR="0" indent="0">
+                <a:lnSpc>
+                  <a:spcPts val="1138"/>
+                </a:lnSpc>
+                <a:spcBef>
+                  <a:spcPts val="0"/>
+                </a:spcBef>
+                <a:spcAft>
+                  <a:spcPts val="0"/>
+                </a:spcAft>
+              </a:pPr>
+              <a:r>
+                <a:rPr sz="1138">
+                  <a:solidFill>
+                    <a:srgbClr val="FFFFFF">
+                      <a:alpha val="100000"/>
+                    </a:srgbClr>
+                  </a:solidFill>
+                  <a:latin typeface="Arial"/>
+                  <a:cs typeface="Arial"/>
+                </a:rPr>
+                <a:t>59%</a:t>
+              </a:r>
+            </a:p>
+          </p:txBody>
+        </p:sp>
+        <p:sp>
+          <p:nvSpPr>
+            <p:cNvPr id="25" name="tx25"/>
+            <p:cNvSpPr/>
+            <p:nvPr/>
+          </p:nvSpPr>
+          <p:spPr>
+            <a:xfrm>
+              <a:off x="4171876" y="2817462"/>
+              <a:ext cx="329449" cy="109040"/>
+            </a:xfrm>
+            <a:prstGeom prst="rect">
+              <a:avLst/>
+            </a:prstGeom>
+            <a:noFill/>
+          </p:spPr>
+          <p:txBody>
+            <a:bodyPr lIns="0" rIns="0" tIns="0" bIns="0" anchorCtr="1" anchor="ctr" wrap="none"/>
+            <a:lstStyle/>
+            <a:p>
+              <a:pPr algn="l" marL="0" marR="0" indent="0">
+                <a:lnSpc>
+                  <a:spcPts val="1138"/>
+                </a:lnSpc>
+                <a:spcBef>
+                  <a:spcPts val="0"/>
+                </a:spcBef>
+                <a:spcAft>
+                  <a:spcPts val="0"/>
+                </a:spcAft>
+              </a:pPr>
+              <a:r>
+                <a:rPr sz="1138">
+                  <a:solidFill>
+                    <a:srgbClr val="FFFFFF">
+                      <a:alpha val="100000"/>
+                    </a:srgbClr>
+                  </a:solidFill>
+                  <a:latin typeface="Arial"/>
+                  <a:cs typeface="Arial"/>
+                </a:rPr>
+                <a:t>1.8%</a:t>
+              </a:r>
+            </a:p>
+          </p:txBody>
+        </p:sp>
+        <p:sp>
+          <p:nvSpPr>
+            <p:cNvPr id="26" name="tx26"/>
+            <p:cNvSpPr/>
+            <p:nvPr/>
+          </p:nvSpPr>
+          <p:spPr>
+            <a:xfrm>
+              <a:off x="4961154" y="3516378"/>
+              <a:ext cx="409835" cy="109040"/>
+            </a:xfrm>
+            <a:prstGeom prst="rect">
+              <a:avLst/>
+            </a:prstGeom>
+            <a:noFill/>
+          </p:spPr>
+          <p:txBody>
+            <a:bodyPr lIns="0" rIns="0" tIns="0" bIns="0" anchorCtr="1" anchor="ctr" wrap="none"/>
+            <a:lstStyle/>
+            <a:p>
+              <a:pPr algn="l" marL="0" marR="0" indent="0">
+                <a:lnSpc>
+                  <a:spcPts val="1138"/>
+                </a:lnSpc>
+                <a:spcBef>
+                  <a:spcPts val="0"/>
+                </a:spcBef>
+                <a:spcAft>
+                  <a:spcPts val="0"/>
+                </a:spcAft>
+              </a:pPr>
+              <a:r>
+                <a:rPr sz="1138">
+                  <a:solidFill>
+                    <a:srgbClr val="FFFFFF">
+                      <a:alpha val="100000"/>
+                    </a:srgbClr>
+                  </a:solidFill>
+                  <a:latin typeface="Arial"/>
+                  <a:cs typeface="Arial"/>
+                </a:rPr>
+                <a:t>39.1%</a:t>
+              </a:r>
+            </a:p>
+          </p:txBody>
+        </p:sp>
+        <p:sp>
+          <p:nvSpPr>
+            <p:cNvPr id="27" name="tx27"/>
+            <p:cNvSpPr/>
+            <p:nvPr/>
+          </p:nvSpPr>
+          <p:spPr>
+            <a:xfrm>
+              <a:off x="3272651" y="3973708"/>
+              <a:ext cx="289291" cy="109040"/>
+            </a:xfrm>
+            <a:prstGeom prst="rect">
+              <a:avLst/>
+            </a:prstGeom>
+            <a:noFill/>
+          </p:spPr>
+          <p:txBody>
+            <a:bodyPr lIns="0" rIns="0" tIns="0" bIns="0" anchorCtr="1" anchor="ctr" wrap="none"/>
+            <a:lstStyle/>
+            <a:p>
+              <a:pPr algn="l" marL="0" marR="0" indent="0">
+                <a:lnSpc>
+                  <a:spcPts val="1138"/>
+                </a:lnSpc>
+                <a:spcBef>
+                  <a:spcPts val="0"/>
+                </a:spcBef>
+                <a:spcAft>
+                  <a:spcPts val="0"/>
+                </a:spcAft>
+              </a:pPr>
+              <a:r>
+                <a:rPr sz="1138">
+                  <a:solidFill>
+                    <a:srgbClr val="FFFFFF">
+                      <a:alpha val="100000"/>
+                    </a:srgbClr>
+                  </a:solidFill>
+                  <a:latin typeface="Arial"/>
+                  <a:cs typeface="Arial"/>
+                </a:rPr>
+                <a:t>59%</a:t>
+              </a:r>
+            </a:p>
+          </p:txBody>
+        </p:sp>
+        <p:sp>
+          <p:nvSpPr>
+            <p:cNvPr id="28" name="tx28"/>
+            <p:cNvSpPr/>
+            <p:nvPr/>
+          </p:nvSpPr>
+          <p:spPr>
+            <a:xfrm>
+              <a:off x="4171089" y="2821422"/>
+              <a:ext cx="329449" cy="109040"/>
+            </a:xfrm>
+            <a:prstGeom prst="rect">
+              <a:avLst/>
+            </a:prstGeom>
+            <a:noFill/>
+          </p:spPr>
+          <p:txBody>
+            <a:bodyPr lIns="0" rIns="0" tIns="0" bIns="0" anchorCtr="1" anchor="ctr" wrap="none"/>
+            <a:lstStyle/>
+            <a:p>
+              <a:pPr algn="l" marL="0" marR="0" indent="0">
+                <a:lnSpc>
+                  <a:spcPts val="1138"/>
+                </a:lnSpc>
+                <a:spcBef>
+                  <a:spcPts val="0"/>
+                </a:spcBef>
+                <a:spcAft>
+                  <a:spcPts val="0"/>
+                </a:spcAft>
+              </a:pPr>
+              <a:r>
+                <a:rPr sz="1138">
+                  <a:solidFill>
+                    <a:srgbClr val="FFFFFF">
+                      <a:alpha val="100000"/>
+                    </a:srgbClr>
+                  </a:solidFill>
+                  <a:latin typeface="Arial"/>
+                  <a:cs typeface="Arial"/>
+                </a:rPr>
+                <a:t>1.8%</a:t>
+              </a:r>
+            </a:p>
+          </p:txBody>
+        </p:sp>
+        <p:sp>
+          <p:nvSpPr>
+            <p:cNvPr id="29" name="tx29"/>
+            <p:cNvSpPr/>
+            <p:nvPr/>
+          </p:nvSpPr>
+          <p:spPr>
+            <a:xfrm>
+              <a:off x="4960366" y="3520338"/>
+              <a:ext cx="409835" cy="109040"/>
+            </a:xfrm>
+            <a:prstGeom prst="rect">
+              <a:avLst/>
+            </a:prstGeom>
+            <a:noFill/>
+          </p:spPr>
+          <p:txBody>
+            <a:bodyPr lIns="0" rIns="0" tIns="0" bIns="0" anchorCtr="1" anchor="ctr" wrap="none"/>
+            <a:lstStyle/>
+            <a:p>
+              <a:pPr algn="l" marL="0" marR="0" indent="0">
+                <a:lnSpc>
+                  <a:spcPts val="1138"/>
+                </a:lnSpc>
+                <a:spcBef>
+                  <a:spcPts val="0"/>
+                </a:spcBef>
+                <a:spcAft>
+                  <a:spcPts val="0"/>
+                </a:spcAft>
+              </a:pPr>
+              <a:r>
+                <a:rPr sz="1138">
+                  <a:solidFill>
+                    <a:srgbClr val="FFFFFF">
+                      <a:alpha val="100000"/>
+                    </a:srgbClr>
+                  </a:solidFill>
+                  <a:latin typeface="Arial"/>
+                  <a:cs typeface="Arial"/>
+                </a:rPr>
+                <a:t>39.1%</a:t>
+              </a:r>
+            </a:p>
+          </p:txBody>
+        </p:sp>
+        <p:sp>
+          <p:nvSpPr>
+            <p:cNvPr id="30" name="tx30"/>
+            <p:cNvSpPr/>
+            <p:nvPr/>
+          </p:nvSpPr>
+          <p:spPr>
+            <a:xfrm>
+              <a:off x="3271863" y="3977668"/>
+              <a:ext cx="289291" cy="109040"/>
+            </a:xfrm>
+            <a:prstGeom prst="rect">
+              <a:avLst/>
+            </a:prstGeom>
+            <a:noFill/>
+          </p:spPr>
+          <p:txBody>
+            <a:bodyPr lIns="0" rIns="0" tIns="0" bIns="0" anchorCtr="1" anchor="ctr" wrap="none"/>
+            <a:lstStyle/>
+            <a:p>
+              <a:pPr algn="l" marL="0" marR="0" indent="0">
+                <a:lnSpc>
+                  <a:spcPts val="1138"/>
+                </a:lnSpc>
+                <a:spcBef>
+                  <a:spcPts val="0"/>
+                </a:spcBef>
+                <a:spcAft>
+                  <a:spcPts val="0"/>
+                </a:spcAft>
+              </a:pPr>
+              <a:r>
+                <a:rPr sz="1138">
+                  <a:solidFill>
+                    <a:srgbClr val="FFFFFF">
+                      <a:alpha val="100000"/>
+                    </a:srgbClr>
+                  </a:solidFill>
+                  <a:latin typeface="Arial"/>
+                  <a:cs typeface="Arial"/>
+                </a:rPr>
+                <a:t>59%</a:t>
+              </a:r>
+            </a:p>
+          </p:txBody>
+        </p:sp>
+        <p:sp>
+          <p:nvSpPr>
+            <p:cNvPr id="31" name="tx31"/>
+            <p:cNvSpPr/>
+            <p:nvPr/>
+          </p:nvSpPr>
+          <p:spPr>
+            <a:xfrm>
+              <a:off x="4171876" y="2825381"/>
+              <a:ext cx="329449" cy="109040"/>
+            </a:xfrm>
+            <a:prstGeom prst="rect">
+              <a:avLst/>
+            </a:prstGeom>
+            <a:noFill/>
+          </p:spPr>
+          <p:txBody>
+            <a:bodyPr lIns="0" rIns="0" tIns="0" bIns="0" anchorCtr="1" anchor="ctr" wrap="none"/>
+            <a:lstStyle/>
+            <a:p>
+              <a:pPr algn="l" marL="0" marR="0" indent="0">
+                <a:lnSpc>
+                  <a:spcPts val="1138"/>
+                </a:lnSpc>
+                <a:spcBef>
+                  <a:spcPts val="0"/>
+                </a:spcBef>
+                <a:spcAft>
+                  <a:spcPts val="0"/>
+                </a:spcAft>
+              </a:pPr>
+              <a:r>
+                <a:rPr sz="1138">
+                  <a:solidFill>
+                    <a:srgbClr val="FFFFFF">
+                      <a:alpha val="100000"/>
+                    </a:srgbClr>
+                  </a:solidFill>
+                  <a:latin typeface="Arial"/>
+                  <a:cs typeface="Arial"/>
+                </a:rPr>
+                <a:t>1.8%</a:t>
               </a:r>
             </a:p>
           </p:txBody>
@@ -4186,8 +5501,8 @@
           </p:nvSpPr>
           <p:spPr>
             <a:xfrm>
-              <a:off x="6223176" y="2250197"/>
-              <a:ext cx="325215" cy="67753"/>
+              <a:off x="4961154" y="3524297"/>
+              <a:ext cx="409835" cy="109040"/>
             </a:xfrm>
             <a:prstGeom prst="rect">
               <a:avLst/>
@@ -4200,7 +5515,7 @@
             <a:p>
               <a:pPr algn="l" marL="0" marR="0" indent="0">
                 <a:lnSpc>
-                  <a:spcPts val="853"/>
+                  <a:spcPts val="1138"/>
                 </a:lnSpc>
                 <a:spcBef>
                   <a:spcPts val="0"/>
@@ -4210,7 +5525,7 @@
                 </a:spcAft>
               </a:pPr>
               <a:r>
-                <a:rPr sz="853" b="1">
+                <a:rPr sz="1138">
                   <a:solidFill>
                     <a:srgbClr val="FFFFFF">
                       <a:alpha val="100000"/>
@@ -4219,7 +5534,7 @@
                   <a:latin typeface="Arial"/>
                   <a:cs typeface="Arial"/>
                 </a:rPr>
-                <a:t>菌株信息</a:t>
+                <a:t>39.1%</a:t>
               </a:r>
             </a:p>
           </p:txBody>
@@ -4232,8 +5547,8 @@
           </p:nvSpPr>
           <p:spPr>
             <a:xfrm>
-              <a:off x="6151404" y="2690231"/>
-              <a:ext cx="325215" cy="67753"/>
+              <a:off x="3272651" y="3981627"/>
+              <a:ext cx="289291" cy="109040"/>
             </a:xfrm>
             <a:prstGeom prst="rect">
               <a:avLst/>
@@ -4246,7 +5561,7 @@
             <a:p>
               <a:pPr algn="l" marL="0" marR="0" indent="0">
                 <a:lnSpc>
-                  <a:spcPts val="853"/>
+                  <a:spcPts val="1138"/>
                 </a:lnSpc>
                 <a:spcBef>
                   <a:spcPts val="0"/>
@@ -4256,7 +5571,7 @@
                 </a:spcAft>
               </a:pPr>
               <a:r>
-                <a:rPr sz="853" b="1">
+                <a:rPr sz="1138">
                   <a:solidFill>
                     <a:srgbClr val="FFFFFF">
                       <a:alpha val="100000"/>
@@ -4265,7 +5580,7 @@
                   <a:latin typeface="Arial"/>
                   <a:cs typeface="Arial"/>
                 </a:rPr>
-                <a:t>功能宣称</a:t>
+                <a:t>59%</a:t>
               </a:r>
             </a:p>
           </p:txBody>
@@ -4278,8 +5593,8 @@
           </p:nvSpPr>
           <p:spPr>
             <a:xfrm>
-              <a:off x="5263789" y="3130265"/>
-              <a:ext cx="894341" cy="67753"/>
+              <a:off x="4174119" y="2828738"/>
+              <a:ext cx="329449" cy="109040"/>
             </a:xfrm>
             <a:prstGeom prst="rect">
               <a:avLst/>
@@ -4292,7 +5607,7 @@
             <a:p>
               <a:pPr algn="l" marL="0" marR="0" indent="0">
                 <a:lnSpc>
-                  <a:spcPts val="853"/>
+                  <a:spcPts val="1138"/>
                 </a:lnSpc>
                 <a:spcBef>
                   <a:spcPts val="0"/>
@@ -4302,7 +5617,7 @@
                 </a:spcAft>
               </a:pPr>
               <a:r>
-                <a:rPr sz="853" b="1">
+                <a:rPr sz="1138">
                   <a:solidFill>
                     <a:srgbClr val="FFFFFF">
                       <a:alpha val="100000"/>
@@ -4311,7 +5626,7 @@
                   <a:latin typeface="Arial"/>
                   <a:cs typeface="Arial"/>
                 </a:rPr>
-                <a:t>保健食品标志（蓝帽子）</a:t>
+                <a:t>1.8%</a:t>
               </a:r>
             </a:p>
           </p:txBody>
@@ -4324,8 +5639,8 @@
           </p:nvSpPr>
           <p:spPr>
             <a:xfrm>
-              <a:off x="5543917" y="3573326"/>
-              <a:ext cx="436637" cy="80245"/>
+              <a:off x="4963397" y="3527654"/>
+              <a:ext cx="409835" cy="109040"/>
             </a:xfrm>
             <a:prstGeom prst="rect">
               <a:avLst/>
@@ -4338,7 +5653,7 @@
             <a:p>
               <a:pPr algn="l" marL="0" marR="0" indent="0">
                 <a:lnSpc>
-                  <a:spcPts val="853"/>
+                  <a:spcPts val="1138"/>
                 </a:lnSpc>
                 <a:spcBef>
                   <a:spcPts val="0"/>
@@ -4348,16 +5663,16 @@
                 </a:spcAft>
               </a:pPr>
               <a:r>
-                <a:rPr sz="853">
+                <a:rPr sz="1138">
                   <a:solidFill>
-                    <a:srgbClr val="000000">
+                    <a:srgbClr val="FFFFFF">
                       <a:alpha val="100000"/>
                     </a:srgbClr>
                   </a:solidFill>
                   <a:latin typeface="Arial"/>
                   <a:cs typeface="Arial"/>
                 </a:rPr>
-                <a:t>辅料/添加剂</a:t>
+                <a:t>39.1%</a:t>
               </a:r>
             </a:p>
           </p:txBody>
@@ -4370,8 +5685,8 @@
           </p:nvSpPr>
           <p:spPr>
             <a:xfrm>
-              <a:off x="4900211" y="4013360"/>
-              <a:ext cx="385398" cy="80245"/>
+              <a:off x="3274893" y="3984984"/>
+              <a:ext cx="289291" cy="109040"/>
             </a:xfrm>
             <a:prstGeom prst="rect">
               <a:avLst/>
@@ -4384,7 +5699,7 @@
             <a:p>
               <a:pPr algn="l" marL="0" marR="0" indent="0">
                 <a:lnSpc>
-                  <a:spcPts val="853"/>
+                  <a:spcPts val="1138"/>
                 </a:lnSpc>
                 <a:spcBef>
                   <a:spcPts val="0"/>
@@ -4394,16 +5709,16 @@
                 </a:spcAft>
               </a:pPr>
               <a:r>
-                <a:rPr sz="853">
+                <a:rPr sz="1138">
                   <a:solidFill>
-                    <a:srgbClr val="000000">
+                    <a:srgbClr val="FFFFFF">
                       <a:alpha val="100000"/>
                     </a:srgbClr>
                   </a:solidFill>
                   <a:latin typeface="Arial"/>
                   <a:cs typeface="Arial"/>
                 </a:rPr>
-                <a:t>CFU信息</a:t>
+                <a:t>59%</a:t>
               </a:r>
             </a:p>
           </p:txBody>
@@ -4416,8 +5731,8 @@
           </p:nvSpPr>
           <p:spPr>
             <a:xfrm>
-              <a:off x="4875539" y="4465886"/>
-              <a:ext cx="325215" cy="67753"/>
+              <a:off x="4177476" y="2830980"/>
+              <a:ext cx="329449" cy="109040"/>
             </a:xfrm>
             <a:prstGeom prst="rect">
               <a:avLst/>
@@ -4430,7 +5745,7 @@
             <a:p>
               <a:pPr algn="l" marL="0" marR="0" indent="0">
                 <a:lnSpc>
-                  <a:spcPts val="853"/>
+                  <a:spcPts val="1138"/>
                 </a:lnSpc>
                 <a:spcBef>
                   <a:spcPts val="0"/>
@@ -4440,16 +5755,16 @@
                 </a:spcAft>
               </a:pPr>
               <a:r>
-                <a:rPr sz="853">
+                <a:rPr sz="1138">
                   <a:solidFill>
-                    <a:srgbClr val="000000">
+                    <a:srgbClr val="FFFFFF">
                       <a:alpha val="100000"/>
                     </a:srgbClr>
                   </a:solidFill>
                   <a:latin typeface="Arial"/>
                   <a:cs typeface="Arial"/>
                 </a:rPr>
-                <a:t>使用禁忌</a:t>
+                <a:t>1.8%</a:t>
               </a:r>
             </a:p>
           </p:txBody>
@@ -4462,8 +5777,8 @@
           </p:nvSpPr>
           <p:spPr>
             <a:xfrm>
-              <a:off x="4577236" y="4905920"/>
-              <a:ext cx="243911" cy="67753"/>
+              <a:off x="4966753" y="3529896"/>
+              <a:ext cx="409835" cy="109040"/>
             </a:xfrm>
             <a:prstGeom prst="rect">
               <a:avLst/>
@@ -4476,7 +5791,7 @@
             <a:p>
               <a:pPr algn="l" marL="0" marR="0" indent="0">
                 <a:lnSpc>
-                  <a:spcPts val="853"/>
+                  <a:spcPts val="1138"/>
                 </a:lnSpc>
                 <a:spcBef>
                   <a:spcPts val="0"/>
@@ -4486,16 +5801,16 @@
                 </a:spcAft>
               </a:pPr>
               <a:r>
-                <a:rPr sz="853">
+                <a:rPr sz="1138">
                   <a:solidFill>
-                    <a:srgbClr val="000000">
+                    <a:srgbClr val="FFFFFF">
                       <a:alpha val="100000"/>
                     </a:srgbClr>
                   </a:solidFill>
                   <a:latin typeface="Arial"/>
                   <a:cs typeface="Arial"/>
                 </a:rPr>
-                <a:t>保质期</a:t>
+                <a:t>39.1%</a:t>
               </a:r>
             </a:p>
           </p:txBody>
@@ -4508,8 +5823,8 @@
           </p:nvSpPr>
           <p:spPr>
             <a:xfrm>
-              <a:off x="2453229" y="5345953"/>
-              <a:ext cx="569126" cy="67753"/>
+              <a:off x="3278250" y="3987226"/>
+              <a:ext cx="289291" cy="109040"/>
             </a:xfrm>
             <a:prstGeom prst="rect">
               <a:avLst/>
@@ -4522,7 +5837,7 @@
             <a:p>
               <a:pPr algn="l" marL="0" marR="0" indent="0">
                 <a:lnSpc>
-                  <a:spcPts val="853"/>
+                  <a:spcPts val="1138"/>
                 </a:lnSpc>
                 <a:spcBef>
                   <a:spcPts val="0"/>
@@ -4532,42 +5847,875 @@
                 </a:spcAft>
               </a:pPr>
               <a:r>
-                <a:rPr sz="853">
+                <a:rPr sz="1138">
                   <a:solidFill>
-                    <a:srgbClr val="000000">
+                    <a:srgbClr val="FFFFFF">
                       <a:alpha val="100000"/>
                     </a:srgbClr>
                   </a:solidFill>
                   <a:latin typeface="Arial"/>
                   <a:cs typeface="Arial"/>
                 </a:rPr>
-                <a:t>不关注相关信息</a:t>
+                <a:t>59%</a:t>
               </a:r>
             </a:p>
           </p:txBody>
         </p:sp>
         <p:sp>
           <p:nvSpPr>
-            <p:cNvPr id="40" name="rc40"/>
+            <p:cNvPr id="40" name="tx40"/>
             <p:cNvSpPr/>
             <p:nvPr/>
           </p:nvSpPr>
           <p:spPr>
             <a:xfrm>
-              <a:off x="2023549" y="1590617"/>
-              <a:ext cx="6913543" cy="4048310"/>
+              <a:off x="4181435" y="2831768"/>
+              <a:ext cx="329449" cy="109040"/>
             </a:xfrm>
             <a:prstGeom prst="rect">
               <a:avLst/>
             </a:prstGeom>
-            <a:ln w="13550" cap="rnd">
+            <a:noFill/>
+          </p:spPr>
+          <p:txBody>
+            <a:bodyPr lIns="0" rIns="0" tIns="0" bIns="0" anchorCtr="1" anchor="ctr" wrap="none"/>
+            <a:lstStyle/>
+            <a:p>
+              <a:pPr algn="l" marL="0" marR="0" indent="0">
+                <a:lnSpc>
+                  <a:spcPts val="1138"/>
+                </a:lnSpc>
+                <a:spcBef>
+                  <a:spcPts val="0"/>
+                </a:spcBef>
+                <a:spcAft>
+                  <a:spcPts val="0"/>
+                </a:spcAft>
+              </a:pPr>
+              <a:r>
+                <a:rPr sz="1138">
+                  <a:solidFill>
+                    <a:srgbClr val="FFFFFF">
+                      <a:alpha val="100000"/>
+                    </a:srgbClr>
+                  </a:solidFill>
+                  <a:latin typeface="Arial"/>
+                  <a:cs typeface="Arial"/>
+                </a:rPr>
+                <a:t>1.8%</a:t>
+              </a:r>
+            </a:p>
+          </p:txBody>
+        </p:sp>
+        <p:sp>
+          <p:nvSpPr>
+            <p:cNvPr id="41" name="tx41"/>
+            <p:cNvSpPr/>
+            <p:nvPr/>
+          </p:nvSpPr>
+          <p:spPr>
+            <a:xfrm>
+              <a:off x="4970713" y="3530684"/>
+              <a:ext cx="409835" cy="109040"/>
+            </a:xfrm>
+            <a:prstGeom prst="rect">
+              <a:avLst/>
+            </a:prstGeom>
+            <a:noFill/>
+          </p:spPr>
+          <p:txBody>
+            <a:bodyPr lIns="0" rIns="0" tIns="0" bIns="0" anchorCtr="1" anchor="ctr" wrap="none"/>
+            <a:lstStyle/>
+            <a:p>
+              <a:pPr algn="l" marL="0" marR="0" indent="0">
+                <a:lnSpc>
+                  <a:spcPts val="1138"/>
+                </a:lnSpc>
+                <a:spcBef>
+                  <a:spcPts val="0"/>
+                </a:spcBef>
+                <a:spcAft>
+                  <a:spcPts val="0"/>
+                </a:spcAft>
+              </a:pPr>
+              <a:r>
+                <a:rPr sz="1138">
+                  <a:solidFill>
+                    <a:srgbClr val="FFFFFF">
+                      <a:alpha val="100000"/>
+                    </a:srgbClr>
+                  </a:solidFill>
+                  <a:latin typeface="Arial"/>
+                  <a:cs typeface="Arial"/>
+                </a:rPr>
+                <a:t>39.1%</a:t>
+              </a:r>
+            </a:p>
+          </p:txBody>
+        </p:sp>
+        <p:sp>
+          <p:nvSpPr>
+            <p:cNvPr id="42" name="tx42"/>
+            <p:cNvSpPr/>
+            <p:nvPr/>
+          </p:nvSpPr>
+          <p:spPr>
+            <a:xfrm>
+              <a:off x="3282210" y="3988014"/>
+              <a:ext cx="289291" cy="109040"/>
+            </a:xfrm>
+            <a:prstGeom prst="rect">
+              <a:avLst/>
+            </a:prstGeom>
+            <a:noFill/>
+          </p:spPr>
+          <p:txBody>
+            <a:bodyPr lIns="0" rIns="0" tIns="0" bIns="0" anchorCtr="1" anchor="ctr" wrap="none"/>
+            <a:lstStyle/>
+            <a:p>
+              <a:pPr algn="l" marL="0" marR="0" indent="0">
+                <a:lnSpc>
+                  <a:spcPts val="1138"/>
+                </a:lnSpc>
+                <a:spcBef>
+                  <a:spcPts val="0"/>
+                </a:spcBef>
+                <a:spcAft>
+                  <a:spcPts val="0"/>
+                </a:spcAft>
+              </a:pPr>
+              <a:r>
+                <a:rPr sz="1138">
+                  <a:solidFill>
+                    <a:srgbClr val="FFFFFF">
+                      <a:alpha val="100000"/>
+                    </a:srgbClr>
+                  </a:solidFill>
+                  <a:latin typeface="Arial"/>
+                  <a:cs typeface="Arial"/>
+                </a:rPr>
+                <a:t>59%</a:t>
+              </a:r>
+            </a:p>
+          </p:txBody>
+        </p:sp>
+        <p:sp>
+          <p:nvSpPr>
+            <p:cNvPr id="43" name="tx43"/>
+            <p:cNvSpPr/>
+            <p:nvPr/>
+          </p:nvSpPr>
+          <p:spPr>
+            <a:xfrm>
+              <a:off x="4185394" y="2830980"/>
+              <a:ext cx="329449" cy="109040"/>
+            </a:xfrm>
+            <a:prstGeom prst="rect">
+              <a:avLst/>
+            </a:prstGeom>
+            <a:noFill/>
+          </p:spPr>
+          <p:txBody>
+            <a:bodyPr lIns="0" rIns="0" tIns="0" bIns="0" anchorCtr="1" anchor="ctr" wrap="none"/>
+            <a:lstStyle/>
+            <a:p>
+              <a:pPr algn="l" marL="0" marR="0" indent="0">
+                <a:lnSpc>
+                  <a:spcPts val="1138"/>
+                </a:lnSpc>
+                <a:spcBef>
+                  <a:spcPts val="0"/>
+                </a:spcBef>
+                <a:spcAft>
+                  <a:spcPts val="0"/>
+                </a:spcAft>
+              </a:pPr>
+              <a:r>
+                <a:rPr sz="1138">
+                  <a:solidFill>
+                    <a:srgbClr val="FFFFFF">
+                      <a:alpha val="100000"/>
+                    </a:srgbClr>
+                  </a:solidFill>
+                  <a:latin typeface="Arial"/>
+                  <a:cs typeface="Arial"/>
+                </a:rPr>
+                <a:t>1.8%</a:t>
+              </a:r>
+            </a:p>
+          </p:txBody>
+        </p:sp>
+        <p:sp>
+          <p:nvSpPr>
+            <p:cNvPr id="44" name="tx44"/>
+            <p:cNvSpPr/>
+            <p:nvPr/>
+          </p:nvSpPr>
+          <p:spPr>
+            <a:xfrm>
+              <a:off x="4974672" y="3529896"/>
+              <a:ext cx="409835" cy="109040"/>
+            </a:xfrm>
+            <a:prstGeom prst="rect">
+              <a:avLst/>
+            </a:prstGeom>
+            <a:noFill/>
+          </p:spPr>
+          <p:txBody>
+            <a:bodyPr lIns="0" rIns="0" tIns="0" bIns="0" anchorCtr="1" anchor="ctr" wrap="none"/>
+            <a:lstStyle/>
+            <a:p>
+              <a:pPr algn="l" marL="0" marR="0" indent="0">
+                <a:lnSpc>
+                  <a:spcPts val="1138"/>
+                </a:lnSpc>
+                <a:spcBef>
+                  <a:spcPts val="0"/>
+                </a:spcBef>
+                <a:spcAft>
+                  <a:spcPts val="0"/>
+                </a:spcAft>
+              </a:pPr>
+              <a:r>
+                <a:rPr sz="1138">
+                  <a:solidFill>
+                    <a:srgbClr val="FFFFFF">
+                      <a:alpha val="100000"/>
+                    </a:srgbClr>
+                  </a:solidFill>
+                  <a:latin typeface="Arial"/>
+                  <a:cs typeface="Arial"/>
+                </a:rPr>
+                <a:t>39.1%</a:t>
+              </a:r>
+            </a:p>
+          </p:txBody>
+        </p:sp>
+        <p:sp>
+          <p:nvSpPr>
+            <p:cNvPr id="45" name="tx45"/>
+            <p:cNvSpPr/>
+            <p:nvPr/>
+          </p:nvSpPr>
+          <p:spPr>
+            <a:xfrm>
+              <a:off x="3286169" y="3987226"/>
+              <a:ext cx="289291" cy="109040"/>
+            </a:xfrm>
+            <a:prstGeom prst="rect">
+              <a:avLst/>
+            </a:prstGeom>
+            <a:noFill/>
+          </p:spPr>
+          <p:txBody>
+            <a:bodyPr lIns="0" rIns="0" tIns="0" bIns="0" anchorCtr="1" anchor="ctr" wrap="none"/>
+            <a:lstStyle/>
+            <a:p>
+              <a:pPr algn="l" marL="0" marR="0" indent="0">
+                <a:lnSpc>
+                  <a:spcPts val="1138"/>
+                </a:lnSpc>
+                <a:spcBef>
+                  <a:spcPts val="0"/>
+                </a:spcBef>
+                <a:spcAft>
+                  <a:spcPts val="0"/>
+                </a:spcAft>
+              </a:pPr>
+              <a:r>
+                <a:rPr sz="1138">
+                  <a:solidFill>
+                    <a:srgbClr val="FFFFFF">
+                      <a:alpha val="100000"/>
+                    </a:srgbClr>
+                  </a:solidFill>
+                  <a:latin typeface="Arial"/>
+                  <a:cs typeface="Arial"/>
+                </a:rPr>
+                <a:t>59%</a:t>
+              </a:r>
+            </a:p>
+          </p:txBody>
+        </p:sp>
+        <p:sp>
+          <p:nvSpPr>
+            <p:cNvPr id="46" name="tx46"/>
+            <p:cNvSpPr/>
+            <p:nvPr/>
+          </p:nvSpPr>
+          <p:spPr>
+            <a:xfrm>
+              <a:off x="4188751" y="2828738"/>
+              <a:ext cx="329449" cy="109040"/>
+            </a:xfrm>
+            <a:prstGeom prst="rect">
+              <a:avLst/>
+            </a:prstGeom>
+            <a:noFill/>
+          </p:spPr>
+          <p:txBody>
+            <a:bodyPr lIns="0" rIns="0" tIns="0" bIns="0" anchorCtr="1" anchor="ctr" wrap="none"/>
+            <a:lstStyle/>
+            <a:p>
+              <a:pPr algn="l" marL="0" marR="0" indent="0">
+                <a:lnSpc>
+                  <a:spcPts val="1138"/>
+                </a:lnSpc>
+                <a:spcBef>
+                  <a:spcPts val="0"/>
+                </a:spcBef>
+                <a:spcAft>
+                  <a:spcPts val="0"/>
+                </a:spcAft>
+              </a:pPr>
+              <a:r>
+                <a:rPr sz="1138">
+                  <a:solidFill>
+                    <a:srgbClr val="FFFFFF">
+                      <a:alpha val="100000"/>
+                    </a:srgbClr>
+                  </a:solidFill>
+                  <a:latin typeface="Arial"/>
+                  <a:cs typeface="Arial"/>
+                </a:rPr>
+                <a:t>1.8%</a:t>
+              </a:r>
+            </a:p>
+          </p:txBody>
+        </p:sp>
+        <p:sp>
+          <p:nvSpPr>
+            <p:cNvPr id="47" name="tx47"/>
+            <p:cNvSpPr/>
+            <p:nvPr/>
+          </p:nvSpPr>
+          <p:spPr>
+            <a:xfrm>
+              <a:off x="4978029" y="3527654"/>
+              <a:ext cx="409835" cy="109040"/>
+            </a:xfrm>
+            <a:prstGeom prst="rect">
+              <a:avLst/>
+            </a:prstGeom>
+            <a:noFill/>
+          </p:spPr>
+          <p:txBody>
+            <a:bodyPr lIns="0" rIns="0" tIns="0" bIns="0" anchorCtr="1" anchor="ctr" wrap="none"/>
+            <a:lstStyle/>
+            <a:p>
+              <a:pPr algn="l" marL="0" marR="0" indent="0">
+                <a:lnSpc>
+                  <a:spcPts val="1138"/>
+                </a:lnSpc>
+                <a:spcBef>
+                  <a:spcPts val="0"/>
+                </a:spcBef>
+                <a:spcAft>
+                  <a:spcPts val="0"/>
+                </a:spcAft>
+              </a:pPr>
+              <a:r>
+                <a:rPr sz="1138">
+                  <a:solidFill>
+                    <a:srgbClr val="FFFFFF">
+                      <a:alpha val="100000"/>
+                    </a:srgbClr>
+                  </a:solidFill>
+                  <a:latin typeface="Arial"/>
+                  <a:cs typeface="Arial"/>
+                </a:rPr>
+                <a:t>39.1%</a:t>
+              </a:r>
+            </a:p>
+          </p:txBody>
+        </p:sp>
+        <p:sp>
+          <p:nvSpPr>
+            <p:cNvPr id="48" name="tx48"/>
+            <p:cNvSpPr/>
+            <p:nvPr/>
+          </p:nvSpPr>
+          <p:spPr>
+            <a:xfrm>
+              <a:off x="3289526" y="3984984"/>
+              <a:ext cx="289291" cy="109040"/>
+            </a:xfrm>
+            <a:prstGeom prst="rect">
+              <a:avLst/>
+            </a:prstGeom>
+            <a:noFill/>
+          </p:spPr>
+          <p:txBody>
+            <a:bodyPr lIns="0" rIns="0" tIns="0" bIns="0" anchorCtr="1" anchor="ctr" wrap="none"/>
+            <a:lstStyle/>
+            <a:p>
+              <a:pPr algn="l" marL="0" marR="0" indent="0">
+                <a:lnSpc>
+                  <a:spcPts val="1138"/>
+                </a:lnSpc>
+                <a:spcBef>
+                  <a:spcPts val="0"/>
+                </a:spcBef>
+                <a:spcAft>
+                  <a:spcPts val="0"/>
+                </a:spcAft>
+              </a:pPr>
+              <a:r>
+                <a:rPr sz="1138">
+                  <a:solidFill>
+                    <a:srgbClr val="FFFFFF">
+                      <a:alpha val="100000"/>
+                    </a:srgbClr>
+                  </a:solidFill>
+                  <a:latin typeface="Arial"/>
+                  <a:cs typeface="Arial"/>
+                </a:rPr>
+                <a:t>59%</a:t>
+              </a:r>
+            </a:p>
+          </p:txBody>
+        </p:sp>
+        <p:sp>
+          <p:nvSpPr>
+            <p:cNvPr id="49" name="tx49"/>
+            <p:cNvSpPr/>
+            <p:nvPr/>
+          </p:nvSpPr>
+          <p:spPr>
+            <a:xfrm>
+              <a:off x="4190994" y="2825381"/>
+              <a:ext cx="329449" cy="109040"/>
+            </a:xfrm>
+            <a:prstGeom prst="rect">
+              <a:avLst/>
+            </a:prstGeom>
+            <a:noFill/>
+          </p:spPr>
+          <p:txBody>
+            <a:bodyPr lIns="0" rIns="0" tIns="0" bIns="0" anchorCtr="1" anchor="ctr" wrap="none"/>
+            <a:lstStyle/>
+            <a:p>
+              <a:pPr algn="l" marL="0" marR="0" indent="0">
+                <a:lnSpc>
+                  <a:spcPts val="1138"/>
+                </a:lnSpc>
+                <a:spcBef>
+                  <a:spcPts val="0"/>
+                </a:spcBef>
+                <a:spcAft>
+                  <a:spcPts val="0"/>
+                </a:spcAft>
+              </a:pPr>
+              <a:r>
+                <a:rPr sz="1138">
+                  <a:solidFill>
+                    <a:srgbClr val="FFFFFF">
+                      <a:alpha val="100000"/>
+                    </a:srgbClr>
+                  </a:solidFill>
+                  <a:latin typeface="Arial"/>
+                  <a:cs typeface="Arial"/>
+                </a:rPr>
+                <a:t>1.8%</a:t>
+              </a:r>
+            </a:p>
+          </p:txBody>
+        </p:sp>
+        <p:sp>
+          <p:nvSpPr>
+            <p:cNvPr id="50" name="tx50"/>
+            <p:cNvSpPr/>
+            <p:nvPr/>
+          </p:nvSpPr>
+          <p:spPr>
+            <a:xfrm>
+              <a:off x="4980272" y="3524297"/>
+              <a:ext cx="409835" cy="109040"/>
+            </a:xfrm>
+            <a:prstGeom prst="rect">
+              <a:avLst/>
+            </a:prstGeom>
+            <a:noFill/>
+          </p:spPr>
+          <p:txBody>
+            <a:bodyPr lIns="0" rIns="0" tIns="0" bIns="0" anchorCtr="1" anchor="ctr" wrap="none"/>
+            <a:lstStyle/>
+            <a:p>
+              <a:pPr algn="l" marL="0" marR="0" indent="0">
+                <a:lnSpc>
+                  <a:spcPts val="1138"/>
+                </a:lnSpc>
+                <a:spcBef>
+                  <a:spcPts val="0"/>
+                </a:spcBef>
+                <a:spcAft>
+                  <a:spcPts val="0"/>
+                </a:spcAft>
+              </a:pPr>
+              <a:r>
+                <a:rPr sz="1138">
+                  <a:solidFill>
+                    <a:srgbClr val="FFFFFF">
+                      <a:alpha val="100000"/>
+                    </a:srgbClr>
+                  </a:solidFill>
+                  <a:latin typeface="Arial"/>
+                  <a:cs typeface="Arial"/>
+                </a:rPr>
+                <a:t>39.1%</a:t>
+              </a:r>
+            </a:p>
+          </p:txBody>
+        </p:sp>
+        <p:sp>
+          <p:nvSpPr>
+            <p:cNvPr id="51" name="tx51"/>
+            <p:cNvSpPr/>
+            <p:nvPr/>
+          </p:nvSpPr>
+          <p:spPr>
+            <a:xfrm>
+              <a:off x="3291768" y="3981627"/>
+              <a:ext cx="289291" cy="109040"/>
+            </a:xfrm>
+            <a:prstGeom prst="rect">
+              <a:avLst/>
+            </a:prstGeom>
+            <a:noFill/>
+          </p:spPr>
+          <p:txBody>
+            <a:bodyPr lIns="0" rIns="0" tIns="0" bIns="0" anchorCtr="1" anchor="ctr" wrap="none"/>
+            <a:lstStyle/>
+            <a:p>
+              <a:pPr algn="l" marL="0" marR="0" indent="0">
+                <a:lnSpc>
+                  <a:spcPts val="1138"/>
+                </a:lnSpc>
+                <a:spcBef>
+                  <a:spcPts val="0"/>
+                </a:spcBef>
+                <a:spcAft>
+                  <a:spcPts val="0"/>
+                </a:spcAft>
+              </a:pPr>
+              <a:r>
+                <a:rPr sz="1138">
+                  <a:solidFill>
+                    <a:srgbClr val="FFFFFF">
+                      <a:alpha val="100000"/>
+                    </a:srgbClr>
+                  </a:solidFill>
+                  <a:latin typeface="Arial"/>
+                  <a:cs typeface="Arial"/>
+                </a:rPr>
+                <a:t>59%</a:t>
+              </a:r>
+            </a:p>
+          </p:txBody>
+        </p:sp>
+        <p:sp>
+          <p:nvSpPr>
+            <p:cNvPr id="52" name="tx52"/>
+            <p:cNvSpPr/>
+            <p:nvPr/>
+          </p:nvSpPr>
+          <p:spPr>
+            <a:xfrm>
+              <a:off x="4191781" y="2821422"/>
+              <a:ext cx="329449" cy="109040"/>
+            </a:xfrm>
+            <a:prstGeom prst="rect">
+              <a:avLst/>
+            </a:prstGeom>
+            <a:noFill/>
+          </p:spPr>
+          <p:txBody>
+            <a:bodyPr lIns="0" rIns="0" tIns="0" bIns="0" anchorCtr="1" anchor="ctr" wrap="none"/>
+            <a:lstStyle/>
+            <a:p>
+              <a:pPr algn="l" marL="0" marR="0" indent="0">
+                <a:lnSpc>
+                  <a:spcPts val="1138"/>
+                </a:lnSpc>
+                <a:spcBef>
+                  <a:spcPts val="0"/>
+                </a:spcBef>
+                <a:spcAft>
+                  <a:spcPts val="0"/>
+                </a:spcAft>
+              </a:pPr>
+              <a:r>
+                <a:rPr sz="1138">
+                  <a:solidFill>
+                    <a:srgbClr val="FFFFFF">
+                      <a:alpha val="100000"/>
+                    </a:srgbClr>
+                  </a:solidFill>
+                  <a:latin typeface="Arial"/>
+                  <a:cs typeface="Arial"/>
+                </a:rPr>
+                <a:t>1.8%</a:t>
+              </a:r>
+            </a:p>
+          </p:txBody>
+        </p:sp>
+        <p:sp>
+          <p:nvSpPr>
+            <p:cNvPr id="53" name="tx53"/>
+            <p:cNvSpPr/>
+            <p:nvPr/>
+          </p:nvSpPr>
+          <p:spPr>
+            <a:xfrm>
+              <a:off x="4981059" y="3520338"/>
+              <a:ext cx="409835" cy="109040"/>
+            </a:xfrm>
+            <a:prstGeom prst="rect">
+              <a:avLst/>
+            </a:prstGeom>
+            <a:noFill/>
+          </p:spPr>
+          <p:txBody>
+            <a:bodyPr lIns="0" rIns="0" tIns="0" bIns="0" anchorCtr="1" anchor="ctr" wrap="none"/>
+            <a:lstStyle/>
+            <a:p>
+              <a:pPr algn="l" marL="0" marR="0" indent="0">
+                <a:lnSpc>
+                  <a:spcPts val="1138"/>
+                </a:lnSpc>
+                <a:spcBef>
+                  <a:spcPts val="0"/>
+                </a:spcBef>
+                <a:spcAft>
+                  <a:spcPts val="0"/>
+                </a:spcAft>
+              </a:pPr>
+              <a:r>
+                <a:rPr sz="1138">
+                  <a:solidFill>
+                    <a:srgbClr val="FFFFFF">
+                      <a:alpha val="100000"/>
+                    </a:srgbClr>
+                  </a:solidFill>
+                  <a:latin typeface="Arial"/>
+                  <a:cs typeface="Arial"/>
+                </a:rPr>
+                <a:t>39.1%</a:t>
+              </a:r>
+            </a:p>
+          </p:txBody>
+        </p:sp>
+        <p:sp>
+          <p:nvSpPr>
+            <p:cNvPr id="54" name="tx54"/>
+            <p:cNvSpPr/>
+            <p:nvPr/>
+          </p:nvSpPr>
+          <p:spPr>
+            <a:xfrm>
+              <a:off x="3292556" y="3977668"/>
+              <a:ext cx="289291" cy="109040"/>
+            </a:xfrm>
+            <a:prstGeom prst="rect">
+              <a:avLst/>
+            </a:prstGeom>
+            <a:noFill/>
+          </p:spPr>
+          <p:txBody>
+            <a:bodyPr lIns="0" rIns="0" tIns="0" bIns="0" anchorCtr="1" anchor="ctr" wrap="none"/>
+            <a:lstStyle/>
+            <a:p>
+              <a:pPr algn="l" marL="0" marR="0" indent="0">
+                <a:lnSpc>
+                  <a:spcPts val="1138"/>
+                </a:lnSpc>
+                <a:spcBef>
+                  <a:spcPts val="0"/>
+                </a:spcBef>
+                <a:spcAft>
+                  <a:spcPts val="0"/>
+                </a:spcAft>
+              </a:pPr>
+              <a:r>
+                <a:rPr sz="1138">
+                  <a:solidFill>
+                    <a:srgbClr val="FFFFFF">
+                      <a:alpha val="100000"/>
+                    </a:srgbClr>
+                  </a:solidFill>
+                  <a:latin typeface="Arial"/>
+                  <a:cs typeface="Arial"/>
+                </a:rPr>
+                <a:t>59%</a:t>
+              </a:r>
+            </a:p>
+          </p:txBody>
+        </p:sp>
+        <p:sp>
+          <p:nvSpPr>
+            <p:cNvPr id="55" name="tx55"/>
+            <p:cNvSpPr/>
+            <p:nvPr/>
+          </p:nvSpPr>
+          <p:spPr>
+            <a:xfrm>
+              <a:off x="4181435" y="2821422"/>
+              <a:ext cx="329449" cy="109040"/>
+            </a:xfrm>
+            <a:prstGeom prst="rect">
+              <a:avLst/>
+            </a:prstGeom>
+            <a:noFill/>
+          </p:spPr>
+          <p:txBody>
+            <a:bodyPr lIns="0" rIns="0" tIns="0" bIns="0" anchorCtr="1" anchor="ctr" wrap="none"/>
+            <a:lstStyle/>
+            <a:p>
+              <a:pPr algn="l" marL="0" marR="0" indent="0">
+                <a:lnSpc>
+                  <a:spcPts val="1138"/>
+                </a:lnSpc>
+                <a:spcBef>
+                  <a:spcPts val="0"/>
+                </a:spcBef>
+                <a:spcAft>
+                  <a:spcPts val="0"/>
+                </a:spcAft>
+              </a:pPr>
+              <a:r>
+                <a:rPr sz="1138">
+                  <a:solidFill>
+                    <a:srgbClr val="619CFF">
+                      <a:alpha val="100000"/>
+                    </a:srgbClr>
+                  </a:solidFill>
+                  <a:latin typeface="Arial"/>
+                  <a:cs typeface="Arial"/>
+                </a:rPr>
+                <a:t>1.8%</a:t>
+              </a:r>
+            </a:p>
+          </p:txBody>
+        </p:sp>
+        <p:sp>
+          <p:nvSpPr>
+            <p:cNvPr id="56" name="tx56"/>
+            <p:cNvSpPr/>
+            <p:nvPr/>
+          </p:nvSpPr>
+          <p:spPr>
+            <a:xfrm>
+              <a:off x="4970713" y="3520338"/>
+              <a:ext cx="409835" cy="109040"/>
+            </a:xfrm>
+            <a:prstGeom prst="rect">
+              <a:avLst/>
+            </a:prstGeom>
+            <a:noFill/>
+          </p:spPr>
+          <p:txBody>
+            <a:bodyPr lIns="0" rIns="0" tIns="0" bIns="0" anchorCtr="1" anchor="ctr" wrap="none"/>
+            <a:lstStyle/>
+            <a:p>
+              <a:pPr algn="l" marL="0" marR="0" indent="0">
+                <a:lnSpc>
+                  <a:spcPts val="1138"/>
+                </a:lnSpc>
+                <a:spcBef>
+                  <a:spcPts val="0"/>
+                </a:spcBef>
+                <a:spcAft>
+                  <a:spcPts val="0"/>
+                </a:spcAft>
+              </a:pPr>
+              <a:r>
+                <a:rPr sz="1138">
+                  <a:solidFill>
+                    <a:srgbClr val="00BA38">
+                      <a:alpha val="100000"/>
+                    </a:srgbClr>
+                  </a:solidFill>
+                  <a:latin typeface="Arial"/>
+                  <a:cs typeface="Arial"/>
+                </a:rPr>
+                <a:t>39.1%</a:t>
+              </a:r>
+            </a:p>
+          </p:txBody>
+        </p:sp>
+        <p:sp>
+          <p:nvSpPr>
+            <p:cNvPr id="57" name="tx57"/>
+            <p:cNvSpPr/>
+            <p:nvPr/>
+          </p:nvSpPr>
+          <p:spPr>
+            <a:xfrm>
+              <a:off x="3282210" y="3977668"/>
+              <a:ext cx="289291" cy="109040"/>
+            </a:xfrm>
+            <a:prstGeom prst="rect">
+              <a:avLst/>
+            </a:prstGeom>
+            <a:noFill/>
+          </p:spPr>
+          <p:txBody>
+            <a:bodyPr lIns="0" rIns="0" tIns="0" bIns="0" anchorCtr="1" anchor="ctr" wrap="none"/>
+            <a:lstStyle/>
+            <a:p>
+              <a:pPr algn="l" marL="0" marR="0" indent="0">
+                <a:lnSpc>
+                  <a:spcPts val="1138"/>
+                </a:lnSpc>
+                <a:spcBef>
+                  <a:spcPts val="0"/>
+                </a:spcBef>
+                <a:spcAft>
+                  <a:spcPts val="0"/>
+                </a:spcAft>
+              </a:pPr>
+              <a:r>
+                <a:rPr sz="1138">
+                  <a:solidFill>
+                    <a:srgbClr val="F8766D">
+                      <a:alpha val="100000"/>
+                    </a:srgbClr>
+                  </a:solidFill>
+                  <a:latin typeface="Arial"/>
+                  <a:cs typeface="Arial"/>
+                </a:rPr>
+                <a:t>59%</a:t>
+              </a:r>
+            </a:p>
+          </p:txBody>
+        </p:sp>
+        <p:sp>
+          <p:nvSpPr>
+            <p:cNvPr id="58" name="rc58"/>
+            <p:cNvSpPr/>
+            <p:nvPr/>
+          </p:nvSpPr>
+          <p:spPr>
+            <a:xfrm>
+              <a:off x="6636132" y="3561554"/>
+              <a:ext cx="201456" cy="201456"/>
+            </a:xfrm>
+            <a:prstGeom prst="rect">
+              <a:avLst/>
+            </a:prstGeom>
+            <a:solidFill>
+              <a:srgbClr val="619CFF">
+                <a:alpha val="100000"/>
+              </a:srgbClr>
+            </a:solidFill>
+            <a:ln w="13550" cap="sq">
               <a:solidFill>
-                <a:srgbClr val="B3B3B3">
+                <a:srgbClr val="FFFFFF">
                   <a:alpha val="100000"/>
                 </a:srgbClr>
               </a:solidFill>
               <a:prstDash val="solid"/>
-              <a:round/>
+              <a:miter/>
             </a:ln>
           </p:spPr>
           <p:txBody>
@@ -4578,14 +6726,84 @@
         </p:sp>
         <p:sp>
           <p:nvSpPr>
-            <p:cNvPr id="41" name="tx41"/>
+            <p:cNvPr id="59" name="rc59"/>
             <p:cNvSpPr/>
             <p:nvPr/>
           </p:nvSpPr>
           <p:spPr>
             <a:xfrm>
-              <a:off x="1926599" y="5333161"/>
-              <a:ext cx="62155" cy="81746"/>
+              <a:off x="6636132" y="3781010"/>
+              <a:ext cx="201456" cy="201456"/>
+            </a:xfrm>
+            <a:prstGeom prst="rect">
+              <a:avLst/>
+            </a:prstGeom>
+            <a:solidFill>
+              <a:srgbClr val="00BA38">
+                <a:alpha val="100000"/>
+              </a:srgbClr>
+            </a:solidFill>
+            <a:ln w="13550" cap="sq">
+              <a:solidFill>
+                <a:srgbClr val="FFFFFF">
+                  <a:alpha val="100000"/>
+                </a:srgbClr>
+              </a:solidFill>
+              <a:prstDash val="solid"/>
+              <a:miter/>
+            </a:ln>
+          </p:spPr>
+          <p:txBody>
+            <a:bodyPr/>
+            <a:lstStyle/>
+            <a:p/>
+          </p:txBody>
+        </p:sp>
+        <p:sp>
+          <p:nvSpPr>
+            <p:cNvPr id="60" name="rc60"/>
+            <p:cNvSpPr/>
+            <p:nvPr/>
+          </p:nvSpPr>
+          <p:spPr>
+            <a:xfrm>
+              <a:off x="6636132" y="4000466"/>
+              <a:ext cx="201456" cy="201456"/>
+            </a:xfrm>
+            <a:prstGeom prst="rect">
+              <a:avLst/>
+            </a:prstGeom>
+            <a:solidFill>
+              <a:srgbClr val="F8766D">
+                <a:alpha val="100000"/>
+              </a:srgbClr>
+            </a:solidFill>
+            <a:ln w="13550" cap="sq">
+              <a:solidFill>
+                <a:srgbClr val="FFFFFF">
+                  <a:alpha val="100000"/>
+                </a:srgbClr>
+              </a:solidFill>
+              <a:prstDash val="solid"/>
+              <a:miter/>
+            </a:ln>
+          </p:spPr>
+          <p:txBody>
+            <a:bodyPr/>
+            <a:lstStyle/>
+            <a:p/>
+          </p:txBody>
+        </p:sp>
+        <p:sp>
+          <p:nvSpPr>
+            <p:cNvPr id="61" name="tx61"/>
+            <p:cNvSpPr/>
+            <p:nvPr/>
+          </p:nvSpPr>
+          <p:spPr>
+            <a:xfrm>
+              <a:off x="6916177" y="3632432"/>
+              <a:ext cx="167640" cy="69850"/>
             </a:xfrm>
             <a:prstGeom prst="rect">
               <a:avLst/>
@@ -4608,30 +6826,30 @@
                 </a:spcAft>
               </a:pPr>
               <a:r>
-                <a:rPr sz="880" b="1">
+                <a:rPr sz="880">
                   <a:solidFill>
-                    <a:srgbClr val="4D4D4D">
+                    <a:srgbClr val="000000">
                       <a:alpha val="100000"/>
                     </a:srgbClr>
                   </a:solidFill>
                   <a:latin typeface="Arial"/>
                   <a:cs typeface="Arial"/>
                 </a:rPr>
-                <a:t>9</a:t>
+                <a:t>不会</a:t>
               </a:r>
             </a:p>
           </p:txBody>
         </p:sp>
         <p:sp>
           <p:nvSpPr>
-            <p:cNvPr id="42" name="tx42"/>
+            <p:cNvPr id="62" name="tx62"/>
             <p:cNvSpPr/>
             <p:nvPr/>
           </p:nvSpPr>
           <p:spPr>
             <a:xfrm>
-              <a:off x="1926599" y="4893127"/>
-              <a:ext cx="62155" cy="81746"/>
+              <a:off x="6916177" y="3851888"/>
+              <a:ext cx="1592579" cy="69850"/>
             </a:xfrm>
             <a:prstGeom prst="rect">
               <a:avLst/>
@@ -4654,30 +6872,30 @@
                 </a:spcAft>
               </a:pPr>
               <a:r>
-                <a:rPr sz="880" b="1">
+                <a:rPr sz="880">
                   <a:solidFill>
-                    <a:srgbClr val="4D4D4D">
+                    <a:srgbClr val="000000">
                       <a:alpha val="100000"/>
                     </a:srgbClr>
                   </a:solidFill>
                   <a:latin typeface="Arial"/>
                   <a:cs typeface="Arial"/>
                 </a:rPr>
-                <a:t>8</a:t>
+                <a:t>会，对方向我描述身体问题时有针对性推荐</a:t>
               </a:r>
             </a:p>
           </p:txBody>
         </p:sp>
         <p:sp>
           <p:nvSpPr>
-            <p:cNvPr id="43" name="tx43"/>
+            <p:cNvPr id="63" name="tx63"/>
             <p:cNvSpPr/>
             <p:nvPr/>
           </p:nvSpPr>
           <p:spPr>
             <a:xfrm>
-              <a:off x="1926599" y="4455931"/>
-              <a:ext cx="62155" cy="78908"/>
+              <a:off x="6916177" y="4071344"/>
+              <a:ext cx="1173479" cy="69850"/>
             </a:xfrm>
             <a:prstGeom prst="rect">
               <a:avLst/>
@@ -4700,996 +6918,16 @@
                 </a:spcAft>
               </a:pPr>
               <a:r>
-                <a:rPr sz="880" b="1">
+                <a:rPr sz="880">
                   <a:solidFill>
-                    <a:srgbClr val="4D4D4D">
+                    <a:srgbClr val="000000">
                       <a:alpha val="100000"/>
                     </a:srgbClr>
                   </a:solidFill>
                   <a:latin typeface="Arial"/>
                   <a:cs typeface="Arial"/>
                 </a:rPr>
-                <a:t>7</a:t>
-              </a:r>
-            </a:p>
-          </p:txBody>
-        </p:sp>
-        <p:sp>
-          <p:nvSpPr>
-            <p:cNvPr id="44" name="tx44"/>
-            <p:cNvSpPr/>
-            <p:nvPr/>
-          </p:nvSpPr>
-          <p:spPr>
-            <a:xfrm>
-              <a:off x="1926599" y="4013114"/>
-              <a:ext cx="62155" cy="81691"/>
-            </a:xfrm>
-            <a:prstGeom prst="rect">
-              <a:avLst/>
-            </a:prstGeom>
-            <a:noFill/>
-          </p:spPr>
-          <p:txBody>
-            <a:bodyPr lIns="0" rIns="0" tIns="0" bIns="0" anchorCtr="1" anchor="ctr" wrap="none"/>
-            <a:lstStyle/>
-            <a:p>
-              <a:pPr algn="l" marL="0" marR="0" indent="0">
-                <a:lnSpc>
-                  <a:spcPts val="880"/>
-                </a:lnSpc>
-                <a:spcBef>
-                  <a:spcPts val="0"/>
-                </a:spcBef>
-                <a:spcAft>
-                  <a:spcPts val="0"/>
-                </a:spcAft>
-              </a:pPr>
-              <a:r>
-                <a:rPr sz="880" b="1">
-                  <a:solidFill>
-                    <a:srgbClr val="4D4D4D">
-                      <a:alpha val="100000"/>
-                    </a:srgbClr>
-                  </a:solidFill>
-                  <a:latin typeface="Arial"/>
-                  <a:cs typeface="Arial"/>
-                </a:rPr>
-                <a:t>6</a:t>
-              </a:r>
-            </a:p>
-          </p:txBody>
-        </p:sp>
-        <p:sp>
-          <p:nvSpPr>
-            <p:cNvPr id="45" name="tx45"/>
-            <p:cNvSpPr/>
-            <p:nvPr/>
-          </p:nvSpPr>
-          <p:spPr>
-            <a:xfrm>
-              <a:off x="1926599" y="3574499"/>
-              <a:ext cx="62155" cy="80272"/>
-            </a:xfrm>
-            <a:prstGeom prst="rect">
-              <a:avLst/>
-            </a:prstGeom>
-            <a:noFill/>
-          </p:spPr>
-          <p:txBody>
-            <a:bodyPr lIns="0" rIns="0" tIns="0" bIns="0" anchorCtr="1" anchor="ctr" wrap="none"/>
-            <a:lstStyle/>
-            <a:p>
-              <a:pPr algn="l" marL="0" marR="0" indent="0">
-                <a:lnSpc>
-                  <a:spcPts val="880"/>
-                </a:lnSpc>
-                <a:spcBef>
-                  <a:spcPts val="0"/>
-                </a:spcBef>
-                <a:spcAft>
-                  <a:spcPts val="0"/>
-                </a:spcAft>
-              </a:pPr>
-              <a:r>
-                <a:rPr sz="880" b="1">
-                  <a:solidFill>
-                    <a:srgbClr val="4D4D4D">
-                      <a:alpha val="100000"/>
-                    </a:srgbClr>
-                  </a:solidFill>
-                  <a:latin typeface="Arial"/>
-                  <a:cs typeface="Arial"/>
-                </a:rPr>
-                <a:t>5</a:t>
-              </a:r>
-            </a:p>
-          </p:txBody>
-        </p:sp>
-        <p:sp>
-          <p:nvSpPr>
-            <p:cNvPr id="46" name="tx46"/>
-            <p:cNvSpPr/>
-            <p:nvPr/>
-          </p:nvSpPr>
-          <p:spPr>
-            <a:xfrm>
-              <a:off x="1926599" y="3134411"/>
-              <a:ext cx="62155" cy="80327"/>
-            </a:xfrm>
-            <a:prstGeom prst="rect">
-              <a:avLst/>
-            </a:prstGeom>
-            <a:noFill/>
-          </p:spPr>
-          <p:txBody>
-            <a:bodyPr lIns="0" rIns="0" tIns="0" bIns="0" anchorCtr="1" anchor="ctr" wrap="none"/>
-            <a:lstStyle/>
-            <a:p>
-              <a:pPr algn="l" marL="0" marR="0" indent="0">
-                <a:lnSpc>
-                  <a:spcPts val="880"/>
-                </a:lnSpc>
-                <a:spcBef>
-                  <a:spcPts val="0"/>
-                </a:spcBef>
-                <a:spcAft>
-                  <a:spcPts val="0"/>
-                </a:spcAft>
-              </a:pPr>
-              <a:r>
-                <a:rPr sz="880" b="1">
-                  <a:solidFill>
-                    <a:srgbClr val="4D4D4D">
-                      <a:alpha val="100000"/>
-                    </a:srgbClr>
-                  </a:solidFill>
-                  <a:latin typeface="Arial"/>
-                  <a:cs typeface="Arial"/>
-                </a:rPr>
-                <a:t>4</a:t>
-              </a:r>
-            </a:p>
-          </p:txBody>
-        </p:sp>
-        <p:sp>
-          <p:nvSpPr>
-            <p:cNvPr id="47" name="tx47"/>
-            <p:cNvSpPr/>
-            <p:nvPr/>
-          </p:nvSpPr>
-          <p:spPr>
-            <a:xfrm>
-              <a:off x="1926599" y="2693013"/>
-              <a:ext cx="62155" cy="81691"/>
-            </a:xfrm>
-            <a:prstGeom prst="rect">
-              <a:avLst/>
-            </a:prstGeom>
-            <a:noFill/>
-          </p:spPr>
-          <p:txBody>
-            <a:bodyPr lIns="0" rIns="0" tIns="0" bIns="0" anchorCtr="1" anchor="ctr" wrap="none"/>
-            <a:lstStyle/>
-            <a:p>
-              <a:pPr algn="l" marL="0" marR="0" indent="0">
-                <a:lnSpc>
-                  <a:spcPts val="880"/>
-                </a:lnSpc>
-                <a:spcBef>
-                  <a:spcPts val="0"/>
-                </a:spcBef>
-                <a:spcAft>
-                  <a:spcPts val="0"/>
-                </a:spcAft>
-              </a:pPr>
-              <a:r>
-                <a:rPr sz="880" b="1">
-                  <a:solidFill>
-                    <a:srgbClr val="4D4D4D">
-                      <a:alpha val="100000"/>
-                    </a:srgbClr>
-                  </a:solidFill>
-                  <a:latin typeface="Arial"/>
-                  <a:cs typeface="Arial"/>
-                </a:rPr>
-                <a:t>3</a:t>
-              </a:r>
-            </a:p>
-          </p:txBody>
-        </p:sp>
-        <p:sp>
-          <p:nvSpPr>
-            <p:cNvPr id="48" name="tx48"/>
-            <p:cNvSpPr/>
-            <p:nvPr/>
-          </p:nvSpPr>
-          <p:spPr>
-            <a:xfrm>
-              <a:off x="1926599" y="2254343"/>
-              <a:ext cx="62155" cy="80327"/>
-            </a:xfrm>
-            <a:prstGeom prst="rect">
-              <a:avLst/>
-            </a:prstGeom>
-            <a:noFill/>
-          </p:spPr>
-          <p:txBody>
-            <a:bodyPr lIns="0" rIns="0" tIns="0" bIns="0" anchorCtr="1" anchor="ctr" wrap="none"/>
-            <a:lstStyle/>
-            <a:p>
-              <a:pPr algn="l" marL="0" marR="0" indent="0">
-                <a:lnSpc>
-                  <a:spcPts val="880"/>
-                </a:lnSpc>
-                <a:spcBef>
-                  <a:spcPts val="0"/>
-                </a:spcBef>
-                <a:spcAft>
-                  <a:spcPts val="0"/>
-                </a:spcAft>
-              </a:pPr>
-              <a:r>
-                <a:rPr sz="880" b="1">
-                  <a:solidFill>
-                    <a:srgbClr val="4D4D4D">
-                      <a:alpha val="100000"/>
-                    </a:srgbClr>
-                  </a:solidFill>
-                  <a:latin typeface="Arial"/>
-                  <a:cs typeface="Arial"/>
-                </a:rPr>
-                <a:t>2</a:t>
-              </a:r>
-            </a:p>
-          </p:txBody>
-        </p:sp>
-        <p:sp>
-          <p:nvSpPr>
-            <p:cNvPr id="49" name="tx49"/>
-            <p:cNvSpPr/>
-            <p:nvPr/>
-          </p:nvSpPr>
-          <p:spPr>
-            <a:xfrm>
-              <a:off x="1926599" y="1814310"/>
-              <a:ext cx="62155" cy="80327"/>
-            </a:xfrm>
-            <a:prstGeom prst="rect">
-              <a:avLst/>
-            </a:prstGeom>
-            <a:noFill/>
-          </p:spPr>
-          <p:txBody>
-            <a:bodyPr lIns="0" rIns="0" tIns="0" bIns="0" anchorCtr="1" anchor="ctr" wrap="none"/>
-            <a:lstStyle/>
-            <a:p>
-              <a:pPr algn="l" marL="0" marR="0" indent="0">
-                <a:lnSpc>
-                  <a:spcPts val="880"/>
-                </a:lnSpc>
-                <a:spcBef>
-                  <a:spcPts val="0"/>
-                </a:spcBef>
-                <a:spcAft>
-                  <a:spcPts val="0"/>
-                </a:spcAft>
-              </a:pPr>
-              <a:r>
-                <a:rPr sz="880" b="1">
-                  <a:solidFill>
-                    <a:srgbClr val="4D4D4D">
-                      <a:alpha val="100000"/>
-                    </a:srgbClr>
-                  </a:solidFill>
-                  <a:latin typeface="Arial"/>
-                  <a:cs typeface="Arial"/>
-                </a:rPr>
-                <a:t>1</a:t>
-              </a:r>
-            </a:p>
-          </p:txBody>
-        </p:sp>
-        <p:sp>
-          <p:nvSpPr>
-            <p:cNvPr id="50" name="pl50"/>
-            <p:cNvSpPr/>
-            <p:nvPr/>
-          </p:nvSpPr>
-          <p:spPr>
-            <a:xfrm>
-              <a:off x="1988754" y="5374907"/>
-              <a:ext cx="34794" cy="0"/>
-            </a:xfrm>
-            <a:custGeom>
-              <a:avLst/>
-              <a:pathLst>
-                <a:path w="34794" h="0">
-                  <a:moveTo>
-                    <a:pt x="0" y="0"/>
-                  </a:moveTo>
-                  <a:lnTo>
-                    <a:pt x="34794" y="0"/>
-                  </a:lnTo>
-                </a:path>
-              </a:pathLst>
-            </a:custGeom>
-            <a:ln w="6775" cap="flat">
-              <a:solidFill>
-                <a:srgbClr val="B3B3B3">
-                  <a:alpha val="100000"/>
-                </a:srgbClr>
-              </a:solidFill>
-              <a:prstDash val="solid"/>
-              <a:round/>
-            </a:ln>
-          </p:spPr>
-          <p:txBody>
-            <a:bodyPr/>
-            <a:lstStyle/>
-            <a:p/>
-          </p:txBody>
-        </p:sp>
-        <p:sp>
-          <p:nvSpPr>
-            <p:cNvPr id="51" name="pl51"/>
-            <p:cNvSpPr/>
-            <p:nvPr/>
-          </p:nvSpPr>
-          <p:spPr>
-            <a:xfrm>
-              <a:off x="1988754" y="4934873"/>
-              <a:ext cx="34794" cy="0"/>
-            </a:xfrm>
-            <a:custGeom>
-              <a:avLst/>
-              <a:pathLst>
-                <a:path w="34794" h="0">
-                  <a:moveTo>
-                    <a:pt x="0" y="0"/>
-                  </a:moveTo>
-                  <a:lnTo>
-                    <a:pt x="34794" y="0"/>
-                  </a:lnTo>
-                </a:path>
-              </a:pathLst>
-            </a:custGeom>
-            <a:ln w="6775" cap="flat">
-              <a:solidFill>
-                <a:srgbClr val="B3B3B3">
-                  <a:alpha val="100000"/>
-                </a:srgbClr>
-              </a:solidFill>
-              <a:prstDash val="solid"/>
-              <a:round/>
-            </a:ln>
-          </p:spPr>
-          <p:txBody>
-            <a:bodyPr/>
-            <a:lstStyle/>
-            <a:p/>
-          </p:txBody>
-        </p:sp>
-        <p:sp>
-          <p:nvSpPr>
-            <p:cNvPr id="52" name="pl52"/>
-            <p:cNvSpPr/>
-            <p:nvPr/>
-          </p:nvSpPr>
-          <p:spPr>
-            <a:xfrm>
-              <a:off x="1988754" y="4494840"/>
-              <a:ext cx="34794" cy="0"/>
-            </a:xfrm>
-            <a:custGeom>
-              <a:avLst/>
-              <a:pathLst>
-                <a:path w="34794" h="0">
-                  <a:moveTo>
-                    <a:pt x="0" y="0"/>
-                  </a:moveTo>
-                  <a:lnTo>
-                    <a:pt x="34794" y="0"/>
-                  </a:lnTo>
-                </a:path>
-              </a:pathLst>
-            </a:custGeom>
-            <a:ln w="6775" cap="flat">
-              <a:solidFill>
-                <a:srgbClr val="B3B3B3">
-                  <a:alpha val="100000"/>
-                </a:srgbClr>
-              </a:solidFill>
-              <a:prstDash val="solid"/>
-              <a:round/>
-            </a:ln>
-          </p:spPr>
-          <p:txBody>
-            <a:bodyPr/>
-            <a:lstStyle/>
-            <a:p/>
-          </p:txBody>
-        </p:sp>
-        <p:sp>
-          <p:nvSpPr>
-            <p:cNvPr id="53" name="pl53"/>
-            <p:cNvSpPr/>
-            <p:nvPr/>
-          </p:nvSpPr>
-          <p:spPr>
-            <a:xfrm>
-              <a:off x="1988754" y="4054806"/>
-              <a:ext cx="34794" cy="0"/>
-            </a:xfrm>
-            <a:custGeom>
-              <a:avLst/>
-              <a:pathLst>
-                <a:path w="34794" h="0">
-                  <a:moveTo>
-                    <a:pt x="0" y="0"/>
-                  </a:moveTo>
-                  <a:lnTo>
-                    <a:pt x="34794" y="0"/>
-                  </a:lnTo>
-                </a:path>
-              </a:pathLst>
-            </a:custGeom>
-            <a:ln w="6775" cap="flat">
-              <a:solidFill>
-                <a:srgbClr val="B3B3B3">
-                  <a:alpha val="100000"/>
-                </a:srgbClr>
-              </a:solidFill>
-              <a:prstDash val="solid"/>
-              <a:round/>
-            </a:ln>
-          </p:spPr>
-          <p:txBody>
-            <a:bodyPr/>
-            <a:lstStyle/>
-            <a:p/>
-          </p:txBody>
-        </p:sp>
-        <p:sp>
-          <p:nvSpPr>
-            <p:cNvPr id="54" name="pl54"/>
-            <p:cNvSpPr/>
-            <p:nvPr/>
-          </p:nvSpPr>
-          <p:spPr>
-            <a:xfrm>
-              <a:off x="1988754" y="3614772"/>
-              <a:ext cx="34794" cy="0"/>
-            </a:xfrm>
-            <a:custGeom>
-              <a:avLst/>
-              <a:pathLst>
-                <a:path w="34794" h="0">
-                  <a:moveTo>
-                    <a:pt x="0" y="0"/>
-                  </a:moveTo>
-                  <a:lnTo>
-                    <a:pt x="34794" y="0"/>
-                  </a:lnTo>
-                </a:path>
-              </a:pathLst>
-            </a:custGeom>
-            <a:ln w="6775" cap="flat">
-              <a:solidFill>
-                <a:srgbClr val="B3B3B3">
-                  <a:alpha val="100000"/>
-                </a:srgbClr>
-              </a:solidFill>
-              <a:prstDash val="solid"/>
-              <a:round/>
-            </a:ln>
-          </p:spPr>
-          <p:txBody>
-            <a:bodyPr/>
-            <a:lstStyle/>
-            <a:p/>
-          </p:txBody>
-        </p:sp>
-        <p:sp>
-          <p:nvSpPr>
-            <p:cNvPr id="55" name="pl55"/>
-            <p:cNvSpPr/>
-            <p:nvPr/>
-          </p:nvSpPr>
-          <p:spPr>
-            <a:xfrm>
-              <a:off x="1988754" y="3174738"/>
-              <a:ext cx="34794" cy="0"/>
-            </a:xfrm>
-            <a:custGeom>
-              <a:avLst/>
-              <a:pathLst>
-                <a:path w="34794" h="0">
-                  <a:moveTo>
-                    <a:pt x="0" y="0"/>
-                  </a:moveTo>
-                  <a:lnTo>
-                    <a:pt x="34794" y="0"/>
-                  </a:lnTo>
-                </a:path>
-              </a:pathLst>
-            </a:custGeom>
-            <a:ln w="6775" cap="flat">
-              <a:solidFill>
-                <a:srgbClr val="B3B3B3">
-                  <a:alpha val="100000"/>
-                </a:srgbClr>
-              </a:solidFill>
-              <a:prstDash val="solid"/>
-              <a:round/>
-            </a:ln>
-          </p:spPr>
-          <p:txBody>
-            <a:bodyPr/>
-            <a:lstStyle/>
-            <a:p/>
-          </p:txBody>
-        </p:sp>
-        <p:sp>
-          <p:nvSpPr>
-            <p:cNvPr id="56" name="pl56"/>
-            <p:cNvSpPr/>
-            <p:nvPr/>
-          </p:nvSpPr>
-          <p:spPr>
-            <a:xfrm>
-              <a:off x="1988754" y="2734705"/>
-              <a:ext cx="34794" cy="0"/>
-            </a:xfrm>
-            <a:custGeom>
-              <a:avLst/>
-              <a:pathLst>
-                <a:path w="34794" h="0">
-                  <a:moveTo>
-                    <a:pt x="0" y="0"/>
-                  </a:moveTo>
-                  <a:lnTo>
-                    <a:pt x="34794" y="0"/>
-                  </a:lnTo>
-                </a:path>
-              </a:pathLst>
-            </a:custGeom>
-            <a:ln w="6775" cap="flat">
-              <a:solidFill>
-                <a:srgbClr val="B3B3B3">
-                  <a:alpha val="100000"/>
-                </a:srgbClr>
-              </a:solidFill>
-              <a:prstDash val="solid"/>
-              <a:round/>
-            </a:ln>
-          </p:spPr>
-          <p:txBody>
-            <a:bodyPr/>
-            <a:lstStyle/>
-            <a:p/>
-          </p:txBody>
-        </p:sp>
-        <p:sp>
-          <p:nvSpPr>
-            <p:cNvPr id="57" name="pl57"/>
-            <p:cNvSpPr/>
-            <p:nvPr/>
-          </p:nvSpPr>
-          <p:spPr>
-            <a:xfrm>
-              <a:off x="1988754" y="2294671"/>
-              <a:ext cx="34794" cy="0"/>
-            </a:xfrm>
-            <a:custGeom>
-              <a:avLst/>
-              <a:pathLst>
-                <a:path w="34794" h="0">
-                  <a:moveTo>
-                    <a:pt x="0" y="0"/>
-                  </a:moveTo>
-                  <a:lnTo>
-                    <a:pt x="34794" y="0"/>
-                  </a:lnTo>
-                </a:path>
-              </a:pathLst>
-            </a:custGeom>
-            <a:ln w="6775" cap="flat">
-              <a:solidFill>
-                <a:srgbClr val="B3B3B3">
-                  <a:alpha val="100000"/>
-                </a:srgbClr>
-              </a:solidFill>
-              <a:prstDash val="solid"/>
-              <a:round/>
-            </a:ln>
-          </p:spPr>
-          <p:txBody>
-            <a:bodyPr/>
-            <a:lstStyle/>
-            <a:p/>
-          </p:txBody>
-        </p:sp>
-        <p:sp>
-          <p:nvSpPr>
-            <p:cNvPr id="58" name="pl58"/>
-            <p:cNvSpPr/>
-            <p:nvPr/>
-          </p:nvSpPr>
-          <p:spPr>
-            <a:xfrm>
-              <a:off x="1988754" y="1854637"/>
-              <a:ext cx="34794" cy="0"/>
-            </a:xfrm>
-            <a:custGeom>
-              <a:avLst/>
-              <a:pathLst>
-                <a:path w="34794" h="0">
-                  <a:moveTo>
-                    <a:pt x="0" y="0"/>
-                  </a:moveTo>
-                  <a:lnTo>
-                    <a:pt x="34794" y="0"/>
-                  </a:lnTo>
-                </a:path>
-              </a:pathLst>
-            </a:custGeom>
-            <a:ln w="6775" cap="flat">
-              <a:solidFill>
-                <a:srgbClr val="B3B3B3">
-                  <a:alpha val="100000"/>
-                </a:srgbClr>
-              </a:solidFill>
-              <a:prstDash val="solid"/>
-              <a:round/>
-            </a:ln>
-          </p:spPr>
-          <p:txBody>
-            <a:bodyPr/>
-            <a:lstStyle/>
-            <a:p/>
-          </p:txBody>
-        </p:sp>
-        <p:sp>
-          <p:nvSpPr>
-            <p:cNvPr id="59" name="pl59"/>
-            <p:cNvSpPr/>
-            <p:nvPr/>
-          </p:nvSpPr>
-          <p:spPr>
-            <a:xfrm>
-              <a:off x="2023549" y="5638927"/>
-              <a:ext cx="0" cy="34794"/>
-            </a:xfrm>
-            <a:custGeom>
-              <a:avLst/>
-              <a:pathLst>
-                <a:path w="0" h="34794">
-                  <a:moveTo>
-                    <a:pt x="0" y="34794"/>
-                  </a:moveTo>
-                  <a:lnTo>
-                    <a:pt x="0" y="0"/>
-                  </a:lnTo>
-                </a:path>
-              </a:pathLst>
-            </a:custGeom>
-            <a:ln w="6775" cap="flat">
-              <a:solidFill>
-                <a:srgbClr val="B3B3B3">
-                  <a:alpha val="100000"/>
-                </a:srgbClr>
-              </a:solidFill>
-              <a:prstDash val="solid"/>
-              <a:round/>
-            </a:ln>
-          </p:spPr>
-          <p:txBody>
-            <a:bodyPr/>
-            <a:lstStyle/>
-            <a:p/>
-          </p:txBody>
-        </p:sp>
-        <p:sp>
-          <p:nvSpPr>
-            <p:cNvPr id="60" name="pl60"/>
-            <p:cNvSpPr/>
-            <p:nvPr/>
-          </p:nvSpPr>
-          <p:spPr>
-            <a:xfrm>
-              <a:off x="4266429" y="5638927"/>
-              <a:ext cx="0" cy="34794"/>
-            </a:xfrm>
-            <a:custGeom>
-              <a:avLst/>
-              <a:pathLst>
-                <a:path w="0" h="34794">
-                  <a:moveTo>
-                    <a:pt x="0" y="34794"/>
-                  </a:moveTo>
-                  <a:lnTo>
-                    <a:pt x="0" y="0"/>
-                  </a:lnTo>
-                </a:path>
-              </a:pathLst>
-            </a:custGeom>
-            <a:ln w="6775" cap="flat">
-              <a:solidFill>
-                <a:srgbClr val="B3B3B3">
-                  <a:alpha val="100000"/>
-                </a:srgbClr>
-              </a:solidFill>
-              <a:prstDash val="solid"/>
-              <a:round/>
-            </a:ln>
-          </p:spPr>
-          <p:txBody>
-            <a:bodyPr/>
-            <a:lstStyle/>
-            <a:p/>
-          </p:txBody>
-        </p:sp>
-        <p:sp>
-          <p:nvSpPr>
-            <p:cNvPr id="61" name="pl61"/>
-            <p:cNvSpPr/>
-            <p:nvPr/>
-          </p:nvSpPr>
-          <p:spPr>
-            <a:xfrm>
-              <a:off x="6509309" y="5638927"/>
-              <a:ext cx="0" cy="34794"/>
-            </a:xfrm>
-            <a:custGeom>
-              <a:avLst/>
-              <a:pathLst>
-                <a:path w="0" h="34794">
-                  <a:moveTo>
-                    <a:pt x="0" y="34794"/>
-                  </a:moveTo>
-                  <a:lnTo>
-                    <a:pt x="0" y="0"/>
-                  </a:lnTo>
-                </a:path>
-              </a:pathLst>
-            </a:custGeom>
-            <a:ln w="6775" cap="flat">
-              <a:solidFill>
-                <a:srgbClr val="B3B3B3">
-                  <a:alpha val="100000"/>
-                </a:srgbClr>
-              </a:solidFill>
-              <a:prstDash val="solid"/>
-              <a:round/>
-            </a:ln>
-          </p:spPr>
-          <p:txBody>
-            <a:bodyPr/>
-            <a:lstStyle/>
-            <a:p/>
-          </p:txBody>
-        </p:sp>
-        <p:sp>
-          <p:nvSpPr>
-            <p:cNvPr id="62" name="pl62"/>
-            <p:cNvSpPr/>
-            <p:nvPr/>
-          </p:nvSpPr>
-          <p:spPr>
-            <a:xfrm>
-              <a:off x="8752189" y="5638927"/>
-              <a:ext cx="0" cy="34794"/>
-            </a:xfrm>
-            <a:custGeom>
-              <a:avLst/>
-              <a:pathLst>
-                <a:path w="0" h="34794">
-                  <a:moveTo>
-                    <a:pt x="0" y="34794"/>
-                  </a:moveTo>
-                  <a:lnTo>
-                    <a:pt x="0" y="0"/>
-                  </a:lnTo>
-                </a:path>
-              </a:pathLst>
-            </a:custGeom>
-            <a:ln w="6775" cap="flat">
-              <a:solidFill>
-                <a:srgbClr val="B3B3B3">
-                  <a:alpha val="100000"/>
-                </a:srgbClr>
-              </a:solidFill>
-              <a:prstDash val="solid"/>
-              <a:round/>
-            </a:ln>
-          </p:spPr>
-          <p:txBody>
-            <a:bodyPr/>
-            <a:lstStyle/>
-            <a:p/>
-          </p:txBody>
-        </p:sp>
-        <p:sp>
-          <p:nvSpPr>
-            <p:cNvPr id="63" name="tx63"/>
-            <p:cNvSpPr/>
-            <p:nvPr/>
-          </p:nvSpPr>
-          <p:spPr>
-            <a:xfrm>
-              <a:off x="1992471" y="5699866"/>
-              <a:ext cx="62155" cy="81691"/>
-            </a:xfrm>
-            <a:prstGeom prst="rect">
-              <a:avLst/>
-            </a:prstGeom>
-            <a:noFill/>
-          </p:spPr>
-          <p:txBody>
-            <a:bodyPr lIns="0" rIns="0" tIns="0" bIns="0" anchorCtr="1" anchor="ctr" wrap="none"/>
-            <a:lstStyle/>
-            <a:p>
-              <a:pPr algn="l" marL="0" marR="0" indent="0">
-                <a:lnSpc>
-                  <a:spcPts val="880"/>
-                </a:lnSpc>
-                <a:spcBef>
-                  <a:spcPts val="0"/>
-                </a:spcBef>
-                <a:spcAft>
-                  <a:spcPts val="0"/>
-                </a:spcAft>
-              </a:pPr>
-              <a:r>
-                <a:rPr sz="880">
-                  <a:solidFill>
-                    <a:srgbClr val="4D4D4D">
-                      <a:alpha val="100000"/>
-                    </a:srgbClr>
-                  </a:solidFill>
-                  <a:latin typeface="Arial"/>
-                  <a:cs typeface="Arial"/>
-                </a:rPr>
-                <a:t>0</a:t>
-              </a:r>
-            </a:p>
-          </p:txBody>
-        </p:sp>
-        <p:sp>
-          <p:nvSpPr>
-            <p:cNvPr id="64" name="tx64"/>
-            <p:cNvSpPr/>
-            <p:nvPr/>
-          </p:nvSpPr>
-          <p:spPr>
-            <a:xfrm>
-              <a:off x="4142118" y="5699866"/>
-              <a:ext cx="248622" cy="81691"/>
-            </a:xfrm>
-            <a:prstGeom prst="rect">
-              <a:avLst/>
-            </a:prstGeom>
-            <a:noFill/>
-          </p:spPr>
-          <p:txBody>
-            <a:bodyPr lIns="0" rIns="0" tIns="0" bIns="0" anchorCtr="1" anchor="ctr" wrap="none"/>
-            <a:lstStyle/>
-            <a:p>
-              <a:pPr algn="l" marL="0" marR="0" indent="0">
-                <a:lnSpc>
-                  <a:spcPts val="880"/>
-                </a:lnSpc>
-                <a:spcBef>
-                  <a:spcPts val="0"/>
-                </a:spcBef>
-                <a:spcAft>
-                  <a:spcPts val="0"/>
-                </a:spcAft>
-              </a:pPr>
-              <a:r>
-                <a:rPr sz="880">
-                  <a:solidFill>
-                    <a:srgbClr val="4D4D4D">
-                      <a:alpha val="100000"/>
-                    </a:srgbClr>
-                  </a:solidFill>
-                  <a:latin typeface="Arial"/>
-                  <a:cs typeface="Arial"/>
-                </a:rPr>
-                <a:t>1000</a:t>
-              </a:r>
-            </a:p>
-          </p:txBody>
-        </p:sp>
-        <p:sp>
-          <p:nvSpPr>
-            <p:cNvPr id="65" name="tx65"/>
-            <p:cNvSpPr/>
-            <p:nvPr/>
-          </p:nvSpPr>
-          <p:spPr>
-            <a:xfrm>
-              <a:off x="6384998" y="5699866"/>
-              <a:ext cx="248622" cy="81691"/>
-            </a:xfrm>
-            <a:prstGeom prst="rect">
-              <a:avLst/>
-            </a:prstGeom>
-            <a:noFill/>
-          </p:spPr>
-          <p:txBody>
-            <a:bodyPr lIns="0" rIns="0" tIns="0" bIns="0" anchorCtr="1" anchor="ctr" wrap="none"/>
-            <a:lstStyle/>
-            <a:p>
-              <a:pPr algn="l" marL="0" marR="0" indent="0">
-                <a:lnSpc>
-                  <a:spcPts val="880"/>
-                </a:lnSpc>
-                <a:spcBef>
-                  <a:spcPts val="0"/>
-                </a:spcBef>
-                <a:spcAft>
-                  <a:spcPts val="0"/>
-                </a:spcAft>
-              </a:pPr>
-              <a:r>
-                <a:rPr sz="880">
-                  <a:solidFill>
-                    <a:srgbClr val="4D4D4D">
-                      <a:alpha val="100000"/>
-                    </a:srgbClr>
-                  </a:solidFill>
-                  <a:latin typeface="Arial"/>
-                  <a:cs typeface="Arial"/>
-                </a:rPr>
-                <a:t>2000</a:t>
-              </a:r>
-            </a:p>
-          </p:txBody>
-        </p:sp>
-        <p:sp>
-          <p:nvSpPr>
-            <p:cNvPr id="66" name="tx66"/>
-            <p:cNvSpPr/>
-            <p:nvPr/>
-          </p:nvSpPr>
-          <p:spPr>
-            <a:xfrm>
-              <a:off x="8627878" y="5699811"/>
-              <a:ext cx="248622" cy="81746"/>
-            </a:xfrm>
-            <a:prstGeom prst="rect">
-              <a:avLst/>
-            </a:prstGeom>
-            <a:noFill/>
-          </p:spPr>
-          <p:txBody>
-            <a:bodyPr lIns="0" rIns="0" tIns="0" bIns="0" anchorCtr="1" anchor="ctr" wrap="none"/>
-            <a:lstStyle/>
-            <a:p>
-              <a:pPr algn="l" marL="0" marR="0" indent="0">
-                <a:lnSpc>
-                  <a:spcPts val="880"/>
-                </a:lnSpc>
-                <a:spcBef>
-                  <a:spcPts val="0"/>
-                </a:spcBef>
-                <a:spcAft>
-                  <a:spcPts val="0"/>
-                </a:spcAft>
-              </a:pPr>
-              <a:r>
-                <a:rPr sz="880">
-                  <a:solidFill>
-                    <a:srgbClr val="4D4D4D">
-                      <a:alpha val="100000"/>
-                    </a:srgbClr>
-                  </a:solidFill>
-                  <a:latin typeface="Arial"/>
-                  <a:cs typeface="Arial"/>
-                </a:rPr>
-                <a:t>3000</a:t>
+                <a:t>会，因为有效，经常推荐给他人</a:t>
               </a:r>
             </a:p>
           </p:txBody>

--- a/_book/plot/unnamed-chunk-71-1.pptx
+++ b/_book/plot/unnamed-chunk-71-1.pptx
@@ -3151,208 +3151,20 @@
         </p:sp>
         <p:sp>
           <p:nvSpPr>
-            <p:cNvPr id="4" name="pg4"/>
-            <p:cNvSpPr/>
-            <p:nvPr/>
-          </p:nvSpPr>
-          <p:spPr>
-            <a:xfrm>
-              <a:off x="4294735" y="1973107"/>
-              <a:ext cx="205366" cy="1808317"/>
-            </a:xfrm>
-            <a:custGeom>
-              <a:avLst/>
-              <a:pathLst>
-                <a:path w="205366" h="1808317">
-                  <a:moveTo>
-                    <a:pt x="0" y="1808317"/>
-                  </a:moveTo>
-                  <a:lnTo>
-                    <a:pt x="7081" y="1746365"/>
-                  </a:lnTo>
-                  <a:lnTo>
-                    <a:pt x="14163" y="1684412"/>
-                  </a:lnTo>
-                  <a:lnTo>
-                    <a:pt x="21244" y="1622460"/>
-                  </a:lnTo>
-                  <a:lnTo>
-                    <a:pt x="28326" y="1560508"/>
-                  </a:lnTo>
-                  <a:lnTo>
-                    <a:pt x="35407" y="1498555"/>
-                  </a:lnTo>
-                  <a:lnTo>
-                    <a:pt x="42489" y="1436603"/>
-                  </a:lnTo>
-                  <a:lnTo>
-                    <a:pt x="49571" y="1374650"/>
-                  </a:lnTo>
-                  <a:lnTo>
-                    <a:pt x="56652" y="1312698"/>
-                  </a:lnTo>
-                  <a:lnTo>
-                    <a:pt x="63734" y="1250746"/>
-                  </a:lnTo>
-                  <a:lnTo>
-                    <a:pt x="70815" y="1188793"/>
-                  </a:lnTo>
-                  <a:lnTo>
-                    <a:pt x="77897" y="1126841"/>
-                  </a:lnTo>
-                  <a:lnTo>
-                    <a:pt x="84979" y="1064889"/>
-                  </a:lnTo>
-                  <a:lnTo>
-                    <a:pt x="92060" y="1002936"/>
-                  </a:lnTo>
-                  <a:lnTo>
-                    <a:pt x="99142" y="940984"/>
-                  </a:lnTo>
-                  <a:lnTo>
-                    <a:pt x="106223" y="879032"/>
-                  </a:lnTo>
-                  <a:lnTo>
-                    <a:pt x="113305" y="817079"/>
-                  </a:lnTo>
-                  <a:lnTo>
-                    <a:pt x="120387" y="755127"/>
-                  </a:lnTo>
-                  <a:lnTo>
-                    <a:pt x="127468" y="693175"/>
-                  </a:lnTo>
-                  <a:lnTo>
-                    <a:pt x="134550" y="631222"/>
-                  </a:lnTo>
-                  <a:lnTo>
-                    <a:pt x="141631" y="569270"/>
-                  </a:lnTo>
-                  <a:lnTo>
-                    <a:pt x="148713" y="507318"/>
-                  </a:lnTo>
-                  <a:lnTo>
-                    <a:pt x="155794" y="445365"/>
-                  </a:lnTo>
-                  <a:lnTo>
-                    <a:pt x="162876" y="383413"/>
-                  </a:lnTo>
-                  <a:lnTo>
-                    <a:pt x="169958" y="321461"/>
-                  </a:lnTo>
-                  <a:lnTo>
-                    <a:pt x="177039" y="259508"/>
-                  </a:lnTo>
-                  <a:lnTo>
-                    <a:pt x="184121" y="197556"/>
-                  </a:lnTo>
-                  <a:lnTo>
-                    <a:pt x="191202" y="135604"/>
-                  </a:lnTo>
-                  <a:lnTo>
-                    <a:pt x="198284" y="73651"/>
-                  </a:lnTo>
-                  <a:lnTo>
-                    <a:pt x="205366" y="11699"/>
-                  </a:lnTo>
-                  <a:lnTo>
-                    <a:pt x="137075" y="5202"/>
-                  </a:lnTo>
-                  <a:lnTo>
-                    <a:pt x="68586" y="1301"/>
-                  </a:lnTo>
-                  <a:lnTo>
-                    <a:pt x="0" y="0"/>
-                  </a:lnTo>
-                  <a:lnTo>
-                    <a:pt x="0" y="62355"/>
-                  </a:lnTo>
-                  <a:lnTo>
-                    <a:pt x="0" y="124711"/>
-                  </a:lnTo>
-                  <a:lnTo>
-                    <a:pt x="0" y="187067"/>
-                  </a:lnTo>
-                  <a:lnTo>
-                    <a:pt x="0" y="249423"/>
-                  </a:lnTo>
-                  <a:lnTo>
-                    <a:pt x="0" y="311778"/>
-                  </a:lnTo>
-                  <a:lnTo>
-                    <a:pt x="0" y="374134"/>
-                  </a:lnTo>
-                  <a:lnTo>
-                    <a:pt x="0" y="436490"/>
-                  </a:lnTo>
-                  <a:lnTo>
-                    <a:pt x="0" y="498846"/>
-                  </a:lnTo>
-                  <a:lnTo>
-                    <a:pt x="0" y="561201"/>
-                  </a:lnTo>
-                  <a:lnTo>
-                    <a:pt x="0" y="623557"/>
-                  </a:lnTo>
-                  <a:lnTo>
-                    <a:pt x="0" y="685913"/>
-                  </a:lnTo>
-                  <a:lnTo>
-                    <a:pt x="0" y="748269"/>
-                  </a:lnTo>
-                  <a:lnTo>
-                    <a:pt x="0" y="810625"/>
-                  </a:lnTo>
-                  <a:lnTo>
-                    <a:pt x="0" y="872980"/>
-                  </a:lnTo>
-                  <a:lnTo>
-                    <a:pt x="0" y="935336"/>
-                  </a:lnTo>
-                  <a:lnTo>
-                    <a:pt x="0" y="997692"/>
-                  </a:lnTo>
-                  <a:lnTo>
-                    <a:pt x="0" y="1060048"/>
-                  </a:lnTo>
-                  <a:lnTo>
-                    <a:pt x="0" y="1122403"/>
-                  </a:lnTo>
-                  <a:lnTo>
-                    <a:pt x="0" y="1184759"/>
-                  </a:lnTo>
-                  <a:lnTo>
-                    <a:pt x="0" y="1247115"/>
-                  </a:lnTo>
-                  <a:lnTo>
-                    <a:pt x="0" y="1309471"/>
-                  </a:lnTo>
-                  <a:lnTo>
-                    <a:pt x="0" y="1371827"/>
-                  </a:lnTo>
-                  <a:lnTo>
-                    <a:pt x="0" y="1434182"/>
-                  </a:lnTo>
-                  <a:lnTo>
-                    <a:pt x="0" y="1496538"/>
-                  </a:lnTo>
-                  <a:lnTo>
-                    <a:pt x="0" y="1558894"/>
-                  </a:lnTo>
-                  <a:lnTo>
-                    <a:pt x="0" y="1621250"/>
-                  </a:lnTo>
-                  <a:lnTo>
-                    <a:pt x="0" y="1683605"/>
-                  </a:lnTo>
-                  <a:lnTo>
-                    <a:pt x="0" y="1745961"/>
-                  </a:lnTo>
-                  <a:close/>
-                </a:path>
-              </a:pathLst>
-            </a:custGeom>
+            <p:cNvPr id="4" name="rc4"/>
+            <p:cNvSpPr/>
+            <p:nvPr/>
+          </p:nvSpPr>
+          <p:spPr>
+            <a:xfrm>
+              <a:off x="1691481" y="1521028"/>
+              <a:ext cx="7315199" cy="4520793"/>
+            </a:xfrm>
+            <a:prstGeom prst="rect">
+              <a:avLst/>
+            </a:prstGeom>
             <a:solidFill>
-              <a:srgbClr val="619CFF">
+              <a:srgbClr val="FFFFFF">
                 <a:alpha val="100000"/>
               </a:srgbClr>
             </a:solidFill>
@@ -3374,421 +3186,60 @@
         </p:sp>
         <p:sp>
           <p:nvSpPr>
-            <p:cNvPr id="5" name="pg5"/>
-            <p:cNvSpPr/>
-            <p:nvPr/>
-          </p:nvSpPr>
-          <p:spPr>
-            <a:xfrm>
-              <a:off x="4294735" y="1984806"/>
-              <a:ext cx="1808192" cy="3320525"/>
+            <p:cNvPr id="5" name="rc5"/>
+            <p:cNvSpPr/>
+            <p:nvPr/>
+          </p:nvSpPr>
+          <p:spPr>
+            <a:xfrm>
+              <a:off x="2179881" y="1809173"/>
+              <a:ext cx="1295770" cy="3464924"/>
+            </a:xfrm>
+            <a:prstGeom prst="rect">
+              <a:avLst/>
+            </a:prstGeom>
+            <a:solidFill>
+              <a:srgbClr val="FFFFFF">
+                <a:alpha val="100000"/>
+              </a:srgbClr>
+            </a:solidFill>
+          </p:spPr>
+          <p:txBody>
+            <a:bodyPr/>
+            <a:lstStyle/>
+            <a:p/>
+          </p:txBody>
+        </p:sp>
+        <p:sp>
+          <p:nvSpPr>
+            <p:cNvPr id="6" name="pl6"/>
+            <p:cNvSpPr/>
+            <p:nvPr/>
+          </p:nvSpPr>
+          <p:spPr>
+            <a:xfrm>
+              <a:off x="2179881" y="4656084"/>
+              <a:ext cx="1295770" cy="0"/>
             </a:xfrm>
             <a:custGeom>
               <a:avLst/>
               <a:pathLst>
-                <a:path w="1808192" h="3320525">
+                <a:path w="1295770" h="0">
                   <a:moveTo>
-                    <a:pt x="0" y="1796618"/>
+                    <a:pt x="0" y="0"/>
                   </a:moveTo>
                   <a:lnTo>
-                    <a:pt x="33569" y="1849166"/>
-                  </a:lnTo>
-                  <a:lnTo>
-                    <a:pt x="67138" y="1901715"/>
-                  </a:lnTo>
-                  <a:lnTo>
-                    <a:pt x="100707" y="1954263"/>
-                  </a:lnTo>
-                  <a:lnTo>
-                    <a:pt x="134277" y="2006812"/>
-                  </a:lnTo>
-                  <a:lnTo>
-                    <a:pt x="167846" y="2059360"/>
-                  </a:lnTo>
-                  <a:lnTo>
-                    <a:pt x="201415" y="2111909"/>
-                  </a:lnTo>
-                  <a:lnTo>
-                    <a:pt x="234984" y="2164457"/>
-                  </a:lnTo>
-                  <a:lnTo>
-                    <a:pt x="268554" y="2217006"/>
-                  </a:lnTo>
-                  <a:lnTo>
-                    <a:pt x="302123" y="2269554"/>
-                  </a:lnTo>
-                  <a:lnTo>
-                    <a:pt x="335692" y="2322103"/>
-                  </a:lnTo>
-                  <a:lnTo>
-                    <a:pt x="369261" y="2374651"/>
-                  </a:lnTo>
-                  <a:lnTo>
-                    <a:pt x="402831" y="2427200"/>
-                  </a:lnTo>
-                  <a:lnTo>
-                    <a:pt x="436400" y="2479748"/>
-                  </a:lnTo>
-                  <a:lnTo>
-                    <a:pt x="469969" y="2532297"/>
-                  </a:lnTo>
-                  <a:lnTo>
-                    <a:pt x="503539" y="2584845"/>
-                  </a:lnTo>
-                  <a:lnTo>
-                    <a:pt x="537108" y="2637394"/>
-                  </a:lnTo>
-                  <a:lnTo>
-                    <a:pt x="570677" y="2689942"/>
-                  </a:lnTo>
-                  <a:lnTo>
-                    <a:pt x="604246" y="2742491"/>
-                  </a:lnTo>
-                  <a:lnTo>
-                    <a:pt x="637816" y="2795039"/>
-                  </a:lnTo>
-                  <a:lnTo>
-                    <a:pt x="671385" y="2847588"/>
-                  </a:lnTo>
-                  <a:lnTo>
-                    <a:pt x="704954" y="2900137"/>
-                  </a:lnTo>
-                  <a:lnTo>
-                    <a:pt x="738523" y="2952685"/>
-                  </a:lnTo>
-                  <a:lnTo>
-                    <a:pt x="772093" y="3005234"/>
-                  </a:lnTo>
-                  <a:lnTo>
-                    <a:pt x="805662" y="3057782"/>
-                  </a:lnTo>
-                  <a:lnTo>
-                    <a:pt x="839231" y="3110331"/>
-                  </a:lnTo>
-                  <a:lnTo>
-                    <a:pt x="872801" y="3162879"/>
-                  </a:lnTo>
-                  <a:lnTo>
-                    <a:pt x="906370" y="3215428"/>
-                  </a:lnTo>
-                  <a:lnTo>
-                    <a:pt x="939939" y="3267976"/>
-                  </a:lnTo>
-                  <a:lnTo>
-                    <a:pt x="973508" y="3320525"/>
-                  </a:lnTo>
-                  <a:lnTo>
-                    <a:pt x="1024982" y="3286390"/>
-                  </a:lnTo>
-                  <a:lnTo>
-                    <a:pt x="1075261" y="3250518"/>
-                  </a:lnTo>
-                  <a:lnTo>
-                    <a:pt x="1124285" y="3212949"/>
-                  </a:lnTo>
-                  <a:lnTo>
-                    <a:pt x="1171997" y="3173728"/>
-                  </a:lnTo>
-                  <a:lnTo>
-                    <a:pt x="1218342" y="3132901"/>
-                  </a:lnTo>
-                  <a:lnTo>
-                    <a:pt x="1263266" y="3090515"/>
-                  </a:lnTo>
-                  <a:lnTo>
-                    <a:pt x="1306716" y="3046619"/>
-                  </a:lnTo>
-                  <a:lnTo>
-                    <a:pt x="1348642" y="3001265"/>
-                  </a:lnTo>
-                  <a:lnTo>
-                    <a:pt x="1388994" y="2954506"/>
-                  </a:lnTo>
-                  <a:lnTo>
-                    <a:pt x="1427726" y="2906396"/>
-                  </a:lnTo>
-                  <a:lnTo>
-                    <a:pt x="1464793" y="2856991"/>
-                  </a:lnTo>
-                  <a:lnTo>
-                    <a:pt x="1500151" y="2806350"/>
-                  </a:lnTo>
-                  <a:lnTo>
-                    <a:pt x="1533758" y="2754530"/>
-                  </a:lnTo>
-                  <a:lnTo>
-                    <a:pt x="1565577" y="2701593"/>
-                  </a:lnTo>
-                  <a:lnTo>
-                    <a:pt x="1595569" y="2647600"/>
-                  </a:lnTo>
-                  <a:lnTo>
-                    <a:pt x="1623699" y="2592615"/>
-                  </a:lnTo>
-                  <a:lnTo>
-                    <a:pt x="1649936" y="2536700"/>
-                  </a:lnTo>
-                  <a:lnTo>
-                    <a:pt x="1674247" y="2479923"/>
-                  </a:lnTo>
-                  <a:lnTo>
-                    <a:pt x="1696606" y="2422348"/>
-                  </a:lnTo>
-                  <a:lnTo>
-                    <a:pt x="1716985" y="2364044"/>
-                  </a:lnTo>
-                  <a:lnTo>
-                    <a:pt x="1735361" y="2305077"/>
-                  </a:lnTo>
-                  <a:lnTo>
-                    <a:pt x="1751713" y="2245517"/>
-                  </a:lnTo>
-                  <a:lnTo>
-                    <a:pt x="1766022" y="2185434"/>
-                  </a:lnTo>
-                  <a:lnTo>
-                    <a:pt x="1778270" y="2124897"/>
-                  </a:lnTo>
-                  <a:lnTo>
-                    <a:pt x="1788443" y="2063977"/>
-                  </a:lnTo>
-                  <a:lnTo>
-                    <a:pt x="1796530" y="2002745"/>
-                  </a:lnTo>
-                  <a:lnTo>
-                    <a:pt x="1802522" y="1941273"/>
-                  </a:lnTo>
-                  <a:lnTo>
-                    <a:pt x="1806410" y="1879632"/>
-                  </a:lnTo>
-                  <a:lnTo>
-                    <a:pt x="1808192" y="1817894"/>
-                  </a:lnTo>
-                  <a:lnTo>
-                    <a:pt x="1807864" y="1756131"/>
-                  </a:lnTo>
-                  <a:lnTo>
-                    <a:pt x="1805427" y="1694415"/>
-                  </a:lnTo>
-                  <a:lnTo>
-                    <a:pt x="1800883" y="1632819"/>
-                  </a:lnTo>
-                  <a:lnTo>
-                    <a:pt x="1794239" y="1571414"/>
-                  </a:lnTo>
-                  <a:lnTo>
-                    <a:pt x="1785502" y="1510271"/>
-                  </a:lnTo>
-                  <a:lnTo>
-                    <a:pt x="1774681" y="1449463"/>
-                  </a:lnTo>
-                  <a:lnTo>
-                    <a:pt x="1761791" y="1389059"/>
-                  </a:lnTo>
-                  <a:lnTo>
-                    <a:pt x="1746845" y="1329131"/>
-                  </a:lnTo>
-                  <a:lnTo>
-                    <a:pt x="1729861" y="1269749"/>
-                  </a:lnTo>
-                  <a:lnTo>
-                    <a:pt x="1710859" y="1210981"/>
-                  </a:lnTo>
-                  <a:lnTo>
-                    <a:pt x="1689862" y="1152896"/>
-                  </a:lnTo>
-                  <a:lnTo>
-                    <a:pt x="1666893" y="1095562"/>
-                  </a:lnTo>
-                  <a:lnTo>
-                    <a:pt x="1641979" y="1039046"/>
-                  </a:lnTo>
-                  <a:lnTo>
-                    <a:pt x="1615150" y="983414"/>
-                  </a:lnTo>
-                  <a:lnTo>
-                    <a:pt x="1586437" y="928730"/>
-                  </a:lnTo>
-                  <a:lnTo>
-                    <a:pt x="1555873" y="875059"/>
-                  </a:lnTo>
-                  <a:lnTo>
-                    <a:pt x="1523494" y="822463"/>
-                  </a:lnTo>
-                  <a:lnTo>
-                    <a:pt x="1489338" y="771004"/>
-                  </a:lnTo>
-                  <a:lnTo>
-                    <a:pt x="1453444" y="720740"/>
-                  </a:lnTo>
-                  <a:lnTo>
-                    <a:pt x="1415854" y="671732"/>
-                  </a:lnTo>
-                  <a:lnTo>
-                    <a:pt x="1376613" y="624037"/>
-                  </a:lnTo>
-                  <a:lnTo>
-                    <a:pt x="1335766" y="577709"/>
-                  </a:lnTo>
-                  <a:lnTo>
-                    <a:pt x="1293361" y="532803"/>
-                  </a:lnTo>
-                  <a:lnTo>
-                    <a:pt x="1249447" y="489371"/>
-                  </a:lnTo>
-                  <a:lnTo>
-                    <a:pt x="1204075" y="447465"/>
-                  </a:lnTo>
-                  <a:lnTo>
-                    <a:pt x="1157299" y="407132"/>
-                  </a:lnTo>
-                  <a:lnTo>
-                    <a:pt x="1109173" y="368421"/>
-                  </a:lnTo>
-                  <a:lnTo>
-                    <a:pt x="1059752" y="331375"/>
-                  </a:lnTo>
-                  <a:lnTo>
-                    <a:pt x="1009096" y="296039"/>
-                  </a:lnTo>
-                  <a:lnTo>
-                    <a:pt x="957262" y="262453"/>
-                  </a:lnTo>
-                  <a:lnTo>
-                    <a:pt x="904311" y="230657"/>
-                  </a:lnTo>
-                  <a:lnTo>
-                    <a:pt x="850306" y="200688"/>
-                  </a:lnTo>
-                  <a:lnTo>
-                    <a:pt x="795308" y="172581"/>
-                  </a:lnTo>
-                  <a:lnTo>
-                    <a:pt x="739383" y="146368"/>
-                  </a:lnTo>
-                  <a:lnTo>
-                    <a:pt x="682595" y="122080"/>
-                  </a:lnTo>
-                  <a:lnTo>
-                    <a:pt x="625011" y="99746"/>
-                  </a:lnTo>
-                  <a:lnTo>
-                    <a:pt x="566698" y="79392"/>
-                  </a:lnTo>
-                  <a:lnTo>
-                    <a:pt x="507724" y="61040"/>
-                  </a:lnTo>
-                  <a:lnTo>
-                    <a:pt x="448157" y="44714"/>
-                  </a:lnTo>
-                  <a:lnTo>
-                    <a:pt x="388067" y="30431"/>
-                  </a:lnTo>
-                  <a:lnTo>
-                    <a:pt x="327525" y="18209"/>
-                  </a:lnTo>
-                  <a:lnTo>
-                    <a:pt x="266601" y="8061"/>
-                  </a:lnTo>
-                  <a:lnTo>
-                    <a:pt x="205366" y="0"/>
-                  </a:lnTo>
-                  <a:lnTo>
-                    <a:pt x="198284" y="61952"/>
-                  </a:lnTo>
-                  <a:lnTo>
-                    <a:pt x="191202" y="123904"/>
-                  </a:lnTo>
-                  <a:lnTo>
-                    <a:pt x="184121" y="185857"/>
-                  </a:lnTo>
-                  <a:lnTo>
-                    <a:pt x="177039" y="247809"/>
-                  </a:lnTo>
-                  <a:lnTo>
-                    <a:pt x="169958" y="309761"/>
-                  </a:lnTo>
-                  <a:lnTo>
-                    <a:pt x="162876" y="371714"/>
-                  </a:lnTo>
-                  <a:lnTo>
-                    <a:pt x="155794" y="433666"/>
-                  </a:lnTo>
-                  <a:lnTo>
-                    <a:pt x="148713" y="495618"/>
-                  </a:lnTo>
-                  <a:lnTo>
-                    <a:pt x="141631" y="557571"/>
-                  </a:lnTo>
-                  <a:lnTo>
-                    <a:pt x="134550" y="619523"/>
-                  </a:lnTo>
-                  <a:lnTo>
-                    <a:pt x="127468" y="681475"/>
-                  </a:lnTo>
-                  <a:lnTo>
-                    <a:pt x="120387" y="743428"/>
-                  </a:lnTo>
-                  <a:lnTo>
-                    <a:pt x="113305" y="805380"/>
-                  </a:lnTo>
-                  <a:lnTo>
-                    <a:pt x="106223" y="867332"/>
-                  </a:lnTo>
-                  <a:lnTo>
-                    <a:pt x="99142" y="929285"/>
-                  </a:lnTo>
-                  <a:lnTo>
-                    <a:pt x="92060" y="991237"/>
-                  </a:lnTo>
-                  <a:lnTo>
-                    <a:pt x="84979" y="1053189"/>
-                  </a:lnTo>
-                  <a:lnTo>
-                    <a:pt x="77897" y="1115142"/>
-                  </a:lnTo>
-                  <a:lnTo>
-                    <a:pt x="70815" y="1177094"/>
-                  </a:lnTo>
-                  <a:lnTo>
-                    <a:pt x="63734" y="1239046"/>
-                  </a:lnTo>
-                  <a:lnTo>
-                    <a:pt x="56652" y="1300999"/>
-                  </a:lnTo>
-                  <a:lnTo>
-                    <a:pt x="49571" y="1362951"/>
-                  </a:lnTo>
-                  <a:lnTo>
-                    <a:pt x="42489" y="1424904"/>
-                  </a:lnTo>
-                  <a:lnTo>
-                    <a:pt x="35407" y="1486856"/>
-                  </a:lnTo>
-                  <a:lnTo>
-                    <a:pt x="28326" y="1548808"/>
-                  </a:lnTo>
-                  <a:lnTo>
-                    <a:pt x="21244" y="1610761"/>
-                  </a:lnTo>
-                  <a:lnTo>
-                    <a:pt x="14163" y="1672713"/>
-                  </a:lnTo>
-                  <a:lnTo>
-                    <a:pt x="7081" y="1734665"/>
-                  </a:lnTo>
-                  <a:close/>
+                    <a:pt x="1295770" y="0"/>
+                  </a:lnTo>
+                  <a:lnTo>
+                    <a:pt x="1295770" y="0"/>
+                  </a:lnTo>
                 </a:path>
               </a:pathLst>
             </a:custGeom>
-            <a:solidFill>
-              <a:srgbClr val="00BA38">
-                <a:alpha val="100000"/>
-              </a:srgbClr>
-            </a:solidFill>
-            <a:ln w="13550" cap="rnd">
+            <a:ln w="6775" cap="flat">
               <a:solidFill>
-                <a:srgbClr val="FFFFFF">
+                <a:srgbClr val="EBEBEB">
                   <a:alpha val="100000"/>
                 </a:srgbClr>
               </a:solidFill>
@@ -3804,532 +3255,34 @@
         </p:sp>
         <p:sp>
           <p:nvSpPr>
-            <p:cNvPr id="6" name="pg6"/>
-            <p:cNvSpPr/>
-            <p:nvPr/>
-          </p:nvSpPr>
-          <p:spPr>
-            <a:xfrm>
-              <a:off x="2486441" y="1973107"/>
-              <a:ext cx="2781802" cy="3616541"/>
+            <p:cNvPr id="7" name="pl7"/>
+            <p:cNvSpPr/>
+            <p:nvPr/>
+          </p:nvSpPr>
+          <p:spPr>
+            <a:xfrm>
+              <a:off x="2179881" y="3735052"/>
+              <a:ext cx="1295770" cy="0"/>
             </a:xfrm>
             <a:custGeom>
               <a:avLst/>
               <a:pathLst>
-                <a:path w="2781802" h="3616541">
+                <a:path w="1295770" h="0">
                   <a:moveTo>
-                    <a:pt x="1808294" y="1808317"/>
+                    <a:pt x="0" y="0"/>
                   </a:moveTo>
                   <a:lnTo>
-                    <a:pt x="1808294" y="1745961"/>
-                  </a:lnTo>
-                  <a:lnTo>
-                    <a:pt x="1808294" y="1683605"/>
-                  </a:lnTo>
-                  <a:lnTo>
-                    <a:pt x="1808294" y="1621250"/>
-                  </a:lnTo>
-                  <a:lnTo>
-                    <a:pt x="1808294" y="1558894"/>
-                  </a:lnTo>
-                  <a:lnTo>
-                    <a:pt x="1808294" y="1496538"/>
-                  </a:lnTo>
-                  <a:lnTo>
-                    <a:pt x="1808294" y="1434182"/>
-                  </a:lnTo>
-                  <a:lnTo>
-                    <a:pt x="1808294" y="1371827"/>
-                  </a:lnTo>
-                  <a:lnTo>
-                    <a:pt x="1808294" y="1309471"/>
-                  </a:lnTo>
-                  <a:lnTo>
-                    <a:pt x="1808294" y="1247115"/>
-                  </a:lnTo>
-                  <a:lnTo>
-                    <a:pt x="1808294" y="1184759"/>
-                  </a:lnTo>
-                  <a:lnTo>
-                    <a:pt x="1808294" y="1122403"/>
-                  </a:lnTo>
-                  <a:lnTo>
-                    <a:pt x="1808294" y="1060048"/>
-                  </a:lnTo>
-                  <a:lnTo>
-                    <a:pt x="1808294" y="997692"/>
-                  </a:lnTo>
-                  <a:lnTo>
-                    <a:pt x="1808294" y="935336"/>
-                  </a:lnTo>
-                  <a:lnTo>
-                    <a:pt x="1808294" y="872980"/>
-                  </a:lnTo>
-                  <a:lnTo>
-                    <a:pt x="1808294" y="810625"/>
-                  </a:lnTo>
-                  <a:lnTo>
-                    <a:pt x="1808294" y="748269"/>
-                  </a:lnTo>
-                  <a:lnTo>
-                    <a:pt x="1808294" y="685913"/>
-                  </a:lnTo>
-                  <a:lnTo>
-                    <a:pt x="1808294" y="623557"/>
-                  </a:lnTo>
-                  <a:lnTo>
-                    <a:pt x="1808294" y="561201"/>
-                  </a:lnTo>
-                  <a:lnTo>
-                    <a:pt x="1808294" y="498846"/>
-                  </a:lnTo>
-                  <a:lnTo>
-                    <a:pt x="1808294" y="436490"/>
-                  </a:lnTo>
-                  <a:lnTo>
-                    <a:pt x="1808294" y="374134"/>
-                  </a:lnTo>
-                  <a:lnTo>
-                    <a:pt x="1808294" y="311778"/>
-                  </a:lnTo>
-                  <a:lnTo>
-                    <a:pt x="1808294" y="249423"/>
-                  </a:lnTo>
-                  <a:lnTo>
-                    <a:pt x="1808294" y="187067"/>
-                  </a:lnTo>
-                  <a:lnTo>
-                    <a:pt x="1808294" y="124711"/>
-                  </a:lnTo>
-                  <a:lnTo>
-                    <a:pt x="1808294" y="62355"/>
-                  </a:lnTo>
-                  <a:lnTo>
-                    <a:pt x="1808294" y="0"/>
-                  </a:lnTo>
-                  <a:lnTo>
-                    <a:pt x="1746755" y="1047"/>
-                  </a:lnTo>
-                  <a:lnTo>
-                    <a:pt x="1685288" y="4188"/>
-                  </a:lnTo>
-                  <a:lnTo>
-                    <a:pt x="1623963" y="9419"/>
-                  </a:lnTo>
-                  <a:lnTo>
-                    <a:pt x="1562852" y="16734"/>
-                  </a:lnTo>
-                  <a:lnTo>
-                    <a:pt x="1502025" y="26124"/>
-                  </a:lnTo>
-                  <a:lnTo>
-                    <a:pt x="1441553" y="37579"/>
-                  </a:lnTo>
-                  <a:lnTo>
-                    <a:pt x="1381506" y="51085"/>
-                  </a:lnTo>
-                  <a:lnTo>
-                    <a:pt x="1321953" y="66627"/>
-                  </a:lnTo>
-                  <a:lnTo>
-                    <a:pt x="1262964" y="84186"/>
-                  </a:lnTo>
-                  <a:lnTo>
-                    <a:pt x="1204606" y="103743"/>
-                  </a:lnTo>
-                  <a:lnTo>
-                    <a:pt x="1146948" y="125274"/>
-                  </a:lnTo>
-                  <a:lnTo>
-                    <a:pt x="1090056" y="148755"/>
-                  </a:lnTo>
-                  <a:lnTo>
-                    <a:pt x="1033996" y="174158"/>
-                  </a:lnTo>
-                  <a:lnTo>
-                    <a:pt x="978832" y="201455"/>
-                  </a:lnTo>
-                  <a:lnTo>
-                    <a:pt x="924630" y="230613"/>
-                  </a:lnTo>
-                  <a:lnTo>
-                    <a:pt x="871451" y="261598"/>
-                  </a:lnTo>
-                  <a:lnTo>
-                    <a:pt x="819358" y="294376"/>
-                  </a:lnTo>
-                  <a:lnTo>
-                    <a:pt x="768410" y="328907"/>
-                  </a:lnTo>
-                  <a:lnTo>
-                    <a:pt x="718667" y="365152"/>
-                  </a:lnTo>
-                  <a:lnTo>
-                    <a:pt x="670186" y="403068"/>
-                  </a:lnTo>
-                  <a:lnTo>
-                    <a:pt x="623024" y="442613"/>
-                  </a:lnTo>
-                  <a:lnTo>
-                    <a:pt x="577234" y="483740"/>
-                  </a:lnTo>
-                  <a:lnTo>
-                    <a:pt x="532871" y="526401"/>
-                  </a:lnTo>
-                  <a:lnTo>
-                    <a:pt x="489985" y="570547"/>
-                  </a:lnTo>
-                  <a:lnTo>
-                    <a:pt x="448626" y="616127"/>
-                  </a:lnTo>
-                  <a:lnTo>
-                    <a:pt x="408843" y="663088"/>
-                  </a:lnTo>
-                  <a:lnTo>
-                    <a:pt x="370680" y="711376"/>
-                  </a:lnTo>
-                  <a:lnTo>
-                    <a:pt x="334183" y="760934"/>
-                  </a:lnTo>
-                  <a:lnTo>
-                    <a:pt x="299394" y="811706"/>
-                  </a:lnTo>
-                  <a:lnTo>
-                    <a:pt x="266352" y="863632"/>
-                  </a:lnTo>
-                  <a:lnTo>
-                    <a:pt x="235097" y="916653"/>
-                  </a:lnTo>
-                  <a:lnTo>
-                    <a:pt x="205664" y="970707"/>
-                  </a:lnTo>
-                  <a:lnTo>
-                    <a:pt x="178088" y="1025730"/>
-                  </a:lnTo>
-                  <a:lnTo>
-                    <a:pt x="152400" y="1081661"/>
-                  </a:lnTo>
-                  <a:lnTo>
-                    <a:pt x="128631" y="1138433"/>
-                  </a:lnTo>
-                  <a:lnTo>
-                    <a:pt x="106807" y="1195981"/>
-                  </a:lnTo>
-                  <a:lnTo>
-                    <a:pt x="86954" y="1254239"/>
-                  </a:lnTo>
-                  <a:lnTo>
-                    <a:pt x="69095" y="1313138"/>
-                  </a:lnTo>
-                  <a:lnTo>
-                    <a:pt x="53252" y="1372612"/>
-                  </a:lnTo>
-                  <a:lnTo>
-                    <a:pt x="39441" y="1432589"/>
-                  </a:lnTo>
-                  <a:lnTo>
-                    <a:pt x="27679" y="1493002"/>
-                  </a:lnTo>
-                  <a:lnTo>
-                    <a:pt x="17980" y="1553781"/>
-                  </a:lnTo>
-                  <a:lnTo>
-                    <a:pt x="10355" y="1614854"/>
-                  </a:lnTo>
-                  <a:lnTo>
-                    <a:pt x="4812" y="1676151"/>
-                  </a:lnTo>
-                  <a:lnTo>
-                    <a:pt x="1359" y="1737602"/>
-                  </a:lnTo>
-                  <a:lnTo>
-                    <a:pt x="0" y="1799134"/>
-                  </a:lnTo>
-                  <a:lnTo>
-                    <a:pt x="734" y="1860677"/>
-                  </a:lnTo>
-                  <a:lnTo>
-                    <a:pt x="3563" y="1922159"/>
-                  </a:lnTo>
-                  <a:lnTo>
-                    <a:pt x="8483" y="1983510"/>
-                  </a:lnTo>
-                  <a:lnTo>
-                    <a:pt x="15487" y="2044657"/>
-                  </a:lnTo>
-                  <a:lnTo>
-                    <a:pt x="24568" y="2105531"/>
-                  </a:lnTo>
-                  <a:lnTo>
-                    <a:pt x="35716" y="2166060"/>
-                  </a:lnTo>
-                  <a:lnTo>
-                    <a:pt x="48917" y="2226175"/>
-                  </a:lnTo>
-                  <a:lnTo>
-                    <a:pt x="64156" y="2285806"/>
-                  </a:lnTo>
-                  <a:lnTo>
-                    <a:pt x="81416" y="2344884"/>
-                  </a:lnTo>
-                  <a:lnTo>
-                    <a:pt x="100676" y="2403340"/>
-                  </a:lnTo>
-                  <a:lnTo>
-                    <a:pt x="121914" y="2461107"/>
-                  </a:lnTo>
-                  <a:lnTo>
-                    <a:pt x="145106" y="2518118"/>
-                  </a:lnTo>
-                  <a:lnTo>
-                    <a:pt x="170224" y="2574306"/>
-                  </a:lnTo>
-                  <a:lnTo>
-                    <a:pt x="197240" y="2629608"/>
-                  </a:lnTo>
-                  <a:lnTo>
-                    <a:pt x="226122" y="2683957"/>
-                  </a:lnTo>
-                  <a:lnTo>
-                    <a:pt x="256837" y="2737293"/>
-                  </a:lnTo>
-                  <a:lnTo>
-                    <a:pt x="289350" y="2789552"/>
-                  </a:lnTo>
-                  <a:lnTo>
-                    <a:pt x="323622" y="2840674"/>
-                  </a:lnTo>
-                  <a:lnTo>
-                    <a:pt x="359614" y="2890601"/>
-                  </a:lnTo>
-                  <a:lnTo>
-                    <a:pt x="397284" y="2939274"/>
-                  </a:lnTo>
-                  <a:lnTo>
-                    <a:pt x="436588" y="2986636"/>
-                  </a:lnTo>
-                  <a:lnTo>
-                    <a:pt x="477482" y="3032634"/>
-                  </a:lnTo>
-                  <a:lnTo>
-                    <a:pt x="519917" y="3077214"/>
-                  </a:lnTo>
-                  <a:lnTo>
-                    <a:pt x="563845" y="3120323"/>
-                  </a:lnTo>
-                  <a:lnTo>
-                    <a:pt x="609215" y="3161913"/>
-                  </a:lnTo>
-                  <a:lnTo>
-                    <a:pt x="655973" y="3201934"/>
-                  </a:lnTo>
-                  <a:lnTo>
-                    <a:pt x="704066" y="3240341"/>
-                  </a:lnTo>
-                  <a:lnTo>
-                    <a:pt x="753439" y="3277090"/>
-                  </a:lnTo>
-                  <a:lnTo>
-                    <a:pt x="804033" y="3312136"/>
-                  </a:lnTo>
-                  <a:lnTo>
-                    <a:pt x="855791" y="3345441"/>
-                  </a:lnTo>
-                  <a:lnTo>
-                    <a:pt x="908652" y="3376965"/>
-                  </a:lnTo>
-                  <a:lnTo>
-                    <a:pt x="962556" y="3406672"/>
-                  </a:lnTo>
-                  <a:lnTo>
-                    <a:pt x="1017439" y="3434527"/>
-                  </a:lnTo>
-                  <a:lnTo>
-                    <a:pt x="1073238" y="3460499"/>
-                  </a:lnTo>
-                  <a:lnTo>
-                    <a:pt x="1129889" y="3484556"/>
-                  </a:lnTo>
-                  <a:lnTo>
-                    <a:pt x="1187326" y="3506672"/>
-                  </a:lnTo>
-                  <a:lnTo>
-                    <a:pt x="1245482" y="3526821"/>
-                  </a:lnTo>
-                  <a:lnTo>
-                    <a:pt x="1304290" y="3544978"/>
-                  </a:lnTo>
-                  <a:lnTo>
-                    <a:pt x="1363682" y="3561124"/>
-                  </a:lnTo>
-                  <a:lnTo>
-                    <a:pt x="1423588" y="3575239"/>
-                  </a:lnTo>
-                  <a:lnTo>
-                    <a:pt x="1483941" y="3587307"/>
-                  </a:lnTo>
-                  <a:lnTo>
-                    <a:pt x="1544669" y="3597315"/>
-                  </a:lnTo>
-                  <a:lnTo>
-                    <a:pt x="1605703" y="3605250"/>
-                  </a:lnTo>
-                  <a:lnTo>
-                    <a:pt x="1666971" y="3611104"/>
-                  </a:lnTo>
-                  <a:lnTo>
-                    <a:pt x="1728403" y="3614869"/>
-                  </a:lnTo>
-                  <a:lnTo>
-                    <a:pt x="1789928" y="3616541"/>
-                  </a:lnTo>
-                  <a:lnTo>
-                    <a:pt x="1851474" y="3616119"/>
-                  </a:lnTo>
-                  <a:lnTo>
-                    <a:pt x="1912970" y="3613602"/>
-                  </a:lnTo>
-                  <a:lnTo>
-                    <a:pt x="1974345" y="3608994"/>
-                  </a:lnTo>
-                  <a:lnTo>
-                    <a:pt x="2035527" y="3602301"/>
-                  </a:lnTo>
-                  <a:lnTo>
-                    <a:pt x="2096446" y="3593528"/>
-                  </a:lnTo>
-                  <a:lnTo>
-                    <a:pt x="2157031" y="3582688"/>
-                  </a:lnTo>
-                  <a:lnTo>
-                    <a:pt x="2217212" y="3569793"/>
-                  </a:lnTo>
-                  <a:lnTo>
-                    <a:pt x="2276920" y="3554857"/>
-                  </a:lnTo>
-                  <a:lnTo>
-                    <a:pt x="2336085" y="3537897"/>
-                  </a:lnTo>
-                  <a:lnTo>
-                    <a:pt x="2394638" y="3518934"/>
-                  </a:lnTo>
-                  <a:lnTo>
-                    <a:pt x="2452512" y="3497990"/>
-                  </a:lnTo>
-                  <a:lnTo>
-                    <a:pt x="2509640" y="3475088"/>
-                  </a:lnTo>
-                  <a:lnTo>
-                    <a:pt x="2565955" y="3450255"/>
-                  </a:lnTo>
-                  <a:lnTo>
-                    <a:pt x="2621393" y="3423520"/>
-                  </a:lnTo>
-                  <a:lnTo>
-                    <a:pt x="2675888" y="3394914"/>
-                  </a:lnTo>
-                  <a:lnTo>
-                    <a:pt x="2729379" y="3364471"/>
-                  </a:lnTo>
-                  <a:lnTo>
-                    <a:pt x="2781802" y="3332224"/>
-                  </a:lnTo>
-                  <a:lnTo>
-                    <a:pt x="2748233" y="3279675"/>
-                  </a:lnTo>
-                  <a:lnTo>
-                    <a:pt x="2714664" y="3227127"/>
-                  </a:lnTo>
-                  <a:lnTo>
-                    <a:pt x="2681095" y="3174578"/>
-                  </a:lnTo>
-                  <a:lnTo>
-                    <a:pt x="2647525" y="3122030"/>
-                  </a:lnTo>
-                  <a:lnTo>
-                    <a:pt x="2613956" y="3069481"/>
-                  </a:lnTo>
-                  <a:lnTo>
-                    <a:pt x="2580387" y="3016933"/>
-                  </a:lnTo>
-                  <a:lnTo>
-                    <a:pt x="2546818" y="2964384"/>
-                  </a:lnTo>
-                  <a:lnTo>
-                    <a:pt x="2513248" y="2911836"/>
-                  </a:lnTo>
-                  <a:lnTo>
-                    <a:pt x="2479679" y="2859287"/>
-                  </a:lnTo>
-                  <a:lnTo>
-                    <a:pt x="2446110" y="2806739"/>
-                  </a:lnTo>
-                  <a:lnTo>
-                    <a:pt x="2412540" y="2754190"/>
-                  </a:lnTo>
-                  <a:lnTo>
-                    <a:pt x="2378971" y="2701642"/>
-                  </a:lnTo>
-                  <a:lnTo>
-                    <a:pt x="2345402" y="2649093"/>
-                  </a:lnTo>
-                  <a:lnTo>
-                    <a:pt x="2311833" y="2596545"/>
-                  </a:lnTo>
-                  <a:lnTo>
-                    <a:pt x="2278263" y="2543996"/>
-                  </a:lnTo>
-                  <a:lnTo>
-                    <a:pt x="2244694" y="2491448"/>
-                  </a:lnTo>
-                  <a:lnTo>
-                    <a:pt x="2211125" y="2438899"/>
-                  </a:lnTo>
-                  <a:lnTo>
-                    <a:pt x="2177556" y="2386351"/>
-                  </a:lnTo>
-                  <a:lnTo>
-                    <a:pt x="2143986" y="2333802"/>
-                  </a:lnTo>
-                  <a:lnTo>
-                    <a:pt x="2110417" y="2281254"/>
-                  </a:lnTo>
-                  <a:lnTo>
-                    <a:pt x="2076848" y="2228705"/>
-                  </a:lnTo>
-                  <a:lnTo>
-                    <a:pt x="2043279" y="2176157"/>
-                  </a:lnTo>
-                  <a:lnTo>
-                    <a:pt x="2009709" y="2123608"/>
-                  </a:lnTo>
-                  <a:lnTo>
-                    <a:pt x="1976140" y="2071060"/>
-                  </a:lnTo>
-                  <a:lnTo>
-                    <a:pt x="1942571" y="2018511"/>
-                  </a:lnTo>
-                  <a:lnTo>
-                    <a:pt x="1909001" y="1965962"/>
-                  </a:lnTo>
-                  <a:lnTo>
-                    <a:pt x="1875432" y="1913414"/>
-                  </a:lnTo>
-                  <a:lnTo>
-                    <a:pt x="1841863" y="1860865"/>
-                  </a:lnTo>
-                  <a:close/>
+                    <a:pt x="1295770" y="0"/>
+                  </a:lnTo>
+                  <a:lnTo>
+                    <a:pt x="1295770" y="0"/>
+                  </a:lnTo>
                 </a:path>
               </a:pathLst>
             </a:custGeom>
-            <a:solidFill>
-              <a:srgbClr val="F8766D">
-                <a:alpha val="100000"/>
-              </a:srgbClr>
-            </a:solidFill>
-            <a:ln w="13550" cap="rnd">
+            <a:ln w="6775" cap="flat">
               <a:solidFill>
-                <a:srgbClr val="FFFFFF">
+                <a:srgbClr val="EBEBEB">
                   <a:alpha val="100000"/>
                 </a:srgbClr>
               </a:solidFill>
@@ -4345,14 +3298,2627 @@
         </p:sp>
         <p:sp>
           <p:nvSpPr>
-            <p:cNvPr id="7" name="tx7"/>
-            <p:cNvSpPr/>
-            <p:nvPr/>
-          </p:nvSpPr>
-          <p:spPr>
-            <a:xfrm>
-              <a:off x="4190994" y="2817462"/>
-              <a:ext cx="329449" cy="109040"/>
+            <p:cNvPr id="8" name="pl8"/>
+            <p:cNvSpPr/>
+            <p:nvPr/>
+          </p:nvSpPr>
+          <p:spPr>
+            <a:xfrm>
+              <a:off x="2179881" y="2814019"/>
+              <a:ext cx="1295770" cy="0"/>
+            </a:xfrm>
+            <a:custGeom>
+              <a:avLst/>
+              <a:pathLst>
+                <a:path w="1295770" h="0">
+                  <a:moveTo>
+                    <a:pt x="0" y="0"/>
+                  </a:moveTo>
+                  <a:lnTo>
+                    <a:pt x="1295770" y="0"/>
+                  </a:lnTo>
+                  <a:lnTo>
+                    <a:pt x="1295770" y="0"/>
+                  </a:lnTo>
+                </a:path>
+              </a:pathLst>
+            </a:custGeom>
+            <a:ln w="6775" cap="flat">
+              <a:solidFill>
+                <a:srgbClr val="EBEBEB">
+                  <a:alpha val="100000"/>
+                </a:srgbClr>
+              </a:solidFill>
+              <a:prstDash val="solid"/>
+              <a:round/>
+            </a:ln>
+          </p:spPr>
+          <p:txBody>
+            <a:bodyPr/>
+            <a:lstStyle/>
+            <a:p/>
+          </p:txBody>
+        </p:sp>
+        <p:sp>
+          <p:nvSpPr>
+            <p:cNvPr id="9" name="pl9"/>
+            <p:cNvSpPr/>
+            <p:nvPr/>
+          </p:nvSpPr>
+          <p:spPr>
+            <a:xfrm>
+              <a:off x="2179881" y="1892987"/>
+              <a:ext cx="1295770" cy="0"/>
+            </a:xfrm>
+            <a:custGeom>
+              <a:avLst/>
+              <a:pathLst>
+                <a:path w="1295770" h="0">
+                  <a:moveTo>
+                    <a:pt x="0" y="0"/>
+                  </a:moveTo>
+                  <a:lnTo>
+                    <a:pt x="1295770" y="0"/>
+                  </a:lnTo>
+                  <a:lnTo>
+                    <a:pt x="1295770" y="0"/>
+                  </a:lnTo>
+                </a:path>
+              </a:pathLst>
+            </a:custGeom>
+            <a:ln w="6775" cap="flat">
+              <a:solidFill>
+                <a:srgbClr val="EBEBEB">
+                  <a:alpha val="100000"/>
+                </a:srgbClr>
+              </a:solidFill>
+              <a:prstDash val="solid"/>
+              <a:round/>
+            </a:ln>
+          </p:spPr>
+          <p:txBody>
+            <a:bodyPr/>
+            <a:lstStyle/>
+            <a:p/>
+          </p:txBody>
+        </p:sp>
+        <p:sp>
+          <p:nvSpPr>
+            <p:cNvPr id="10" name="pl10"/>
+            <p:cNvSpPr/>
+            <p:nvPr/>
+          </p:nvSpPr>
+          <p:spPr>
+            <a:xfrm>
+              <a:off x="2179881" y="5116600"/>
+              <a:ext cx="1295770" cy="0"/>
+            </a:xfrm>
+            <a:custGeom>
+              <a:avLst/>
+              <a:pathLst>
+                <a:path w="1295770" h="0">
+                  <a:moveTo>
+                    <a:pt x="0" y="0"/>
+                  </a:moveTo>
+                  <a:lnTo>
+                    <a:pt x="1295770" y="0"/>
+                  </a:lnTo>
+                  <a:lnTo>
+                    <a:pt x="1295770" y="0"/>
+                  </a:lnTo>
+                </a:path>
+              </a:pathLst>
+            </a:custGeom>
+            <a:ln w="13550" cap="flat">
+              <a:solidFill>
+                <a:srgbClr val="EBEBEB">
+                  <a:alpha val="100000"/>
+                </a:srgbClr>
+              </a:solidFill>
+              <a:prstDash val="solid"/>
+              <a:round/>
+            </a:ln>
+          </p:spPr>
+          <p:txBody>
+            <a:bodyPr/>
+            <a:lstStyle/>
+            <a:p/>
+          </p:txBody>
+        </p:sp>
+        <p:sp>
+          <p:nvSpPr>
+            <p:cNvPr id="11" name="pl11"/>
+            <p:cNvSpPr/>
+            <p:nvPr/>
+          </p:nvSpPr>
+          <p:spPr>
+            <a:xfrm>
+              <a:off x="2179881" y="4195568"/>
+              <a:ext cx="1295770" cy="0"/>
+            </a:xfrm>
+            <a:custGeom>
+              <a:avLst/>
+              <a:pathLst>
+                <a:path w="1295770" h="0">
+                  <a:moveTo>
+                    <a:pt x="0" y="0"/>
+                  </a:moveTo>
+                  <a:lnTo>
+                    <a:pt x="1295770" y="0"/>
+                  </a:lnTo>
+                  <a:lnTo>
+                    <a:pt x="1295770" y="0"/>
+                  </a:lnTo>
+                </a:path>
+              </a:pathLst>
+            </a:custGeom>
+            <a:ln w="13550" cap="flat">
+              <a:solidFill>
+                <a:srgbClr val="EBEBEB">
+                  <a:alpha val="100000"/>
+                </a:srgbClr>
+              </a:solidFill>
+              <a:prstDash val="solid"/>
+              <a:round/>
+            </a:ln>
+          </p:spPr>
+          <p:txBody>
+            <a:bodyPr/>
+            <a:lstStyle/>
+            <a:p/>
+          </p:txBody>
+        </p:sp>
+        <p:sp>
+          <p:nvSpPr>
+            <p:cNvPr id="12" name="pl12"/>
+            <p:cNvSpPr/>
+            <p:nvPr/>
+          </p:nvSpPr>
+          <p:spPr>
+            <a:xfrm>
+              <a:off x="2179881" y="3274535"/>
+              <a:ext cx="1295770" cy="0"/>
+            </a:xfrm>
+            <a:custGeom>
+              <a:avLst/>
+              <a:pathLst>
+                <a:path w="1295770" h="0">
+                  <a:moveTo>
+                    <a:pt x="0" y="0"/>
+                  </a:moveTo>
+                  <a:lnTo>
+                    <a:pt x="1295770" y="0"/>
+                  </a:lnTo>
+                  <a:lnTo>
+                    <a:pt x="1295770" y="0"/>
+                  </a:lnTo>
+                </a:path>
+              </a:pathLst>
+            </a:custGeom>
+            <a:ln w="13550" cap="flat">
+              <a:solidFill>
+                <a:srgbClr val="EBEBEB">
+                  <a:alpha val="100000"/>
+                </a:srgbClr>
+              </a:solidFill>
+              <a:prstDash val="solid"/>
+              <a:round/>
+            </a:ln>
+          </p:spPr>
+          <p:txBody>
+            <a:bodyPr/>
+            <a:lstStyle/>
+            <a:p/>
+          </p:txBody>
+        </p:sp>
+        <p:sp>
+          <p:nvSpPr>
+            <p:cNvPr id="13" name="pl13"/>
+            <p:cNvSpPr/>
+            <p:nvPr/>
+          </p:nvSpPr>
+          <p:spPr>
+            <a:xfrm>
+              <a:off x="2179881" y="2353503"/>
+              <a:ext cx="1295770" cy="0"/>
+            </a:xfrm>
+            <a:custGeom>
+              <a:avLst/>
+              <a:pathLst>
+                <a:path w="1295770" h="0">
+                  <a:moveTo>
+                    <a:pt x="0" y="0"/>
+                  </a:moveTo>
+                  <a:lnTo>
+                    <a:pt x="1295770" y="0"/>
+                  </a:lnTo>
+                  <a:lnTo>
+                    <a:pt x="1295770" y="0"/>
+                  </a:lnTo>
+                </a:path>
+              </a:pathLst>
+            </a:custGeom>
+            <a:ln w="13550" cap="flat">
+              <a:solidFill>
+                <a:srgbClr val="EBEBEB">
+                  <a:alpha val="100000"/>
+                </a:srgbClr>
+              </a:solidFill>
+              <a:prstDash val="solid"/>
+              <a:round/>
+            </a:ln>
+          </p:spPr>
+          <p:txBody>
+            <a:bodyPr/>
+            <a:lstStyle/>
+            <a:p/>
+          </p:txBody>
+        </p:sp>
+        <p:sp>
+          <p:nvSpPr>
+            <p:cNvPr id="14" name="pl14"/>
+            <p:cNvSpPr/>
+            <p:nvPr/>
+          </p:nvSpPr>
+          <p:spPr>
+            <a:xfrm>
+              <a:off x="2533273" y="1809173"/>
+              <a:ext cx="0" cy="3464924"/>
+            </a:xfrm>
+            <a:custGeom>
+              <a:avLst/>
+              <a:pathLst>
+                <a:path w="0" h="3464924">
+                  <a:moveTo>
+                    <a:pt x="0" y="3464924"/>
+                  </a:moveTo>
+                  <a:lnTo>
+                    <a:pt x="0" y="0"/>
+                  </a:lnTo>
+                  <a:lnTo>
+                    <a:pt x="0" y="0"/>
+                  </a:lnTo>
+                </a:path>
+              </a:pathLst>
+            </a:custGeom>
+            <a:ln w="13550" cap="flat">
+              <a:solidFill>
+                <a:srgbClr val="EBEBEB">
+                  <a:alpha val="100000"/>
+                </a:srgbClr>
+              </a:solidFill>
+              <a:prstDash val="solid"/>
+              <a:round/>
+            </a:ln>
+          </p:spPr>
+          <p:txBody>
+            <a:bodyPr/>
+            <a:lstStyle/>
+            <a:p/>
+          </p:txBody>
+        </p:sp>
+        <p:sp>
+          <p:nvSpPr>
+            <p:cNvPr id="15" name="pl15"/>
+            <p:cNvSpPr/>
+            <p:nvPr/>
+          </p:nvSpPr>
+          <p:spPr>
+            <a:xfrm>
+              <a:off x="3122260" y="1809173"/>
+              <a:ext cx="0" cy="3464924"/>
+            </a:xfrm>
+            <a:custGeom>
+              <a:avLst/>
+              <a:pathLst>
+                <a:path w="0" h="3464924">
+                  <a:moveTo>
+                    <a:pt x="0" y="3464924"/>
+                  </a:moveTo>
+                  <a:lnTo>
+                    <a:pt x="0" y="0"/>
+                  </a:lnTo>
+                  <a:lnTo>
+                    <a:pt x="0" y="0"/>
+                  </a:lnTo>
+                </a:path>
+              </a:pathLst>
+            </a:custGeom>
+            <a:ln w="13550" cap="flat">
+              <a:solidFill>
+                <a:srgbClr val="EBEBEB">
+                  <a:alpha val="100000"/>
+                </a:srgbClr>
+              </a:solidFill>
+              <a:prstDash val="solid"/>
+              <a:round/>
+            </a:ln>
+          </p:spPr>
+          <p:txBody>
+            <a:bodyPr/>
+            <a:lstStyle/>
+            <a:p/>
+          </p:txBody>
+        </p:sp>
+        <p:sp>
+          <p:nvSpPr>
+            <p:cNvPr id="16" name="rc16"/>
+            <p:cNvSpPr/>
+            <p:nvPr/>
+          </p:nvSpPr>
+          <p:spPr>
+            <a:xfrm>
+              <a:off x="2268229" y="1966669"/>
+              <a:ext cx="530088" cy="3149931"/>
+            </a:xfrm>
+            <a:prstGeom prst="rect">
+              <a:avLst/>
+            </a:prstGeom>
+            <a:solidFill>
+              <a:srgbClr val="FEE0D2">
+                <a:alpha val="100000"/>
+              </a:srgbClr>
+            </a:solidFill>
+          </p:spPr>
+          <p:txBody>
+            <a:bodyPr/>
+            <a:lstStyle/>
+            <a:p/>
+          </p:txBody>
+        </p:sp>
+        <p:sp>
+          <p:nvSpPr>
+            <p:cNvPr id="17" name="rc17"/>
+            <p:cNvSpPr/>
+            <p:nvPr/>
+          </p:nvSpPr>
+          <p:spPr>
+            <a:xfrm>
+              <a:off x="2857216" y="4213989"/>
+              <a:ext cx="530088" cy="902611"/>
+            </a:xfrm>
+            <a:prstGeom prst="rect">
+              <a:avLst/>
+            </a:prstGeom>
+            <a:solidFill>
+              <a:srgbClr val="FC9272">
+                <a:alpha val="100000"/>
+              </a:srgbClr>
+            </a:solidFill>
+          </p:spPr>
+          <p:txBody>
+            <a:bodyPr/>
+            <a:lstStyle/>
+            <a:p/>
+          </p:txBody>
+        </p:sp>
+        <p:sp>
+          <p:nvSpPr>
+            <p:cNvPr id="18" name="rc18"/>
+            <p:cNvSpPr/>
+            <p:nvPr/>
+          </p:nvSpPr>
+          <p:spPr>
+            <a:xfrm>
+              <a:off x="2179881" y="1809173"/>
+              <a:ext cx="1295770" cy="3464924"/>
+            </a:xfrm>
+            <a:prstGeom prst="rect">
+              <a:avLst/>
+            </a:prstGeom>
+            <a:ln w="13550" cap="rnd">
+              <a:solidFill>
+                <a:srgbClr val="333333">
+                  <a:alpha val="100000"/>
+                </a:srgbClr>
+              </a:solidFill>
+              <a:prstDash val="solid"/>
+              <a:round/>
+            </a:ln>
+          </p:spPr>
+          <p:txBody>
+            <a:bodyPr/>
+            <a:lstStyle/>
+            <a:p/>
+          </p:txBody>
+        </p:sp>
+        <p:sp>
+          <p:nvSpPr>
+            <p:cNvPr id="19" name="rc19"/>
+            <p:cNvSpPr/>
+            <p:nvPr/>
+          </p:nvSpPr>
+          <p:spPr>
+            <a:xfrm>
+              <a:off x="3545241" y="1809173"/>
+              <a:ext cx="1295770" cy="3464924"/>
+            </a:xfrm>
+            <a:prstGeom prst="rect">
+              <a:avLst/>
+            </a:prstGeom>
+            <a:solidFill>
+              <a:srgbClr val="FFFFFF">
+                <a:alpha val="100000"/>
+              </a:srgbClr>
+            </a:solidFill>
+          </p:spPr>
+          <p:txBody>
+            <a:bodyPr/>
+            <a:lstStyle/>
+            <a:p/>
+          </p:txBody>
+        </p:sp>
+        <p:sp>
+          <p:nvSpPr>
+            <p:cNvPr id="20" name="pl20"/>
+            <p:cNvSpPr/>
+            <p:nvPr/>
+          </p:nvSpPr>
+          <p:spPr>
+            <a:xfrm>
+              <a:off x="3545241" y="4656084"/>
+              <a:ext cx="1295770" cy="0"/>
+            </a:xfrm>
+            <a:custGeom>
+              <a:avLst/>
+              <a:pathLst>
+                <a:path w="1295770" h="0">
+                  <a:moveTo>
+                    <a:pt x="0" y="0"/>
+                  </a:moveTo>
+                  <a:lnTo>
+                    <a:pt x="1295770" y="0"/>
+                  </a:lnTo>
+                  <a:lnTo>
+                    <a:pt x="1295770" y="0"/>
+                  </a:lnTo>
+                </a:path>
+              </a:pathLst>
+            </a:custGeom>
+            <a:ln w="6775" cap="flat">
+              <a:solidFill>
+                <a:srgbClr val="EBEBEB">
+                  <a:alpha val="100000"/>
+                </a:srgbClr>
+              </a:solidFill>
+              <a:prstDash val="solid"/>
+              <a:round/>
+            </a:ln>
+          </p:spPr>
+          <p:txBody>
+            <a:bodyPr/>
+            <a:lstStyle/>
+            <a:p/>
+          </p:txBody>
+        </p:sp>
+        <p:sp>
+          <p:nvSpPr>
+            <p:cNvPr id="21" name="pl21"/>
+            <p:cNvSpPr/>
+            <p:nvPr/>
+          </p:nvSpPr>
+          <p:spPr>
+            <a:xfrm>
+              <a:off x="3545241" y="3735052"/>
+              <a:ext cx="1295770" cy="0"/>
+            </a:xfrm>
+            <a:custGeom>
+              <a:avLst/>
+              <a:pathLst>
+                <a:path w="1295770" h="0">
+                  <a:moveTo>
+                    <a:pt x="0" y="0"/>
+                  </a:moveTo>
+                  <a:lnTo>
+                    <a:pt x="1295770" y="0"/>
+                  </a:lnTo>
+                  <a:lnTo>
+                    <a:pt x="1295770" y="0"/>
+                  </a:lnTo>
+                </a:path>
+              </a:pathLst>
+            </a:custGeom>
+            <a:ln w="6775" cap="flat">
+              <a:solidFill>
+                <a:srgbClr val="EBEBEB">
+                  <a:alpha val="100000"/>
+                </a:srgbClr>
+              </a:solidFill>
+              <a:prstDash val="solid"/>
+              <a:round/>
+            </a:ln>
+          </p:spPr>
+          <p:txBody>
+            <a:bodyPr/>
+            <a:lstStyle/>
+            <a:p/>
+          </p:txBody>
+        </p:sp>
+        <p:sp>
+          <p:nvSpPr>
+            <p:cNvPr id="22" name="pl22"/>
+            <p:cNvSpPr/>
+            <p:nvPr/>
+          </p:nvSpPr>
+          <p:spPr>
+            <a:xfrm>
+              <a:off x="3545241" y="2814019"/>
+              <a:ext cx="1295770" cy="0"/>
+            </a:xfrm>
+            <a:custGeom>
+              <a:avLst/>
+              <a:pathLst>
+                <a:path w="1295770" h="0">
+                  <a:moveTo>
+                    <a:pt x="0" y="0"/>
+                  </a:moveTo>
+                  <a:lnTo>
+                    <a:pt x="1295770" y="0"/>
+                  </a:lnTo>
+                  <a:lnTo>
+                    <a:pt x="1295770" y="0"/>
+                  </a:lnTo>
+                </a:path>
+              </a:pathLst>
+            </a:custGeom>
+            <a:ln w="6775" cap="flat">
+              <a:solidFill>
+                <a:srgbClr val="EBEBEB">
+                  <a:alpha val="100000"/>
+                </a:srgbClr>
+              </a:solidFill>
+              <a:prstDash val="solid"/>
+              <a:round/>
+            </a:ln>
+          </p:spPr>
+          <p:txBody>
+            <a:bodyPr/>
+            <a:lstStyle/>
+            <a:p/>
+          </p:txBody>
+        </p:sp>
+        <p:sp>
+          <p:nvSpPr>
+            <p:cNvPr id="23" name="pl23"/>
+            <p:cNvSpPr/>
+            <p:nvPr/>
+          </p:nvSpPr>
+          <p:spPr>
+            <a:xfrm>
+              <a:off x="3545241" y="1892987"/>
+              <a:ext cx="1295770" cy="0"/>
+            </a:xfrm>
+            <a:custGeom>
+              <a:avLst/>
+              <a:pathLst>
+                <a:path w="1295770" h="0">
+                  <a:moveTo>
+                    <a:pt x="0" y="0"/>
+                  </a:moveTo>
+                  <a:lnTo>
+                    <a:pt x="1295770" y="0"/>
+                  </a:lnTo>
+                  <a:lnTo>
+                    <a:pt x="1295770" y="0"/>
+                  </a:lnTo>
+                </a:path>
+              </a:pathLst>
+            </a:custGeom>
+            <a:ln w="6775" cap="flat">
+              <a:solidFill>
+                <a:srgbClr val="EBEBEB">
+                  <a:alpha val="100000"/>
+                </a:srgbClr>
+              </a:solidFill>
+              <a:prstDash val="solid"/>
+              <a:round/>
+            </a:ln>
+          </p:spPr>
+          <p:txBody>
+            <a:bodyPr/>
+            <a:lstStyle/>
+            <a:p/>
+          </p:txBody>
+        </p:sp>
+        <p:sp>
+          <p:nvSpPr>
+            <p:cNvPr id="24" name="pl24"/>
+            <p:cNvSpPr/>
+            <p:nvPr/>
+          </p:nvSpPr>
+          <p:spPr>
+            <a:xfrm>
+              <a:off x="3545241" y="5116600"/>
+              <a:ext cx="1295770" cy="0"/>
+            </a:xfrm>
+            <a:custGeom>
+              <a:avLst/>
+              <a:pathLst>
+                <a:path w="1295770" h="0">
+                  <a:moveTo>
+                    <a:pt x="0" y="0"/>
+                  </a:moveTo>
+                  <a:lnTo>
+                    <a:pt x="1295770" y="0"/>
+                  </a:lnTo>
+                  <a:lnTo>
+                    <a:pt x="1295770" y="0"/>
+                  </a:lnTo>
+                </a:path>
+              </a:pathLst>
+            </a:custGeom>
+            <a:ln w="13550" cap="flat">
+              <a:solidFill>
+                <a:srgbClr val="EBEBEB">
+                  <a:alpha val="100000"/>
+                </a:srgbClr>
+              </a:solidFill>
+              <a:prstDash val="solid"/>
+              <a:round/>
+            </a:ln>
+          </p:spPr>
+          <p:txBody>
+            <a:bodyPr/>
+            <a:lstStyle/>
+            <a:p/>
+          </p:txBody>
+        </p:sp>
+        <p:sp>
+          <p:nvSpPr>
+            <p:cNvPr id="25" name="pl25"/>
+            <p:cNvSpPr/>
+            <p:nvPr/>
+          </p:nvSpPr>
+          <p:spPr>
+            <a:xfrm>
+              <a:off x="3545241" y="4195568"/>
+              <a:ext cx="1295770" cy="0"/>
+            </a:xfrm>
+            <a:custGeom>
+              <a:avLst/>
+              <a:pathLst>
+                <a:path w="1295770" h="0">
+                  <a:moveTo>
+                    <a:pt x="0" y="0"/>
+                  </a:moveTo>
+                  <a:lnTo>
+                    <a:pt x="1295770" y="0"/>
+                  </a:lnTo>
+                  <a:lnTo>
+                    <a:pt x="1295770" y="0"/>
+                  </a:lnTo>
+                </a:path>
+              </a:pathLst>
+            </a:custGeom>
+            <a:ln w="13550" cap="flat">
+              <a:solidFill>
+                <a:srgbClr val="EBEBEB">
+                  <a:alpha val="100000"/>
+                </a:srgbClr>
+              </a:solidFill>
+              <a:prstDash val="solid"/>
+              <a:round/>
+            </a:ln>
+          </p:spPr>
+          <p:txBody>
+            <a:bodyPr/>
+            <a:lstStyle/>
+            <a:p/>
+          </p:txBody>
+        </p:sp>
+        <p:sp>
+          <p:nvSpPr>
+            <p:cNvPr id="26" name="pl26"/>
+            <p:cNvSpPr/>
+            <p:nvPr/>
+          </p:nvSpPr>
+          <p:spPr>
+            <a:xfrm>
+              <a:off x="3545241" y="3274535"/>
+              <a:ext cx="1295770" cy="0"/>
+            </a:xfrm>
+            <a:custGeom>
+              <a:avLst/>
+              <a:pathLst>
+                <a:path w="1295770" h="0">
+                  <a:moveTo>
+                    <a:pt x="0" y="0"/>
+                  </a:moveTo>
+                  <a:lnTo>
+                    <a:pt x="1295770" y="0"/>
+                  </a:lnTo>
+                  <a:lnTo>
+                    <a:pt x="1295770" y="0"/>
+                  </a:lnTo>
+                </a:path>
+              </a:pathLst>
+            </a:custGeom>
+            <a:ln w="13550" cap="flat">
+              <a:solidFill>
+                <a:srgbClr val="EBEBEB">
+                  <a:alpha val="100000"/>
+                </a:srgbClr>
+              </a:solidFill>
+              <a:prstDash val="solid"/>
+              <a:round/>
+            </a:ln>
+          </p:spPr>
+          <p:txBody>
+            <a:bodyPr/>
+            <a:lstStyle/>
+            <a:p/>
+          </p:txBody>
+        </p:sp>
+        <p:sp>
+          <p:nvSpPr>
+            <p:cNvPr id="27" name="pl27"/>
+            <p:cNvSpPr/>
+            <p:nvPr/>
+          </p:nvSpPr>
+          <p:spPr>
+            <a:xfrm>
+              <a:off x="3545241" y="2353503"/>
+              <a:ext cx="1295770" cy="0"/>
+            </a:xfrm>
+            <a:custGeom>
+              <a:avLst/>
+              <a:pathLst>
+                <a:path w="1295770" h="0">
+                  <a:moveTo>
+                    <a:pt x="0" y="0"/>
+                  </a:moveTo>
+                  <a:lnTo>
+                    <a:pt x="1295770" y="0"/>
+                  </a:lnTo>
+                  <a:lnTo>
+                    <a:pt x="1295770" y="0"/>
+                  </a:lnTo>
+                </a:path>
+              </a:pathLst>
+            </a:custGeom>
+            <a:ln w="13550" cap="flat">
+              <a:solidFill>
+                <a:srgbClr val="EBEBEB">
+                  <a:alpha val="100000"/>
+                </a:srgbClr>
+              </a:solidFill>
+              <a:prstDash val="solid"/>
+              <a:round/>
+            </a:ln>
+          </p:spPr>
+          <p:txBody>
+            <a:bodyPr/>
+            <a:lstStyle/>
+            <a:p/>
+          </p:txBody>
+        </p:sp>
+        <p:sp>
+          <p:nvSpPr>
+            <p:cNvPr id="28" name="pl28"/>
+            <p:cNvSpPr/>
+            <p:nvPr/>
+          </p:nvSpPr>
+          <p:spPr>
+            <a:xfrm>
+              <a:off x="3898633" y="1809173"/>
+              <a:ext cx="0" cy="3464924"/>
+            </a:xfrm>
+            <a:custGeom>
+              <a:avLst/>
+              <a:pathLst>
+                <a:path w="0" h="3464924">
+                  <a:moveTo>
+                    <a:pt x="0" y="3464924"/>
+                  </a:moveTo>
+                  <a:lnTo>
+                    <a:pt x="0" y="0"/>
+                  </a:lnTo>
+                  <a:lnTo>
+                    <a:pt x="0" y="0"/>
+                  </a:lnTo>
+                </a:path>
+              </a:pathLst>
+            </a:custGeom>
+            <a:ln w="13550" cap="flat">
+              <a:solidFill>
+                <a:srgbClr val="EBEBEB">
+                  <a:alpha val="100000"/>
+                </a:srgbClr>
+              </a:solidFill>
+              <a:prstDash val="solid"/>
+              <a:round/>
+            </a:ln>
+          </p:spPr>
+          <p:txBody>
+            <a:bodyPr/>
+            <a:lstStyle/>
+            <a:p/>
+          </p:txBody>
+        </p:sp>
+        <p:sp>
+          <p:nvSpPr>
+            <p:cNvPr id="29" name="pl29"/>
+            <p:cNvSpPr/>
+            <p:nvPr/>
+          </p:nvSpPr>
+          <p:spPr>
+            <a:xfrm>
+              <a:off x="4487620" y="1809173"/>
+              <a:ext cx="0" cy="3464924"/>
+            </a:xfrm>
+            <a:custGeom>
+              <a:avLst/>
+              <a:pathLst>
+                <a:path w="0" h="3464924">
+                  <a:moveTo>
+                    <a:pt x="0" y="3464924"/>
+                  </a:moveTo>
+                  <a:lnTo>
+                    <a:pt x="0" y="0"/>
+                  </a:lnTo>
+                  <a:lnTo>
+                    <a:pt x="0" y="0"/>
+                  </a:lnTo>
+                </a:path>
+              </a:pathLst>
+            </a:custGeom>
+            <a:ln w="13550" cap="flat">
+              <a:solidFill>
+                <a:srgbClr val="EBEBEB">
+                  <a:alpha val="100000"/>
+                </a:srgbClr>
+              </a:solidFill>
+              <a:prstDash val="solid"/>
+              <a:round/>
+            </a:ln>
+          </p:spPr>
+          <p:txBody>
+            <a:bodyPr/>
+            <a:lstStyle/>
+            <a:p/>
+          </p:txBody>
+        </p:sp>
+        <p:sp>
+          <p:nvSpPr>
+            <p:cNvPr id="30" name="rc30"/>
+            <p:cNvSpPr/>
+            <p:nvPr/>
+          </p:nvSpPr>
+          <p:spPr>
+            <a:xfrm>
+              <a:off x="3633589" y="3200853"/>
+              <a:ext cx="530088" cy="1915747"/>
+            </a:xfrm>
+            <a:prstGeom prst="rect">
+              <a:avLst/>
+            </a:prstGeom>
+            <a:solidFill>
+              <a:srgbClr val="FEE0D2">
+                <a:alpha val="100000"/>
+              </a:srgbClr>
+            </a:solidFill>
+          </p:spPr>
+          <p:txBody>
+            <a:bodyPr/>
+            <a:lstStyle/>
+            <a:p/>
+          </p:txBody>
+        </p:sp>
+        <p:sp>
+          <p:nvSpPr>
+            <p:cNvPr id="31" name="rc31"/>
+            <p:cNvSpPr/>
+            <p:nvPr/>
+          </p:nvSpPr>
+          <p:spPr>
+            <a:xfrm>
+              <a:off x="4222576" y="4646874"/>
+              <a:ext cx="530088" cy="469726"/>
+            </a:xfrm>
+            <a:prstGeom prst="rect">
+              <a:avLst/>
+            </a:prstGeom>
+            <a:solidFill>
+              <a:srgbClr val="FC9272">
+                <a:alpha val="100000"/>
+              </a:srgbClr>
+            </a:solidFill>
+          </p:spPr>
+          <p:txBody>
+            <a:bodyPr/>
+            <a:lstStyle/>
+            <a:p/>
+          </p:txBody>
+        </p:sp>
+        <p:sp>
+          <p:nvSpPr>
+            <p:cNvPr id="32" name="rc32"/>
+            <p:cNvSpPr/>
+            <p:nvPr/>
+          </p:nvSpPr>
+          <p:spPr>
+            <a:xfrm>
+              <a:off x="3545241" y="1809173"/>
+              <a:ext cx="1295770" cy="3464924"/>
+            </a:xfrm>
+            <a:prstGeom prst="rect">
+              <a:avLst/>
+            </a:prstGeom>
+            <a:ln w="13550" cap="rnd">
+              <a:solidFill>
+                <a:srgbClr val="333333">
+                  <a:alpha val="100000"/>
+                </a:srgbClr>
+              </a:solidFill>
+              <a:prstDash val="solid"/>
+              <a:round/>
+            </a:ln>
+          </p:spPr>
+          <p:txBody>
+            <a:bodyPr/>
+            <a:lstStyle/>
+            <a:p/>
+          </p:txBody>
+        </p:sp>
+        <p:sp>
+          <p:nvSpPr>
+            <p:cNvPr id="33" name="rc33"/>
+            <p:cNvSpPr/>
+            <p:nvPr/>
+          </p:nvSpPr>
+          <p:spPr>
+            <a:xfrm>
+              <a:off x="4910601" y="1809173"/>
+              <a:ext cx="1295770" cy="3464924"/>
+            </a:xfrm>
+            <a:prstGeom prst="rect">
+              <a:avLst/>
+            </a:prstGeom>
+            <a:solidFill>
+              <a:srgbClr val="FFFFFF">
+                <a:alpha val="100000"/>
+              </a:srgbClr>
+            </a:solidFill>
+          </p:spPr>
+          <p:txBody>
+            <a:bodyPr/>
+            <a:lstStyle/>
+            <a:p/>
+          </p:txBody>
+        </p:sp>
+        <p:sp>
+          <p:nvSpPr>
+            <p:cNvPr id="34" name="pl34"/>
+            <p:cNvSpPr/>
+            <p:nvPr/>
+          </p:nvSpPr>
+          <p:spPr>
+            <a:xfrm>
+              <a:off x="4910601" y="4656084"/>
+              <a:ext cx="1295770" cy="0"/>
+            </a:xfrm>
+            <a:custGeom>
+              <a:avLst/>
+              <a:pathLst>
+                <a:path w="1295770" h="0">
+                  <a:moveTo>
+                    <a:pt x="0" y="0"/>
+                  </a:moveTo>
+                  <a:lnTo>
+                    <a:pt x="1295770" y="0"/>
+                  </a:lnTo>
+                  <a:lnTo>
+                    <a:pt x="1295770" y="0"/>
+                  </a:lnTo>
+                </a:path>
+              </a:pathLst>
+            </a:custGeom>
+            <a:ln w="6775" cap="flat">
+              <a:solidFill>
+                <a:srgbClr val="EBEBEB">
+                  <a:alpha val="100000"/>
+                </a:srgbClr>
+              </a:solidFill>
+              <a:prstDash val="solid"/>
+              <a:round/>
+            </a:ln>
+          </p:spPr>
+          <p:txBody>
+            <a:bodyPr/>
+            <a:lstStyle/>
+            <a:p/>
+          </p:txBody>
+        </p:sp>
+        <p:sp>
+          <p:nvSpPr>
+            <p:cNvPr id="35" name="pl35"/>
+            <p:cNvSpPr/>
+            <p:nvPr/>
+          </p:nvSpPr>
+          <p:spPr>
+            <a:xfrm>
+              <a:off x="4910601" y="3735052"/>
+              <a:ext cx="1295770" cy="0"/>
+            </a:xfrm>
+            <a:custGeom>
+              <a:avLst/>
+              <a:pathLst>
+                <a:path w="1295770" h="0">
+                  <a:moveTo>
+                    <a:pt x="0" y="0"/>
+                  </a:moveTo>
+                  <a:lnTo>
+                    <a:pt x="1295770" y="0"/>
+                  </a:lnTo>
+                  <a:lnTo>
+                    <a:pt x="1295770" y="0"/>
+                  </a:lnTo>
+                </a:path>
+              </a:pathLst>
+            </a:custGeom>
+            <a:ln w="6775" cap="flat">
+              <a:solidFill>
+                <a:srgbClr val="EBEBEB">
+                  <a:alpha val="100000"/>
+                </a:srgbClr>
+              </a:solidFill>
+              <a:prstDash val="solid"/>
+              <a:round/>
+            </a:ln>
+          </p:spPr>
+          <p:txBody>
+            <a:bodyPr/>
+            <a:lstStyle/>
+            <a:p/>
+          </p:txBody>
+        </p:sp>
+        <p:sp>
+          <p:nvSpPr>
+            <p:cNvPr id="36" name="pl36"/>
+            <p:cNvSpPr/>
+            <p:nvPr/>
+          </p:nvSpPr>
+          <p:spPr>
+            <a:xfrm>
+              <a:off x="4910601" y="2814019"/>
+              <a:ext cx="1295770" cy="0"/>
+            </a:xfrm>
+            <a:custGeom>
+              <a:avLst/>
+              <a:pathLst>
+                <a:path w="1295770" h="0">
+                  <a:moveTo>
+                    <a:pt x="0" y="0"/>
+                  </a:moveTo>
+                  <a:lnTo>
+                    <a:pt x="1295770" y="0"/>
+                  </a:lnTo>
+                  <a:lnTo>
+                    <a:pt x="1295770" y="0"/>
+                  </a:lnTo>
+                </a:path>
+              </a:pathLst>
+            </a:custGeom>
+            <a:ln w="6775" cap="flat">
+              <a:solidFill>
+                <a:srgbClr val="EBEBEB">
+                  <a:alpha val="100000"/>
+                </a:srgbClr>
+              </a:solidFill>
+              <a:prstDash val="solid"/>
+              <a:round/>
+            </a:ln>
+          </p:spPr>
+          <p:txBody>
+            <a:bodyPr/>
+            <a:lstStyle/>
+            <a:p/>
+          </p:txBody>
+        </p:sp>
+        <p:sp>
+          <p:nvSpPr>
+            <p:cNvPr id="37" name="pl37"/>
+            <p:cNvSpPr/>
+            <p:nvPr/>
+          </p:nvSpPr>
+          <p:spPr>
+            <a:xfrm>
+              <a:off x="4910601" y="1892987"/>
+              <a:ext cx="1295770" cy="0"/>
+            </a:xfrm>
+            <a:custGeom>
+              <a:avLst/>
+              <a:pathLst>
+                <a:path w="1295770" h="0">
+                  <a:moveTo>
+                    <a:pt x="0" y="0"/>
+                  </a:moveTo>
+                  <a:lnTo>
+                    <a:pt x="1295770" y="0"/>
+                  </a:lnTo>
+                  <a:lnTo>
+                    <a:pt x="1295770" y="0"/>
+                  </a:lnTo>
+                </a:path>
+              </a:pathLst>
+            </a:custGeom>
+            <a:ln w="6775" cap="flat">
+              <a:solidFill>
+                <a:srgbClr val="EBEBEB">
+                  <a:alpha val="100000"/>
+                </a:srgbClr>
+              </a:solidFill>
+              <a:prstDash val="solid"/>
+              <a:round/>
+            </a:ln>
+          </p:spPr>
+          <p:txBody>
+            <a:bodyPr/>
+            <a:lstStyle/>
+            <a:p/>
+          </p:txBody>
+        </p:sp>
+        <p:sp>
+          <p:nvSpPr>
+            <p:cNvPr id="38" name="pl38"/>
+            <p:cNvSpPr/>
+            <p:nvPr/>
+          </p:nvSpPr>
+          <p:spPr>
+            <a:xfrm>
+              <a:off x="4910601" y="5116600"/>
+              <a:ext cx="1295770" cy="0"/>
+            </a:xfrm>
+            <a:custGeom>
+              <a:avLst/>
+              <a:pathLst>
+                <a:path w="1295770" h="0">
+                  <a:moveTo>
+                    <a:pt x="0" y="0"/>
+                  </a:moveTo>
+                  <a:lnTo>
+                    <a:pt x="1295770" y="0"/>
+                  </a:lnTo>
+                  <a:lnTo>
+                    <a:pt x="1295770" y="0"/>
+                  </a:lnTo>
+                </a:path>
+              </a:pathLst>
+            </a:custGeom>
+            <a:ln w="13550" cap="flat">
+              <a:solidFill>
+                <a:srgbClr val="EBEBEB">
+                  <a:alpha val="100000"/>
+                </a:srgbClr>
+              </a:solidFill>
+              <a:prstDash val="solid"/>
+              <a:round/>
+            </a:ln>
+          </p:spPr>
+          <p:txBody>
+            <a:bodyPr/>
+            <a:lstStyle/>
+            <a:p/>
+          </p:txBody>
+        </p:sp>
+        <p:sp>
+          <p:nvSpPr>
+            <p:cNvPr id="39" name="pl39"/>
+            <p:cNvSpPr/>
+            <p:nvPr/>
+          </p:nvSpPr>
+          <p:spPr>
+            <a:xfrm>
+              <a:off x="4910601" y="4195568"/>
+              <a:ext cx="1295770" cy="0"/>
+            </a:xfrm>
+            <a:custGeom>
+              <a:avLst/>
+              <a:pathLst>
+                <a:path w="1295770" h="0">
+                  <a:moveTo>
+                    <a:pt x="0" y="0"/>
+                  </a:moveTo>
+                  <a:lnTo>
+                    <a:pt x="1295770" y="0"/>
+                  </a:lnTo>
+                  <a:lnTo>
+                    <a:pt x="1295770" y="0"/>
+                  </a:lnTo>
+                </a:path>
+              </a:pathLst>
+            </a:custGeom>
+            <a:ln w="13550" cap="flat">
+              <a:solidFill>
+                <a:srgbClr val="EBEBEB">
+                  <a:alpha val="100000"/>
+                </a:srgbClr>
+              </a:solidFill>
+              <a:prstDash val="solid"/>
+              <a:round/>
+            </a:ln>
+          </p:spPr>
+          <p:txBody>
+            <a:bodyPr/>
+            <a:lstStyle/>
+            <a:p/>
+          </p:txBody>
+        </p:sp>
+        <p:sp>
+          <p:nvSpPr>
+            <p:cNvPr id="40" name="pl40"/>
+            <p:cNvSpPr/>
+            <p:nvPr/>
+          </p:nvSpPr>
+          <p:spPr>
+            <a:xfrm>
+              <a:off x="4910601" y="3274535"/>
+              <a:ext cx="1295770" cy="0"/>
+            </a:xfrm>
+            <a:custGeom>
+              <a:avLst/>
+              <a:pathLst>
+                <a:path w="1295770" h="0">
+                  <a:moveTo>
+                    <a:pt x="0" y="0"/>
+                  </a:moveTo>
+                  <a:lnTo>
+                    <a:pt x="1295770" y="0"/>
+                  </a:lnTo>
+                  <a:lnTo>
+                    <a:pt x="1295770" y="0"/>
+                  </a:lnTo>
+                </a:path>
+              </a:pathLst>
+            </a:custGeom>
+            <a:ln w="13550" cap="flat">
+              <a:solidFill>
+                <a:srgbClr val="EBEBEB">
+                  <a:alpha val="100000"/>
+                </a:srgbClr>
+              </a:solidFill>
+              <a:prstDash val="solid"/>
+              <a:round/>
+            </a:ln>
+          </p:spPr>
+          <p:txBody>
+            <a:bodyPr/>
+            <a:lstStyle/>
+            <a:p/>
+          </p:txBody>
+        </p:sp>
+        <p:sp>
+          <p:nvSpPr>
+            <p:cNvPr id="41" name="pl41"/>
+            <p:cNvSpPr/>
+            <p:nvPr/>
+          </p:nvSpPr>
+          <p:spPr>
+            <a:xfrm>
+              <a:off x="4910601" y="2353503"/>
+              <a:ext cx="1295770" cy="0"/>
+            </a:xfrm>
+            <a:custGeom>
+              <a:avLst/>
+              <a:pathLst>
+                <a:path w="1295770" h="0">
+                  <a:moveTo>
+                    <a:pt x="0" y="0"/>
+                  </a:moveTo>
+                  <a:lnTo>
+                    <a:pt x="1295770" y="0"/>
+                  </a:lnTo>
+                  <a:lnTo>
+                    <a:pt x="1295770" y="0"/>
+                  </a:lnTo>
+                </a:path>
+              </a:pathLst>
+            </a:custGeom>
+            <a:ln w="13550" cap="flat">
+              <a:solidFill>
+                <a:srgbClr val="EBEBEB">
+                  <a:alpha val="100000"/>
+                </a:srgbClr>
+              </a:solidFill>
+              <a:prstDash val="solid"/>
+              <a:round/>
+            </a:ln>
+          </p:spPr>
+          <p:txBody>
+            <a:bodyPr/>
+            <a:lstStyle/>
+            <a:p/>
+          </p:txBody>
+        </p:sp>
+        <p:sp>
+          <p:nvSpPr>
+            <p:cNvPr id="42" name="pl42"/>
+            <p:cNvSpPr/>
+            <p:nvPr/>
+          </p:nvSpPr>
+          <p:spPr>
+            <a:xfrm>
+              <a:off x="5263993" y="1809173"/>
+              <a:ext cx="0" cy="3464924"/>
+            </a:xfrm>
+            <a:custGeom>
+              <a:avLst/>
+              <a:pathLst>
+                <a:path w="0" h="3464924">
+                  <a:moveTo>
+                    <a:pt x="0" y="3464924"/>
+                  </a:moveTo>
+                  <a:lnTo>
+                    <a:pt x="0" y="0"/>
+                  </a:lnTo>
+                  <a:lnTo>
+                    <a:pt x="0" y="0"/>
+                  </a:lnTo>
+                </a:path>
+              </a:pathLst>
+            </a:custGeom>
+            <a:ln w="13550" cap="flat">
+              <a:solidFill>
+                <a:srgbClr val="EBEBEB">
+                  <a:alpha val="100000"/>
+                </a:srgbClr>
+              </a:solidFill>
+              <a:prstDash val="solid"/>
+              <a:round/>
+            </a:ln>
+          </p:spPr>
+          <p:txBody>
+            <a:bodyPr/>
+            <a:lstStyle/>
+            <a:p/>
+          </p:txBody>
+        </p:sp>
+        <p:sp>
+          <p:nvSpPr>
+            <p:cNvPr id="43" name="pl43"/>
+            <p:cNvSpPr/>
+            <p:nvPr/>
+          </p:nvSpPr>
+          <p:spPr>
+            <a:xfrm>
+              <a:off x="5852980" y="1809173"/>
+              <a:ext cx="0" cy="3464924"/>
+            </a:xfrm>
+            <a:custGeom>
+              <a:avLst/>
+              <a:pathLst>
+                <a:path w="0" h="3464924">
+                  <a:moveTo>
+                    <a:pt x="0" y="3464924"/>
+                  </a:moveTo>
+                  <a:lnTo>
+                    <a:pt x="0" y="0"/>
+                  </a:lnTo>
+                  <a:lnTo>
+                    <a:pt x="0" y="0"/>
+                  </a:lnTo>
+                </a:path>
+              </a:pathLst>
+            </a:custGeom>
+            <a:ln w="13550" cap="flat">
+              <a:solidFill>
+                <a:srgbClr val="EBEBEB">
+                  <a:alpha val="100000"/>
+                </a:srgbClr>
+              </a:solidFill>
+              <a:prstDash val="solid"/>
+              <a:round/>
+            </a:ln>
+          </p:spPr>
+          <p:txBody>
+            <a:bodyPr/>
+            <a:lstStyle/>
+            <a:p/>
+          </p:txBody>
+        </p:sp>
+        <p:sp>
+          <p:nvSpPr>
+            <p:cNvPr id="44" name="rc44"/>
+            <p:cNvSpPr/>
+            <p:nvPr/>
+          </p:nvSpPr>
+          <p:spPr>
+            <a:xfrm>
+              <a:off x="4998949" y="4702136"/>
+              <a:ext cx="530088" cy="414464"/>
+            </a:xfrm>
+            <a:prstGeom prst="rect">
+              <a:avLst/>
+            </a:prstGeom>
+            <a:solidFill>
+              <a:srgbClr val="FEE0D2">
+                <a:alpha val="100000"/>
+              </a:srgbClr>
+            </a:solidFill>
+          </p:spPr>
+          <p:txBody>
+            <a:bodyPr/>
+            <a:lstStyle/>
+            <a:p/>
+          </p:txBody>
+        </p:sp>
+        <p:sp>
+          <p:nvSpPr>
+            <p:cNvPr id="45" name="rc45"/>
+            <p:cNvSpPr/>
+            <p:nvPr/>
+          </p:nvSpPr>
+          <p:spPr>
+            <a:xfrm>
+              <a:off x="5587936" y="4738977"/>
+              <a:ext cx="530088" cy="377623"/>
+            </a:xfrm>
+            <a:prstGeom prst="rect">
+              <a:avLst/>
+            </a:prstGeom>
+            <a:solidFill>
+              <a:srgbClr val="FC9272">
+                <a:alpha val="100000"/>
+              </a:srgbClr>
+            </a:solidFill>
+          </p:spPr>
+          <p:txBody>
+            <a:bodyPr/>
+            <a:lstStyle/>
+            <a:p/>
+          </p:txBody>
+        </p:sp>
+        <p:sp>
+          <p:nvSpPr>
+            <p:cNvPr id="46" name="rc46"/>
+            <p:cNvSpPr/>
+            <p:nvPr/>
+          </p:nvSpPr>
+          <p:spPr>
+            <a:xfrm>
+              <a:off x="4910601" y="1809173"/>
+              <a:ext cx="1295770" cy="3464924"/>
+            </a:xfrm>
+            <a:prstGeom prst="rect">
+              <a:avLst/>
+            </a:prstGeom>
+            <a:ln w="13550" cap="rnd">
+              <a:solidFill>
+                <a:srgbClr val="333333">
+                  <a:alpha val="100000"/>
+                </a:srgbClr>
+              </a:solidFill>
+              <a:prstDash val="solid"/>
+              <a:round/>
+            </a:ln>
+          </p:spPr>
+          <p:txBody>
+            <a:bodyPr/>
+            <a:lstStyle/>
+            <a:p/>
+          </p:txBody>
+        </p:sp>
+        <p:sp>
+          <p:nvSpPr>
+            <p:cNvPr id="47" name="rc47"/>
+            <p:cNvSpPr/>
+            <p:nvPr/>
+          </p:nvSpPr>
+          <p:spPr>
+            <a:xfrm>
+              <a:off x="6275961" y="1809173"/>
+              <a:ext cx="1295770" cy="3464924"/>
+            </a:xfrm>
+            <a:prstGeom prst="rect">
+              <a:avLst/>
+            </a:prstGeom>
+            <a:solidFill>
+              <a:srgbClr val="FFFFFF">
+                <a:alpha val="100000"/>
+              </a:srgbClr>
+            </a:solidFill>
+          </p:spPr>
+          <p:txBody>
+            <a:bodyPr/>
+            <a:lstStyle/>
+            <a:p/>
+          </p:txBody>
+        </p:sp>
+        <p:sp>
+          <p:nvSpPr>
+            <p:cNvPr id="48" name="pl48"/>
+            <p:cNvSpPr/>
+            <p:nvPr/>
+          </p:nvSpPr>
+          <p:spPr>
+            <a:xfrm>
+              <a:off x="6275961" y="4656084"/>
+              <a:ext cx="1295770" cy="0"/>
+            </a:xfrm>
+            <a:custGeom>
+              <a:avLst/>
+              <a:pathLst>
+                <a:path w="1295770" h="0">
+                  <a:moveTo>
+                    <a:pt x="0" y="0"/>
+                  </a:moveTo>
+                  <a:lnTo>
+                    <a:pt x="1295770" y="0"/>
+                  </a:lnTo>
+                  <a:lnTo>
+                    <a:pt x="1295770" y="0"/>
+                  </a:lnTo>
+                </a:path>
+              </a:pathLst>
+            </a:custGeom>
+            <a:ln w="6775" cap="flat">
+              <a:solidFill>
+                <a:srgbClr val="EBEBEB">
+                  <a:alpha val="100000"/>
+                </a:srgbClr>
+              </a:solidFill>
+              <a:prstDash val="solid"/>
+              <a:round/>
+            </a:ln>
+          </p:spPr>
+          <p:txBody>
+            <a:bodyPr/>
+            <a:lstStyle/>
+            <a:p/>
+          </p:txBody>
+        </p:sp>
+        <p:sp>
+          <p:nvSpPr>
+            <p:cNvPr id="49" name="pl49"/>
+            <p:cNvSpPr/>
+            <p:nvPr/>
+          </p:nvSpPr>
+          <p:spPr>
+            <a:xfrm>
+              <a:off x="6275961" y="3735052"/>
+              <a:ext cx="1295770" cy="0"/>
+            </a:xfrm>
+            <a:custGeom>
+              <a:avLst/>
+              <a:pathLst>
+                <a:path w="1295770" h="0">
+                  <a:moveTo>
+                    <a:pt x="0" y="0"/>
+                  </a:moveTo>
+                  <a:lnTo>
+                    <a:pt x="1295770" y="0"/>
+                  </a:lnTo>
+                  <a:lnTo>
+                    <a:pt x="1295770" y="0"/>
+                  </a:lnTo>
+                </a:path>
+              </a:pathLst>
+            </a:custGeom>
+            <a:ln w="6775" cap="flat">
+              <a:solidFill>
+                <a:srgbClr val="EBEBEB">
+                  <a:alpha val="100000"/>
+                </a:srgbClr>
+              </a:solidFill>
+              <a:prstDash val="solid"/>
+              <a:round/>
+            </a:ln>
+          </p:spPr>
+          <p:txBody>
+            <a:bodyPr/>
+            <a:lstStyle/>
+            <a:p/>
+          </p:txBody>
+        </p:sp>
+        <p:sp>
+          <p:nvSpPr>
+            <p:cNvPr id="50" name="pl50"/>
+            <p:cNvSpPr/>
+            <p:nvPr/>
+          </p:nvSpPr>
+          <p:spPr>
+            <a:xfrm>
+              <a:off x="6275961" y="2814019"/>
+              <a:ext cx="1295770" cy="0"/>
+            </a:xfrm>
+            <a:custGeom>
+              <a:avLst/>
+              <a:pathLst>
+                <a:path w="1295770" h="0">
+                  <a:moveTo>
+                    <a:pt x="0" y="0"/>
+                  </a:moveTo>
+                  <a:lnTo>
+                    <a:pt x="1295770" y="0"/>
+                  </a:lnTo>
+                  <a:lnTo>
+                    <a:pt x="1295770" y="0"/>
+                  </a:lnTo>
+                </a:path>
+              </a:pathLst>
+            </a:custGeom>
+            <a:ln w="6775" cap="flat">
+              <a:solidFill>
+                <a:srgbClr val="EBEBEB">
+                  <a:alpha val="100000"/>
+                </a:srgbClr>
+              </a:solidFill>
+              <a:prstDash val="solid"/>
+              <a:round/>
+            </a:ln>
+          </p:spPr>
+          <p:txBody>
+            <a:bodyPr/>
+            <a:lstStyle/>
+            <a:p/>
+          </p:txBody>
+        </p:sp>
+        <p:sp>
+          <p:nvSpPr>
+            <p:cNvPr id="51" name="pl51"/>
+            <p:cNvSpPr/>
+            <p:nvPr/>
+          </p:nvSpPr>
+          <p:spPr>
+            <a:xfrm>
+              <a:off x="6275961" y="1892987"/>
+              <a:ext cx="1295770" cy="0"/>
+            </a:xfrm>
+            <a:custGeom>
+              <a:avLst/>
+              <a:pathLst>
+                <a:path w="1295770" h="0">
+                  <a:moveTo>
+                    <a:pt x="0" y="0"/>
+                  </a:moveTo>
+                  <a:lnTo>
+                    <a:pt x="1295770" y="0"/>
+                  </a:lnTo>
+                  <a:lnTo>
+                    <a:pt x="1295770" y="0"/>
+                  </a:lnTo>
+                </a:path>
+              </a:pathLst>
+            </a:custGeom>
+            <a:ln w="6775" cap="flat">
+              <a:solidFill>
+                <a:srgbClr val="EBEBEB">
+                  <a:alpha val="100000"/>
+                </a:srgbClr>
+              </a:solidFill>
+              <a:prstDash val="solid"/>
+              <a:round/>
+            </a:ln>
+          </p:spPr>
+          <p:txBody>
+            <a:bodyPr/>
+            <a:lstStyle/>
+            <a:p/>
+          </p:txBody>
+        </p:sp>
+        <p:sp>
+          <p:nvSpPr>
+            <p:cNvPr id="52" name="pl52"/>
+            <p:cNvSpPr/>
+            <p:nvPr/>
+          </p:nvSpPr>
+          <p:spPr>
+            <a:xfrm>
+              <a:off x="6275961" y="5116600"/>
+              <a:ext cx="1295770" cy="0"/>
+            </a:xfrm>
+            <a:custGeom>
+              <a:avLst/>
+              <a:pathLst>
+                <a:path w="1295770" h="0">
+                  <a:moveTo>
+                    <a:pt x="0" y="0"/>
+                  </a:moveTo>
+                  <a:lnTo>
+                    <a:pt x="1295770" y="0"/>
+                  </a:lnTo>
+                  <a:lnTo>
+                    <a:pt x="1295770" y="0"/>
+                  </a:lnTo>
+                </a:path>
+              </a:pathLst>
+            </a:custGeom>
+            <a:ln w="13550" cap="flat">
+              <a:solidFill>
+                <a:srgbClr val="EBEBEB">
+                  <a:alpha val="100000"/>
+                </a:srgbClr>
+              </a:solidFill>
+              <a:prstDash val="solid"/>
+              <a:round/>
+            </a:ln>
+          </p:spPr>
+          <p:txBody>
+            <a:bodyPr/>
+            <a:lstStyle/>
+            <a:p/>
+          </p:txBody>
+        </p:sp>
+        <p:sp>
+          <p:nvSpPr>
+            <p:cNvPr id="53" name="pl53"/>
+            <p:cNvSpPr/>
+            <p:nvPr/>
+          </p:nvSpPr>
+          <p:spPr>
+            <a:xfrm>
+              <a:off x="6275961" y="4195568"/>
+              <a:ext cx="1295770" cy="0"/>
+            </a:xfrm>
+            <a:custGeom>
+              <a:avLst/>
+              <a:pathLst>
+                <a:path w="1295770" h="0">
+                  <a:moveTo>
+                    <a:pt x="0" y="0"/>
+                  </a:moveTo>
+                  <a:lnTo>
+                    <a:pt x="1295770" y="0"/>
+                  </a:lnTo>
+                  <a:lnTo>
+                    <a:pt x="1295770" y="0"/>
+                  </a:lnTo>
+                </a:path>
+              </a:pathLst>
+            </a:custGeom>
+            <a:ln w="13550" cap="flat">
+              <a:solidFill>
+                <a:srgbClr val="EBEBEB">
+                  <a:alpha val="100000"/>
+                </a:srgbClr>
+              </a:solidFill>
+              <a:prstDash val="solid"/>
+              <a:round/>
+            </a:ln>
+          </p:spPr>
+          <p:txBody>
+            <a:bodyPr/>
+            <a:lstStyle/>
+            <a:p/>
+          </p:txBody>
+        </p:sp>
+        <p:sp>
+          <p:nvSpPr>
+            <p:cNvPr id="54" name="pl54"/>
+            <p:cNvSpPr/>
+            <p:nvPr/>
+          </p:nvSpPr>
+          <p:spPr>
+            <a:xfrm>
+              <a:off x="6275961" y="3274535"/>
+              <a:ext cx="1295770" cy="0"/>
+            </a:xfrm>
+            <a:custGeom>
+              <a:avLst/>
+              <a:pathLst>
+                <a:path w="1295770" h="0">
+                  <a:moveTo>
+                    <a:pt x="0" y="0"/>
+                  </a:moveTo>
+                  <a:lnTo>
+                    <a:pt x="1295770" y="0"/>
+                  </a:lnTo>
+                  <a:lnTo>
+                    <a:pt x="1295770" y="0"/>
+                  </a:lnTo>
+                </a:path>
+              </a:pathLst>
+            </a:custGeom>
+            <a:ln w="13550" cap="flat">
+              <a:solidFill>
+                <a:srgbClr val="EBEBEB">
+                  <a:alpha val="100000"/>
+                </a:srgbClr>
+              </a:solidFill>
+              <a:prstDash val="solid"/>
+              <a:round/>
+            </a:ln>
+          </p:spPr>
+          <p:txBody>
+            <a:bodyPr/>
+            <a:lstStyle/>
+            <a:p/>
+          </p:txBody>
+        </p:sp>
+        <p:sp>
+          <p:nvSpPr>
+            <p:cNvPr id="55" name="pl55"/>
+            <p:cNvSpPr/>
+            <p:nvPr/>
+          </p:nvSpPr>
+          <p:spPr>
+            <a:xfrm>
+              <a:off x="6275961" y="2353503"/>
+              <a:ext cx="1295770" cy="0"/>
+            </a:xfrm>
+            <a:custGeom>
+              <a:avLst/>
+              <a:pathLst>
+                <a:path w="1295770" h="0">
+                  <a:moveTo>
+                    <a:pt x="0" y="0"/>
+                  </a:moveTo>
+                  <a:lnTo>
+                    <a:pt x="1295770" y="0"/>
+                  </a:lnTo>
+                  <a:lnTo>
+                    <a:pt x="1295770" y="0"/>
+                  </a:lnTo>
+                </a:path>
+              </a:pathLst>
+            </a:custGeom>
+            <a:ln w="13550" cap="flat">
+              <a:solidFill>
+                <a:srgbClr val="EBEBEB">
+                  <a:alpha val="100000"/>
+                </a:srgbClr>
+              </a:solidFill>
+              <a:prstDash val="solid"/>
+              <a:round/>
+            </a:ln>
+          </p:spPr>
+          <p:txBody>
+            <a:bodyPr/>
+            <a:lstStyle/>
+            <a:p/>
+          </p:txBody>
+        </p:sp>
+        <p:sp>
+          <p:nvSpPr>
+            <p:cNvPr id="56" name="pl56"/>
+            <p:cNvSpPr/>
+            <p:nvPr/>
+          </p:nvSpPr>
+          <p:spPr>
+            <a:xfrm>
+              <a:off x="6629353" y="1809173"/>
+              <a:ext cx="0" cy="3464924"/>
+            </a:xfrm>
+            <a:custGeom>
+              <a:avLst/>
+              <a:pathLst>
+                <a:path w="0" h="3464924">
+                  <a:moveTo>
+                    <a:pt x="0" y="3464924"/>
+                  </a:moveTo>
+                  <a:lnTo>
+                    <a:pt x="0" y="0"/>
+                  </a:lnTo>
+                  <a:lnTo>
+                    <a:pt x="0" y="0"/>
+                  </a:lnTo>
+                </a:path>
+              </a:pathLst>
+            </a:custGeom>
+            <a:ln w="13550" cap="flat">
+              <a:solidFill>
+                <a:srgbClr val="EBEBEB">
+                  <a:alpha val="100000"/>
+                </a:srgbClr>
+              </a:solidFill>
+              <a:prstDash val="solid"/>
+              <a:round/>
+            </a:ln>
+          </p:spPr>
+          <p:txBody>
+            <a:bodyPr/>
+            <a:lstStyle/>
+            <a:p/>
+          </p:txBody>
+        </p:sp>
+        <p:sp>
+          <p:nvSpPr>
+            <p:cNvPr id="57" name="pl57"/>
+            <p:cNvSpPr/>
+            <p:nvPr/>
+          </p:nvSpPr>
+          <p:spPr>
+            <a:xfrm>
+              <a:off x="7218340" y="1809173"/>
+              <a:ext cx="0" cy="3464924"/>
+            </a:xfrm>
+            <a:custGeom>
+              <a:avLst/>
+              <a:pathLst>
+                <a:path w="0" h="3464924">
+                  <a:moveTo>
+                    <a:pt x="0" y="3464924"/>
+                  </a:moveTo>
+                  <a:lnTo>
+                    <a:pt x="0" y="0"/>
+                  </a:lnTo>
+                  <a:lnTo>
+                    <a:pt x="0" y="0"/>
+                  </a:lnTo>
+                </a:path>
+              </a:pathLst>
+            </a:custGeom>
+            <a:ln w="13550" cap="flat">
+              <a:solidFill>
+                <a:srgbClr val="EBEBEB">
+                  <a:alpha val="100000"/>
+                </a:srgbClr>
+              </a:solidFill>
+              <a:prstDash val="solid"/>
+              <a:round/>
+            </a:ln>
+          </p:spPr>
+          <p:txBody>
+            <a:bodyPr/>
+            <a:lstStyle/>
+            <a:p/>
+          </p:txBody>
+        </p:sp>
+        <p:sp>
+          <p:nvSpPr>
+            <p:cNvPr id="58" name="rc58"/>
+            <p:cNvSpPr/>
+            <p:nvPr/>
+          </p:nvSpPr>
+          <p:spPr>
+            <a:xfrm>
+              <a:off x="6364309" y="4812660"/>
+              <a:ext cx="530088" cy="303940"/>
+            </a:xfrm>
+            <a:prstGeom prst="rect">
+              <a:avLst/>
+            </a:prstGeom>
+            <a:solidFill>
+              <a:srgbClr val="FEE0D2">
+                <a:alpha val="100000"/>
+              </a:srgbClr>
+            </a:solidFill>
+          </p:spPr>
+          <p:txBody>
+            <a:bodyPr/>
+            <a:lstStyle/>
+            <a:p/>
+          </p:txBody>
+        </p:sp>
+        <p:sp>
+          <p:nvSpPr>
+            <p:cNvPr id="59" name="rc59"/>
+            <p:cNvSpPr/>
+            <p:nvPr/>
+          </p:nvSpPr>
+          <p:spPr>
+            <a:xfrm>
+              <a:off x="6953296" y="4775818"/>
+              <a:ext cx="530088" cy="340782"/>
+            </a:xfrm>
+            <a:prstGeom prst="rect">
+              <a:avLst/>
+            </a:prstGeom>
+            <a:solidFill>
+              <a:srgbClr val="FC9272">
+                <a:alpha val="100000"/>
+              </a:srgbClr>
+            </a:solidFill>
+          </p:spPr>
+          <p:txBody>
+            <a:bodyPr/>
+            <a:lstStyle/>
+            <a:p/>
+          </p:txBody>
+        </p:sp>
+        <p:sp>
+          <p:nvSpPr>
+            <p:cNvPr id="60" name="rc60"/>
+            <p:cNvSpPr/>
+            <p:nvPr/>
+          </p:nvSpPr>
+          <p:spPr>
+            <a:xfrm>
+              <a:off x="6275961" y="1809173"/>
+              <a:ext cx="1295770" cy="3464924"/>
+            </a:xfrm>
+            <a:prstGeom prst="rect">
+              <a:avLst/>
+            </a:prstGeom>
+            <a:ln w="13550" cap="rnd">
+              <a:solidFill>
+                <a:srgbClr val="333333">
+                  <a:alpha val="100000"/>
+                </a:srgbClr>
+              </a:solidFill>
+              <a:prstDash val="solid"/>
+              <a:round/>
+            </a:ln>
+          </p:spPr>
+          <p:txBody>
+            <a:bodyPr/>
+            <a:lstStyle/>
+            <a:p/>
+          </p:txBody>
+        </p:sp>
+        <p:sp>
+          <p:nvSpPr>
+            <p:cNvPr id="61" name="rc61"/>
+            <p:cNvSpPr/>
+            <p:nvPr/>
+          </p:nvSpPr>
+          <p:spPr>
+            <a:xfrm>
+              <a:off x="7641321" y="1809173"/>
+              <a:ext cx="1295770" cy="3464924"/>
+            </a:xfrm>
+            <a:prstGeom prst="rect">
+              <a:avLst/>
+            </a:prstGeom>
+            <a:solidFill>
+              <a:srgbClr val="FFFFFF">
+                <a:alpha val="100000"/>
+              </a:srgbClr>
+            </a:solidFill>
+          </p:spPr>
+          <p:txBody>
+            <a:bodyPr/>
+            <a:lstStyle/>
+            <a:p/>
+          </p:txBody>
+        </p:sp>
+        <p:sp>
+          <p:nvSpPr>
+            <p:cNvPr id="62" name="pl62"/>
+            <p:cNvSpPr/>
+            <p:nvPr/>
+          </p:nvSpPr>
+          <p:spPr>
+            <a:xfrm>
+              <a:off x="7641321" y="4656084"/>
+              <a:ext cx="1295770" cy="0"/>
+            </a:xfrm>
+            <a:custGeom>
+              <a:avLst/>
+              <a:pathLst>
+                <a:path w="1295770" h="0">
+                  <a:moveTo>
+                    <a:pt x="0" y="0"/>
+                  </a:moveTo>
+                  <a:lnTo>
+                    <a:pt x="1295770" y="0"/>
+                  </a:lnTo>
+                  <a:lnTo>
+                    <a:pt x="1295770" y="0"/>
+                  </a:lnTo>
+                </a:path>
+              </a:pathLst>
+            </a:custGeom>
+            <a:ln w="6775" cap="flat">
+              <a:solidFill>
+                <a:srgbClr val="EBEBEB">
+                  <a:alpha val="100000"/>
+                </a:srgbClr>
+              </a:solidFill>
+              <a:prstDash val="solid"/>
+              <a:round/>
+            </a:ln>
+          </p:spPr>
+          <p:txBody>
+            <a:bodyPr/>
+            <a:lstStyle/>
+            <a:p/>
+          </p:txBody>
+        </p:sp>
+        <p:sp>
+          <p:nvSpPr>
+            <p:cNvPr id="63" name="pl63"/>
+            <p:cNvSpPr/>
+            <p:nvPr/>
+          </p:nvSpPr>
+          <p:spPr>
+            <a:xfrm>
+              <a:off x="7641321" y="3735052"/>
+              <a:ext cx="1295770" cy="0"/>
+            </a:xfrm>
+            <a:custGeom>
+              <a:avLst/>
+              <a:pathLst>
+                <a:path w="1295770" h="0">
+                  <a:moveTo>
+                    <a:pt x="0" y="0"/>
+                  </a:moveTo>
+                  <a:lnTo>
+                    <a:pt x="1295770" y="0"/>
+                  </a:lnTo>
+                  <a:lnTo>
+                    <a:pt x="1295770" y="0"/>
+                  </a:lnTo>
+                </a:path>
+              </a:pathLst>
+            </a:custGeom>
+            <a:ln w="6775" cap="flat">
+              <a:solidFill>
+                <a:srgbClr val="EBEBEB">
+                  <a:alpha val="100000"/>
+                </a:srgbClr>
+              </a:solidFill>
+              <a:prstDash val="solid"/>
+              <a:round/>
+            </a:ln>
+          </p:spPr>
+          <p:txBody>
+            <a:bodyPr/>
+            <a:lstStyle/>
+            <a:p/>
+          </p:txBody>
+        </p:sp>
+        <p:sp>
+          <p:nvSpPr>
+            <p:cNvPr id="64" name="pl64"/>
+            <p:cNvSpPr/>
+            <p:nvPr/>
+          </p:nvSpPr>
+          <p:spPr>
+            <a:xfrm>
+              <a:off x="7641321" y="2814019"/>
+              <a:ext cx="1295770" cy="0"/>
+            </a:xfrm>
+            <a:custGeom>
+              <a:avLst/>
+              <a:pathLst>
+                <a:path w="1295770" h="0">
+                  <a:moveTo>
+                    <a:pt x="0" y="0"/>
+                  </a:moveTo>
+                  <a:lnTo>
+                    <a:pt x="1295770" y="0"/>
+                  </a:lnTo>
+                  <a:lnTo>
+                    <a:pt x="1295770" y="0"/>
+                  </a:lnTo>
+                </a:path>
+              </a:pathLst>
+            </a:custGeom>
+            <a:ln w="6775" cap="flat">
+              <a:solidFill>
+                <a:srgbClr val="EBEBEB">
+                  <a:alpha val="100000"/>
+                </a:srgbClr>
+              </a:solidFill>
+              <a:prstDash val="solid"/>
+              <a:round/>
+            </a:ln>
+          </p:spPr>
+          <p:txBody>
+            <a:bodyPr/>
+            <a:lstStyle/>
+            <a:p/>
+          </p:txBody>
+        </p:sp>
+        <p:sp>
+          <p:nvSpPr>
+            <p:cNvPr id="65" name="pl65"/>
+            <p:cNvSpPr/>
+            <p:nvPr/>
+          </p:nvSpPr>
+          <p:spPr>
+            <a:xfrm>
+              <a:off x="7641321" y="1892987"/>
+              <a:ext cx="1295770" cy="0"/>
+            </a:xfrm>
+            <a:custGeom>
+              <a:avLst/>
+              <a:pathLst>
+                <a:path w="1295770" h="0">
+                  <a:moveTo>
+                    <a:pt x="0" y="0"/>
+                  </a:moveTo>
+                  <a:lnTo>
+                    <a:pt x="1295770" y="0"/>
+                  </a:lnTo>
+                  <a:lnTo>
+                    <a:pt x="1295770" y="0"/>
+                  </a:lnTo>
+                </a:path>
+              </a:pathLst>
+            </a:custGeom>
+            <a:ln w="6775" cap="flat">
+              <a:solidFill>
+                <a:srgbClr val="EBEBEB">
+                  <a:alpha val="100000"/>
+                </a:srgbClr>
+              </a:solidFill>
+              <a:prstDash val="solid"/>
+              <a:round/>
+            </a:ln>
+          </p:spPr>
+          <p:txBody>
+            <a:bodyPr/>
+            <a:lstStyle/>
+            <a:p/>
+          </p:txBody>
+        </p:sp>
+        <p:sp>
+          <p:nvSpPr>
+            <p:cNvPr id="66" name="pl66"/>
+            <p:cNvSpPr/>
+            <p:nvPr/>
+          </p:nvSpPr>
+          <p:spPr>
+            <a:xfrm>
+              <a:off x="7641321" y="5116600"/>
+              <a:ext cx="1295770" cy="0"/>
+            </a:xfrm>
+            <a:custGeom>
+              <a:avLst/>
+              <a:pathLst>
+                <a:path w="1295770" h="0">
+                  <a:moveTo>
+                    <a:pt x="0" y="0"/>
+                  </a:moveTo>
+                  <a:lnTo>
+                    <a:pt x="1295770" y="0"/>
+                  </a:lnTo>
+                  <a:lnTo>
+                    <a:pt x="1295770" y="0"/>
+                  </a:lnTo>
+                </a:path>
+              </a:pathLst>
+            </a:custGeom>
+            <a:ln w="13550" cap="flat">
+              <a:solidFill>
+                <a:srgbClr val="EBEBEB">
+                  <a:alpha val="100000"/>
+                </a:srgbClr>
+              </a:solidFill>
+              <a:prstDash val="solid"/>
+              <a:round/>
+            </a:ln>
+          </p:spPr>
+          <p:txBody>
+            <a:bodyPr/>
+            <a:lstStyle/>
+            <a:p/>
+          </p:txBody>
+        </p:sp>
+        <p:sp>
+          <p:nvSpPr>
+            <p:cNvPr id="67" name="pl67"/>
+            <p:cNvSpPr/>
+            <p:nvPr/>
+          </p:nvSpPr>
+          <p:spPr>
+            <a:xfrm>
+              <a:off x="7641321" y="4195568"/>
+              <a:ext cx="1295770" cy="0"/>
+            </a:xfrm>
+            <a:custGeom>
+              <a:avLst/>
+              <a:pathLst>
+                <a:path w="1295770" h="0">
+                  <a:moveTo>
+                    <a:pt x="0" y="0"/>
+                  </a:moveTo>
+                  <a:lnTo>
+                    <a:pt x="1295770" y="0"/>
+                  </a:lnTo>
+                  <a:lnTo>
+                    <a:pt x="1295770" y="0"/>
+                  </a:lnTo>
+                </a:path>
+              </a:pathLst>
+            </a:custGeom>
+            <a:ln w="13550" cap="flat">
+              <a:solidFill>
+                <a:srgbClr val="EBEBEB">
+                  <a:alpha val="100000"/>
+                </a:srgbClr>
+              </a:solidFill>
+              <a:prstDash val="solid"/>
+              <a:round/>
+            </a:ln>
+          </p:spPr>
+          <p:txBody>
+            <a:bodyPr/>
+            <a:lstStyle/>
+            <a:p/>
+          </p:txBody>
+        </p:sp>
+        <p:sp>
+          <p:nvSpPr>
+            <p:cNvPr id="68" name="pl68"/>
+            <p:cNvSpPr/>
+            <p:nvPr/>
+          </p:nvSpPr>
+          <p:spPr>
+            <a:xfrm>
+              <a:off x="7641321" y="3274535"/>
+              <a:ext cx="1295770" cy="0"/>
+            </a:xfrm>
+            <a:custGeom>
+              <a:avLst/>
+              <a:pathLst>
+                <a:path w="1295770" h="0">
+                  <a:moveTo>
+                    <a:pt x="0" y="0"/>
+                  </a:moveTo>
+                  <a:lnTo>
+                    <a:pt x="1295770" y="0"/>
+                  </a:lnTo>
+                  <a:lnTo>
+                    <a:pt x="1295770" y="0"/>
+                  </a:lnTo>
+                </a:path>
+              </a:pathLst>
+            </a:custGeom>
+            <a:ln w="13550" cap="flat">
+              <a:solidFill>
+                <a:srgbClr val="EBEBEB">
+                  <a:alpha val="100000"/>
+                </a:srgbClr>
+              </a:solidFill>
+              <a:prstDash val="solid"/>
+              <a:round/>
+            </a:ln>
+          </p:spPr>
+          <p:txBody>
+            <a:bodyPr/>
+            <a:lstStyle/>
+            <a:p/>
+          </p:txBody>
+        </p:sp>
+        <p:sp>
+          <p:nvSpPr>
+            <p:cNvPr id="69" name="pl69"/>
+            <p:cNvSpPr/>
+            <p:nvPr/>
+          </p:nvSpPr>
+          <p:spPr>
+            <a:xfrm>
+              <a:off x="7641321" y="2353503"/>
+              <a:ext cx="1295770" cy="0"/>
+            </a:xfrm>
+            <a:custGeom>
+              <a:avLst/>
+              <a:pathLst>
+                <a:path w="1295770" h="0">
+                  <a:moveTo>
+                    <a:pt x="0" y="0"/>
+                  </a:moveTo>
+                  <a:lnTo>
+                    <a:pt x="1295770" y="0"/>
+                  </a:lnTo>
+                  <a:lnTo>
+                    <a:pt x="1295770" y="0"/>
+                  </a:lnTo>
+                </a:path>
+              </a:pathLst>
+            </a:custGeom>
+            <a:ln w="13550" cap="flat">
+              <a:solidFill>
+                <a:srgbClr val="EBEBEB">
+                  <a:alpha val="100000"/>
+                </a:srgbClr>
+              </a:solidFill>
+              <a:prstDash val="solid"/>
+              <a:round/>
+            </a:ln>
+          </p:spPr>
+          <p:txBody>
+            <a:bodyPr/>
+            <a:lstStyle/>
+            <a:p/>
+          </p:txBody>
+        </p:sp>
+        <p:sp>
+          <p:nvSpPr>
+            <p:cNvPr id="70" name="pl70"/>
+            <p:cNvSpPr/>
+            <p:nvPr/>
+          </p:nvSpPr>
+          <p:spPr>
+            <a:xfrm>
+              <a:off x="7994713" y="1809173"/>
+              <a:ext cx="0" cy="3464924"/>
+            </a:xfrm>
+            <a:custGeom>
+              <a:avLst/>
+              <a:pathLst>
+                <a:path w="0" h="3464924">
+                  <a:moveTo>
+                    <a:pt x="0" y="3464924"/>
+                  </a:moveTo>
+                  <a:lnTo>
+                    <a:pt x="0" y="0"/>
+                  </a:lnTo>
+                  <a:lnTo>
+                    <a:pt x="0" y="0"/>
+                  </a:lnTo>
+                </a:path>
+              </a:pathLst>
+            </a:custGeom>
+            <a:ln w="13550" cap="flat">
+              <a:solidFill>
+                <a:srgbClr val="EBEBEB">
+                  <a:alpha val="100000"/>
+                </a:srgbClr>
+              </a:solidFill>
+              <a:prstDash val="solid"/>
+              <a:round/>
+            </a:ln>
+          </p:spPr>
+          <p:txBody>
+            <a:bodyPr/>
+            <a:lstStyle/>
+            <a:p/>
+          </p:txBody>
+        </p:sp>
+        <p:sp>
+          <p:nvSpPr>
+            <p:cNvPr id="71" name="pl71"/>
+            <p:cNvSpPr/>
+            <p:nvPr/>
+          </p:nvSpPr>
+          <p:spPr>
+            <a:xfrm>
+              <a:off x="8583700" y="1809173"/>
+              <a:ext cx="0" cy="3464924"/>
+            </a:xfrm>
+            <a:custGeom>
+              <a:avLst/>
+              <a:pathLst>
+                <a:path w="0" h="3464924">
+                  <a:moveTo>
+                    <a:pt x="0" y="3464924"/>
+                  </a:moveTo>
+                  <a:lnTo>
+                    <a:pt x="0" y="0"/>
+                  </a:lnTo>
+                  <a:lnTo>
+                    <a:pt x="0" y="0"/>
+                  </a:lnTo>
+                </a:path>
+              </a:pathLst>
+            </a:custGeom>
+            <a:ln w="13550" cap="flat">
+              <a:solidFill>
+                <a:srgbClr val="EBEBEB">
+                  <a:alpha val="100000"/>
+                </a:srgbClr>
+              </a:solidFill>
+              <a:prstDash val="solid"/>
+              <a:round/>
+            </a:ln>
+          </p:spPr>
+          <p:txBody>
+            <a:bodyPr/>
+            <a:lstStyle/>
+            <a:p/>
+          </p:txBody>
+        </p:sp>
+        <p:sp>
+          <p:nvSpPr>
+            <p:cNvPr id="72" name="rc72"/>
+            <p:cNvSpPr/>
+            <p:nvPr/>
+          </p:nvSpPr>
+          <p:spPr>
+            <a:xfrm>
+              <a:off x="7729669" y="4379774"/>
+              <a:ext cx="530088" cy="736826"/>
+            </a:xfrm>
+            <a:prstGeom prst="rect">
+              <a:avLst/>
+            </a:prstGeom>
+            <a:solidFill>
+              <a:srgbClr val="FEE0D2">
+                <a:alpha val="100000"/>
+              </a:srgbClr>
+            </a:solidFill>
+          </p:spPr>
+          <p:txBody>
+            <a:bodyPr/>
+            <a:lstStyle/>
+            <a:p/>
+          </p:txBody>
+        </p:sp>
+        <p:sp>
+          <p:nvSpPr>
+            <p:cNvPr id="73" name="rc73"/>
+            <p:cNvSpPr/>
+            <p:nvPr/>
+          </p:nvSpPr>
+          <p:spPr>
+            <a:xfrm>
+              <a:off x="8318656" y="4950815"/>
+              <a:ext cx="530088" cy="165785"/>
+            </a:xfrm>
+            <a:prstGeom prst="rect">
+              <a:avLst/>
+            </a:prstGeom>
+            <a:solidFill>
+              <a:srgbClr val="FC9272">
+                <a:alpha val="100000"/>
+              </a:srgbClr>
+            </a:solidFill>
+          </p:spPr>
+          <p:txBody>
+            <a:bodyPr/>
+            <a:lstStyle/>
+            <a:p/>
+          </p:txBody>
+        </p:sp>
+        <p:sp>
+          <p:nvSpPr>
+            <p:cNvPr id="74" name="rc74"/>
+            <p:cNvSpPr/>
+            <p:nvPr/>
+          </p:nvSpPr>
+          <p:spPr>
+            <a:xfrm>
+              <a:off x="7641321" y="1809173"/>
+              <a:ext cx="1295770" cy="3464924"/>
+            </a:xfrm>
+            <a:prstGeom prst="rect">
+              <a:avLst/>
+            </a:prstGeom>
+            <a:ln w="13550" cap="rnd">
+              <a:solidFill>
+                <a:srgbClr val="333333">
+                  <a:alpha val="100000"/>
+                </a:srgbClr>
+              </a:solidFill>
+              <a:prstDash val="solid"/>
+              <a:round/>
+            </a:ln>
+          </p:spPr>
+          <p:txBody>
+            <a:bodyPr/>
+            <a:lstStyle/>
+            <a:p/>
+          </p:txBody>
+        </p:sp>
+        <p:sp>
+          <p:nvSpPr>
+            <p:cNvPr id="75" name="rc75"/>
+            <p:cNvSpPr/>
+            <p:nvPr/>
+          </p:nvSpPr>
+          <p:spPr>
+            <a:xfrm>
+              <a:off x="2179881" y="1590617"/>
+              <a:ext cx="1295770" cy="218555"/>
+            </a:xfrm>
+            <a:prstGeom prst="rect">
+              <a:avLst/>
+            </a:prstGeom>
+            <a:solidFill>
+              <a:srgbClr val="D9D9D9">
+                <a:alpha val="100000"/>
+              </a:srgbClr>
+            </a:solidFill>
+            <a:ln w="13550" cap="rnd">
+              <a:solidFill>
+                <a:srgbClr val="333333">
+                  <a:alpha val="100000"/>
+                </a:srgbClr>
+              </a:solidFill>
+              <a:prstDash val="solid"/>
+              <a:round/>
+            </a:ln>
+          </p:spPr>
+          <p:txBody>
+            <a:bodyPr/>
+            <a:lstStyle/>
+            <a:p/>
+          </p:txBody>
+        </p:sp>
+        <p:sp>
+          <p:nvSpPr>
+            <p:cNvPr id="76" name="tx76"/>
+            <p:cNvSpPr/>
+            <p:nvPr/>
+          </p:nvSpPr>
+          <p:spPr>
+            <a:xfrm>
+              <a:off x="2618217" y="1670045"/>
+              <a:ext cx="419100" cy="69850"/>
             </a:xfrm>
             <a:prstGeom prst="rect">
               <a:avLst/>
@@ -4365,7 +5931,7 @@
             <a:p>
               <a:pPr algn="l" marL="0" marR="0" indent="0">
                 <a:lnSpc>
-                  <a:spcPts val="1138"/>
+                  <a:spcPts val="880"/>
                 </a:lnSpc>
                 <a:spcBef>
                   <a:spcPts val="0"/>
@@ -4375,30 +5941,65 @@
                 </a:spcAft>
               </a:pPr>
               <a:r>
-                <a:rPr sz="1138">
+                <a:rPr sz="880">
                   <a:solidFill>
-                    <a:srgbClr val="FFFFFF">
+                    <a:srgbClr val="1A1A1A">
                       <a:alpha val="100000"/>
                     </a:srgbClr>
                   </a:solidFill>
                   <a:latin typeface="Arial"/>
                   <a:cs typeface="Arial"/>
                 </a:rPr>
-                <a:t>1.8%</a:t>
+                <a:t>基础研究者</a:t>
               </a:r>
             </a:p>
           </p:txBody>
         </p:sp>
         <p:sp>
           <p:nvSpPr>
-            <p:cNvPr id="8" name="tx8"/>
-            <p:cNvSpPr/>
-            <p:nvPr/>
-          </p:nvSpPr>
-          <p:spPr>
-            <a:xfrm>
-              <a:off x="4980272" y="3516378"/>
-              <a:ext cx="409835" cy="109040"/>
+            <p:cNvPr id="77" name="rc77"/>
+            <p:cNvSpPr/>
+            <p:nvPr/>
+          </p:nvSpPr>
+          <p:spPr>
+            <a:xfrm>
+              <a:off x="3545241" y="1590617"/>
+              <a:ext cx="1295770" cy="218555"/>
+            </a:xfrm>
+            <a:prstGeom prst="rect">
+              <a:avLst/>
+            </a:prstGeom>
+            <a:solidFill>
+              <a:srgbClr val="D9D9D9">
+                <a:alpha val="100000"/>
+              </a:srgbClr>
+            </a:solidFill>
+            <a:ln w="13550" cap="rnd">
+              <a:solidFill>
+                <a:srgbClr val="333333">
+                  <a:alpha val="100000"/>
+                </a:srgbClr>
+              </a:solidFill>
+              <a:prstDash val="solid"/>
+              <a:round/>
+            </a:ln>
+          </p:spPr>
+          <p:txBody>
+            <a:bodyPr/>
+            <a:lstStyle/>
+            <a:p/>
+          </p:txBody>
+        </p:sp>
+        <p:sp>
+          <p:nvSpPr>
+            <p:cNvPr id="78" name="tx78"/>
+            <p:cNvSpPr/>
+            <p:nvPr/>
+          </p:nvSpPr>
+          <p:spPr>
+            <a:xfrm>
+              <a:off x="4025487" y="1670045"/>
+              <a:ext cx="335280" cy="69850"/>
             </a:xfrm>
             <a:prstGeom prst="rect">
               <a:avLst/>
@@ -4411,7 +6012,7 @@
             <a:p>
               <a:pPr algn="l" marL="0" marR="0" indent="0">
                 <a:lnSpc>
-                  <a:spcPts val="1138"/>
+                  <a:spcPts val="880"/>
                 </a:lnSpc>
                 <a:spcBef>
                   <a:spcPts val="0"/>
@@ -4421,30 +6022,65 @@
                 </a:spcAft>
               </a:pPr>
               <a:r>
-                <a:rPr sz="1138">
+                <a:rPr sz="880">
                   <a:solidFill>
-                    <a:srgbClr val="FFFFFF">
+                    <a:srgbClr val="1A1A1A">
                       <a:alpha val="100000"/>
                     </a:srgbClr>
                   </a:solidFill>
                   <a:latin typeface="Arial"/>
                   <a:cs typeface="Arial"/>
                 </a:rPr>
-                <a:t>39.1%</a:t>
+                <a:t>临床医生</a:t>
               </a:r>
             </a:p>
           </p:txBody>
         </p:sp>
         <p:sp>
           <p:nvSpPr>
-            <p:cNvPr id="9" name="tx9"/>
-            <p:cNvSpPr/>
-            <p:nvPr/>
-          </p:nvSpPr>
-          <p:spPr>
-            <a:xfrm>
-              <a:off x="3291768" y="3973708"/>
-              <a:ext cx="289291" cy="109040"/>
+            <p:cNvPr id="79" name="rc79"/>
+            <p:cNvSpPr/>
+            <p:nvPr/>
+          </p:nvSpPr>
+          <p:spPr>
+            <a:xfrm>
+              <a:off x="4910601" y="1590617"/>
+              <a:ext cx="1295770" cy="218555"/>
+            </a:xfrm>
+            <a:prstGeom prst="rect">
+              <a:avLst/>
+            </a:prstGeom>
+            <a:solidFill>
+              <a:srgbClr val="D9D9D9">
+                <a:alpha val="100000"/>
+              </a:srgbClr>
+            </a:solidFill>
+            <a:ln w="13550" cap="rnd">
+              <a:solidFill>
+                <a:srgbClr val="333333">
+                  <a:alpha val="100000"/>
+                </a:srgbClr>
+              </a:solidFill>
+              <a:prstDash val="solid"/>
+              <a:round/>
+            </a:ln>
+          </p:spPr>
+          <p:txBody>
+            <a:bodyPr/>
+            <a:lstStyle/>
+            <a:p/>
+          </p:txBody>
+        </p:sp>
+        <p:sp>
+          <p:nvSpPr>
+            <p:cNvPr id="80" name="tx80"/>
+            <p:cNvSpPr/>
+            <p:nvPr/>
+          </p:nvSpPr>
+          <p:spPr>
+            <a:xfrm>
+              <a:off x="5348937" y="1670045"/>
+              <a:ext cx="419100" cy="69850"/>
             </a:xfrm>
             <a:prstGeom prst="rect">
               <a:avLst/>
@@ -4457,7 +6093,7 @@
             <a:p>
               <a:pPr algn="l" marL="0" marR="0" indent="0">
                 <a:lnSpc>
-                  <a:spcPts val="1138"/>
+                  <a:spcPts val="880"/>
                 </a:lnSpc>
                 <a:spcBef>
                   <a:spcPts val="0"/>
@@ -4467,30 +6103,65 @@
                 </a:spcAft>
               </a:pPr>
               <a:r>
-                <a:rPr sz="1138">
+                <a:rPr sz="880">
                   <a:solidFill>
-                    <a:srgbClr val="FFFFFF">
+                    <a:srgbClr val="1A1A1A">
                       <a:alpha val="100000"/>
                     </a:srgbClr>
                   </a:solidFill>
                   <a:latin typeface="Arial"/>
                   <a:cs typeface="Arial"/>
                 </a:rPr>
-                <a:t>59%</a:t>
+                <a:t>企业管理者</a:t>
               </a:r>
             </a:p>
           </p:txBody>
         </p:sp>
         <p:sp>
           <p:nvSpPr>
-            <p:cNvPr id="10" name="tx10"/>
-            <p:cNvSpPr/>
-            <p:nvPr/>
-          </p:nvSpPr>
-          <p:spPr>
-            <a:xfrm>
-              <a:off x="4188751" y="2814105"/>
-              <a:ext cx="329449" cy="109040"/>
+            <p:cNvPr id="81" name="rc81"/>
+            <p:cNvSpPr/>
+            <p:nvPr/>
+          </p:nvSpPr>
+          <p:spPr>
+            <a:xfrm>
+              <a:off x="6275961" y="1590617"/>
+              <a:ext cx="1295770" cy="218555"/>
+            </a:xfrm>
+            <a:prstGeom prst="rect">
+              <a:avLst/>
+            </a:prstGeom>
+            <a:solidFill>
+              <a:srgbClr val="D9D9D9">
+                <a:alpha val="100000"/>
+              </a:srgbClr>
+            </a:solidFill>
+            <a:ln w="13550" cap="rnd">
+              <a:solidFill>
+                <a:srgbClr val="333333">
+                  <a:alpha val="100000"/>
+                </a:srgbClr>
+              </a:solidFill>
+              <a:prstDash val="solid"/>
+              <a:round/>
+            </a:ln>
+          </p:spPr>
+          <p:txBody>
+            <a:bodyPr/>
+            <a:lstStyle/>
+            <a:p/>
+          </p:txBody>
+        </p:sp>
+        <p:sp>
+          <p:nvSpPr>
+            <p:cNvPr id="82" name="tx82"/>
+            <p:cNvSpPr/>
+            <p:nvPr/>
+          </p:nvSpPr>
+          <p:spPr>
+            <a:xfrm>
+              <a:off x="6672387" y="1670045"/>
+              <a:ext cx="502920" cy="69850"/>
             </a:xfrm>
             <a:prstGeom prst="rect">
               <a:avLst/>
@@ -4503,7 +6174,7 @@
             <a:p>
               <a:pPr algn="l" marL="0" marR="0" indent="0">
                 <a:lnSpc>
-                  <a:spcPts val="1138"/>
+                  <a:spcPts val="880"/>
                 </a:lnSpc>
                 <a:spcBef>
                   <a:spcPts val="0"/>
@@ -4513,30 +6184,65 @@
                 </a:spcAft>
               </a:pPr>
               <a:r>
-                <a:rPr sz="1138">
+                <a:rPr sz="880">
                   <a:solidFill>
-                    <a:srgbClr val="FFFFFF">
+                    <a:srgbClr val="1A1A1A">
                       <a:alpha val="100000"/>
                     </a:srgbClr>
                   </a:solidFill>
                   <a:latin typeface="Arial"/>
                   <a:cs typeface="Arial"/>
                 </a:rPr>
-                <a:t>1.8%</a:t>
+                <a:t>企业研发人员</a:t>
               </a:r>
             </a:p>
           </p:txBody>
         </p:sp>
         <p:sp>
           <p:nvSpPr>
-            <p:cNvPr id="11" name="tx11"/>
-            <p:cNvSpPr/>
-            <p:nvPr/>
-          </p:nvSpPr>
-          <p:spPr>
-            <a:xfrm>
-              <a:off x="4978029" y="3513022"/>
-              <a:ext cx="409835" cy="109040"/>
+            <p:cNvPr id="83" name="rc83"/>
+            <p:cNvSpPr/>
+            <p:nvPr/>
+          </p:nvSpPr>
+          <p:spPr>
+            <a:xfrm>
+              <a:off x="7641321" y="1590617"/>
+              <a:ext cx="1295770" cy="218555"/>
+            </a:xfrm>
+            <a:prstGeom prst="rect">
+              <a:avLst/>
+            </a:prstGeom>
+            <a:solidFill>
+              <a:srgbClr val="D9D9D9">
+                <a:alpha val="100000"/>
+              </a:srgbClr>
+            </a:solidFill>
+            <a:ln w="13550" cap="rnd">
+              <a:solidFill>
+                <a:srgbClr val="333333">
+                  <a:alpha val="100000"/>
+                </a:srgbClr>
+              </a:solidFill>
+              <a:prstDash val="solid"/>
+              <a:round/>
+            </a:ln>
+          </p:spPr>
+          <p:txBody>
+            <a:bodyPr/>
+            <a:lstStyle/>
+            <a:p/>
+          </p:txBody>
+        </p:sp>
+        <p:sp>
+          <p:nvSpPr>
+            <p:cNvPr id="84" name="tx84"/>
+            <p:cNvSpPr/>
+            <p:nvPr/>
+          </p:nvSpPr>
+          <p:spPr>
+            <a:xfrm>
+              <a:off x="8205386" y="1670045"/>
+              <a:ext cx="167640" cy="69850"/>
             </a:xfrm>
             <a:prstGeom prst="rect">
               <a:avLst/>
@@ -4549,7 +6255,7 @@
             <a:p>
               <a:pPr algn="l" marL="0" marR="0" indent="0">
                 <a:lnSpc>
-                  <a:spcPts val="1138"/>
+                  <a:spcPts val="880"/>
                 </a:lnSpc>
                 <a:spcBef>
                   <a:spcPts val="0"/>
@@ -4559,30 +6265,430 @@
                 </a:spcAft>
               </a:pPr>
               <a:r>
-                <a:rPr sz="1138">
+                <a:rPr sz="880">
                   <a:solidFill>
-                    <a:srgbClr val="FFFFFF">
+                    <a:srgbClr val="1A1A1A">
                       <a:alpha val="100000"/>
                     </a:srgbClr>
                   </a:solidFill>
                   <a:latin typeface="Arial"/>
                   <a:cs typeface="Arial"/>
                 </a:rPr>
-                <a:t>39.1%</a:t>
+                <a:t>其他</a:t>
               </a:r>
             </a:p>
           </p:txBody>
         </p:sp>
         <p:sp>
           <p:nvSpPr>
-            <p:cNvPr id="12" name="tx12"/>
-            <p:cNvSpPr/>
-            <p:nvPr/>
-          </p:nvSpPr>
-          <p:spPr>
-            <a:xfrm>
-              <a:off x="3289526" y="3970351"/>
-              <a:ext cx="289291" cy="109040"/>
+            <p:cNvPr id="85" name="pl85"/>
+            <p:cNvSpPr/>
+            <p:nvPr/>
+          </p:nvSpPr>
+          <p:spPr>
+            <a:xfrm>
+              <a:off x="2533273" y="5274097"/>
+              <a:ext cx="0" cy="34794"/>
+            </a:xfrm>
+            <a:custGeom>
+              <a:avLst/>
+              <a:pathLst>
+                <a:path w="0" h="34794">
+                  <a:moveTo>
+                    <a:pt x="0" y="34794"/>
+                  </a:moveTo>
+                  <a:lnTo>
+                    <a:pt x="0" y="0"/>
+                  </a:lnTo>
+                </a:path>
+              </a:pathLst>
+            </a:custGeom>
+            <a:ln w="13550" cap="flat">
+              <a:solidFill>
+                <a:srgbClr val="333333">
+                  <a:alpha val="100000"/>
+                </a:srgbClr>
+              </a:solidFill>
+              <a:prstDash val="solid"/>
+              <a:round/>
+            </a:ln>
+          </p:spPr>
+          <p:txBody>
+            <a:bodyPr/>
+            <a:lstStyle/>
+            <a:p/>
+          </p:txBody>
+        </p:sp>
+        <p:sp>
+          <p:nvSpPr>
+            <p:cNvPr id="86" name="pl86"/>
+            <p:cNvSpPr/>
+            <p:nvPr/>
+          </p:nvSpPr>
+          <p:spPr>
+            <a:xfrm>
+              <a:off x="3122260" y="5274097"/>
+              <a:ext cx="0" cy="34794"/>
+            </a:xfrm>
+            <a:custGeom>
+              <a:avLst/>
+              <a:pathLst>
+                <a:path w="0" h="34794">
+                  <a:moveTo>
+                    <a:pt x="0" y="34794"/>
+                  </a:moveTo>
+                  <a:lnTo>
+                    <a:pt x="0" y="0"/>
+                  </a:lnTo>
+                </a:path>
+              </a:pathLst>
+            </a:custGeom>
+            <a:ln w="13550" cap="flat">
+              <a:solidFill>
+                <a:srgbClr val="333333">
+                  <a:alpha val="100000"/>
+                </a:srgbClr>
+              </a:solidFill>
+              <a:prstDash val="solid"/>
+              <a:round/>
+            </a:ln>
+          </p:spPr>
+          <p:txBody>
+            <a:bodyPr/>
+            <a:lstStyle/>
+            <a:p/>
+          </p:txBody>
+        </p:sp>
+        <p:sp>
+          <p:nvSpPr>
+            <p:cNvPr id="87" name="pl87"/>
+            <p:cNvSpPr/>
+            <p:nvPr/>
+          </p:nvSpPr>
+          <p:spPr>
+            <a:xfrm>
+              <a:off x="3898633" y="5274097"/>
+              <a:ext cx="0" cy="34794"/>
+            </a:xfrm>
+            <a:custGeom>
+              <a:avLst/>
+              <a:pathLst>
+                <a:path w="0" h="34794">
+                  <a:moveTo>
+                    <a:pt x="0" y="34794"/>
+                  </a:moveTo>
+                  <a:lnTo>
+                    <a:pt x="0" y="0"/>
+                  </a:lnTo>
+                </a:path>
+              </a:pathLst>
+            </a:custGeom>
+            <a:ln w="13550" cap="flat">
+              <a:solidFill>
+                <a:srgbClr val="333333">
+                  <a:alpha val="100000"/>
+                </a:srgbClr>
+              </a:solidFill>
+              <a:prstDash val="solid"/>
+              <a:round/>
+            </a:ln>
+          </p:spPr>
+          <p:txBody>
+            <a:bodyPr/>
+            <a:lstStyle/>
+            <a:p/>
+          </p:txBody>
+        </p:sp>
+        <p:sp>
+          <p:nvSpPr>
+            <p:cNvPr id="88" name="pl88"/>
+            <p:cNvSpPr/>
+            <p:nvPr/>
+          </p:nvSpPr>
+          <p:spPr>
+            <a:xfrm>
+              <a:off x="4487620" y="5274097"/>
+              <a:ext cx="0" cy="34794"/>
+            </a:xfrm>
+            <a:custGeom>
+              <a:avLst/>
+              <a:pathLst>
+                <a:path w="0" h="34794">
+                  <a:moveTo>
+                    <a:pt x="0" y="34794"/>
+                  </a:moveTo>
+                  <a:lnTo>
+                    <a:pt x="0" y="0"/>
+                  </a:lnTo>
+                </a:path>
+              </a:pathLst>
+            </a:custGeom>
+            <a:ln w="13550" cap="flat">
+              <a:solidFill>
+                <a:srgbClr val="333333">
+                  <a:alpha val="100000"/>
+                </a:srgbClr>
+              </a:solidFill>
+              <a:prstDash val="solid"/>
+              <a:round/>
+            </a:ln>
+          </p:spPr>
+          <p:txBody>
+            <a:bodyPr/>
+            <a:lstStyle/>
+            <a:p/>
+          </p:txBody>
+        </p:sp>
+        <p:sp>
+          <p:nvSpPr>
+            <p:cNvPr id="89" name="pl89"/>
+            <p:cNvSpPr/>
+            <p:nvPr/>
+          </p:nvSpPr>
+          <p:spPr>
+            <a:xfrm>
+              <a:off x="5263993" y="5274097"/>
+              <a:ext cx="0" cy="34794"/>
+            </a:xfrm>
+            <a:custGeom>
+              <a:avLst/>
+              <a:pathLst>
+                <a:path w="0" h="34794">
+                  <a:moveTo>
+                    <a:pt x="0" y="34794"/>
+                  </a:moveTo>
+                  <a:lnTo>
+                    <a:pt x="0" y="0"/>
+                  </a:lnTo>
+                </a:path>
+              </a:pathLst>
+            </a:custGeom>
+            <a:ln w="13550" cap="flat">
+              <a:solidFill>
+                <a:srgbClr val="333333">
+                  <a:alpha val="100000"/>
+                </a:srgbClr>
+              </a:solidFill>
+              <a:prstDash val="solid"/>
+              <a:round/>
+            </a:ln>
+          </p:spPr>
+          <p:txBody>
+            <a:bodyPr/>
+            <a:lstStyle/>
+            <a:p/>
+          </p:txBody>
+        </p:sp>
+        <p:sp>
+          <p:nvSpPr>
+            <p:cNvPr id="90" name="pl90"/>
+            <p:cNvSpPr/>
+            <p:nvPr/>
+          </p:nvSpPr>
+          <p:spPr>
+            <a:xfrm>
+              <a:off x="5852980" y="5274097"/>
+              <a:ext cx="0" cy="34794"/>
+            </a:xfrm>
+            <a:custGeom>
+              <a:avLst/>
+              <a:pathLst>
+                <a:path w="0" h="34794">
+                  <a:moveTo>
+                    <a:pt x="0" y="34794"/>
+                  </a:moveTo>
+                  <a:lnTo>
+                    <a:pt x="0" y="0"/>
+                  </a:lnTo>
+                </a:path>
+              </a:pathLst>
+            </a:custGeom>
+            <a:ln w="13550" cap="flat">
+              <a:solidFill>
+                <a:srgbClr val="333333">
+                  <a:alpha val="100000"/>
+                </a:srgbClr>
+              </a:solidFill>
+              <a:prstDash val="solid"/>
+              <a:round/>
+            </a:ln>
+          </p:spPr>
+          <p:txBody>
+            <a:bodyPr/>
+            <a:lstStyle/>
+            <a:p/>
+          </p:txBody>
+        </p:sp>
+        <p:sp>
+          <p:nvSpPr>
+            <p:cNvPr id="91" name="pl91"/>
+            <p:cNvSpPr/>
+            <p:nvPr/>
+          </p:nvSpPr>
+          <p:spPr>
+            <a:xfrm>
+              <a:off x="6629353" y="5274097"/>
+              <a:ext cx="0" cy="34794"/>
+            </a:xfrm>
+            <a:custGeom>
+              <a:avLst/>
+              <a:pathLst>
+                <a:path w="0" h="34794">
+                  <a:moveTo>
+                    <a:pt x="0" y="34794"/>
+                  </a:moveTo>
+                  <a:lnTo>
+                    <a:pt x="0" y="0"/>
+                  </a:lnTo>
+                </a:path>
+              </a:pathLst>
+            </a:custGeom>
+            <a:ln w="13550" cap="flat">
+              <a:solidFill>
+                <a:srgbClr val="333333">
+                  <a:alpha val="100000"/>
+                </a:srgbClr>
+              </a:solidFill>
+              <a:prstDash val="solid"/>
+              <a:round/>
+            </a:ln>
+          </p:spPr>
+          <p:txBody>
+            <a:bodyPr/>
+            <a:lstStyle/>
+            <a:p/>
+          </p:txBody>
+        </p:sp>
+        <p:sp>
+          <p:nvSpPr>
+            <p:cNvPr id="92" name="pl92"/>
+            <p:cNvSpPr/>
+            <p:nvPr/>
+          </p:nvSpPr>
+          <p:spPr>
+            <a:xfrm>
+              <a:off x="7218340" y="5274097"/>
+              <a:ext cx="0" cy="34794"/>
+            </a:xfrm>
+            <a:custGeom>
+              <a:avLst/>
+              <a:pathLst>
+                <a:path w="0" h="34794">
+                  <a:moveTo>
+                    <a:pt x="0" y="34794"/>
+                  </a:moveTo>
+                  <a:lnTo>
+                    <a:pt x="0" y="0"/>
+                  </a:lnTo>
+                </a:path>
+              </a:pathLst>
+            </a:custGeom>
+            <a:ln w="13550" cap="flat">
+              <a:solidFill>
+                <a:srgbClr val="333333">
+                  <a:alpha val="100000"/>
+                </a:srgbClr>
+              </a:solidFill>
+              <a:prstDash val="solid"/>
+              <a:round/>
+            </a:ln>
+          </p:spPr>
+          <p:txBody>
+            <a:bodyPr/>
+            <a:lstStyle/>
+            <a:p/>
+          </p:txBody>
+        </p:sp>
+        <p:sp>
+          <p:nvSpPr>
+            <p:cNvPr id="93" name="pl93"/>
+            <p:cNvSpPr/>
+            <p:nvPr/>
+          </p:nvSpPr>
+          <p:spPr>
+            <a:xfrm>
+              <a:off x="7994713" y="5274097"/>
+              <a:ext cx="0" cy="34794"/>
+            </a:xfrm>
+            <a:custGeom>
+              <a:avLst/>
+              <a:pathLst>
+                <a:path w="0" h="34794">
+                  <a:moveTo>
+                    <a:pt x="0" y="34794"/>
+                  </a:moveTo>
+                  <a:lnTo>
+                    <a:pt x="0" y="0"/>
+                  </a:lnTo>
+                </a:path>
+              </a:pathLst>
+            </a:custGeom>
+            <a:ln w="13550" cap="flat">
+              <a:solidFill>
+                <a:srgbClr val="333333">
+                  <a:alpha val="100000"/>
+                </a:srgbClr>
+              </a:solidFill>
+              <a:prstDash val="solid"/>
+              <a:round/>
+            </a:ln>
+          </p:spPr>
+          <p:txBody>
+            <a:bodyPr/>
+            <a:lstStyle/>
+            <a:p/>
+          </p:txBody>
+        </p:sp>
+        <p:sp>
+          <p:nvSpPr>
+            <p:cNvPr id="94" name="pl94"/>
+            <p:cNvSpPr/>
+            <p:nvPr/>
+          </p:nvSpPr>
+          <p:spPr>
+            <a:xfrm>
+              <a:off x="8583700" y="5274097"/>
+              <a:ext cx="0" cy="34794"/>
+            </a:xfrm>
+            <a:custGeom>
+              <a:avLst/>
+              <a:pathLst>
+                <a:path w="0" h="34794">
+                  <a:moveTo>
+                    <a:pt x="0" y="34794"/>
+                  </a:moveTo>
+                  <a:lnTo>
+                    <a:pt x="0" y="0"/>
+                  </a:lnTo>
+                </a:path>
+              </a:pathLst>
+            </a:custGeom>
+            <a:ln w="13550" cap="flat">
+              <a:solidFill>
+                <a:srgbClr val="333333">
+                  <a:alpha val="100000"/>
+                </a:srgbClr>
+              </a:solidFill>
+              <a:prstDash val="solid"/>
+              <a:round/>
+            </a:ln>
+          </p:spPr>
+          <p:txBody>
+            <a:bodyPr/>
+            <a:lstStyle/>
+            <a:p/>
+          </p:txBody>
+        </p:sp>
+        <p:sp>
+          <p:nvSpPr>
+            <p:cNvPr id="95" name="tx95"/>
+            <p:cNvSpPr/>
+            <p:nvPr/>
+          </p:nvSpPr>
+          <p:spPr>
+            <a:xfrm>
+              <a:off x="2055095" y="5074909"/>
+              <a:ext cx="62155" cy="81691"/>
             </a:xfrm>
             <a:prstGeom prst="rect">
               <a:avLst/>
@@ -4595,7 +6701,7 @@
             <a:p>
               <a:pPr algn="l" marL="0" marR="0" indent="0">
                 <a:lnSpc>
-                  <a:spcPts val="1138"/>
+                  <a:spcPts val="880"/>
                 </a:lnSpc>
                 <a:spcBef>
                   <a:spcPts val="0"/>
@@ -4605,30 +6711,30 @@
                 </a:spcAft>
               </a:pPr>
               <a:r>
-                <a:rPr sz="1138">
+                <a:rPr sz="880">
                   <a:solidFill>
-                    <a:srgbClr val="FFFFFF">
+                    <a:srgbClr val="4D4D4D">
                       <a:alpha val="100000"/>
                     </a:srgbClr>
                   </a:solidFill>
                   <a:latin typeface="Arial"/>
                   <a:cs typeface="Arial"/>
                 </a:rPr>
-                <a:t>59%</a:t>
+                <a:t>0</a:t>
               </a:r>
             </a:p>
           </p:txBody>
         </p:sp>
         <p:sp>
           <p:nvSpPr>
-            <p:cNvPr id="13" name="tx13"/>
-            <p:cNvSpPr/>
-            <p:nvPr/>
-          </p:nvSpPr>
-          <p:spPr>
-            <a:xfrm>
-              <a:off x="4185394" y="2811863"/>
-              <a:ext cx="329449" cy="109040"/>
+            <p:cNvPr id="96" name="tx96"/>
+            <p:cNvSpPr/>
+            <p:nvPr/>
+          </p:nvSpPr>
+          <p:spPr>
+            <a:xfrm>
+              <a:off x="1930784" y="4153876"/>
+              <a:ext cx="186466" cy="81691"/>
             </a:xfrm>
             <a:prstGeom prst="rect">
               <a:avLst/>
@@ -4641,7 +6747,7 @@
             <a:p>
               <a:pPr algn="l" marL="0" marR="0" indent="0">
                 <a:lnSpc>
-                  <a:spcPts val="1138"/>
+                  <a:spcPts val="880"/>
                 </a:lnSpc>
                 <a:spcBef>
                   <a:spcPts val="0"/>
@@ -4651,30 +6757,30 @@
                 </a:spcAft>
               </a:pPr>
               <a:r>
-                <a:rPr sz="1138">
+                <a:rPr sz="880">
                   <a:solidFill>
-                    <a:srgbClr val="FFFFFF">
+                    <a:srgbClr val="4D4D4D">
                       <a:alpha val="100000"/>
                     </a:srgbClr>
                   </a:solidFill>
                   <a:latin typeface="Arial"/>
                   <a:cs typeface="Arial"/>
                 </a:rPr>
-                <a:t>1.8%</a:t>
+                <a:t>100</a:t>
               </a:r>
             </a:p>
           </p:txBody>
         </p:sp>
         <p:sp>
           <p:nvSpPr>
-            <p:cNvPr id="14" name="tx14"/>
-            <p:cNvSpPr/>
-            <p:nvPr/>
-          </p:nvSpPr>
-          <p:spPr>
-            <a:xfrm>
-              <a:off x="4974672" y="3510779"/>
-              <a:ext cx="409835" cy="109040"/>
+            <p:cNvPr id="97" name="tx97"/>
+            <p:cNvSpPr/>
+            <p:nvPr/>
+          </p:nvSpPr>
+          <p:spPr>
+            <a:xfrm>
+              <a:off x="1930784" y="3232844"/>
+              <a:ext cx="186466" cy="81691"/>
             </a:xfrm>
             <a:prstGeom prst="rect">
               <a:avLst/>
@@ -4687,7 +6793,7 @@
             <a:p>
               <a:pPr algn="l" marL="0" marR="0" indent="0">
                 <a:lnSpc>
-                  <a:spcPts val="1138"/>
+                  <a:spcPts val="880"/>
                 </a:lnSpc>
                 <a:spcBef>
                   <a:spcPts val="0"/>
@@ -4697,30 +6803,30 @@
                 </a:spcAft>
               </a:pPr>
               <a:r>
-                <a:rPr sz="1138">
+                <a:rPr sz="880">
                   <a:solidFill>
-                    <a:srgbClr val="FFFFFF">
+                    <a:srgbClr val="4D4D4D">
                       <a:alpha val="100000"/>
                     </a:srgbClr>
                   </a:solidFill>
                   <a:latin typeface="Arial"/>
                   <a:cs typeface="Arial"/>
                 </a:rPr>
-                <a:t>39.1%</a:t>
+                <a:t>200</a:t>
               </a:r>
             </a:p>
           </p:txBody>
         </p:sp>
         <p:sp>
           <p:nvSpPr>
-            <p:cNvPr id="15" name="tx15"/>
-            <p:cNvSpPr/>
-            <p:nvPr/>
-          </p:nvSpPr>
-          <p:spPr>
-            <a:xfrm>
-              <a:off x="3286169" y="3968109"/>
-              <a:ext cx="289291" cy="109040"/>
+            <p:cNvPr id="98" name="tx98"/>
+            <p:cNvSpPr/>
+            <p:nvPr/>
+          </p:nvSpPr>
+          <p:spPr>
+            <a:xfrm>
+              <a:off x="1930784" y="2311757"/>
+              <a:ext cx="186466" cy="81746"/>
             </a:xfrm>
             <a:prstGeom prst="rect">
               <a:avLst/>
@@ -4733,7 +6839,7 @@
             <a:p>
               <a:pPr algn="l" marL="0" marR="0" indent="0">
                 <a:lnSpc>
-                  <a:spcPts val="1138"/>
+                  <a:spcPts val="880"/>
                 </a:lnSpc>
                 <a:spcBef>
                   <a:spcPts val="0"/>
@@ -4743,1979 +6849,52 @@
                 </a:spcAft>
               </a:pPr>
               <a:r>
-                <a:rPr sz="1138">
+                <a:rPr sz="880">
                   <a:solidFill>
-                    <a:srgbClr val="FFFFFF">
+                    <a:srgbClr val="4D4D4D">
                       <a:alpha val="100000"/>
                     </a:srgbClr>
                   </a:solidFill>
                   <a:latin typeface="Arial"/>
                   <a:cs typeface="Arial"/>
                 </a:rPr>
-                <a:t>59%</a:t>
+                <a:t>300</a:t>
               </a:r>
             </a:p>
           </p:txBody>
         </p:sp>
         <p:sp>
           <p:nvSpPr>
-            <p:cNvPr id="16" name="tx16"/>
-            <p:cNvSpPr/>
-            <p:nvPr/>
-          </p:nvSpPr>
-          <p:spPr>
-            <a:xfrm>
-              <a:off x="4181435" y="2811075"/>
-              <a:ext cx="329449" cy="109040"/>
-            </a:xfrm>
-            <a:prstGeom prst="rect">
-              <a:avLst/>
-            </a:prstGeom>
-            <a:noFill/>
-          </p:spPr>
-          <p:txBody>
-            <a:bodyPr lIns="0" rIns="0" tIns="0" bIns="0" anchorCtr="1" anchor="ctr" wrap="none"/>
-            <a:lstStyle/>
-            <a:p>
-              <a:pPr algn="l" marL="0" marR="0" indent="0">
-                <a:lnSpc>
-                  <a:spcPts val="1138"/>
-                </a:lnSpc>
-                <a:spcBef>
-                  <a:spcPts val="0"/>
-                </a:spcBef>
-                <a:spcAft>
-                  <a:spcPts val="0"/>
-                </a:spcAft>
-              </a:pPr>
-              <a:r>
-                <a:rPr sz="1138">
-                  <a:solidFill>
-                    <a:srgbClr val="FFFFFF">
-                      <a:alpha val="100000"/>
-                    </a:srgbClr>
-                  </a:solidFill>
-                  <a:latin typeface="Arial"/>
-                  <a:cs typeface="Arial"/>
-                </a:rPr>
-                <a:t>1.8%</a:t>
-              </a:r>
-            </a:p>
-          </p:txBody>
-        </p:sp>
-        <p:sp>
-          <p:nvSpPr>
-            <p:cNvPr id="17" name="tx17"/>
-            <p:cNvSpPr/>
-            <p:nvPr/>
-          </p:nvSpPr>
-          <p:spPr>
-            <a:xfrm>
-              <a:off x="4970713" y="3509991"/>
-              <a:ext cx="409835" cy="109040"/>
-            </a:xfrm>
-            <a:prstGeom prst="rect">
-              <a:avLst/>
-            </a:prstGeom>
-            <a:noFill/>
-          </p:spPr>
-          <p:txBody>
-            <a:bodyPr lIns="0" rIns="0" tIns="0" bIns="0" anchorCtr="1" anchor="ctr" wrap="none"/>
-            <a:lstStyle/>
-            <a:p>
-              <a:pPr algn="l" marL="0" marR="0" indent="0">
-                <a:lnSpc>
-                  <a:spcPts val="1138"/>
-                </a:lnSpc>
-                <a:spcBef>
-                  <a:spcPts val="0"/>
-                </a:spcBef>
-                <a:spcAft>
-                  <a:spcPts val="0"/>
-                </a:spcAft>
-              </a:pPr>
-              <a:r>
-                <a:rPr sz="1138">
-                  <a:solidFill>
-                    <a:srgbClr val="FFFFFF">
-                      <a:alpha val="100000"/>
-                    </a:srgbClr>
-                  </a:solidFill>
-                  <a:latin typeface="Arial"/>
-                  <a:cs typeface="Arial"/>
-                </a:rPr>
-                <a:t>39.1%</a:t>
-              </a:r>
-            </a:p>
-          </p:txBody>
-        </p:sp>
-        <p:sp>
-          <p:nvSpPr>
-            <p:cNvPr id="18" name="tx18"/>
-            <p:cNvSpPr/>
-            <p:nvPr/>
-          </p:nvSpPr>
-          <p:spPr>
-            <a:xfrm>
-              <a:off x="3282210" y="3967321"/>
-              <a:ext cx="289291" cy="109040"/>
-            </a:xfrm>
-            <a:prstGeom prst="rect">
-              <a:avLst/>
-            </a:prstGeom>
-            <a:noFill/>
-          </p:spPr>
-          <p:txBody>
-            <a:bodyPr lIns="0" rIns="0" tIns="0" bIns="0" anchorCtr="1" anchor="ctr" wrap="none"/>
-            <a:lstStyle/>
-            <a:p>
-              <a:pPr algn="l" marL="0" marR="0" indent="0">
-                <a:lnSpc>
-                  <a:spcPts val="1138"/>
-                </a:lnSpc>
-                <a:spcBef>
-                  <a:spcPts val="0"/>
-                </a:spcBef>
-                <a:spcAft>
-                  <a:spcPts val="0"/>
-                </a:spcAft>
-              </a:pPr>
-              <a:r>
-                <a:rPr sz="1138">
-                  <a:solidFill>
-                    <a:srgbClr val="FFFFFF">
-                      <a:alpha val="100000"/>
-                    </a:srgbClr>
-                  </a:solidFill>
-                  <a:latin typeface="Arial"/>
-                  <a:cs typeface="Arial"/>
-                </a:rPr>
-                <a:t>59%</a:t>
-              </a:r>
-            </a:p>
-          </p:txBody>
-        </p:sp>
-        <p:sp>
-          <p:nvSpPr>
-            <p:cNvPr id="19" name="tx19"/>
-            <p:cNvSpPr/>
-            <p:nvPr/>
-          </p:nvSpPr>
-          <p:spPr>
-            <a:xfrm>
-              <a:off x="4177476" y="2811863"/>
-              <a:ext cx="329449" cy="109040"/>
-            </a:xfrm>
-            <a:prstGeom prst="rect">
-              <a:avLst/>
-            </a:prstGeom>
-            <a:noFill/>
-          </p:spPr>
-          <p:txBody>
-            <a:bodyPr lIns="0" rIns="0" tIns="0" bIns="0" anchorCtr="1" anchor="ctr" wrap="none"/>
-            <a:lstStyle/>
-            <a:p>
-              <a:pPr algn="l" marL="0" marR="0" indent="0">
-                <a:lnSpc>
-                  <a:spcPts val="1138"/>
-                </a:lnSpc>
-                <a:spcBef>
-                  <a:spcPts val="0"/>
-                </a:spcBef>
-                <a:spcAft>
-                  <a:spcPts val="0"/>
-                </a:spcAft>
-              </a:pPr>
-              <a:r>
-                <a:rPr sz="1138">
-                  <a:solidFill>
-                    <a:srgbClr val="FFFFFF">
-                      <a:alpha val="100000"/>
-                    </a:srgbClr>
-                  </a:solidFill>
-                  <a:latin typeface="Arial"/>
-                  <a:cs typeface="Arial"/>
-                </a:rPr>
-                <a:t>1.8%</a:t>
-              </a:r>
-            </a:p>
-          </p:txBody>
-        </p:sp>
-        <p:sp>
-          <p:nvSpPr>
-            <p:cNvPr id="20" name="tx20"/>
-            <p:cNvSpPr/>
-            <p:nvPr/>
-          </p:nvSpPr>
-          <p:spPr>
-            <a:xfrm>
-              <a:off x="4966753" y="3510779"/>
-              <a:ext cx="409835" cy="109040"/>
-            </a:xfrm>
-            <a:prstGeom prst="rect">
-              <a:avLst/>
-            </a:prstGeom>
-            <a:noFill/>
-          </p:spPr>
-          <p:txBody>
-            <a:bodyPr lIns="0" rIns="0" tIns="0" bIns="0" anchorCtr="1" anchor="ctr" wrap="none"/>
-            <a:lstStyle/>
-            <a:p>
-              <a:pPr algn="l" marL="0" marR="0" indent="0">
-                <a:lnSpc>
-                  <a:spcPts val="1138"/>
-                </a:lnSpc>
-                <a:spcBef>
-                  <a:spcPts val="0"/>
-                </a:spcBef>
-                <a:spcAft>
-                  <a:spcPts val="0"/>
-                </a:spcAft>
-              </a:pPr>
-              <a:r>
-                <a:rPr sz="1138">
-                  <a:solidFill>
-                    <a:srgbClr val="FFFFFF">
-                      <a:alpha val="100000"/>
-                    </a:srgbClr>
-                  </a:solidFill>
-                  <a:latin typeface="Arial"/>
-                  <a:cs typeface="Arial"/>
-                </a:rPr>
-                <a:t>39.1%</a:t>
-              </a:r>
-            </a:p>
-          </p:txBody>
-        </p:sp>
-        <p:sp>
-          <p:nvSpPr>
-            <p:cNvPr id="21" name="tx21"/>
-            <p:cNvSpPr/>
-            <p:nvPr/>
-          </p:nvSpPr>
-          <p:spPr>
-            <a:xfrm>
-              <a:off x="3278250" y="3968109"/>
-              <a:ext cx="289291" cy="109040"/>
-            </a:xfrm>
-            <a:prstGeom prst="rect">
-              <a:avLst/>
-            </a:prstGeom>
-            <a:noFill/>
-          </p:spPr>
-          <p:txBody>
-            <a:bodyPr lIns="0" rIns="0" tIns="0" bIns="0" anchorCtr="1" anchor="ctr" wrap="none"/>
-            <a:lstStyle/>
-            <a:p>
-              <a:pPr algn="l" marL="0" marR="0" indent="0">
-                <a:lnSpc>
-                  <a:spcPts val="1138"/>
-                </a:lnSpc>
-                <a:spcBef>
-                  <a:spcPts val="0"/>
-                </a:spcBef>
-                <a:spcAft>
-                  <a:spcPts val="0"/>
-                </a:spcAft>
-              </a:pPr>
-              <a:r>
-                <a:rPr sz="1138">
-                  <a:solidFill>
-                    <a:srgbClr val="FFFFFF">
-                      <a:alpha val="100000"/>
-                    </a:srgbClr>
-                  </a:solidFill>
-                  <a:latin typeface="Arial"/>
-                  <a:cs typeface="Arial"/>
-                </a:rPr>
-                <a:t>59%</a:t>
-              </a:r>
-            </a:p>
-          </p:txBody>
-        </p:sp>
-        <p:sp>
-          <p:nvSpPr>
-            <p:cNvPr id="22" name="tx22"/>
-            <p:cNvSpPr/>
-            <p:nvPr/>
-          </p:nvSpPr>
-          <p:spPr>
-            <a:xfrm>
-              <a:off x="4174119" y="2814105"/>
-              <a:ext cx="329449" cy="109040"/>
-            </a:xfrm>
-            <a:prstGeom prst="rect">
-              <a:avLst/>
-            </a:prstGeom>
-            <a:noFill/>
-          </p:spPr>
-          <p:txBody>
-            <a:bodyPr lIns="0" rIns="0" tIns="0" bIns="0" anchorCtr="1" anchor="ctr" wrap="none"/>
-            <a:lstStyle/>
-            <a:p>
-              <a:pPr algn="l" marL="0" marR="0" indent="0">
-                <a:lnSpc>
-                  <a:spcPts val="1138"/>
-                </a:lnSpc>
-                <a:spcBef>
-                  <a:spcPts val="0"/>
-                </a:spcBef>
-                <a:spcAft>
-                  <a:spcPts val="0"/>
-                </a:spcAft>
-              </a:pPr>
-              <a:r>
-                <a:rPr sz="1138">
-                  <a:solidFill>
-                    <a:srgbClr val="FFFFFF">
-                      <a:alpha val="100000"/>
-                    </a:srgbClr>
-                  </a:solidFill>
-                  <a:latin typeface="Arial"/>
-                  <a:cs typeface="Arial"/>
-                </a:rPr>
-                <a:t>1.8%</a:t>
-              </a:r>
-            </a:p>
-          </p:txBody>
-        </p:sp>
-        <p:sp>
-          <p:nvSpPr>
-            <p:cNvPr id="23" name="tx23"/>
-            <p:cNvSpPr/>
-            <p:nvPr/>
-          </p:nvSpPr>
-          <p:spPr>
-            <a:xfrm>
-              <a:off x="4963397" y="3513022"/>
-              <a:ext cx="409835" cy="109040"/>
-            </a:xfrm>
-            <a:prstGeom prst="rect">
-              <a:avLst/>
-            </a:prstGeom>
-            <a:noFill/>
-          </p:spPr>
-          <p:txBody>
-            <a:bodyPr lIns="0" rIns="0" tIns="0" bIns="0" anchorCtr="1" anchor="ctr" wrap="none"/>
-            <a:lstStyle/>
-            <a:p>
-              <a:pPr algn="l" marL="0" marR="0" indent="0">
-                <a:lnSpc>
-                  <a:spcPts val="1138"/>
-                </a:lnSpc>
-                <a:spcBef>
-                  <a:spcPts val="0"/>
-                </a:spcBef>
-                <a:spcAft>
-                  <a:spcPts val="0"/>
-                </a:spcAft>
-              </a:pPr>
-              <a:r>
-                <a:rPr sz="1138">
-                  <a:solidFill>
-                    <a:srgbClr val="FFFFFF">
-                      <a:alpha val="100000"/>
-                    </a:srgbClr>
-                  </a:solidFill>
-                  <a:latin typeface="Arial"/>
-                  <a:cs typeface="Arial"/>
-                </a:rPr>
-                <a:t>39.1%</a:t>
-              </a:r>
-            </a:p>
-          </p:txBody>
-        </p:sp>
-        <p:sp>
-          <p:nvSpPr>
-            <p:cNvPr id="24" name="tx24"/>
-            <p:cNvSpPr/>
-            <p:nvPr/>
-          </p:nvSpPr>
-          <p:spPr>
-            <a:xfrm>
-              <a:off x="3274893" y="3970351"/>
-              <a:ext cx="289291" cy="109040"/>
-            </a:xfrm>
-            <a:prstGeom prst="rect">
-              <a:avLst/>
-            </a:prstGeom>
-            <a:noFill/>
-          </p:spPr>
-          <p:txBody>
-            <a:bodyPr lIns="0" rIns="0" tIns="0" bIns="0" anchorCtr="1" anchor="ctr" wrap="none"/>
-            <a:lstStyle/>
-            <a:p>
-              <a:pPr algn="l" marL="0" marR="0" indent="0">
-                <a:lnSpc>
-                  <a:spcPts val="1138"/>
-                </a:lnSpc>
-                <a:spcBef>
-                  <a:spcPts val="0"/>
-                </a:spcBef>
-                <a:spcAft>
-                  <a:spcPts val="0"/>
-                </a:spcAft>
-              </a:pPr>
-              <a:r>
-                <a:rPr sz="1138">
-                  <a:solidFill>
-                    <a:srgbClr val="FFFFFF">
-                      <a:alpha val="100000"/>
-                    </a:srgbClr>
-                  </a:solidFill>
-                  <a:latin typeface="Arial"/>
-                  <a:cs typeface="Arial"/>
-                </a:rPr>
-                <a:t>59%</a:t>
-              </a:r>
-            </a:p>
-          </p:txBody>
-        </p:sp>
-        <p:sp>
-          <p:nvSpPr>
-            <p:cNvPr id="25" name="tx25"/>
-            <p:cNvSpPr/>
-            <p:nvPr/>
-          </p:nvSpPr>
-          <p:spPr>
-            <a:xfrm>
-              <a:off x="4171876" y="2817462"/>
-              <a:ext cx="329449" cy="109040"/>
-            </a:xfrm>
-            <a:prstGeom prst="rect">
-              <a:avLst/>
-            </a:prstGeom>
-            <a:noFill/>
-          </p:spPr>
-          <p:txBody>
-            <a:bodyPr lIns="0" rIns="0" tIns="0" bIns="0" anchorCtr="1" anchor="ctr" wrap="none"/>
-            <a:lstStyle/>
-            <a:p>
-              <a:pPr algn="l" marL="0" marR="0" indent="0">
-                <a:lnSpc>
-                  <a:spcPts val="1138"/>
-                </a:lnSpc>
-                <a:spcBef>
-                  <a:spcPts val="0"/>
-                </a:spcBef>
-                <a:spcAft>
-                  <a:spcPts val="0"/>
-                </a:spcAft>
-              </a:pPr>
-              <a:r>
-                <a:rPr sz="1138">
-                  <a:solidFill>
-                    <a:srgbClr val="FFFFFF">
-                      <a:alpha val="100000"/>
-                    </a:srgbClr>
-                  </a:solidFill>
-                  <a:latin typeface="Arial"/>
-                  <a:cs typeface="Arial"/>
-                </a:rPr>
-                <a:t>1.8%</a:t>
-              </a:r>
-            </a:p>
-          </p:txBody>
-        </p:sp>
-        <p:sp>
-          <p:nvSpPr>
-            <p:cNvPr id="26" name="tx26"/>
-            <p:cNvSpPr/>
-            <p:nvPr/>
-          </p:nvSpPr>
-          <p:spPr>
-            <a:xfrm>
-              <a:off x="4961154" y="3516378"/>
-              <a:ext cx="409835" cy="109040"/>
-            </a:xfrm>
-            <a:prstGeom prst="rect">
-              <a:avLst/>
-            </a:prstGeom>
-            <a:noFill/>
-          </p:spPr>
-          <p:txBody>
-            <a:bodyPr lIns="0" rIns="0" tIns="0" bIns="0" anchorCtr="1" anchor="ctr" wrap="none"/>
-            <a:lstStyle/>
-            <a:p>
-              <a:pPr algn="l" marL="0" marR="0" indent="0">
-                <a:lnSpc>
-                  <a:spcPts val="1138"/>
-                </a:lnSpc>
-                <a:spcBef>
-                  <a:spcPts val="0"/>
-                </a:spcBef>
-                <a:spcAft>
-                  <a:spcPts val="0"/>
-                </a:spcAft>
-              </a:pPr>
-              <a:r>
-                <a:rPr sz="1138">
-                  <a:solidFill>
-                    <a:srgbClr val="FFFFFF">
-                      <a:alpha val="100000"/>
-                    </a:srgbClr>
-                  </a:solidFill>
-                  <a:latin typeface="Arial"/>
-                  <a:cs typeface="Arial"/>
-                </a:rPr>
-                <a:t>39.1%</a:t>
-              </a:r>
-            </a:p>
-          </p:txBody>
-        </p:sp>
-        <p:sp>
-          <p:nvSpPr>
-            <p:cNvPr id="27" name="tx27"/>
-            <p:cNvSpPr/>
-            <p:nvPr/>
-          </p:nvSpPr>
-          <p:spPr>
-            <a:xfrm>
-              <a:off x="3272651" y="3973708"/>
-              <a:ext cx="289291" cy="109040"/>
-            </a:xfrm>
-            <a:prstGeom prst="rect">
-              <a:avLst/>
-            </a:prstGeom>
-            <a:noFill/>
-          </p:spPr>
-          <p:txBody>
-            <a:bodyPr lIns="0" rIns="0" tIns="0" bIns="0" anchorCtr="1" anchor="ctr" wrap="none"/>
-            <a:lstStyle/>
-            <a:p>
-              <a:pPr algn="l" marL="0" marR="0" indent="0">
-                <a:lnSpc>
-                  <a:spcPts val="1138"/>
-                </a:lnSpc>
-                <a:spcBef>
-                  <a:spcPts val="0"/>
-                </a:spcBef>
-                <a:spcAft>
-                  <a:spcPts val="0"/>
-                </a:spcAft>
-              </a:pPr>
-              <a:r>
-                <a:rPr sz="1138">
-                  <a:solidFill>
-                    <a:srgbClr val="FFFFFF">
-                      <a:alpha val="100000"/>
-                    </a:srgbClr>
-                  </a:solidFill>
-                  <a:latin typeface="Arial"/>
-                  <a:cs typeface="Arial"/>
-                </a:rPr>
-                <a:t>59%</a:t>
-              </a:r>
-            </a:p>
-          </p:txBody>
-        </p:sp>
-        <p:sp>
-          <p:nvSpPr>
-            <p:cNvPr id="28" name="tx28"/>
-            <p:cNvSpPr/>
-            <p:nvPr/>
-          </p:nvSpPr>
-          <p:spPr>
-            <a:xfrm>
-              <a:off x="4171089" y="2821422"/>
-              <a:ext cx="329449" cy="109040"/>
-            </a:xfrm>
-            <a:prstGeom prst="rect">
-              <a:avLst/>
-            </a:prstGeom>
-            <a:noFill/>
-          </p:spPr>
-          <p:txBody>
-            <a:bodyPr lIns="0" rIns="0" tIns="0" bIns="0" anchorCtr="1" anchor="ctr" wrap="none"/>
-            <a:lstStyle/>
-            <a:p>
-              <a:pPr algn="l" marL="0" marR="0" indent="0">
-                <a:lnSpc>
-                  <a:spcPts val="1138"/>
-                </a:lnSpc>
-                <a:spcBef>
-                  <a:spcPts val="0"/>
-                </a:spcBef>
-                <a:spcAft>
-                  <a:spcPts val="0"/>
-                </a:spcAft>
-              </a:pPr>
-              <a:r>
-                <a:rPr sz="1138">
-                  <a:solidFill>
-                    <a:srgbClr val="FFFFFF">
-                      <a:alpha val="100000"/>
-                    </a:srgbClr>
-                  </a:solidFill>
-                  <a:latin typeface="Arial"/>
-                  <a:cs typeface="Arial"/>
-                </a:rPr>
-                <a:t>1.8%</a:t>
-              </a:r>
-            </a:p>
-          </p:txBody>
-        </p:sp>
-        <p:sp>
-          <p:nvSpPr>
-            <p:cNvPr id="29" name="tx29"/>
-            <p:cNvSpPr/>
-            <p:nvPr/>
-          </p:nvSpPr>
-          <p:spPr>
-            <a:xfrm>
-              <a:off x="4960366" y="3520338"/>
-              <a:ext cx="409835" cy="109040"/>
-            </a:xfrm>
-            <a:prstGeom prst="rect">
-              <a:avLst/>
-            </a:prstGeom>
-            <a:noFill/>
-          </p:spPr>
-          <p:txBody>
-            <a:bodyPr lIns="0" rIns="0" tIns="0" bIns="0" anchorCtr="1" anchor="ctr" wrap="none"/>
-            <a:lstStyle/>
-            <a:p>
-              <a:pPr algn="l" marL="0" marR="0" indent="0">
-                <a:lnSpc>
-                  <a:spcPts val="1138"/>
-                </a:lnSpc>
-                <a:spcBef>
-                  <a:spcPts val="0"/>
-                </a:spcBef>
-                <a:spcAft>
-                  <a:spcPts val="0"/>
-                </a:spcAft>
-              </a:pPr>
-              <a:r>
-                <a:rPr sz="1138">
-                  <a:solidFill>
-                    <a:srgbClr val="FFFFFF">
-                      <a:alpha val="100000"/>
-                    </a:srgbClr>
-                  </a:solidFill>
-                  <a:latin typeface="Arial"/>
-                  <a:cs typeface="Arial"/>
-                </a:rPr>
-                <a:t>39.1%</a:t>
-              </a:r>
-            </a:p>
-          </p:txBody>
-        </p:sp>
-        <p:sp>
-          <p:nvSpPr>
-            <p:cNvPr id="30" name="tx30"/>
-            <p:cNvSpPr/>
-            <p:nvPr/>
-          </p:nvSpPr>
-          <p:spPr>
-            <a:xfrm>
-              <a:off x="3271863" y="3977668"/>
-              <a:ext cx="289291" cy="109040"/>
-            </a:xfrm>
-            <a:prstGeom prst="rect">
-              <a:avLst/>
-            </a:prstGeom>
-            <a:noFill/>
-          </p:spPr>
-          <p:txBody>
-            <a:bodyPr lIns="0" rIns="0" tIns="0" bIns="0" anchorCtr="1" anchor="ctr" wrap="none"/>
-            <a:lstStyle/>
-            <a:p>
-              <a:pPr algn="l" marL="0" marR="0" indent="0">
-                <a:lnSpc>
-                  <a:spcPts val="1138"/>
-                </a:lnSpc>
-                <a:spcBef>
-                  <a:spcPts val="0"/>
-                </a:spcBef>
-                <a:spcAft>
-                  <a:spcPts val="0"/>
-                </a:spcAft>
-              </a:pPr>
-              <a:r>
-                <a:rPr sz="1138">
-                  <a:solidFill>
-                    <a:srgbClr val="FFFFFF">
-                      <a:alpha val="100000"/>
-                    </a:srgbClr>
-                  </a:solidFill>
-                  <a:latin typeface="Arial"/>
-                  <a:cs typeface="Arial"/>
-                </a:rPr>
-                <a:t>59%</a:t>
-              </a:r>
-            </a:p>
-          </p:txBody>
-        </p:sp>
-        <p:sp>
-          <p:nvSpPr>
-            <p:cNvPr id="31" name="tx31"/>
-            <p:cNvSpPr/>
-            <p:nvPr/>
-          </p:nvSpPr>
-          <p:spPr>
-            <a:xfrm>
-              <a:off x="4171876" y="2825381"/>
-              <a:ext cx="329449" cy="109040"/>
-            </a:xfrm>
-            <a:prstGeom prst="rect">
-              <a:avLst/>
-            </a:prstGeom>
-            <a:noFill/>
-          </p:spPr>
-          <p:txBody>
-            <a:bodyPr lIns="0" rIns="0" tIns="0" bIns="0" anchorCtr="1" anchor="ctr" wrap="none"/>
-            <a:lstStyle/>
-            <a:p>
-              <a:pPr algn="l" marL="0" marR="0" indent="0">
-                <a:lnSpc>
-                  <a:spcPts val="1138"/>
-                </a:lnSpc>
-                <a:spcBef>
-                  <a:spcPts val="0"/>
-                </a:spcBef>
-                <a:spcAft>
-                  <a:spcPts val="0"/>
-                </a:spcAft>
-              </a:pPr>
-              <a:r>
-                <a:rPr sz="1138">
-                  <a:solidFill>
-                    <a:srgbClr val="FFFFFF">
-                      <a:alpha val="100000"/>
-                    </a:srgbClr>
-                  </a:solidFill>
-                  <a:latin typeface="Arial"/>
-                  <a:cs typeface="Arial"/>
-                </a:rPr>
-                <a:t>1.8%</a:t>
-              </a:r>
-            </a:p>
-          </p:txBody>
-        </p:sp>
-        <p:sp>
-          <p:nvSpPr>
-            <p:cNvPr id="32" name="tx32"/>
-            <p:cNvSpPr/>
-            <p:nvPr/>
-          </p:nvSpPr>
-          <p:spPr>
-            <a:xfrm>
-              <a:off x="4961154" y="3524297"/>
-              <a:ext cx="409835" cy="109040"/>
-            </a:xfrm>
-            <a:prstGeom prst="rect">
-              <a:avLst/>
-            </a:prstGeom>
-            <a:noFill/>
-          </p:spPr>
-          <p:txBody>
-            <a:bodyPr lIns="0" rIns="0" tIns="0" bIns="0" anchorCtr="1" anchor="ctr" wrap="none"/>
-            <a:lstStyle/>
-            <a:p>
-              <a:pPr algn="l" marL="0" marR="0" indent="0">
-                <a:lnSpc>
-                  <a:spcPts val="1138"/>
-                </a:lnSpc>
-                <a:spcBef>
-                  <a:spcPts val="0"/>
-                </a:spcBef>
-                <a:spcAft>
-                  <a:spcPts val="0"/>
-                </a:spcAft>
-              </a:pPr>
-              <a:r>
-                <a:rPr sz="1138">
-                  <a:solidFill>
-                    <a:srgbClr val="FFFFFF">
-                      <a:alpha val="100000"/>
-                    </a:srgbClr>
-                  </a:solidFill>
-                  <a:latin typeface="Arial"/>
-                  <a:cs typeface="Arial"/>
-                </a:rPr>
-                <a:t>39.1%</a:t>
-              </a:r>
-            </a:p>
-          </p:txBody>
-        </p:sp>
-        <p:sp>
-          <p:nvSpPr>
-            <p:cNvPr id="33" name="tx33"/>
-            <p:cNvSpPr/>
-            <p:nvPr/>
-          </p:nvSpPr>
-          <p:spPr>
-            <a:xfrm>
-              <a:off x="3272651" y="3981627"/>
-              <a:ext cx="289291" cy="109040"/>
-            </a:xfrm>
-            <a:prstGeom prst="rect">
-              <a:avLst/>
-            </a:prstGeom>
-            <a:noFill/>
-          </p:spPr>
-          <p:txBody>
-            <a:bodyPr lIns="0" rIns="0" tIns="0" bIns="0" anchorCtr="1" anchor="ctr" wrap="none"/>
-            <a:lstStyle/>
-            <a:p>
-              <a:pPr algn="l" marL="0" marR="0" indent="0">
-                <a:lnSpc>
-                  <a:spcPts val="1138"/>
-                </a:lnSpc>
-                <a:spcBef>
-                  <a:spcPts val="0"/>
-                </a:spcBef>
-                <a:spcAft>
-                  <a:spcPts val="0"/>
-                </a:spcAft>
-              </a:pPr>
-              <a:r>
-                <a:rPr sz="1138">
-                  <a:solidFill>
-                    <a:srgbClr val="FFFFFF">
-                      <a:alpha val="100000"/>
-                    </a:srgbClr>
-                  </a:solidFill>
-                  <a:latin typeface="Arial"/>
-                  <a:cs typeface="Arial"/>
-                </a:rPr>
-                <a:t>59%</a:t>
-              </a:r>
-            </a:p>
-          </p:txBody>
-        </p:sp>
-        <p:sp>
-          <p:nvSpPr>
-            <p:cNvPr id="34" name="tx34"/>
-            <p:cNvSpPr/>
-            <p:nvPr/>
-          </p:nvSpPr>
-          <p:spPr>
-            <a:xfrm>
-              <a:off x="4174119" y="2828738"/>
-              <a:ext cx="329449" cy="109040"/>
-            </a:xfrm>
-            <a:prstGeom prst="rect">
-              <a:avLst/>
-            </a:prstGeom>
-            <a:noFill/>
-          </p:spPr>
-          <p:txBody>
-            <a:bodyPr lIns="0" rIns="0" tIns="0" bIns="0" anchorCtr="1" anchor="ctr" wrap="none"/>
-            <a:lstStyle/>
-            <a:p>
-              <a:pPr algn="l" marL="0" marR="0" indent="0">
-                <a:lnSpc>
-                  <a:spcPts val="1138"/>
-                </a:lnSpc>
-                <a:spcBef>
-                  <a:spcPts val="0"/>
-                </a:spcBef>
-                <a:spcAft>
-                  <a:spcPts val="0"/>
-                </a:spcAft>
-              </a:pPr>
-              <a:r>
-                <a:rPr sz="1138">
-                  <a:solidFill>
-                    <a:srgbClr val="FFFFFF">
-                      <a:alpha val="100000"/>
-                    </a:srgbClr>
-                  </a:solidFill>
-                  <a:latin typeface="Arial"/>
-                  <a:cs typeface="Arial"/>
-                </a:rPr>
-                <a:t>1.8%</a:t>
-              </a:r>
-            </a:p>
-          </p:txBody>
-        </p:sp>
-        <p:sp>
-          <p:nvSpPr>
-            <p:cNvPr id="35" name="tx35"/>
-            <p:cNvSpPr/>
-            <p:nvPr/>
-          </p:nvSpPr>
-          <p:spPr>
-            <a:xfrm>
-              <a:off x="4963397" y="3527654"/>
-              <a:ext cx="409835" cy="109040"/>
-            </a:xfrm>
-            <a:prstGeom prst="rect">
-              <a:avLst/>
-            </a:prstGeom>
-            <a:noFill/>
-          </p:spPr>
-          <p:txBody>
-            <a:bodyPr lIns="0" rIns="0" tIns="0" bIns="0" anchorCtr="1" anchor="ctr" wrap="none"/>
-            <a:lstStyle/>
-            <a:p>
-              <a:pPr algn="l" marL="0" marR="0" indent="0">
-                <a:lnSpc>
-                  <a:spcPts val="1138"/>
-                </a:lnSpc>
-                <a:spcBef>
-                  <a:spcPts val="0"/>
-                </a:spcBef>
-                <a:spcAft>
-                  <a:spcPts val="0"/>
-                </a:spcAft>
-              </a:pPr>
-              <a:r>
-                <a:rPr sz="1138">
-                  <a:solidFill>
-                    <a:srgbClr val="FFFFFF">
-                      <a:alpha val="100000"/>
-                    </a:srgbClr>
-                  </a:solidFill>
-                  <a:latin typeface="Arial"/>
-                  <a:cs typeface="Arial"/>
-                </a:rPr>
-                <a:t>39.1%</a:t>
-              </a:r>
-            </a:p>
-          </p:txBody>
-        </p:sp>
-        <p:sp>
-          <p:nvSpPr>
-            <p:cNvPr id="36" name="tx36"/>
-            <p:cNvSpPr/>
-            <p:nvPr/>
-          </p:nvSpPr>
-          <p:spPr>
-            <a:xfrm>
-              <a:off x="3274893" y="3984984"/>
-              <a:ext cx="289291" cy="109040"/>
-            </a:xfrm>
-            <a:prstGeom prst="rect">
-              <a:avLst/>
-            </a:prstGeom>
-            <a:noFill/>
-          </p:spPr>
-          <p:txBody>
-            <a:bodyPr lIns="0" rIns="0" tIns="0" bIns="0" anchorCtr="1" anchor="ctr" wrap="none"/>
-            <a:lstStyle/>
-            <a:p>
-              <a:pPr algn="l" marL="0" marR="0" indent="0">
-                <a:lnSpc>
-                  <a:spcPts val="1138"/>
-                </a:lnSpc>
-                <a:spcBef>
-                  <a:spcPts val="0"/>
-                </a:spcBef>
-                <a:spcAft>
-                  <a:spcPts val="0"/>
-                </a:spcAft>
-              </a:pPr>
-              <a:r>
-                <a:rPr sz="1138">
-                  <a:solidFill>
-                    <a:srgbClr val="FFFFFF">
-                      <a:alpha val="100000"/>
-                    </a:srgbClr>
-                  </a:solidFill>
-                  <a:latin typeface="Arial"/>
-                  <a:cs typeface="Arial"/>
-                </a:rPr>
-                <a:t>59%</a:t>
-              </a:r>
-            </a:p>
-          </p:txBody>
-        </p:sp>
-        <p:sp>
-          <p:nvSpPr>
-            <p:cNvPr id="37" name="tx37"/>
-            <p:cNvSpPr/>
-            <p:nvPr/>
-          </p:nvSpPr>
-          <p:spPr>
-            <a:xfrm>
-              <a:off x="4177476" y="2830980"/>
-              <a:ext cx="329449" cy="109040"/>
-            </a:xfrm>
-            <a:prstGeom prst="rect">
-              <a:avLst/>
-            </a:prstGeom>
-            <a:noFill/>
-          </p:spPr>
-          <p:txBody>
-            <a:bodyPr lIns="0" rIns="0" tIns="0" bIns="0" anchorCtr="1" anchor="ctr" wrap="none"/>
-            <a:lstStyle/>
-            <a:p>
-              <a:pPr algn="l" marL="0" marR="0" indent="0">
-                <a:lnSpc>
-                  <a:spcPts val="1138"/>
-                </a:lnSpc>
-                <a:spcBef>
-                  <a:spcPts val="0"/>
-                </a:spcBef>
-                <a:spcAft>
-                  <a:spcPts val="0"/>
-                </a:spcAft>
-              </a:pPr>
-              <a:r>
-                <a:rPr sz="1138">
-                  <a:solidFill>
-                    <a:srgbClr val="FFFFFF">
-                      <a:alpha val="100000"/>
-                    </a:srgbClr>
-                  </a:solidFill>
-                  <a:latin typeface="Arial"/>
-                  <a:cs typeface="Arial"/>
-                </a:rPr>
-                <a:t>1.8%</a:t>
-              </a:r>
-            </a:p>
-          </p:txBody>
-        </p:sp>
-        <p:sp>
-          <p:nvSpPr>
-            <p:cNvPr id="38" name="tx38"/>
-            <p:cNvSpPr/>
-            <p:nvPr/>
-          </p:nvSpPr>
-          <p:spPr>
-            <a:xfrm>
-              <a:off x="4966753" y="3529896"/>
-              <a:ext cx="409835" cy="109040"/>
-            </a:xfrm>
-            <a:prstGeom prst="rect">
-              <a:avLst/>
-            </a:prstGeom>
-            <a:noFill/>
-          </p:spPr>
-          <p:txBody>
-            <a:bodyPr lIns="0" rIns="0" tIns="0" bIns="0" anchorCtr="1" anchor="ctr" wrap="none"/>
-            <a:lstStyle/>
-            <a:p>
-              <a:pPr algn="l" marL="0" marR="0" indent="0">
-                <a:lnSpc>
-                  <a:spcPts val="1138"/>
-                </a:lnSpc>
-                <a:spcBef>
-                  <a:spcPts val="0"/>
-                </a:spcBef>
-                <a:spcAft>
-                  <a:spcPts val="0"/>
-                </a:spcAft>
-              </a:pPr>
-              <a:r>
-                <a:rPr sz="1138">
-                  <a:solidFill>
-                    <a:srgbClr val="FFFFFF">
-                      <a:alpha val="100000"/>
-                    </a:srgbClr>
-                  </a:solidFill>
-                  <a:latin typeface="Arial"/>
-                  <a:cs typeface="Arial"/>
-                </a:rPr>
-                <a:t>39.1%</a:t>
-              </a:r>
-            </a:p>
-          </p:txBody>
-        </p:sp>
-        <p:sp>
-          <p:nvSpPr>
-            <p:cNvPr id="39" name="tx39"/>
-            <p:cNvSpPr/>
-            <p:nvPr/>
-          </p:nvSpPr>
-          <p:spPr>
-            <a:xfrm>
-              <a:off x="3278250" y="3987226"/>
-              <a:ext cx="289291" cy="109040"/>
-            </a:xfrm>
-            <a:prstGeom prst="rect">
-              <a:avLst/>
-            </a:prstGeom>
-            <a:noFill/>
-          </p:spPr>
-          <p:txBody>
-            <a:bodyPr lIns="0" rIns="0" tIns="0" bIns="0" anchorCtr="1" anchor="ctr" wrap="none"/>
-            <a:lstStyle/>
-            <a:p>
-              <a:pPr algn="l" marL="0" marR="0" indent="0">
-                <a:lnSpc>
-                  <a:spcPts val="1138"/>
-                </a:lnSpc>
-                <a:spcBef>
-                  <a:spcPts val="0"/>
-                </a:spcBef>
-                <a:spcAft>
-                  <a:spcPts val="0"/>
-                </a:spcAft>
-              </a:pPr>
-              <a:r>
-                <a:rPr sz="1138">
-                  <a:solidFill>
-                    <a:srgbClr val="FFFFFF">
-                      <a:alpha val="100000"/>
-                    </a:srgbClr>
-                  </a:solidFill>
-                  <a:latin typeface="Arial"/>
-                  <a:cs typeface="Arial"/>
-                </a:rPr>
-                <a:t>59%</a:t>
-              </a:r>
-            </a:p>
-          </p:txBody>
-        </p:sp>
-        <p:sp>
-          <p:nvSpPr>
-            <p:cNvPr id="40" name="tx40"/>
-            <p:cNvSpPr/>
-            <p:nvPr/>
-          </p:nvSpPr>
-          <p:spPr>
-            <a:xfrm>
-              <a:off x="4181435" y="2831768"/>
-              <a:ext cx="329449" cy="109040"/>
-            </a:xfrm>
-            <a:prstGeom prst="rect">
-              <a:avLst/>
-            </a:prstGeom>
-            <a:noFill/>
-          </p:spPr>
-          <p:txBody>
-            <a:bodyPr lIns="0" rIns="0" tIns="0" bIns="0" anchorCtr="1" anchor="ctr" wrap="none"/>
-            <a:lstStyle/>
-            <a:p>
-              <a:pPr algn="l" marL="0" marR="0" indent="0">
-                <a:lnSpc>
-                  <a:spcPts val="1138"/>
-                </a:lnSpc>
-                <a:spcBef>
-                  <a:spcPts val="0"/>
-                </a:spcBef>
-                <a:spcAft>
-                  <a:spcPts val="0"/>
-                </a:spcAft>
-              </a:pPr>
-              <a:r>
-                <a:rPr sz="1138">
-                  <a:solidFill>
-                    <a:srgbClr val="FFFFFF">
-                      <a:alpha val="100000"/>
-                    </a:srgbClr>
-                  </a:solidFill>
-                  <a:latin typeface="Arial"/>
-                  <a:cs typeface="Arial"/>
-                </a:rPr>
-                <a:t>1.8%</a:t>
-              </a:r>
-            </a:p>
-          </p:txBody>
-        </p:sp>
-        <p:sp>
-          <p:nvSpPr>
-            <p:cNvPr id="41" name="tx41"/>
-            <p:cNvSpPr/>
-            <p:nvPr/>
-          </p:nvSpPr>
-          <p:spPr>
-            <a:xfrm>
-              <a:off x="4970713" y="3530684"/>
-              <a:ext cx="409835" cy="109040"/>
-            </a:xfrm>
-            <a:prstGeom prst="rect">
-              <a:avLst/>
-            </a:prstGeom>
-            <a:noFill/>
-          </p:spPr>
-          <p:txBody>
-            <a:bodyPr lIns="0" rIns="0" tIns="0" bIns="0" anchorCtr="1" anchor="ctr" wrap="none"/>
-            <a:lstStyle/>
-            <a:p>
-              <a:pPr algn="l" marL="0" marR="0" indent="0">
-                <a:lnSpc>
-                  <a:spcPts val="1138"/>
-                </a:lnSpc>
-                <a:spcBef>
-                  <a:spcPts val="0"/>
-                </a:spcBef>
-                <a:spcAft>
-                  <a:spcPts val="0"/>
-                </a:spcAft>
-              </a:pPr>
-              <a:r>
-                <a:rPr sz="1138">
-                  <a:solidFill>
-                    <a:srgbClr val="FFFFFF">
-                      <a:alpha val="100000"/>
-                    </a:srgbClr>
-                  </a:solidFill>
-                  <a:latin typeface="Arial"/>
-                  <a:cs typeface="Arial"/>
-                </a:rPr>
-                <a:t>39.1%</a:t>
-              </a:r>
-            </a:p>
-          </p:txBody>
-        </p:sp>
-        <p:sp>
-          <p:nvSpPr>
-            <p:cNvPr id="42" name="tx42"/>
-            <p:cNvSpPr/>
-            <p:nvPr/>
-          </p:nvSpPr>
-          <p:spPr>
-            <a:xfrm>
-              <a:off x="3282210" y="3988014"/>
-              <a:ext cx="289291" cy="109040"/>
-            </a:xfrm>
-            <a:prstGeom prst="rect">
-              <a:avLst/>
-            </a:prstGeom>
-            <a:noFill/>
-          </p:spPr>
-          <p:txBody>
-            <a:bodyPr lIns="0" rIns="0" tIns="0" bIns="0" anchorCtr="1" anchor="ctr" wrap="none"/>
-            <a:lstStyle/>
-            <a:p>
-              <a:pPr algn="l" marL="0" marR="0" indent="0">
-                <a:lnSpc>
-                  <a:spcPts val="1138"/>
-                </a:lnSpc>
-                <a:spcBef>
-                  <a:spcPts val="0"/>
-                </a:spcBef>
-                <a:spcAft>
-                  <a:spcPts val="0"/>
-                </a:spcAft>
-              </a:pPr>
-              <a:r>
-                <a:rPr sz="1138">
-                  <a:solidFill>
-                    <a:srgbClr val="FFFFFF">
-                      <a:alpha val="100000"/>
-                    </a:srgbClr>
-                  </a:solidFill>
-                  <a:latin typeface="Arial"/>
-                  <a:cs typeface="Arial"/>
-                </a:rPr>
-                <a:t>59%</a:t>
-              </a:r>
-            </a:p>
-          </p:txBody>
-        </p:sp>
-        <p:sp>
-          <p:nvSpPr>
-            <p:cNvPr id="43" name="tx43"/>
-            <p:cNvSpPr/>
-            <p:nvPr/>
-          </p:nvSpPr>
-          <p:spPr>
-            <a:xfrm>
-              <a:off x="4185394" y="2830980"/>
-              <a:ext cx="329449" cy="109040"/>
-            </a:xfrm>
-            <a:prstGeom prst="rect">
-              <a:avLst/>
-            </a:prstGeom>
-            <a:noFill/>
-          </p:spPr>
-          <p:txBody>
-            <a:bodyPr lIns="0" rIns="0" tIns="0" bIns="0" anchorCtr="1" anchor="ctr" wrap="none"/>
-            <a:lstStyle/>
-            <a:p>
-              <a:pPr algn="l" marL="0" marR="0" indent="0">
-                <a:lnSpc>
-                  <a:spcPts val="1138"/>
-                </a:lnSpc>
-                <a:spcBef>
-                  <a:spcPts val="0"/>
-                </a:spcBef>
-                <a:spcAft>
-                  <a:spcPts val="0"/>
-                </a:spcAft>
-              </a:pPr>
-              <a:r>
-                <a:rPr sz="1138">
-                  <a:solidFill>
-                    <a:srgbClr val="FFFFFF">
-                      <a:alpha val="100000"/>
-                    </a:srgbClr>
-                  </a:solidFill>
-                  <a:latin typeface="Arial"/>
-                  <a:cs typeface="Arial"/>
-                </a:rPr>
-                <a:t>1.8%</a:t>
-              </a:r>
-            </a:p>
-          </p:txBody>
-        </p:sp>
-        <p:sp>
-          <p:nvSpPr>
-            <p:cNvPr id="44" name="tx44"/>
-            <p:cNvSpPr/>
-            <p:nvPr/>
-          </p:nvSpPr>
-          <p:spPr>
-            <a:xfrm>
-              <a:off x="4974672" y="3529896"/>
-              <a:ext cx="409835" cy="109040"/>
-            </a:xfrm>
-            <a:prstGeom prst="rect">
-              <a:avLst/>
-            </a:prstGeom>
-            <a:noFill/>
-          </p:spPr>
-          <p:txBody>
-            <a:bodyPr lIns="0" rIns="0" tIns="0" bIns="0" anchorCtr="1" anchor="ctr" wrap="none"/>
-            <a:lstStyle/>
-            <a:p>
-              <a:pPr algn="l" marL="0" marR="0" indent="0">
-                <a:lnSpc>
-                  <a:spcPts val="1138"/>
-                </a:lnSpc>
-                <a:spcBef>
-                  <a:spcPts val="0"/>
-                </a:spcBef>
-                <a:spcAft>
-                  <a:spcPts val="0"/>
-                </a:spcAft>
-              </a:pPr>
-              <a:r>
-                <a:rPr sz="1138">
-                  <a:solidFill>
-                    <a:srgbClr val="FFFFFF">
-                      <a:alpha val="100000"/>
-                    </a:srgbClr>
-                  </a:solidFill>
-                  <a:latin typeface="Arial"/>
-                  <a:cs typeface="Arial"/>
-                </a:rPr>
-                <a:t>39.1%</a:t>
-              </a:r>
-            </a:p>
-          </p:txBody>
-        </p:sp>
-        <p:sp>
-          <p:nvSpPr>
-            <p:cNvPr id="45" name="tx45"/>
-            <p:cNvSpPr/>
-            <p:nvPr/>
-          </p:nvSpPr>
-          <p:spPr>
-            <a:xfrm>
-              <a:off x="3286169" y="3987226"/>
-              <a:ext cx="289291" cy="109040"/>
-            </a:xfrm>
-            <a:prstGeom prst="rect">
-              <a:avLst/>
-            </a:prstGeom>
-            <a:noFill/>
-          </p:spPr>
-          <p:txBody>
-            <a:bodyPr lIns="0" rIns="0" tIns="0" bIns="0" anchorCtr="1" anchor="ctr" wrap="none"/>
-            <a:lstStyle/>
-            <a:p>
-              <a:pPr algn="l" marL="0" marR="0" indent="0">
-                <a:lnSpc>
-                  <a:spcPts val="1138"/>
-                </a:lnSpc>
-                <a:spcBef>
-                  <a:spcPts val="0"/>
-                </a:spcBef>
-                <a:spcAft>
-                  <a:spcPts val="0"/>
-                </a:spcAft>
-              </a:pPr>
-              <a:r>
-                <a:rPr sz="1138">
-                  <a:solidFill>
-                    <a:srgbClr val="FFFFFF">
-                      <a:alpha val="100000"/>
-                    </a:srgbClr>
-                  </a:solidFill>
-                  <a:latin typeface="Arial"/>
-                  <a:cs typeface="Arial"/>
-                </a:rPr>
-                <a:t>59%</a:t>
-              </a:r>
-            </a:p>
-          </p:txBody>
-        </p:sp>
-        <p:sp>
-          <p:nvSpPr>
-            <p:cNvPr id="46" name="tx46"/>
-            <p:cNvSpPr/>
-            <p:nvPr/>
-          </p:nvSpPr>
-          <p:spPr>
-            <a:xfrm>
-              <a:off x="4188751" y="2828738"/>
-              <a:ext cx="329449" cy="109040"/>
-            </a:xfrm>
-            <a:prstGeom prst="rect">
-              <a:avLst/>
-            </a:prstGeom>
-            <a:noFill/>
-          </p:spPr>
-          <p:txBody>
-            <a:bodyPr lIns="0" rIns="0" tIns="0" bIns="0" anchorCtr="1" anchor="ctr" wrap="none"/>
-            <a:lstStyle/>
-            <a:p>
-              <a:pPr algn="l" marL="0" marR="0" indent="0">
-                <a:lnSpc>
-                  <a:spcPts val="1138"/>
-                </a:lnSpc>
-                <a:spcBef>
-                  <a:spcPts val="0"/>
-                </a:spcBef>
-                <a:spcAft>
-                  <a:spcPts val="0"/>
-                </a:spcAft>
-              </a:pPr>
-              <a:r>
-                <a:rPr sz="1138">
-                  <a:solidFill>
-                    <a:srgbClr val="FFFFFF">
-                      <a:alpha val="100000"/>
-                    </a:srgbClr>
-                  </a:solidFill>
-                  <a:latin typeface="Arial"/>
-                  <a:cs typeface="Arial"/>
-                </a:rPr>
-                <a:t>1.8%</a:t>
-              </a:r>
-            </a:p>
-          </p:txBody>
-        </p:sp>
-        <p:sp>
-          <p:nvSpPr>
-            <p:cNvPr id="47" name="tx47"/>
-            <p:cNvSpPr/>
-            <p:nvPr/>
-          </p:nvSpPr>
-          <p:spPr>
-            <a:xfrm>
-              <a:off x="4978029" y="3527654"/>
-              <a:ext cx="409835" cy="109040"/>
-            </a:xfrm>
-            <a:prstGeom prst="rect">
-              <a:avLst/>
-            </a:prstGeom>
-            <a:noFill/>
-          </p:spPr>
-          <p:txBody>
-            <a:bodyPr lIns="0" rIns="0" tIns="0" bIns="0" anchorCtr="1" anchor="ctr" wrap="none"/>
-            <a:lstStyle/>
-            <a:p>
-              <a:pPr algn="l" marL="0" marR="0" indent="0">
-                <a:lnSpc>
-                  <a:spcPts val="1138"/>
-                </a:lnSpc>
-                <a:spcBef>
-                  <a:spcPts val="0"/>
-                </a:spcBef>
-                <a:spcAft>
-                  <a:spcPts val="0"/>
-                </a:spcAft>
-              </a:pPr>
-              <a:r>
-                <a:rPr sz="1138">
-                  <a:solidFill>
-                    <a:srgbClr val="FFFFFF">
-                      <a:alpha val="100000"/>
-                    </a:srgbClr>
-                  </a:solidFill>
-                  <a:latin typeface="Arial"/>
-                  <a:cs typeface="Arial"/>
-                </a:rPr>
-                <a:t>39.1%</a:t>
-              </a:r>
-            </a:p>
-          </p:txBody>
-        </p:sp>
-        <p:sp>
-          <p:nvSpPr>
-            <p:cNvPr id="48" name="tx48"/>
-            <p:cNvSpPr/>
-            <p:nvPr/>
-          </p:nvSpPr>
-          <p:spPr>
-            <a:xfrm>
-              <a:off x="3289526" y="3984984"/>
-              <a:ext cx="289291" cy="109040"/>
-            </a:xfrm>
-            <a:prstGeom prst="rect">
-              <a:avLst/>
-            </a:prstGeom>
-            <a:noFill/>
-          </p:spPr>
-          <p:txBody>
-            <a:bodyPr lIns="0" rIns="0" tIns="0" bIns="0" anchorCtr="1" anchor="ctr" wrap="none"/>
-            <a:lstStyle/>
-            <a:p>
-              <a:pPr algn="l" marL="0" marR="0" indent="0">
-                <a:lnSpc>
-                  <a:spcPts val="1138"/>
-                </a:lnSpc>
-                <a:spcBef>
-                  <a:spcPts val="0"/>
-                </a:spcBef>
-                <a:spcAft>
-                  <a:spcPts val="0"/>
-                </a:spcAft>
-              </a:pPr>
-              <a:r>
-                <a:rPr sz="1138">
-                  <a:solidFill>
-                    <a:srgbClr val="FFFFFF">
-                      <a:alpha val="100000"/>
-                    </a:srgbClr>
-                  </a:solidFill>
-                  <a:latin typeface="Arial"/>
-                  <a:cs typeface="Arial"/>
-                </a:rPr>
-                <a:t>59%</a:t>
-              </a:r>
-            </a:p>
-          </p:txBody>
-        </p:sp>
-        <p:sp>
-          <p:nvSpPr>
-            <p:cNvPr id="49" name="tx49"/>
-            <p:cNvSpPr/>
-            <p:nvPr/>
-          </p:nvSpPr>
-          <p:spPr>
-            <a:xfrm>
-              <a:off x="4190994" y="2825381"/>
-              <a:ext cx="329449" cy="109040"/>
-            </a:xfrm>
-            <a:prstGeom prst="rect">
-              <a:avLst/>
-            </a:prstGeom>
-            <a:noFill/>
-          </p:spPr>
-          <p:txBody>
-            <a:bodyPr lIns="0" rIns="0" tIns="0" bIns="0" anchorCtr="1" anchor="ctr" wrap="none"/>
-            <a:lstStyle/>
-            <a:p>
-              <a:pPr algn="l" marL="0" marR="0" indent="0">
-                <a:lnSpc>
-                  <a:spcPts val="1138"/>
-                </a:lnSpc>
-                <a:spcBef>
-                  <a:spcPts val="0"/>
-                </a:spcBef>
-                <a:spcAft>
-                  <a:spcPts val="0"/>
-                </a:spcAft>
-              </a:pPr>
-              <a:r>
-                <a:rPr sz="1138">
-                  <a:solidFill>
-                    <a:srgbClr val="FFFFFF">
-                      <a:alpha val="100000"/>
-                    </a:srgbClr>
-                  </a:solidFill>
-                  <a:latin typeface="Arial"/>
-                  <a:cs typeface="Arial"/>
-                </a:rPr>
-                <a:t>1.8%</a:t>
-              </a:r>
-            </a:p>
-          </p:txBody>
-        </p:sp>
-        <p:sp>
-          <p:nvSpPr>
-            <p:cNvPr id="50" name="tx50"/>
-            <p:cNvSpPr/>
-            <p:nvPr/>
-          </p:nvSpPr>
-          <p:spPr>
-            <a:xfrm>
-              <a:off x="4980272" y="3524297"/>
-              <a:ext cx="409835" cy="109040"/>
-            </a:xfrm>
-            <a:prstGeom prst="rect">
-              <a:avLst/>
-            </a:prstGeom>
-            <a:noFill/>
-          </p:spPr>
-          <p:txBody>
-            <a:bodyPr lIns="0" rIns="0" tIns="0" bIns="0" anchorCtr="1" anchor="ctr" wrap="none"/>
-            <a:lstStyle/>
-            <a:p>
-              <a:pPr algn="l" marL="0" marR="0" indent="0">
-                <a:lnSpc>
-                  <a:spcPts val="1138"/>
-                </a:lnSpc>
-                <a:spcBef>
-                  <a:spcPts val="0"/>
-                </a:spcBef>
-                <a:spcAft>
-                  <a:spcPts val="0"/>
-                </a:spcAft>
-              </a:pPr>
-              <a:r>
-                <a:rPr sz="1138">
-                  <a:solidFill>
-                    <a:srgbClr val="FFFFFF">
-                      <a:alpha val="100000"/>
-                    </a:srgbClr>
-                  </a:solidFill>
-                  <a:latin typeface="Arial"/>
-                  <a:cs typeface="Arial"/>
-                </a:rPr>
-                <a:t>39.1%</a:t>
-              </a:r>
-            </a:p>
-          </p:txBody>
-        </p:sp>
-        <p:sp>
-          <p:nvSpPr>
-            <p:cNvPr id="51" name="tx51"/>
-            <p:cNvSpPr/>
-            <p:nvPr/>
-          </p:nvSpPr>
-          <p:spPr>
-            <a:xfrm>
-              <a:off x="3291768" y="3981627"/>
-              <a:ext cx="289291" cy="109040"/>
-            </a:xfrm>
-            <a:prstGeom prst="rect">
-              <a:avLst/>
-            </a:prstGeom>
-            <a:noFill/>
-          </p:spPr>
-          <p:txBody>
-            <a:bodyPr lIns="0" rIns="0" tIns="0" bIns="0" anchorCtr="1" anchor="ctr" wrap="none"/>
-            <a:lstStyle/>
-            <a:p>
-              <a:pPr algn="l" marL="0" marR="0" indent="0">
-                <a:lnSpc>
-                  <a:spcPts val="1138"/>
-                </a:lnSpc>
-                <a:spcBef>
-                  <a:spcPts val="0"/>
-                </a:spcBef>
-                <a:spcAft>
-                  <a:spcPts val="0"/>
-                </a:spcAft>
-              </a:pPr>
-              <a:r>
-                <a:rPr sz="1138">
-                  <a:solidFill>
-                    <a:srgbClr val="FFFFFF">
-                      <a:alpha val="100000"/>
-                    </a:srgbClr>
-                  </a:solidFill>
-                  <a:latin typeface="Arial"/>
-                  <a:cs typeface="Arial"/>
-                </a:rPr>
-                <a:t>59%</a:t>
-              </a:r>
-            </a:p>
-          </p:txBody>
-        </p:sp>
-        <p:sp>
-          <p:nvSpPr>
-            <p:cNvPr id="52" name="tx52"/>
-            <p:cNvSpPr/>
-            <p:nvPr/>
-          </p:nvSpPr>
-          <p:spPr>
-            <a:xfrm>
-              <a:off x="4191781" y="2821422"/>
-              <a:ext cx="329449" cy="109040"/>
-            </a:xfrm>
-            <a:prstGeom prst="rect">
-              <a:avLst/>
-            </a:prstGeom>
-            <a:noFill/>
-          </p:spPr>
-          <p:txBody>
-            <a:bodyPr lIns="0" rIns="0" tIns="0" bIns="0" anchorCtr="1" anchor="ctr" wrap="none"/>
-            <a:lstStyle/>
-            <a:p>
-              <a:pPr algn="l" marL="0" marR="0" indent="0">
-                <a:lnSpc>
-                  <a:spcPts val="1138"/>
-                </a:lnSpc>
-                <a:spcBef>
-                  <a:spcPts val="0"/>
-                </a:spcBef>
-                <a:spcAft>
-                  <a:spcPts val="0"/>
-                </a:spcAft>
-              </a:pPr>
-              <a:r>
-                <a:rPr sz="1138">
-                  <a:solidFill>
-                    <a:srgbClr val="FFFFFF">
-                      <a:alpha val="100000"/>
-                    </a:srgbClr>
-                  </a:solidFill>
-                  <a:latin typeface="Arial"/>
-                  <a:cs typeface="Arial"/>
-                </a:rPr>
-                <a:t>1.8%</a:t>
-              </a:r>
-            </a:p>
-          </p:txBody>
-        </p:sp>
-        <p:sp>
-          <p:nvSpPr>
-            <p:cNvPr id="53" name="tx53"/>
-            <p:cNvSpPr/>
-            <p:nvPr/>
-          </p:nvSpPr>
-          <p:spPr>
-            <a:xfrm>
-              <a:off x="4981059" y="3520338"/>
-              <a:ext cx="409835" cy="109040"/>
-            </a:xfrm>
-            <a:prstGeom prst="rect">
-              <a:avLst/>
-            </a:prstGeom>
-            <a:noFill/>
-          </p:spPr>
-          <p:txBody>
-            <a:bodyPr lIns="0" rIns="0" tIns="0" bIns="0" anchorCtr="1" anchor="ctr" wrap="none"/>
-            <a:lstStyle/>
-            <a:p>
-              <a:pPr algn="l" marL="0" marR="0" indent="0">
-                <a:lnSpc>
-                  <a:spcPts val="1138"/>
-                </a:lnSpc>
-                <a:spcBef>
-                  <a:spcPts val="0"/>
-                </a:spcBef>
-                <a:spcAft>
-                  <a:spcPts val="0"/>
-                </a:spcAft>
-              </a:pPr>
-              <a:r>
-                <a:rPr sz="1138">
-                  <a:solidFill>
-                    <a:srgbClr val="FFFFFF">
-                      <a:alpha val="100000"/>
-                    </a:srgbClr>
-                  </a:solidFill>
-                  <a:latin typeface="Arial"/>
-                  <a:cs typeface="Arial"/>
-                </a:rPr>
-                <a:t>39.1%</a:t>
-              </a:r>
-            </a:p>
-          </p:txBody>
-        </p:sp>
-        <p:sp>
-          <p:nvSpPr>
-            <p:cNvPr id="54" name="tx54"/>
-            <p:cNvSpPr/>
-            <p:nvPr/>
-          </p:nvSpPr>
-          <p:spPr>
-            <a:xfrm>
-              <a:off x="3292556" y="3977668"/>
-              <a:ext cx="289291" cy="109040"/>
-            </a:xfrm>
-            <a:prstGeom prst="rect">
-              <a:avLst/>
-            </a:prstGeom>
-            <a:noFill/>
-          </p:spPr>
-          <p:txBody>
-            <a:bodyPr lIns="0" rIns="0" tIns="0" bIns="0" anchorCtr="1" anchor="ctr" wrap="none"/>
-            <a:lstStyle/>
-            <a:p>
-              <a:pPr algn="l" marL="0" marR="0" indent="0">
-                <a:lnSpc>
-                  <a:spcPts val="1138"/>
-                </a:lnSpc>
-                <a:spcBef>
-                  <a:spcPts val="0"/>
-                </a:spcBef>
-                <a:spcAft>
-                  <a:spcPts val="0"/>
-                </a:spcAft>
-              </a:pPr>
-              <a:r>
-                <a:rPr sz="1138">
-                  <a:solidFill>
-                    <a:srgbClr val="FFFFFF">
-                      <a:alpha val="100000"/>
-                    </a:srgbClr>
-                  </a:solidFill>
-                  <a:latin typeface="Arial"/>
-                  <a:cs typeface="Arial"/>
-                </a:rPr>
-                <a:t>59%</a:t>
-              </a:r>
-            </a:p>
-          </p:txBody>
-        </p:sp>
-        <p:sp>
-          <p:nvSpPr>
-            <p:cNvPr id="55" name="tx55"/>
-            <p:cNvSpPr/>
-            <p:nvPr/>
-          </p:nvSpPr>
-          <p:spPr>
-            <a:xfrm>
-              <a:off x="4181435" y="2821422"/>
-              <a:ext cx="329449" cy="109040"/>
-            </a:xfrm>
-            <a:prstGeom prst="rect">
-              <a:avLst/>
-            </a:prstGeom>
-            <a:noFill/>
-          </p:spPr>
-          <p:txBody>
-            <a:bodyPr lIns="0" rIns="0" tIns="0" bIns="0" anchorCtr="1" anchor="ctr" wrap="none"/>
-            <a:lstStyle/>
-            <a:p>
-              <a:pPr algn="l" marL="0" marR="0" indent="0">
-                <a:lnSpc>
-                  <a:spcPts val="1138"/>
-                </a:lnSpc>
-                <a:spcBef>
-                  <a:spcPts val="0"/>
-                </a:spcBef>
-                <a:spcAft>
-                  <a:spcPts val="0"/>
-                </a:spcAft>
-              </a:pPr>
-              <a:r>
-                <a:rPr sz="1138">
-                  <a:solidFill>
-                    <a:srgbClr val="619CFF">
-                      <a:alpha val="100000"/>
-                    </a:srgbClr>
-                  </a:solidFill>
-                  <a:latin typeface="Arial"/>
-                  <a:cs typeface="Arial"/>
-                </a:rPr>
-                <a:t>1.8%</a:t>
-              </a:r>
-            </a:p>
-          </p:txBody>
-        </p:sp>
-        <p:sp>
-          <p:nvSpPr>
-            <p:cNvPr id="56" name="tx56"/>
-            <p:cNvSpPr/>
-            <p:nvPr/>
-          </p:nvSpPr>
-          <p:spPr>
-            <a:xfrm>
-              <a:off x="4970713" y="3520338"/>
-              <a:ext cx="409835" cy="109040"/>
-            </a:xfrm>
-            <a:prstGeom prst="rect">
-              <a:avLst/>
-            </a:prstGeom>
-            <a:noFill/>
-          </p:spPr>
-          <p:txBody>
-            <a:bodyPr lIns="0" rIns="0" tIns="0" bIns="0" anchorCtr="1" anchor="ctr" wrap="none"/>
-            <a:lstStyle/>
-            <a:p>
-              <a:pPr algn="l" marL="0" marR="0" indent="0">
-                <a:lnSpc>
-                  <a:spcPts val="1138"/>
-                </a:lnSpc>
-                <a:spcBef>
-                  <a:spcPts val="0"/>
-                </a:spcBef>
-                <a:spcAft>
-                  <a:spcPts val="0"/>
-                </a:spcAft>
-              </a:pPr>
-              <a:r>
-                <a:rPr sz="1138">
-                  <a:solidFill>
-                    <a:srgbClr val="00BA38">
-                      <a:alpha val="100000"/>
-                    </a:srgbClr>
-                  </a:solidFill>
-                  <a:latin typeface="Arial"/>
-                  <a:cs typeface="Arial"/>
-                </a:rPr>
-                <a:t>39.1%</a:t>
-              </a:r>
-            </a:p>
-          </p:txBody>
-        </p:sp>
-        <p:sp>
-          <p:nvSpPr>
-            <p:cNvPr id="57" name="tx57"/>
-            <p:cNvSpPr/>
-            <p:nvPr/>
-          </p:nvSpPr>
-          <p:spPr>
-            <a:xfrm>
-              <a:off x="3282210" y="3977668"/>
-              <a:ext cx="289291" cy="109040"/>
-            </a:xfrm>
-            <a:prstGeom prst="rect">
-              <a:avLst/>
-            </a:prstGeom>
-            <a:noFill/>
-          </p:spPr>
-          <p:txBody>
-            <a:bodyPr lIns="0" rIns="0" tIns="0" bIns="0" anchorCtr="1" anchor="ctr" wrap="none"/>
-            <a:lstStyle/>
-            <a:p>
-              <a:pPr algn="l" marL="0" marR="0" indent="0">
-                <a:lnSpc>
-                  <a:spcPts val="1138"/>
-                </a:lnSpc>
-                <a:spcBef>
-                  <a:spcPts val="0"/>
-                </a:spcBef>
-                <a:spcAft>
-                  <a:spcPts val="0"/>
-                </a:spcAft>
-              </a:pPr>
-              <a:r>
-                <a:rPr sz="1138">
-                  <a:solidFill>
-                    <a:srgbClr val="F8766D">
-                      <a:alpha val="100000"/>
-                    </a:srgbClr>
-                  </a:solidFill>
-                  <a:latin typeface="Arial"/>
-                  <a:cs typeface="Arial"/>
-                </a:rPr>
-                <a:t>59%</a:t>
-              </a:r>
-            </a:p>
-          </p:txBody>
-        </p:sp>
-        <p:sp>
-          <p:nvSpPr>
-            <p:cNvPr id="58" name="rc58"/>
-            <p:cNvSpPr/>
-            <p:nvPr/>
-          </p:nvSpPr>
-          <p:spPr>
-            <a:xfrm>
-              <a:off x="6636132" y="3561554"/>
-              <a:ext cx="201456" cy="201456"/>
-            </a:xfrm>
-            <a:prstGeom prst="rect">
-              <a:avLst/>
-            </a:prstGeom>
-            <a:solidFill>
-              <a:srgbClr val="619CFF">
-                <a:alpha val="100000"/>
-              </a:srgbClr>
-            </a:solidFill>
-            <a:ln w="13550" cap="sq">
+            <p:cNvPr id="99" name="pl99"/>
+            <p:cNvSpPr/>
+            <p:nvPr/>
+          </p:nvSpPr>
+          <p:spPr>
+            <a:xfrm>
+              <a:off x="2145087" y="5116600"/>
+              <a:ext cx="34794" cy="0"/>
+            </a:xfrm>
+            <a:custGeom>
+              <a:avLst/>
+              <a:pathLst>
+                <a:path w="34794" h="0">
+                  <a:moveTo>
+                    <a:pt x="0" y="0"/>
+                  </a:moveTo>
+                  <a:lnTo>
+                    <a:pt x="34794" y="0"/>
+                  </a:lnTo>
+                </a:path>
+              </a:pathLst>
+            </a:custGeom>
+            <a:ln w="13550" cap="flat">
               <a:solidFill>
-                <a:srgbClr val="FFFFFF">
+                <a:srgbClr val="333333">
                   <a:alpha val="100000"/>
                 </a:srgbClr>
               </a:solidFill>
               <a:prstDash val="solid"/>
-              <a:miter/>
+              <a:round/>
             </a:ln>
           </p:spPr>
           <p:txBody>
@@ -6726,31 +6905,36 @@
         </p:sp>
         <p:sp>
           <p:nvSpPr>
-            <p:cNvPr id="59" name="rc59"/>
-            <p:cNvSpPr/>
-            <p:nvPr/>
-          </p:nvSpPr>
-          <p:spPr>
-            <a:xfrm>
-              <a:off x="6636132" y="3781010"/>
-              <a:ext cx="201456" cy="201456"/>
-            </a:xfrm>
-            <a:prstGeom prst="rect">
-              <a:avLst/>
-            </a:prstGeom>
-            <a:solidFill>
-              <a:srgbClr val="00BA38">
-                <a:alpha val="100000"/>
-              </a:srgbClr>
-            </a:solidFill>
-            <a:ln w="13550" cap="sq">
+            <p:cNvPr id="100" name="pl100"/>
+            <p:cNvSpPr/>
+            <p:nvPr/>
+          </p:nvSpPr>
+          <p:spPr>
+            <a:xfrm>
+              <a:off x="2145087" y="4195568"/>
+              <a:ext cx="34794" cy="0"/>
+            </a:xfrm>
+            <a:custGeom>
+              <a:avLst/>
+              <a:pathLst>
+                <a:path w="34794" h="0">
+                  <a:moveTo>
+                    <a:pt x="0" y="0"/>
+                  </a:moveTo>
+                  <a:lnTo>
+                    <a:pt x="34794" y="0"/>
+                  </a:lnTo>
+                </a:path>
+              </a:pathLst>
+            </a:custGeom>
+            <a:ln w="13550" cap="flat">
               <a:solidFill>
-                <a:srgbClr val="FFFFFF">
+                <a:srgbClr val="333333">
                   <a:alpha val="100000"/>
                 </a:srgbClr>
               </a:solidFill>
               <a:prstDash val="solid"/>
-              <a:miter/>
+              <a:round/>
             </a:ln>
           </p:spPr>
           <p:txBody>
@@ -6761,31 +6945,36 @@
         </p:sp>
         <p:sp>
           <p:nvSpPr>
-            <p:cNvPr id="60" name="rc60"/>
-            <p:cNvSpPr/>
-            <p:nvPr/>
-          </p:nvSpPr>
-          <p:spPr>
-            <a:xfrm>
-              <a:off x="6636132" y="4000466"/>
-              <a:ext cx="201456" cy="201456"/>
-            </a:xfrm>
-            <a:prstGeom prst="rect">
-              <a:avLst/>
-            </a:prstGeom>
-            <a:solidFill>
-              <a:srgbClr val="F8766D">
-                <a:alpha val="100000"/>
-              </a:srgbClr>
-            </a:solidFill>
-            <a:ln w="13550" cap="sq">
+            <p:cNvPr id="101" name="pl101"/>
+            <p:cNvSpPr/>
+            <p:nvPr/>
+          </p:nvSpPr>
+          <p:spPr>
+            <a:xfrm>
+              <a:off x="2145087" y="3274535"/>
+              <a:ext cx="34794" cy="0"/>
+            </a:xfrm>
+            <a:custGeom>
+              <a:avLst/>
+              <a:pathLst>
+                <a:path w="34794" h="0">
+                  <a:moveTo>
+                    <a:pt x="0" y="0"/>
+                  </a:moveTo>
+                  <a:lnTo>
+                    <a:pt x="34794" y="0"/>
+                  </a:lnTo>
+                </a:path>
+              </a:pathLst>
+            </a:custGeom>
+            <a:ln w="13550" cap="flat">
               <a:solidFill>
-                <a:srgbClr val="FFFFFF">
+                <a:srgbClr val="333333">
                   <a:alpha val="100000"/>
                 </a:srgbClr>
               </a:solidFill>
               <a:prstDash val="solid"/>
-              <a:miter/>
+              <a:round/>
             </a:ln>
           </p:spPr>
           <p:txBody>
@@ -6796,13 +6985,183 @@
         </p:sp>
         <p:sp>
           <p:nvSpPr>
-            <p:cNvPr id="61" name="tx61"/>
-            <p:cNvSpPr/>
-            <p:nvPr/>
-          </p:nvSpPr>
-          <p:spPr>
-            <a:xfrm>
-              <a:off x="6916177" y="3632432"/>
+            <p:cNvPr id="102" name="pl102"/>
+            <p:cNvSpPr/>
+            <p:nvPr/>
+          </p:nvSpPr>
+          <p:spPr>
+            <a:xfrm>
+              <a:off x="2145087" y="2353503"/>
+              <a:ext cx="34794" cy="0"/>
+            </a:xfrm>
+            <a:custGeom>
+              <a:avLst/>
+              <a:pathLst>
+                <a:path w="34794" h="0">
+                  <a:moveTo>
+                    <a:pt x="0" y="0"/>
+                  </a:moveTo>
+                  <a:lnTo>
+                    <a:pt x="34794" y="0"/>
+                  </a:lnTo>
+                </a:path>
+              </a:pathLst>
+            </a:custGeom>
+            <a:ln w="13550" cap="flat">
+              <a:solidFill>
+                <a:srgbClr val="333333">
+                  <a:alpha val="100000"/>
+                </a:srgbClr>
+              </a:solidFill>
+              <a:prstDash val="solid"/>
+              <a:round/>
+            </a:ln>
+          </p:spPr>
+          <p:txBody>
+            <a:bodyPr/>
+            <a:lstStyle/>
+            <a:p/>
+          </p:txBody>
+        </p:sp>
+        <p:sp>
+          <p:nvSpPr>
+            <p:cNvPr id="103" name="rc103"/>
+            <p:cNvSpPr/>
+            <p:nvPr/>
+          </p:nvSpPr>
+          <p:spPr>
+            <a:xfrm>
+              <a:off x="4891948" y="5613598"/>
+              <a:ext cx="1333077" cy="358634"/>
+            </a:xfrm>
+            <a:prstGeom prst="rect">
+              <a:avLst/>
+            </a:prstGeom>
+            <a:solidFill>
+              <a:srgbClr val="FFFFFF">
+                <a:alpha val="100000"/>
+              </a:srgbClr>
+            </a:solidFill>
+          </p:spPr>
+          <p:txBody>
+            <a:bodyPr/>
+            <a:lstStyle/>
+            <a:p/>
+          </p:txBody>
+        </p:sp>
+        <p:sp>
+          <p:nvSpPr>
+            <p:cNvPr id="104" name="rc104"/>
+            <p:cNvSpPr/>
+            <p:nvPr/>
+          </p:nvSpPr>
+          <p:spPr>
+            <a:xfrm>
+              <a:off x="5031126" y="5683187"/>
+              <a:ext cx="219455" cy="219455"/>
+            </a:xfrm>
+            <a:prstGeom prst="rect">
+              <a:avLst/>
+            </a:prstGeom>
+            <a:solidFill>
+              <a:srgbClr val="FFFFFF">
+                <a:alpha val="100000"/>
+              </a:srgbClr>
+            </a:solidFill>
+          </p:spPr>
+          <p:txBody>
+            <a:bodyPr/>
+            <a:lstStyle/>
+            <a:p/>
+          </p:txBody>
+        </p:sp>
+        <p:sp>
+          <p:nvSpPr>
+            <p:cNvPr id="105" name="rc105"/>
+            <p:cNvSpPr/>
+            <p:nvPr/>
+          </p:nvSpPr>
+          <p:spPr>
+            <a:xfrm>
+              <a:off x="5040126" y="5692187"/>
+              <a:ext cx="201456" cy="201456"/>
+            </a:xfrm>
+            <a:prstGeom prst="rect">
+              <a:avLst/>
+            </a:prstGeom>
+            <a:solidFill>
+              <a:srgbClr val="FEE0D2">
+                <a:alpha val="100000"/>
+              </a:srgbClr>
+            </a:solidFill>
+          </p:spPr>
+          <p:txBody>
+            <a:bodyPr/>
+            <a:lstStyle/>
+            <a:p/>
+          </p:txBody>
+        </p:sp>
+        <p:sp>
+          <p:nvSpPr>
+            <p:cNvPr id="106" name="rc106"/>
+            <p:cNvSpPr/>
+            <p:nvPr/>
+          </p:nvSpPr>
+          <p:spPr>
+            <a:xfrm>
+              <a:off x="5580413" y="5683187"/>
+              <a:ext cx="219455" cy="219455"/>
+            </a:xfrm>
+            <a:prstGeom prst="rect">
+              <a:avLst/>
+            </a:prstGeom>
+            <a:solidFill>
+              <a:srgbClr val="FFFFFF">
+                <a:alpha val="100000"/>
+              </a:srgbClr>
+            </a:solidFill>
+          </p:spPr>
+          <p:txBody>
+            <a:bodyPr/>
+            <a:lstStyle/>
+            <a:p/>
+          </p:txBody>
+        </p:sp>
+        <p:sp>
+          <p:nvSpPr>
+            <p:cNvPr id="107" name="rc107"/>
+            <p:cNvSpPr/>
+            <p:nvPr/>
+          </p:nvSpPr>
+          <p:spPr>
+            <a:xfrm>
+              <a:off x="5589413" y="5692187"/>
+              <a:ext cx="201456" cy="201456"/>
+            </a:xfrm>
+            <a:prstGeom prst="rect">
+              <a:avLst/>
+            </a:prstGeom>
+            <a:solidFill>
+              <a:srgbClr val="FC9272">
+                <a:alpha val="100000"/>
+              </a:srgbClr>
+            </a:solidFill>
+          </p:spPr>
+          <p:txBody>
+            <a:bodyPr/>
+            <a:lstStyle/>
+            <a:p/>
+          </p:txBody>
+        </p:sp>
+        <p:sp>
+          <p:nvSpPr>
+            <p:cNvPr id="108" name="tx108"/>
+            <p:cNvSpPr/>
+            <p:nvPr/>
+          </p:nvSpPr>
+          <p:spPr>
+            <a:xfrm>
+              <a:off x="5320171" y="5763065"/>
               <a:ext cx="167640" cy="69850"/>
             </a:xfrm>
             <a:prstGeom prst="rect">
@@ -6835,21 +7194,21 @@
                   <a:latin typeface="Arial"/>
                   <a:cs typeface="Arial"/>
                 </a:rPr>
-                <a:t>不会</a:t>
+                <a:t>必要</a:t>
               </a:r>
             </a:p>
           </p:txBody>
         </p:sp>
         <p:sp>
           <p:nvSpPr>
-            <p:cNvPr id="62" name="tx62"/>
-            <p:cNvSpPr/>
-            <p:nvPr/>
-          </p:nvSpPr>
-          <p:spPr>
-            <a:xfrm>
-              <a:off x="6916177" y="3851888"/>
-              <a:ext cx="1592579" cy="69850"/>
+            <p:cNvPr id="109" name="tx109"/>
+            <p:cNvSpPr/>
+            <p:nvPr/>
+          </p:nvSpPr>
+          <p:spPr>
+            <a:xfrm>
+              <a:off x="5869458" y="5763065"/>
+              <a:ext cx="251460" cy="69850"/>
             </a:xfrm>
             <a:prstGeom prst="rect">
               <a:avLst/>
@@ -6881,53 +7240,7 @@
                   <a:latin typeface="Arial"/>
                   <a:cs typeface="Arial"/>
                 </a:rPr>
-                <a:t>会，对方向我描述身体问题时有针对性推荐</a:t>
-              </a:r>
-            </a:p>
-          </p:txBody>
-        </p:sp>
-        <p:sp>
-          <p:nvSpPr>
-            <p:cNvPr id="63" name="tx63"/>
-            <p:cNvSpPr/>
-            <p:nvPr/>
-          </p:nvSpPr>
-          <p:spPr>
-            <a:xfrm>
-              <a:off x="6916177" y="4071344"/>
-              <a:ext cx="1173479" cy="69850"/>
-            </a:xfrm>
-            <a:prstGeom prst="rect">
-              <a:avLst/>
-            </a:prstGeom>
-            <a:noFill/>
-          </p:spPr>
-          <p:txBody>
-            <a:bodyPr lIns="0" rIns="0" tIns="0" bIns="0" anchorCtr="1" anchor="ctr" wrap="none"/>
-            <a:lstStyle/>
-            <a:p>
-              <a:pPr algn="l" marL="0" marR="0" indent="0">
-                <a:lnSpc>
-                  <a:spcPts val="880"/>
-                </a:lnSpc>
-                <a:spcBef>
-                  <a:spcPts val="0"/>
-                </a:spcBef>
-                <a:spcAft>
-                  <a:spcPts val="0"/>
-                </a:spcAft>
-              </a:pPr>
-              <a:r>
-                <a:rPr sz="880">
-                  <a:solidFill>
-                    <a:srgbClr val="000000">
-                      <a:alpha val="100000"/>
-                    </a:srgbClr>
-                  </a:solidFill>
-                  <a:latin typeface="Arial"/>
-                  <a:cs typeface="Arial"/>
-                </a:rPr>
-                <a:t>会，因为有效，经常推荐给他人</a:t>
+                <a:t>不必要</a:t>
               </a:r>
             </a:p>
           </p:txBody>
